--- a/_Prototype/Document/Map/맵.pptx
+++ b/_Prototype/Document/Map/맵.pptx
@@ -5,17 +5,18 @@
     <p:sldMasterId id="2147483648" r:id="rId1"/>
   </p:sldMasterIdLst>
   <p:notesMasterIdLst>
-    <p:notesMasterId r:id="rId10"/>
+    <p:notesMasterId r:id="rId11"/>
   </p:notesMasterIdLst>
   <p:sldIdLst>
     <p:sldId id="257" r:id="rId2"/>
-    <p:sldId id="268" r:id="rId3"/>
-    <p:sldId id="287" r:id="rId4"/>
-    <p:sldId id="281" r:id="rId5"/>
-    <p:sldId id="282" r:id="rId6"/>
-    <p:sldId id="285" r:id="rId7"/>
-    <p:sldId id="283" r:id="rId8"/>
-    <p:sldId id="284" r:id="rId9"/>
+    <p:sldId id="288" r:id="rId3"/>
+    <p:sldId id="268" r:id="rId4"/>
+    <p:sldId id="287" r:id="rId5"/>
+    <p:sldId id="281" r:id="rId6"/>
+    <p:sldId id="282" r:id="rId7"/>
+    <p:sldId id="285" r:id="rId8"/>
+    <p:sldId id="283" r:id="rId9"/>
+    <p:sldId id="284" r:id="rId10"/>
   </p:sldIdLst>
   <p:sldSz cx="12192000" cy="6858000"/>
   <p:notesSz cx="6858000" cy="9144000"/>
@@ -204,7 +205,7 @@
           <a:p>
             <a:fld id="{2A8CA0AD-A475-44B5-9A01-DE22AB9F57C0}" type="datetimeFigureOut">
               <a:rPr lang="ko-KR" altLang="en-US" smtClean="0"/>
-              <a:t>2022-07-05(Tue)</a:t>
+              <a:t>2022-07-14(Thu)</a:t>
             </a:fld>
             <a:endParaRPr lang="ko-KR" altLang="en-US"/>
           </a:p>
@@ -545,7 +546,7 @@
     </p:spTree>
     <p:extLst>
       <p:ext uri="{BB962C8B-B14F-4D97-AF65-F5344CB8AC3E}">
-        <p14:creationId xmlns:p14="http://schemas.microsoft.com/office/powerpoint/2010/main" val="3044779181"/>
+        <p14:creationId xmlns:p14="http://schemas.microsoft.com/office/powerpoint/2010/main" val="3154039303"/>
       </p:ext>
     </p:extLst>
   </p:cSld>
@@ -629,7 +630,7 @@
     </p:spTree>
     <p:extLst>
       <p:ext uri="{BB962C8B-B14F-4D97-AF65-F5344CB8AC3E}">
-        <p14:creationId xmlns:p14="http://schemas.microsoft.com/office/powerpoint/2010/main" val="2731946315"/>
+        <p14:creationId xmlns:p14="http://schemas.microsoft.com/office/powerpoint/2010/main" val="3044779181"/>
       </p:ext>
     </p:extLst>
   </p:cSld>
@@ -713,7 +714,7 @@
     </p:spTree>
     <p:extLst>
       <p:ext uri="{BB962C8B-B14F-4D97-AF65-F5344CB8AC3E}">
-        <p14:creationId xmlns:p14="http://schemas.microsoft.com/office/powerpoint/2010/main" val="3867624950"/>
+        <p14:creationId xmlns:p14="http://schemas.microsoft.com/office/powerpoint/2010/main" val="2731946315"/>
       </p:ext>
     </p:extLst>
   </p:cSld>
@@ -797,7 +798,7 @@
     </p:spTree>
     <p:extLst>
       <p:ext uri="{BB962C8B-B14F-4D97-AF65-F5344CB8AC3E}">
-        <p14:creationId xmlns:p14="http://schemas.microsoft.com/office/powerpoint/2010/main" val="3625904847"/>
+        <p14:creationId xmlns:p14="http://schemas.microsoft.com/office/powerpoint/2010/main" val="3867624950"/>
       </p:ext>
     </p:extLst>
   </p:cSld>
@@ -881,7 +882,7 @@
     </p:spTree>
     <p:extLst>
       <p:ext uri="{BB962C8B-B14F-4D97-AF65-F5344CB8AC3E}">
-        <p14:creationId xmlns:p14="http://schemas.microsoft.com/office/powerpoint/2010/main" val="3135142004"/>
+        <p14:creationId xmlns:p14="http://schemas.microsoft.com/office/powerpoint/2010/main" val="3625904847"/>
       </p:ext>
     </p:extLst>
   </p:cSld>
@@ -965,7 +966,7 @@
     </p:spTree>
     <p:extLst>
       <p:ext uri="{BB962C8B-B14F-4D97-AF65-F5344CB8AC3E}">
-        <p14:creationId xmlns:p14="http://schemas.microsoft.com/office/powerpoint/2010/main" val="923341418"/>
+        <p14:creationId xmlns:p14="http://schemas.microsoft.com/office/powerpoint/2010/main" val="3135142004"/>
       </p:ext>
     </p:extLst>
   </p:cSld>
@@ -1041,6 +1042,90 @@
             <a:fld id="{73EB825B-89DC-4B21-8B3A-B3CA9CD761CE}" type="slidenum">
               <a:rPr lang="ko-KR" altLang="en-US" smtClean="0"/>
               <a:t>8</a:t>
+            </a:fld>
+            <a:endParaRPr lang="ko-KR" altLang="en-US"/>
+          </a:p>
+        </p:txBody>
+      </p:sp>
+    </p:spTree>
+    <p:extLst>
+      <p:ext uri="{BB962C8B-B14F-4D97-AF65-F5344CB8AC3E}">
+        <p14:creationId xmlns:p14="http://schemas.microsoft.com/office/powerpoint/2010/main" val="923341418"/>
+      </p:ext>
+    </p:extLst>
+  </p:cSld>
+  <p:clrMapOvr>
+    <a:masterClrMapping/>
+  </p:clrMapOvr>
+</p:notes>
+</file>
+
+<file path=ppt/notesSlides/notesSlide8.xml><?xml version="1.0" encoding="utf-8"?>
+<p:notes xmlns:a="http://schemas.openxmlformats.org/drawingml/2006/main" xmlns:r="http://schemas.openxmlformats.org/officeDocument/2006/relationships" xmlns:p="http://schemas.openxmlformats.org/presentationml/2006/main">
+  <p:cSld>
+    <p:spTree>
+      <p:nvGrpSpPr>
+        <p:cNvPr id="1" name=""/>
+        <p:cNvGrpSpPr/>
+        <p:nvPr/>
+      </p:nvGrpSpPr>
+      <p:grpSpPr>
+        <a:xfrm>
+          <a:off x="0" y="0"/>
+          <a:ext cx="0" cy="0"/>
+          <a:chOff x="0" y="0"/>
+          <a:chExt cx="0" cy="0"/>
+        </a:xfrm>
+      </p:grpSpPr>
+      <p:sp>
+        <p:nvSpPr>
+          <p:cNvPr id="2" name="슬라이드 이미지 개체 틀 1"/>
+          <p:cNvSpPr>
+            <a:spLocks noGrp="1" noRot="1" noChangeAspect="1"/>
+          </p:cNvSpPr>
+          <p:nvPr>
+            <p:ph type="sldImg"/>
+          </p:nvPr>
+        </p:nvSpPr>
+        <p:spPr/>
+      </p:sp>
+      <p:sp>
+        <p:nvSpPr>
+          <p:cNvPr id="3" name="슬라이드 노트 개체 틀 2"/>
+          <p:cNvSpPr>
+            <a:spLocks noGrp="1"/>
+          </p:cNvSpPr>
+          <p:nvPr>
+            <p:ph type="body" idx="1"/>
+          </p:nvPr>
+        </p:nvSpPr>
+        <p:spPr/>
+        <p:txBody>
+          <a:bodyPr/>
+          <a:lstStyle/>
+          <a:p>
+            <a:endParaRPr lang="ko-KR" altLang="en-US" dirty="0"/>
+          </a:p>
+        </p:txBody>
+      </p:sp>
+      <p:sp>
+        <p:nvSpPr>
+          <p:cNvPr id="4" name="슬라이드 번호 개체 틀 3"/>
+          <p:cNvSpPr>
+            <a:spLocks noGrp="1"/>
+          </p:cNvSpPr>
+          <p:nvPr>
+            <p:ph type="sldNum" sz="quarter" idx="5"/>
+          </p:nvPr>
+        </p:nvSpPr>
+        <p:spPr/>
+        <p:txBody>
+          <a:bodyPr/>
+          <a:lstStyle/>
+          <a:p>
+            <a:fld id="{73EB825B-89DC-4B21-8B3A-B3CA9CD761CE}" type="slidenum">
+              <a:rPr lang="ko-KR" altLang="en-US" smtClean="0"/>
+              <a:t>9</a:t>
             </a:fld>
             <a:endParaRPr lang="ko-KR" altLang="en-US"/>
           </a:p>
@@ -1206,7 +1291,7 @@
           <a:p>
             <a:fld id="{CB6516E8-9AC5-4179-AC4F-A3E331A91671}" type="datetimeFigureOut">
               <a:rPr lang="ko-KR" altLang="en-US" smtClean="0"/>
-              <a:t>2022-07-05(Tue)</a:t>
+              <a:t>2022-07-14(Thu)</a:t>
             </a:fld>
             <a:endParaRPr lang="ko-KR" altLang="en-US"/>
           </a:p>
@@ -1404,7 +1489,7 @@
           <a:p>
             <a:fld id="{CB6516E8-9AC5-4179-AC4F-A3E331A91671}" type="datetimeFigureOut">
               <a:rPr lang="ko-KR" altLang="en-US" smtClean="0"/>
-              <a:t>2022-07-05(Tue)</a:t>
+              <a:t>2022-07-14(Thu)</a:t>
             </a:fld>
             <a:endParaRPr lang="ko-KR" altLang="en-US"/>
           </a:p>
@@ -1612,7 +1697,7 @@
           <a:p>
             <a:fld id="{CB6516E8-9AC5-4179-AC4F-A3E331A91671}" type="datetimeFigureOut">
               <a:rPr lang="ko-KR" altLang="en-US" smtClean="0"/>
-              <a:t>2022-07-05(Tue)</a:t>
+              <a:t>2022-07-14(Thu)</a:t>
             </a:fld>
             <a:endParaRPr lang="ko-KR" altLang="en-US"/>
           </a:p>
@@ -2062,7 +2147,7 @@
           <a:p>
             <a:fld id="{CB6516E8-9AC5-4179-AC4F-A3E331A91671}" type="datetimeFigureOut">
               <a:rPr lang="ko-KR" altLang="en-US" smtClean="0"/>
-              <a:t>2022-07-05(Tue)</a:t>
+              <a:t>2022-07-14(Thu)</a:t>
             </a:fld>
             <a:endParaRPr lang="ko-KR" altLang="en-US"/>
           </a:p>
@@ -2337,7 +2422,7 @@
           <a:p>
             <a:fld id="{CB6516E8-9AC5-4179-AC4F-A3E331A91671}" type="datetimeFigureOut">
               <a:rPr lang="ko-KR" altLang="en-US" smtClean="0"/>
-              <a:t>2022-07-05(Tue)</a:t>
+              <a:t>2022-07-14(Thu)</a:t>
             </a:fld>
             <a:endParaRPr lang="ko-KR" altLang="en-US"/>
           </a:p>
@@ -2602,7 +2687,7 @@
           <a:p>
             <a:fld id="{CB6516E8-9AC5-4179-AC4F-A3E331A91671}" type="datetimeFigureOut">
               <a:rPr lang="ko-KR" altLang="en-US" smtClean="0"/>
-              <a:t>2022-07-05(Tue)</a:t>
+              <a:t>2022-07-14(Thu)</a:t>
             </a:fld>
             <a:endParaRPr lang="ko-KR" altLang="en-US"/>
           </a:p>
@@ -3014,7 +3099,7 @@
           <a:p>
             <a:fld id="{CB6516E8-9AC5-4179-AC4F-A3E331A91671}" type="datetimeFigureOut">
               <a:rPr lang="ko-KR" altLang="en-US" smtClean="0"/>
-              <a:t>2022-07-05(Tue)</a:t>
+              <a:t>2022-07-14(Thu)</a:t>
             </a:fld>
             <a:endParaRPr lang="ko-KR" altLang="en-US"/>
           </a:p>
@@ -3155,7 +3240,7 @@
           <a:p>
             <a:fld id="{CB6516E8-9AC5-4179-AC4F-A3E331A91671}" type="datetimeFigureOut">
               <a:rPr lang="ko-KR" altLang="en-US" smtClean="0"/>
-              <a:t>2022-07-05(Tue)</a:t>
+              <a:t>2022-07-14(Thu)</a:t>
             </a:fld>
             <a:endParaRPr lang="ko-KR" altLang="en-US"/>
           </a:p>
@@ -3268,7 +3353,7 @@
           <a:p>
             <a:fld id="{CB6516E8-9AC5-4179-AC4F-A3E331A91671}" type="datetimeFigureOut">
               <a:rPr lang="ko-KR" altLang="en-US" smtClean="0"/>
-              <a:t>2022-07-05(Tue)</a:t>
+              <a:t>2022-07-14(Thu)</a:t>
             </a:fld>
             <a:endParaRPr lang="ko-KR" altLang="en-US"/>
           </a:p>
@@ -3579,7 +3664,7 @@
           <a:p>
             <a:fld id="{CB6516E8-9AC5-4179-AC4F-A3E331A91671}" type="datetimeFigureOut">
               <a:rPr lang="ko-KR" altLang="en-US" smtClean="0"/>
-              <a:t>2022-07-05(Tue)</a:t>
+              <a:t>2022-07-14(Thu)</a:t>
             </a:fld>
             <a:endParaRPr lang="ko-KR" altLang="en-US"/>
           </a:p>
@@ -3867,7 +3952,7 @@
           <a:p>
             <a:fld id="{CB6516E8-9AC5-4179-AC4F-A3E331A91671}" type="datetimeFigureOut">
               <a:rPr lang="ko-KR" altLang="en-US" smtClean="0"/>
-              <a:t>2022-07-05(Tue)</a:t>
+              <a:t>2022-07-14(Thu)</a:t>
             </a:fld>
             <a:endParaRPr lang="ko-KR" altLang="en-US"/>
           </a:p>
@@ -4108,7 +4193,7 @@
           <a:p>
             <a:fld id="{CB6516E8-9AC5-4179-AC4F-A3E331A91671}" type="datetimeFigureOut">
               <a:rPr lang="ko-KR" altLang="en-US" smtClean="0"/>
-              <a:t>2022-07-05(Tue)</a:t>
+              <a:t>2022-07-14(Thu)</a:t>
             </a:fld>
             <a:endParaRPr lang="ko-KR" altLang="en-US"/>
           </a:p>
@@ -4711,9 +4796,12 @@
           <a:p>
             <a:r>
               <a:rPr lang="ko-KR" altLang="en-US" sz="2800" b="1" dirty="0"/>
-              <a:t>맵 설명</a:t>
+              <a:t>맵</a:t>
             </a:r>
-            <a:endParaRPr lang="en-US" altLang="ko-KR" sz="2800" b="1" dirty="0"/>
+            <a:r>
+              <a:rPr lang="en-US" altLang="ko-KR" sz="2800" b="1" dirty="0"/>
+              <a:t>(1)</a:t>
+            </a:r>
           </a:p>
         </p:txBody>
       </p:sp>
@@ -5572,8 +5660,8 @@
                 <a:avLst/>
               </a:prstGeom>
               <a:solidFill>
-                <a:schemeClr val="accent2">
-                  <a:lumMod val="75000"/>
+                <a:schemeClr val="bg1">
+                  <a:lumMod val="50000"/>
                 </a:schemeClr>
               </a:solidFill>
               <a:ln>
@@ -5601,7 +5689,7 @@
               <a:lstStyle/>
               <a:p>
                 <a:pPr algn="ctr"/>
-                <a:endParaRPr lang="ko-KR" altLang="en-US"/>
+                <a:endParaRPr lang="ko-KR" altLang="en-US" dirty="0"/>
               </a:p>
             </p:txBody>
           </p:sp>
@@ -8544,7 +8632,7 @@
     </p:spTree>
     <p:extLst>
       <p:ext uri="{BB962C8B-B14F-4D97-AF65-F5344CB8AC3E}">
-        <p14:creationId xmlns:p14="http://schemas.microsoft.com/office/powerpoint/2010/main" val="1890975571"/>
+        <p14:creationId xmlns:p14="http://schemas.microsoft.com/office/powerpoint/2010/main" val="1458918736"/>
       </p:ext>
     </p:extLst>
   </p:cSld>
@@ -8652,10 +8740,4189 @@
           <a:lstStyle/>
           <a:p>
             <a:r>
-              <a:rPr lang="ko-KR" altLang="en-US" sz="2800" b="1" dirty="0" err="1"/>
-              <a:t>이전맵</a:t>
+              <a:rPr lang="ko-KR" altLang="en-US" sz="2800" b="1" dirty="0"/>
+              <a:t>맵 </a:t>
             </a:r>
-            <a:endParaRPr lang="en-US" altLang="ko-KR" sz="2800" b="1" dirty="0"/>
+            <a:r>
+              <a:rPr lang="en-US" altLang="ko-KR" sz="2800" b="1" dirty="0"/>
+              <a:t>(2)</a:t>
+            </a:r>
+          </a:p>
+        </p:txBody>
+      </p:sp>
+      <p:grpSp>
+        <p:nvGrpSpPr>
+          <p:cNvPr id="9" name="그룹 8">
+            <a:extLst>
+              <a:ext uri="{FF2B5EF4-FFF2-40B4-BE49-F238E27FC236}">
+                <a16:creationId xmlns:a16="http://schemas.microsoft.com/office/drawing/2014/main" id="{FCA0FEB8-A46F-4B68-9053-45DD6B170E03}"/>
+              </a:ext>
+            </a:extLst>
+          </p:cNvPr>
+          <p:cNvGrpSpPr/>
+          <p:nvPr/>
+        </p:nvGrpSpPr>
+        <p:grpSpPr>
+          <a:xfrm>
+            <a:off x="8139811" y="1216139"/>
+            <a:ext cx="3494655" cy="5405838"/>
+            <a:chOff x="8324850" y="1790700"/>
+            <a:chExt cx="3494655" cy="3686175"/>
+          </a:xfrm>
+        </p:grpSpPr>
+        <p:sp>
+          <p:nvSpPr>
+            <p:cNvPr id="3" name="직사각형 2">
+              <a:extLst>
+                <a:ext uri="{FF2B5EF4-FFF2-40B4-BE49-F238E27FC236}">
+                  <a16:creationId xmlns:a16="http://schemas.microsoft.com/office/drawing/2014/main" id="{B356938C-3C50-4481-A5D7-47D10165D3B0}"/>
+                </a:ext>
+              </a:extLst>
+            </p:cNvPr>
+            <p:cNvSpPr/>
+            <p:nvPr/>
+          </p:nvSpPr>
+          <p:spPr>
+            <a:xfrm>
+              <a:off x="8324850" y="1790700"/>
+              <a:ext cx="3457575" cy="3686175"/>
+            </a:xfrm>
+            <a:prstGeom prst="rect">
+              <a:avLst/>
+            </a:prstGeom>
+            <a:solidFill>
+              <a:schemeClr val="accent5">
+                <a:lumMod val="60000"/>
+                <a:lumOff val="40000"/>
+              </a:schemeClr>
+            </a:solidFill>
+          </p:spPr>
+          <p:style>
+            <a:lnRef idx="2">
+              <a:schemeClr val="accent1">
+                <a:shade val="50000"/>
+              </a:schemeClr>
+            </a:lnRef>
+            <a:fillRef idx="1">
+              <a:schemeClr val="accent1"/>
+            </a:fillRef>
+            <a:effectRef idx="0">
+              <a:schemeClr val="accent1"/>
+            </a:effectRef>
+            <a:fontRef idx="minor">
+              <a:schemeClr val="lt1"/>
+            </a:fontRef>
+          </p:style>
+          <p:txBody>
+            <a:bodyPr rtlCol="0" anchor="ctr"/>
+            <a:lstStyle/>
+            <a:p>
+              <a:pPr algn="ctr"/>
+              <a:endParaRPr lang="ko-KR" altLang="en-US"/>
+            </a:p>
+          </p:txBody>
+        </p:sp>
+        <p:sp>
+          <p:nvSpPr>
+            <p:cNvPr id="5" name="TextBox 4">
+              <a:extLst>
+                <a:ext uri="{FF2B5EF4-FFF2-40B4-BE49-F238E27FC236}">
+                  <a16:creationId xmlns:a16="http://schemas.microsoft.com/office/drawing/2014/main" id="{E8378673-46AF-4E73-9214-3D834FCF2048}"/>
+                </a:ext>
+              </a:extLst>
+            </p:cNvPr>
+            <p:cNvSpPr txBox="1"/>
+            <p:nvPr/>
+          </p:nvSpPr>
+          <p:spPr>
+            <a:xfrm>
+              <a:off x="8374331" y="2009120"/>
+              <a:ext cx="3445174" cy="3462840"/>
+            </a:xfrm>
+            <a:prstGeom prst="rect">
+              <a:avLst/>
+            </a:prstGeom>
+            <a:noFill/>
+          </p:spPr>
+          <p:txBody>
+            <a:bodyPr wrap="none" rtlCol="0">
+              <a:spAutoFit/>
+            </a:bodyPr>
+            <a:lstStyle/>
+            <a:p>
+              <a:pPr marL="171450" indent="-171450">
+                <a:buFontTx/>
+                <a:buChar char="-"/>
+              </a:pPr>
+              <a:r>
+                <a:rPr lang="ko-KR" altLang="en-US" sz="1200" b="1" dirty="0">
+                  <a:solidFill>
+                    <a:schemeClr val="accent2"/>
+                  </a:solidFill>
+                </a:rPr>
+                <a:t>모래사장</a:t>
+              </a:r>
+              <a:r>
+                <a:rPr lang="en-US" altLang="ko-KR" sz="1200" b="1" dirty="0">
+                  <a:solidFill>
+                    <a:schemeClr val="accent2"/>
+                  </a:solidFill>
+                </a:rPr>
+                <a:t>, </a:t>
+              </a:r>
+              <a:r>
+                <a:rPr lang="ko-KR" altLang="en-US" sz="1200" b="1" dirty="0">
+                  <a:solidFill>
+                    <a:schemeClr val="accent2"/>
+                  </a:solidFill>
+                </a:rPr>
+                <a:t>메인 로비</a:t>
+              </a:r>
+              <a:r>
+                <a:rPr lang="en-US" altLang="ko-KR" sz="1200" b="1" dirty="0">
+                  <a:solidFill>
+                    <a:schemeClr val="accent2"/>
+                  </a:solidFill>
+                </a:rPr>
+                <a:t>,</a:t>
+              </a:r>
+              <a:r>
+                <a:rPr lang="ko-KR" altLang="en-US" sz="1200" b="1" dirty="0">
+                  <a:solidFill>
+                    <a:schemeClr val="accent2"/>
+                  </a:solidFill>
+                </a:rPr>
+                <a:t> 숲</a:t>
+              </a:r>
+              <a:r>
+                <a:rPr lang="en-US" altLang="ko-KR" sz="1200" b="1" dirty="0">
+                  <a:solidFill>
+                    <a:schemeClr val="accent2"/>
+                  </a:solidFill>
+                </a:rPr>
+                <a:t>, </a:t>
+              </a:r>
+              <a:r>
+                <a:rPr lang="ko-KR" altLang="en-US" sz="1200" b="1" dirty="0">
+                  <a:solidFill>
+                    <a:schemeClr val="accent2"/>
+                  </a:solidFill>
+                </a:rPr>
+                <a:t>제련소</a:t>
+              </a:r>
+              <a:r>
+                <a:rPr lang="en-US" altLang="ko-KR" sz="1200" b="1" dirty="0">
+                  <a:solidFill>
+                    <a:schemeClr val="accent2"/>
+                  </a:solidFill>
+                </a:rPr>
+                <a:t>, </a:t>
+              </a:r>
+              <a:r>
+                <a:rPr lang="ko-KR" altLang="en-US" sz="1200" b="1" dirty="0">
+                  <a:solidFill>
+                    <a:schemeClr val="accent2"/>
+                  </a:solidFill>
+                </a:rPr>
+                <a:t>연구소</a:t>
+              </a:r>
+              <a:r>
+                <a:rPr lang="en-US" altLang="ko-KR" sz="1200" b="1" dirty="0">
+                  <a:solidFill>
+                    <a:schemeClr val="accent2"/>
+                  </a:solidFill>
+                </a:rPr>
+                <a:t>,</a:t>
+              </a:r>
+              <a:br>
+                <a:rPr lang="en-US" altLang="ko-KR" sz="1200" b="1" dirty="0">
+                  <a:solidFill>
+                    <a:schemeClr val="accent2"/>
+                  </a:solidFill>
+                </a:rPr>
+              </a:br>
+              <a:r>
+                <a:rPr lang="ko-KR" altLang="en-US" sz="1200" b="1" dirty="0">
+                  <a:solidFill>
+                    <a:schemeClr val="accent2"/>
+                  </a:solidFill>
+                </a:rPr>
+                <a:t>동굴</a:t>
+              </a:r>
+              <a:r>
+                <a:rPr lang="en-US" altLang="ko-KR" sz="1200" b="1" dirty="0">
+                  <a:solidFill>
+                    <a:schemeClr val="accent2"/>
+                  </a:solidFill>
+                </a:rPr>
+                <a:t>, </a:t>
+              </a:r>
+              <a:r>
+                <a:rPr lang="ko-KR" altLang="en-US" sz="1200" b="1" dirty="0">
+                  <a:solidFill>
+                    <a:schemeClr val="accent2"/>
+                  </a:solidFill>
+                </a:rPr>
+                <a:t>정제소</a:t>
+              </a:r>
+              <a:r>
+                <a:rPr lang="ko-KR" altLang="en-US" sz="1200" dirty="0"/>
+                <a:t>로</a:t>
+              </a:r>
+              <a:r>
+                <a:rPr lang="ko-KR" altLang="en-US" sz="1200" b="1" dirty="0">
+                  <a:solidFill>
+                    <a:schemeClr val="accent2"/>
+                  </a:solidFill>
+                </a:rPr>
+                <a:t> </a:t>
+              </a:r>
+              <a:r>
+                <a:rPr lang="en-US" altLang="ko-KR" sz="1200" b="1" dirty="0">
+                  <a:solidFill>
+                    <a:schemeClr val="accent2"/>
+                  </a:solidFill>
+                </a:rPr>
+                <a:t>7</a:t>
+              </a:r>
+              <a:r>
+                <a:rPr lang="ko-KR" altLang="en-US" sz="1200" dirty="0"/>
+                <a:t>가지의 구역으로 </a:t>
+              </a:r>
+              <a:endParaRPr lang="en-US" altLang="ko-KR" sz="1200" dirty="0"/>
+            </a:p>
+            <a:p>
+              <a:pPr marL="171450" indent="-171450">
+                <a:buFontTx/>
+                <a:buChar char="-"/>
+              </a:pPr>
+              <a:r>
+                <a:rPr lang="ko-KR" altLang="en-US" sz="1200" dirty="0"/>
+                <a:t>나뉘어 있습니다</a:t>
+              </a:r>
+              <a:r>
+                <a:rPr lang="en-US" altLang="ko-KR" sz="1200" dirty="0"/>
+                <a:t>.</a:t>
+              </a:r>
+            </a:p>
+            <a:p>
+              <a:pPr marL="171450" indent="-171450">
+                <a:buFontTx/>
+                <a:buChar char="-"/>
+              </a:pPr>
+              <a:endParaRPr lang="en-US" altLang="ko-KR" sz="1200" dirty="0"/>
+            </a:p>
+            <a:p>
+              <a:pPr marL="171450" indent="-171450">
+                <a:buFontTx/>
+                <a:buChar char="-"/>
+              </a:pPr>
+              <a:r>
+                <a:rPr lang="ko-KR" altLang="en-US" sz="1200" dirty="0"/>
+                <a:t>각 구역에는 배치 되어 있는 재료들이 </a:t>
+              </a:r>
+              <a:br>
+                <a:rPr lang="en-US" altLang="ko-KR" sz="1200" dirty="0"/>
+              </a:br>
+              <a:r>
+                <a:rPr lang="ko-KR" altLang="en-US" sz="1200" dirty="0"/>
+                <a:t>있습니다</a:t>
+              </a:r>
+              <a:r>
+                <a:rPr lang="en-US" altLang="ko-KR" sz="1200" dirty="0"/>
+                <a:t>. ( </a:t>
+              </a:r>
+              <a:r>
+                <a:rPr lang="ko-KR" altLang="en-US" sz="1200" dirty="0"/>
+                <a:t>배를 고치는데 사용되는 재료</a:t>
+              </a:r>
+              <a:r>
+                <a:rPr lang="en-US" altLang="ko-KR" sz="1200" dirty="0"/>
+                <a:t>,</a:t>
+              </a:r>
+              <a:br>
+                <a:rPr lang="en-US" altLang="ko-KR" sz="1200" dirty="0"/>
+              </a:br>
+              <a:r>
+                <a:rPr lang="ko-KR" altLang="en-US" sz="1200" dirty="0"/>
+                <a:t>탈출하여 항해하며 먹을 음식</a:t>
+              </a:r>
+              <a:r>
+                <a:rPr lang="en-US" altLang="ko-KR" sz="1200" dirty="0"/>
+                <a:t>, </a:t>
+              </a:r>
+              <a:r>
+                <a:rPr lang="ko-KR" altLang="en-US" sz="1200" dirty="0"/>
+                <a:t>완전한 재료가</a:t>
+              </a:r>
+              <a:br>
+                <a:rPr lang="en-US" altLang="ko-KR" sz="1200" dirty="0"/>
+              </a:br>
+              <a:r>
+                <a:rPr lang="ko-KR" altLang="en-US" sz="1200" dirty="0"/>
+                <a:t>되기 전의 원석 등</a:t>
+              </a:r>
+              <a:r>
+                <a:rPr lang="en-US" altLang="ko-KR" sz="1200" dirty="0"/>
+                <a:t>)</a:t>
+              </a:r>
+            </a:p>
+            <a:p>
+              <a:pPr marL="171450" indent="-171450">
+                <a:buFontTx/>
+                <a:buChar char="-"/>
+              </a:pPr>
+              <a:endParaRPr lang="en-US" altLang="ko-KR" sz="1200" dirty="0"/>
+            </a:p>
+            <a:p>
+              <a:pPr marL="171450" indent="-171450">
+                <a:buFontTx/>
+                <a:buChar char="-"/>
+              </a:pPr>
+              <a:r>
+                <a:rPr lang="ko-KR" altLang="en-US" sz="1200" dirty="0"/>
+                <a:t>재료들이 배치 되어 있는 구역은 </a:t>
+              </a:r>
+              <a:r>
+                <a:rPr lang="ko-KR" altLang="en-US" sz="1200" b="1" dirty="0">
+                  <a:solidFill>
+                    <a:schemeClr val="accent2"/>
+                  </a:solidFill>
+                </a:rPr>
+                <a:t>숲</a:t>
+              </a:r>
+              <a:r>
+                <a:rPr lang="en-US" altLang="ko-KR" sz="1200" b="1" dirty="0">
+                  <a:solidFill>
+                    <a:schemeClr val="accent2"/>
+                  </a:solidFill>
+                </a:rPr>
+                <a:t>, </a:t>
+              </a:r>
+              <a:br>
+                <a:rPr lang="en-US" altLang="ko-KR" sz="1200" b="1" dirty="0">
+                  <a:solidFill>
+                    <a:schemeClr val="accent2"/>
+                  </a:solidFill>
+                </a:rPr>
+              </a:br>
+              <a:r>
+                <a:rPr lang="ko-KR" altLang="en-US" sz="1200" b="1" dirty="0">
+                  <a:solidFill>
+                    <a:schemeClr val="accent2"/>
+                  </a:solidFill>
+                </a:rPr>
+                <a:t>모래사장</a:t>
+              </a:r>
+              <a:r>
+                <a:rPr lang="en-US" altLang="ko-KR" sz="1200" b="1" dirty="0">
+                  <a:solidFill>
+                    <a:schemeClr val="accent2"/>
+                  </a:solidFill>
+                </a:rPr>
+                <a:t>, </a:t>
+              </a:r>
+              <a:r>
+                <a:rPr lang="ko-KR" altLang="en-US" sz="1200" b="1" dirty="0">
+                  <a:solidFill>
+                    <a:schemeClr val="accent2"/>
+                  </a:solidFill>
+                </a:rPr>
+                <a:t>연구소</a:t>
+              </a:r>
+              <a:r>
+                <a:rPr lang="en-US" altLang="ko-KR" sz="1200" b="1" dirty="0">
+                  <a:solidFill>
+                    <a:schemeClr val="accent2"/>
+                  </a:solidFill>
+                </a:rPr>
+                <a:t>, </a:t>
+              </a:r>
+              <a:r>
+                <a:rPr lang="ko-KR" altLang="en-US" sz="1200" b="1" dirty="0">
+                  <a:solidFill>
+                    <a:schemeClr val="accent2"/>
+                  </a:solidFill>
+                </a:rPr>
+                <a:t>동굴</a:t>
+              </a:r>
+              <a:r>
+                <a:rPr lang="ko-KR" altLang="en-US" sz="1200" b="1" dirty="0">
+                  <a:solidFill>
+                    <a:schemeClr val="accent5">
+                      <a:lumMod val="50000"/>
+                    </a:schemeClr>
+                  </a:solidFill>
+                </a:rPr>
+                <a:t> </a:t>
+              </a:r>
+              <a:r>
+                <a:rPr lang="ko-KR" altLang="en-US" sz="1200" dirty="0"/>
+                <a:t>총 </a:t>
+              </a:r>
+              <a:r>
+                <a:rPr lang="en-US" altLang="ko-KR" sz="1200" dirty="0"/>
+                <a:t>4</a:t>
+              </a:r>
+              <a:r>
+                <a:rPr lang="ko-KR" altLang="en-US" sz="1200" dirty="0"/>
+                <a:t>개의</a:t>
+              </a:r>
+              <a:r>
+                <a:rPr lang="en-US" altLang="ko-KR" sz="1200" dirty="0"/>
+                <a:t> </a:t>
+              </a:r>
+              <a:r>
+                <a:rPr lang="ko-KR" altLang="en-US" sz="1200" dirty="0"/>
+                <a:t>구역입니다</a:t>
+              </a:r>
+              <a:r>
+                <a:rPr lang="en-US" altLang="ko-KR" sz="1200" dirty="0"/>
+                <a:t>.</a:t>
+              </a:r>
+            </a:p>
+            <a:p>
+              <a:pPr marL="171450" indent="-171450">
+                <a:buFontTx/>
+                <a:buChar char="-"/>
+              </a:pPr>
+              <a:endParaRPr lang="en-US" altLang="ko-KR" sz="1200" dirty="0"/>
+            </a:p>
+            <a:p>
+              <a:pPr marL="171450" indent="-171450">
+                <a:buFontTx/>
+                <a:buChar char="-"/>
+              </a:pPr>
+              <a:r>
+                <a:rPr lang="ko-KR" altLang="en-US" sz="1200" b="1" dirty="0">
+                  <a:solidFill>
+                    <a:schemeClr val="accent2"/>
+                  </a:solidFill>
+                </a:rPr>
+                <a:t>메인 로비</a:t>
+              </a:r>
+              <a:r>
+                <a:rPr lang="ko-KR" altLang="en-US" sz="1200" dirty="0"/>
+                <a:t>는 배를 고치기 위한 재료를 </a:t>
+              </a:r>
+              <a:br>
+                <a:rPr lang="en-US" altLang="ko-KR" sz="1200" dirty="0"/>
+              </a:br>
+              <a:r>
+                <a:rPr lang="ko-KR" altLang="en-US" sz="1200" dirty="0"/>
+                <a:t>모아 놓는 상자와 회의를 하기 위한 탁자가</a:t>
+              </a:r>
+              <a:br>
+                <a:rPr lang="en-US" altLang="ko-KR" sz="1200" dirty="0"/>
+              </a:br>
+              <a:r>
+                <a:rPr lang="ko-KR" altLang="en-US" sz="1200" dirty="0"/>
+                <a:t>있습니다</a:t>
+              </a:r>
+              <a:endParaRPr lang="en-US" altLang="ko-KR" sz="1200" dirty="0"/>
+            </a:p>
+            <a:p>
+              <a:pPr marL="171450" indent="-171450">
+                <a:buFontTx/>
+                <a:buChar char="-"/>
+              </a:pPr>
+              <a:endParaRPr lang="en-US" altLang="ko-KR" sz="1200" dirty="0"/>
+            </a:p>
+            <a:p>
+              <a:pPr marL="171450" indent="-171450">
+                <a:buFontTx/>
+                <a:buChar char="-"/>
+              </a:pPr>
+              <a:r>
+                <a:rPr lang="ko-KR" altLang="en-US" sz="1200" b="1" dirty="0">
+                  <a:solidFill>
+                    <a:schemeClr val="accent2"/>
+                  </a:solidFill>
+                </a:rPr>
+                <a:t>제련소</a:t>
+              </a:r>
+              <a:r>
+                <a:rPr lang="ko-KR" altLang="en-US" sz="1200" dirty="0"/>
+                <a:t>는 원석을 가공 시켜 완전한 재료</a:t>
+              </a:r>
+              <a:br>
+                <a:rPr lang="en-US" altLang="ko-KR" sz="1200" dirty="0"/>
+              </a:br>
+              <a:r>
+                <a:rPr lang="ko-KR" altLang="en-US" sz="1200" dirty="0"/>
+                <a:t>로 만드는 구역입니다</a:t>
+              </a:r>
+              <a:r>
+                <a:rPr lang="en-US" altLang="ko-KR" sz="1200" dirty="0"/>
+                <a:t>.</a:t>
+              </a:r>
+            </a:p>
+            <a:p>
+              <a:pPr marL="171450" indent="-171450">
+                <a:buFontTx/>
+                <a:buChar char="-"/>
+              </a:pPr>
+              <a:endParaRPr lang="en-US" altLang="ko-KR" sz="1200" dirty="0"/>
+            </a:p>
+            <a:p>
+              <a:pPr marL="171450" indent="-171450">
+                <a:buFontTx/>
+                <a:buChar char="-"/>
+              </a:pPr>
+              <a:r>
+                <a:rPr lang="ko-KR" altLang="en-US" sz="1200" b="1" dirty="0">
+                  <a:solidFill>
+                    <a:srgbClr val="EB7E35"/>
+                  </a:solidFill>
+                </a:rPr>
+                <a:t>정제소</a:t>
+              </a:r>
+              <a:r>
+                <a:rPr lang="ko-KR" altLang="en-US" sz="1200" dirty="0"/>
+                <a:t>는 정제되지 않은 물을 </a:t>
+              </a:r>
+              <a:r>
+                <a:rPr lang="ko-KR" altLang="en-US" sz="1200" dirty="0" err="1"/>
+                <a:t>정제시켜</a:t>
+              </a:r>
+              <a:endParaRPr lang="en-US" altLang="ko-KR" sz="1200" dirty="0"/>
+            </a:p>
+            <a:p>
+              <a:r>
+                <a:rPr lang="en-US" altLang="ko-KR" sz="1200" dirty="0"/>
+                <a:t>    </a:t>
+              </a:r>
+              <a:r>
+                <a:rPr lang="ko-KR" altLang="en-US" sz="1200" dirty="0"/>
+                <a:t>먹을 수 있는 물로 바꾸는 구역입니다</a:t>
+              </a:r>
+              <a:endParaRPr lang="en-US" altLang="ko-KR" sz="1200" dirty="0"/>
+            </a:p>
+            <a:p>
+              <a:endParaRPr lang="en-US" altLang="ko-KR" sz="1200" dirty="0"/>
+            </a:p>
+            <a:p>
+              <a:pPr marL="171450" indent="-171450">
+                <a:buFontTx/>
+                <a:buChar char="-"/>
+              </a:pPr>
+              <a:r>
+                <a:rPr lang="ko-KR" altLang="en-US" sz="1200" b="1" dirty="0">
+                  <a:solidFill>
+                    <a:srgbClr val="E48445"/>
+                  </a:solidFill>
+                </a:rPr>
+                <a:t>연구소</a:t>
+              </a:r>
+              <a:r>
+                <a:rPr lang="ko-KR" altLang="en-US" sz="1200" dirty="0"/>
+                <a:t>에는 </a:t>
+              </a:r>
+              <a:r>
+                <a:rPr lang="ko-KR" altLang="en-US" sz="1200" dirty="0">
+                  <a:solidFill>
+                    <a:srgbClr val="E48445"/>
+                  </a:solidFill>
+                </a:rPr>
+                <a:t>물통 창고</a:t>
+              </a:r>
+              <a:r>
+                <a:rPr lang="en-US" altLang="ko-KR" sz="1200" dirty="0">
+                  <a:solidFill>
+                    <a:srgbClr val="E48445"/>
+                  </a:solidFill>
+                </a:rPr>
+                <a:t>, </a:t>
+              </a:r>
+              <a:r>
+                <a:rPr lang="ko-KR" altLang="en-US" sz="1200" dirty="0">
+                  <a:solidFill>
+                    <a:srgbClr val="E48445"/>
+                  </a:solidFill>
+                </a:rPr>
+                <a:t>배터리 창고</a:t>
+              </a:r>
+              <a:r>
+                <a:rPr lang="en-US" altLang="ko-KR" sz="1200" dirty="0">
+                  <a:solidFill>
+                    <a:srgbClr val="E48445"/>
+                  </a:solidFill>
+                </a:rPr>
+                <a:t>, </a:t>
+              </a:r>
+              <a:r>
+                <a:rPr lang="ko-KR" altLang="en-US" sz="1200" dirty="0">
+                  <a:solidFill>
+                    <a:srgbClr val="E48445"/>
+                  </a:solidFill>
+                </a:rPr>
+                <a:t>통신실</a:t>
+              </a:r>
+              <a:r>
+                <a:rPr lang="en-US" altLang="ko-KR" sz="1200" dirty="0">
+                  <a:solidFill>
+                    <a:srgbClr val="E48445"/>
+                  </a:solidFill>
+                </a:rPr>
+                <a:t>,</a:t>
+              </a:r>
+            </a:p>
+            <a:p>
+              <a:r>
+                <a:rPr lang="ko-KR" altLang="en-US" sz="1200" dirty="0" err="1">
+                  <a:solidFill>
+                    <a:srgbClr val="E48445"/>
+                  </a:solidFill>
+                </a:rPr>
+                <a:t>정제소</a:t>
+              </a:r>
+              <a:r>
+                <a:rPr lang="en-US" altLang="ko-KR" sz="1200" dirty="0">
+                  <a:solidFill>
+                    <a:srgbClr val="E48445"/>
+                  </a:solidFill>
+                </a:rPr>
+                <a:t>, </a:t>
+              </a:r>
+              <a:r>
+                <a:rPr lang="ko-KR" altLang="en-US" sz="1200" dirty="0" err="1">
+                  <a:solidFill>
+                    <a:srgbClr val="E48445"/>
+                  </a:solidFill>
+                </a:rPr>
+                <a:t>발전실</a:t>
+              </a:r>
+              <a:r>
+                <a:rPr lang="en-US" altLang="ko-KR" sz="1200" dirty="0">
+                  <a:solidFill>
+                    <a:srgbClr val="E48445"/>
+                  </a:solidFill>
+                </a:rPr>
+                <a:t>,</a:t>
+              </a:r>
+              <a:r>
+                <a:rPr lang="ko-KR" altLang="en-US" sz="1200" dirty="0">
+                  <a:solidFill>
+                    <a:srgbClr val="E48445"/>
+                  </a:solidFill>
+                </a:rPr>
+                <a:t> </a:t>
+              </a:r>
+              <a:r>
+                <a:rPr lang="ko-KR" altLang="en-US" sz="1200" dirty="0" err="1">
+                  <a:solidFill>
+                    <a:srgbClr val="E48445"/>
+                  </a:solidFill>
+                </a:rPr>
+                <a:t>충전실</a:t>
+              </a:r>
+              <a:r>
+                <a:rPr lang="ko-KR" altLang="en-US" sz="1200" dirty="0" err="1"/>
+                <a:t>으로</a:t>
+              </a:r>
+              <a:r>
+                <a:rPr lang="ko-KR" altLang="en-US" sz="1200" dirty="0"/>
+                <a:t> 나뉘어 있습니다</a:t>
+              </a:r>
+              <a:r>
+                <a:rPr lang="en-US" altLang="ko-KR" sz="1200" dirty="0"/>
+                <a:t>.</a:t>
+              </a:r>
+            </a:p>
+            <a:p>
+              <a:endParaRPr lang="en-US" altLang="ko-KR" sz="1200" dirty="0"/>
+            </a:p>
+            <a:p>
+              <a:pPr marL="171450" indent="-171450">
+                <a:buFontTx/>
+                <a:buChar char="-"/>
+              </a:pPr>
+              <a:r>
+                <a:rPr lang="ko-KR" altLang="en-US" sz="1200" dirty="0"/>
+                <a:t>방해 미션에 연구소 문을 모두 닫는 미션이</a:t>
+              </a:r>
+              <a:endParaRPr lang="en-US" altLang="ko-KR" sz="1200" dirty="0"/>
+            </a:p>
+            <a:p>
+              <a:r>
+                <a:rPr lang="ko-KR" altLang="en-US" sz="1200" dirty="0"/>
+                <a:t>존재함</a:t>
+              </a:r>
+              <a:r>
+                <a:rPr lang="en-US" altLang="ko-KR" sz="1200" dirty="0"/>
+                <a:t>.</a:t>
+              </a:r>
+            </a:p>
+          </p:txBody>
+        </p:sp>
+      </p:grpSp>
+      <p:grpSp>
+        <p:nvGrpSpPr>
+          <p:cNvPr id="11" name="그룹 10">
+            <a:extLst>
+              <a:ext uri="{FF2B5EF4-FFF2-40B4-BE49-F238E27FC236}">
+                <a16:creationId xmlns:a16="http://schemas.microsoft.com/office/drawing/2014/main" id="{339C98D2-16B3-8B15-CDCE-F5F3090964DD}"/>
+              </a:ext>
+            </a:extLst>
+          </p:cNvPr>
+          <p:cNvGrpSpPr/>
+          <p:nvPr/>
+        </p:nvGrpSpPr>
+        <p:grpSpPr>
+          <a:xfrm>
+            <a:off x="3307000" y="3218672"/>
+            <a:ext cx="3683002" cy="1690310"/>
+            <a:chOff x="1031470" y="2562938"/>
+            <a:chExt cx="5943292" cy="2727668"/>
+          </a:xfrm>
+        </p:grpSpPr>
+        <p:grpSp>
+          <p:nvGrpSpPr>
+            <p:cNvPr id="19" name="그룹 18">
+              <a:extLst>
+                <a:ext uri="{FF2B5EF4-FFF2-40B4-BE49-F238E27FC236}">
+                  <a16:creationId xmlns:a16="http://schemas.microsoft.com/office/drawing/2014/main" id="{3D8813CF-21E0-8713-E0CD-2B7C3EE4E4E1}"/>
+                </a:ext>
+              </a:extLst>
+            </p:cNvPr>
+            <p:cNvGrpSpPr/>
+            <p:nvPr/>
+          </p:nvGrpSpPr>
+          <p:grpSpPr>
+            <a:xfrm>
+              <a:off x="1031470" y="2562938"/>
+              <a:ext cx="5943292" cy="2727668"/>
+              <a:chOff x="1031470" y="2562938"/>
+              <a:chExt cx="5943292" cy="2727668"/>
+            </a:xfrm>
+          </p:grpSpPr>
+          <p:grpSp>
+            <p:nvGrpSpPr>
+              <p:cNvPr id="8" name="그룹 7">
+                <a:extLst>
+                  <a:ext uri="{FF2B5EF4-FFF2-40B4-BE49-F238E27FC236}">
+                    <a16:creationId xmlns:a16="http://schemas.microsoft.com/office/drawing/2014/main" id="{0227ABDE-684F-DF38-2699-A4AF40BCAF50}"/>
+                  </a:ext>
+                </a:extLst>
+              </p:cNvPr>
+              <p:cNvGrpSpPr/>
+              <p:nvPr/>
+            </p:nvGrpSpPr>
+            <p:grpSpPr>
+              <a:xfrm>
+                <a:off x="3551448" y="3468805"/>
+                <a:ext cx="914400" cy="914400"/>
+                <a:chOff x="3386916" y="1844984"/>
+                <a:chExt cx="914400" cy="914400"/>
+              </a:xfrm>
+            </p:grpSpPr>
+            <p:sp>
+              <p:nvSpPr>
+                <p:cNvPr id="6" name="팔각형 5">
+                  <a:extLst>
+                    <a:ext uri="{FF2B5EF4-FFF2-40B4-BE49-F238E27FC236}">
+                      <a16:creationId xmlns:a16="http://schemas.microsoft.com/office/drawing/2014/main" id="{0792509F-1B1B-2642-FF62-4898422E85E1}"/>
+                    </a:ext>
+                  </a:extLst>
+                </p:cNvPr>
+                <p:cNvSpPr/>
+                <p:nvPr/>
+              </p:nvSpPr>
+              <p:spPr>
+                <a:xfrm>
+                  <a:off x="3386916" y="1844984"/>
+                  <a:ext cx="914400" cy="914400"/>
+                </a:xfrm>
+                <a:prstGeom prst="octagon">
+                  <a:avLst/>
+                </a:prstGeom>
+                <a:solidFill>
+                  <a:srgbClr val="C5E0B4"/>
+                </a:solidFill>
+                <a:ln>
+                  <a:noFill/>
+                </a:ln>
+              </p:spPr>
+              <p:style>
+                <a:lnRef idx="2">
+                  <a:schemeClr val="accent1">
+                    <a:shade val="50000"/>
+                  </a:schemeClr>
+                </a:lnRef>
+                <a:fillRef idx="1">
+                  <a:schemeClr val="accent1"/>
+                </a:fillRef>
+                <a:effectRef idx="0">
+                  <a:schemeClr val="accent1"/>
+                </a:effectRef>
+                <a:fontRef idx="minor">
+                  <a:schemeClr val="lt1"/>
+                </a:fontRef>
+              </p:style>
+              <p:txBody>
+                <a:bodyPr rtlCol="0" anchor="ctr"/>
+                <a:lstStyle/>
+                <a:p>
+                  <a:pPr algn="ctr"/>
+                  <a:endParaRPr lang="ko-KR" altLang="en-US" dirty="0"/>
+                </a:p>
+              </p:txBody>
+            </p:sp>
+            <p:sp>
+              <p:nvSpPr>
+                <p:cNvPr id="145" name="육각형 144">
+                  <a:extLst>
+                    <a:ext uri="{FF2B5EF4-FFF2-40B4-BE49-F238E27FC236}">
+                      <a16:creationId xmlns:a16="http://schemas.microsoft.com/office/drawing/2014/main" id="{210892FE-E5CD-400D-FE59-A2FFEA659859}"/>
+                    </a:ext>
+                  </a:extLst>
+                </p:cNvPr>
+                <p:cNvSpPr/>
+                <p:nvPr/>
+              </p:nvSpPr>
+              <p:spPr>
+                <a:xfrm>
+                  <a:off x="3747695" y="2198774"/>
+                  <a:ext cx="214975" cy="185324"/>
+                </a:xfrm>
+                <a:prstGeom prst="hexagon">
+                  <a:avLst/>
+                </a:prstGeom>
+                <a:solidFill>
+                  <a:schemeClr val="bg1">
+                    <a:lumMod val="50000"/>
+                  </a:schemeClr>
+                </a:solidFill>
+                <a:ln>
+                  <a:noFill/>
+                </a:ln>
+              </p:spPr>
+              <p:style>
+                <a:lnRef idx="2">
+                  <a:schemeClr val="accent1">
+                    <a:shade val="50000"/>
+                  </a:schemeClr>
+                </a:lnRef>
+                <a:fillRef idx="1">
+                  <a:schemeClr val="accent1"/>
+                </a:fillRef>
+                <a:effectRef idx="0">
+                  <a:schemeClr val="accent1"/>
+                </a:effectRef>
+                <a:fontRef idx="minor">
+                  <a:schemeClr val="lt1"/>
+                </a:fontRef>
+              </p:style>
+              <p:txBody>
+                <a:bodyPr rtlCol="0" anchor="ctr"/>
+                <a:lstStyle/>
+                <a:p>
+                  <a:pPr algn="ctr"/>
+                  <a:endParaRPr lang="ko-KR" altLang="en-US" dirty="0"/>
+                </a:p>
+              </p:txBody>
+            </p:sp>
+          </p:grpSp>
+          <p:sp>
+            <p:nvSpPr>
+              <p:cNvPr id="154" name="육각형 153">
+                <a:extLst>
+                  <a:ext uri="{FF2B5EF4-FFF2-40B4-BE49-F238E27FC236}">
+                    <a16:creationId xmlns:a16="http://schemas.microsoft.com/office/drawing/2014/main" id="{BD8FC219-8F6E-5C15-BCEF-AA6226352F70}"/>
+                  </a:ext>
+                </a:extLst>
+              </p:cNvPr>
+              <p:cNvSpPr/>
+              <p:nvPr/>
+            </p:nvSpPr>
+            <p:spPr>
+              <a:xfrm>
+                <a:off x="1031470" y="3728083"/>
+                <a:ext cx="945684" cy="433857"/>
+              </a:xfrm>
+              <a:prstGeom prst="hexagon">
+                <a:avLst/>
+              </a:prstGeom>
+              <a:solidFill>
+                <a:schemeClr val="accent2">
+                  <a:lumMod val="50000"/>
+                </a:schemeClr>
+              </a:solidFill>
+              <a:ln>
+                <a:noFill/>
+              </a:ln>
+            </p:spPr>
+            <p:style>
+              <a:lnRef idx="2">
+                <a:schemeClr val="accent1">
+                  <a:shade val="50000"/>
+                </a:schemeClr>
+              </a:lnRef>
+              <a:fillRef idx="1">
+                <a:schemeClr val="accent1"/>
+              </a:fillRef>
+              <a:effectRef idx="0">
+                <a:schemeClr val="accent1"/>
+              </a:effectRef>
+              <a:fontRef idx="minor">
+                <a:schemeClr val="lt1"/>
+              </a:fontRef>
+            </p:style>
+            <p:txBody>
+              <a:bodyPr rtlCol="0" anchor="ctr"/>
+              <a:lstStyle/>
+              <a:p>
+                <a:pPr algn="ctr"/>
+                <a:r>
+                  <a:rPr lang="ko-KR" altLang="en-US" sz="1100" dirty="0"/>
+                  <a:t> </a:t>
+                </a:r>
+              </a:p>
+            </p:txBody>
+          </p:sp>
+          <p:sp>
+            <p:nvSpPr>
+              <p:cNvPr id="162" name="팔각형 161">
+                <a:extLst>
+                  <a:ext uri="{FF2B5EF4-FFF2-40B4-BE49-F238E27FC236}">
+                    <a16:creationId xmlns:a16="http://schemas.microsoft.com/office/drawing/2014/main" id="{0DDD9F7B-BB2E-6855-1CB5-C62FB29C3D86}"/>
+                  </a:ext>
+                </a:extLst>
+              </p:cNvPr>
+              <p:cNvSpPr/>
+              <p:nvPr/>
+            </p:nvSpPr>
+            <p:spPr>
+              <a:xfrm>
+                <a:off x="3540539" y="2562938"/>
+                <a:ext cx="914400" cy="914400"/>
+              </a:xfrm>
+              <a:prstGeom prst="octagon">
+                <a:avLst/>
+              </a:prstGeom>
+              <a:solidFill>
+                <a:srgbClr val="595959"/>
+              </a:solidFill>
+              <a:ln>
+                <a:noFill/>
+              </a:ln>
+            </p:spPr>
+            <p:style>
+              <a:lnRef idx="2">
+                <a:schemeClr val="accent1">
+                  <a:shade val="50000"/>
+                </a:schemeClr>
+              </a:lnRef>
+              <a:fillRef idx="1">
+                <a:schemeClr val="accent1"/>
+              </a:fillRef>
+              <a:effectRef idx="0">
+                <a:schemeClr val="accent1"/>
+              </a:effectRef>
+              <a:fontRef idx="minor">
+                <a:schemeClr val="lt1"/>
+              </a:fontRef>
+            </p:style>
+            <p:txBody>
+              <a:bodyPr rtlCol="0" anchor="ctr"/>
+              <a:lstStyle/>
+              <a:p>
+                <a:pPr algn="ctr"/>
+                <a:endParaRPr lang="ko-KR" altLang="en-US"/>
+              </a:p>
+            </p:txBody>
+          </p:sp>
+          <p:sp>
+            <p:nvSpPr>
+              <p:cNvPr id="163" name="팔각형 162">
+                <a:extLst>
+                  <a:ext uri="{FF2B5EF4-FFF2-40B4-BE49-F238E27FC236}">
+                    <a16:creationId xmlns:a16="http://schemas.microsoft.com/office/drawing/2014/main" id="{9DB7E4AA-96A9-8A08-A659-61F3FE89CF3D}"/>
+                  </a:ext>
+                </a:extLst>
+              </p:cNvPr>
+              <p:cNvSpPr/>
+              <p:nvPr/>
+            </p:nvSpPr>
+            <p:spPr>
+              <a:xfrm>
+                <a:off x="4451191" y="3487812"/>
+                <a:ext cx="914400" cy="914400"/>
+              </a:xfrm>
+              <a:prstGeom prst="octagon">
+                <a:avLst/>
+              </a:prstGeom>
+              <a:solidFill>
+                <a:srgbClr val="548235"/>
+              </a:solidFill>
+              <a:ln>
+                <a:noFill/>
+              </a:ln>
+            </p:spPr>
+            <p:style>
+              <a:lnRef idx="2">
+                <a:schemeClr val="accent1">
+                  <a:shade val="50000"/>
+                </a:schemeClr>
+              </a:lnRef>
+              <a:fillRef idx="1">
+                <a:schemeClr val="accent1"/>
+              </a:fillRef>
+              <a:effectRef idx="0">
+                <a:schemeClr val="accent1"/>
+              </a:effectRef>
+              <a:fontRef idx="minor">
+                <a:schemeClr val="lt1"/>
+              </a:fontRef>
+            </p:style>
+            <p:txBody>
+              <a:bodyPr rtlCol="0" anchor="ctr"/>
+              <a:lstStyle/>
+              <a:p>
+                <a:pPr algn="ctr"/>
+                <a:endParaRPr lang="ko-KR" altLang="en-US"/>
+              </a:p>
+            </p:txBody>
+          </p:sp>
+          <p:sp>
+            <p:nvSpPr>
+              <p:cNvPr id="164" name="팔각형 163">
+                <a:extLst>
+                  <a:ext uri="{FF2B5EF4-FFF2-40B4-BE49-F238E27FC236}">
+                    <a16:creationId xmlns:a16="http://schemas.microsoft.com/office/drawing/2014/main" id="{F007538E-9670-534E-0C60-659466F33B91}"/>
+                  </a:ext>
+                </a:extLst>
+              </p:cNvPr>
+              <p:cNvSpPr/>
+              <p:nvPr/>
+            </p:nvSpPr>
+            <p:spPr>
+              <a:xfrm>
+                <a:off x="2641421" y="3478237"/>
+                <a:ext cx="914400" cy="914400"/>
+              </a:xfrm>
+              <a:prstGeom prst="octagon">
+                <a:avLst/>
+              </a:prstGeom>
+              <a:solidFill>
+                <a:srgbClr val="FFE699"/>
+              </a:solidFill>
+              <a:ln>
+                <a:noFill/>
+              </a:ln>
+            </p:spPr>
+            <p:style>
+              <a:lnRef idx="2">
+                <a:schemeClr val="accent1">
+                  <a:shade val="50000"/>
+                </a:schemeClr>
+              </a:lnRef>
+              <a:fillRef idx="1">
+                <a:schemeClr val="accent1"/>
+              </a:fillRef>
+              <a:effectRef idx="0">
+                <a:schemeClr val="accent1"/>
+              </a:effectRef>
+              <a:fontRef idx="minor">
+                <a:schemeClr val="lt1"/>
+              </a:fontRef>
+            </p:style>
+            <p:txBody>
+              <a:bodyPr rtlCol="0" anchor="ctr"/>
+              <a:lstStyle/>
+              <a:p>
+                <a:pPr algn="ctr"/>
+                <a:endParaRPr lang="ko-KR" altLang="en-US" dirty="0"/>
+              </a:p>
+            </p:txBody>
+          </p:sp>
+          <p:sp>
+            <p:nvSpPr>
+              <p:cNvPr id="165" name="팔각형 164">
+                <a:extLst>
+                  <a:ext uri="{FF2B5EF4-FFF2-40B4-BE49-F238E27FC236}">
+                    <a16:creationId xmlns:a16="http://schemas.microsoft.com/office/drawing/2014/main" id="{AC0ABEA2-7C16-CE7A-EB39-54ABD533EEC9}"/>
+                  </a:ext>
+                </a:extLst>
+              </p:cNvPr>
+              <p:cNvSpPr/>
+              <p:nvPr/>
+            </p:nvSpPr>
+            <p:spPr>
+              <a:xfrm>
+                <a:off x="3540539" y="4376206"/>
+                <a:ext cx="914400" cy="914400"/>
+              </a:xfrm>
+              <a:prstGeom prst="octagon">
+                <a:avLst/>
+              </a:prstGeom>
+              <a:solidFill>
+                <a:srgbClr val="FFD966"/>
+              </a:solidFill>
+              <a:ln>
+                <a:noFill/>
+              </a:ln>
+            </p:spPr>
+            <p:style>
+              <a:lnRef idx="2">
+                <a:schemeClr val="accent1">
+                  <a:shade val="50000"/>
+                </a:schemeClr>
+              </a:lnRef>
+              <a:fillRef idx="1">
+                <a:schemeClr val="accent1"/>
+              </a:fillRef>
+              <a:effectRef idx="0">
+                <a:schemeClr val="accent1"/>
+              </a:effectRef>
+              <a:fontRef idx="minor">
+                <a:schemeClr val="lt1"/>
+              </a:fontRef>
+            </p:style>
+            <p:txBody>
+              <a:bodyPr rtlCol="0" anchor="ctr"/>
+              <a:lstStyle/>
+              <a:p>
+                <a:pPr algn="ctr"/>
+                <a:endParaRPr lang="ko-KR" altLang="en-US" dirty="0"/>
+              </a:p>
+            </p:txBody>
+          </p:sp>
+          <p:sp>
+            <p:nvSpPr>
+              <p:cNvPr id="12" name="직사각형 11">
+                <a:extLst>
+                  <a:ext uri="{FF2B5EF4-FFF2-40B4-BE49-F238E27FC236}">
+                    <a16:creationId xmlns:a16="http://schemas.microsoft.com/office/drawing/2014/main" id="{C2BA0B94-CF95-DC17-154A-1BADCA2B03E5}"/>
+                  </a:ext>
+                </a:extLst>
+              </p:cNvPr>
+              <p:cNvSpPr/>
+              <p:nvPr/>
+            </p:nvSpPr>
+            <p:spPr>
+              <a:xfrm rot="2679586">
+                <a:off x="3360769" y="3278607"/>
+                <a:ext cx="383979" cy="385972"/>
+              </a:xfrm>
+              <a:prstGeom prst="rect">
+                <a:avLst/>
+              </a:prstGeom>
+              <a:solidFill>
+                <a:srgbClr val="D9D9D9"/>
+              </a:solidFill>
+              <a:ln>
+                <a:noFill/>
+              </a:ln>
+            </p:spPr>
+            <p:style>
+              <a:lnRef idx="2">
+                <a:schemeClr val="accent1">
+                  <a:shade val="50000"/>
+                </a:schemeClr>
+              </a:lnRef>
+              <a:fillRef idx="1">
+                <a:schemeClr val="accent1"/>
+              </a:fillRef>
+              <a:effectRef idx="0">
+                <a:schemeClr val="accent1"/>
+              </a:effectRef>
+              <a:fontRef idx="minor">
+                <a:schemeClr val="lt1"/>
+              </a:fontRef>
+            </p:style>
+            <p:txBody>
+              <a:bodyPr rtlCol="0" anchor="ctr"/>
+              <a:lstStyle/>
+              <a:p>
+                <a:pPr algn="ctr"/>
+                <a:endParaRPr lang="ko-KR" altLang="en-US"/>
+              </a:p>
+            </p:txBody>
+          </p:sp>
+          <p:sp>
+            <p:nvSpPr>
+              <p:cNvPr id="166" name="직사각형 165">
+                <a:extLst>
+                  <a:ext uri="{FF2B5EF4-FFF2-40B4-BE49-F238E27FC236}">
+                    <a16:creationId xmlns:a16="http://schemas.microsoft.com/office/drawing/2014/main" id="{B543BA4F-A3E7-1960-08A2-387B009AAE3E}"/>
+                  </a:ext>
+                </a:extLst>
+              </p:cNvPr>
+              <p:cNvSpPr/>
+              <p:nvPr/>
+            </p:nvSpPr>
+            <p:spPr>
+              <a:xfrm rot="2679586">
+                <a:off x="3369288" y="4192816"/>
+                <a:ext cx="383979" cy="385972"/>
+              </a:xfrm>
+              <a:prstGeom prst="rect">
+                <a:avLst/>
+              </a:prstGeom>
+              <a:solidFill>
+                <a:srgbClr val="D9D9D9"/>
+              </a:solidFill>
+              <a:ln>
+                <a:noFill/>
+              </a:ln>
+            </p:spPr>
+            <p:style>
+              <a:lnRef idx="2">
+                <a:schemeClr val="accent1">
+                  <a:shade val="50000"/>
+                </a:schemeClr>
+              </a:lnRef>
+              <a:fillRef idx="1">
+                <a:schemeClr val="accent1"/>
+              </a:fillRef>
+              <a:effectRef idx="0">
+                <a:schemeClr val="accent1"/>
+              </a:effectRef>
+              <a:fontRef idx="minor">
+                <a:schemeClr val="lt1"/>
+              </a:fontRef>
+            </p:style>
+            <p:txBody>
+              <a:bodyPr rtlCol="0" anchor="ctr"/>
+              <a:lstStyle/>
+              <a:p>
+                <a:pPr algn="ctr"/>
+                <a:endParaRPr lang="ko-KR" altLang="en-US"/>
+              </a:p>
+            </p:txBody>
+          </p:sp>
+          <p:sp>
+            <p:nvSpPr>
+              <p:cNvPr id="167" name="직사각형 166">
+                <a:extLst>
+                  <a:ext uri="{FF2B5EF4-FFF2-40B4-BE49-F238E27FC236}">
+                    <a16:creationId xmlns:a16="http://schemas.microsoft.com/office/drawing/2014/main" id="{78A3449D-CBC1-1597-4F9B-843864DD7196}"/>
+                  </a:ext>
+                </a:extLst>
+              </p:cNvPr>
+              <p:cNvSpPr/>
+              <p:nvPr/>
+            </p:nvSpPr>
+            <p:spPr>
+              <a:xfrm rot="2679586">
+                <a:off x="4267721" y="4197731"/>
+                <a:ext cx="383979" cy="385972"/>
+              </a:xfrm>
+              <a:prstGeom prst="rect">
+                <a:avLst/>
+              </a:prstGeom>
+              <a:solidFill>
+                <a:srgbClr val="D9D9D9"/>
+              </a:solidFill>
+              <a:ln>
+                <a:noFill/>
+              </a:ln>
+            </p:spPr>
+            <p:style>
+              <a:lnRef idx="2">
+                <a:schemeClr val="accent1">
+                  <a:shade val="50000"/>
+                </a:schemeClr>
+              </a:lnRef>
+              <a:fillRef idx="1">
+                <a:schemeClr val="accent1"/>
+              </a:fillRef>
+              <a:effectRef idx="0">
+                <a:schemeClr val="accent1"/>
+              </a:effectRef>
+              <a:fontRef idx="minor">
+                <a:schemeClr val="lt1"/>
+              </a:fontRef>
+            </p:style>
+            <p:txBody>
+              <a:bodyPr rtlCol="0" anchor="ctr"/>
+              <a:lstStyle/>
+              <a:p>
+                <a:pPr algn="ctr"/>
+                <a:endParaRPr lang="ko-KR" altLang="en-US"/>
+              </a:p>
+            </p:txBody>
+          </p:sp>
+          <p:sp>
+            <p:nvSpPr>
+              <p:cNvPr id="168" name="직사각형 167">
+                <a:extLst>
+                  <a:ext uri="{FF2B5EF4-FFF2-40B4-BE49-F238E27FC236}">
+                    <a16:creationId xmlns:a16="http://schemas.microsoft.com/office/drawing/2014/main" id="{36EBF1B1-0387-C832-2375-AF00BE2719A1}"/>
+                  </a:ext>
+                </a:extLst>
+              </p:cNvPr>
+              <p:cNvSpPr/>
+              <p:nvPr/>
+            </p:nvSpPr>
+            <p:spPr>
+              <a:xfrm rot="2679586">
+                <a:off x="4257510" y="3297859"/>
+                <a:ext cx="393260" cy="360990"/>
+              </a:xfrm>
+              <a:prstGeom prst="rect">
+                <a:avLst/>
+              </a:prstGeom>
+              <a:solidFill>
+                <a:srgbClr val="D9D9D9"/>
+              </a:solidFill>
+              <a:ln>
+                <a:noFill/>
+              </a:ln>
+            </p:spPr>
+            <p:style>
+              <a:lnRef idx="2">
+                <a:schemeClr val="accent1">
+                  <a:shade val="50000"/>
+                </a:schemeClr>
+              </a:lnRef>
+              <a:fillRef idx="1">
+                <a:schemeClr val="accent1"/>
+              </a:fillRef>
+              <a:effectRef idx="0">
+                <a:schemeClr val="accent1"/>
+              </a:effectRef>
+              <a:fontRef idx="minor">
+                <a:schemeClr val="lt1"/>
+              </a:fontRef>
+            </p:style>
+            <p:txBody>
+              <a:bodyPr rtlCol="0" anchor="ctr"/>
+              <a:lstStyle/>
+              <a:p>
+                <a:pPr algn="ctr"/>
+                <a:endParaRPr lang="ko-KR" altLang="en-US"/>
+              </a:p>
+            </p:txBody>
+          </p:sp>
+          <p:sp>
+            <p:nvSpPr>
+              <p:cNvPr id="14" name="자유형: 도형 13">
+                <a:extLst>
+                  <a:ext uri="{FF2B5EF4-FFF2-40B4-BE49-F238E27FC236}">
+                    <a16:creationId xmlns:a16="http://schemas.microsoft.com/office/drawing/2014/main" id="{BFF2B6FC-B5EF-77D7-7463-6F2E9F2E6B5E}"/>
+                  </a:ext>
+                </a:extLst>
+              </p:cNvPr>
+              <p:cNvSpPr/>
+              <p:nvPr/>
+            </p:nvSpPr>
+            <p:spPr>
+              <a:xfrm>
+                <a:off x="5360194" y="3521869"/>
+                <a:ext cx="783431" cy="859631"/>
+              </a:xfrm>
+              <a:custGeom>
+                <a:avLst/>
+                <a:gdLst>
+                  <a:gd name="connsiteX0" fmla="*/ 2381 w 776287"/>
+                  <a:gd name="connsiteY0" fmla="*/ 230981 h 859631"/>
+                  <a:gd name="connsiteX1" fmla="*/ 0 w 776287"/>
+                  <a:gd name="connsiteY1" fmla="*/ 614362 h 859631"/>
+                  <a:gd name="connsiteX2" fmla="*/ 242887 w 776287"/>
+                  <a:gd name="connsiteY2" fmla="*/ 859631 h 859631"/>
+                  <a:gd name="connsiteX3" fmla="*/ 590550 w 776287"/>
+                  <a:gd name="connsiteY3" fmla="*/ 859631 h 859631"/>
+                  <a:gd name="connsiteX4" fmla="*/ 776287 w 776287"/>
+                  <a:gd name="connsiteY4" fmla="*/ 607219 h 859631"/>
+                  <a:gd name="connsiteX5" fmla="*/ 600075 w 776287"/>
+                  <a:gd name="connsiteY5" fmla="*/ 407194 h 859631"/>
+                  <a:gd name="connsiteX6" fmla="*/ 738187 w 776287"/>
+                  <a:gd name="connsiteY6" fmla="*/ 185737 h 859631"/>
+                  <a:gd name="connsiteX7" fmla="*/ 561975 w 776287"/>
+                  <a:gd name="connsiteY7" fmla="*/ 0 h 859631"/>
+                  <a:gd name="connsiteX8" fmla="*/ 180975 w 776287"/>
+                  <a:gd name="connsiteY8" fmla="*/ 2381 h 859631"/>
+                  <a:gd name="connsiteX9" fmla="*/ 2381 w 776287"/>
+                  <a:gd name="connsiteY9" fmla="*/ 230981 h 859631"/>
+                  <a:gd name="connsiteX0" fmla="*/ 2381 w 776287"/>
+                  <a:gd name="connsiteY0" fmla="*/ 230981 h 859631"/>
+                  <a:gd name="connsiteX1" fmla="*/ 0 w 776287"/>
+                  <a:gd name="connsiteY1" fmla="*/ 614362 h 859631"/>
+                  <a:gd name="connsiteX2" fmla="*/ 242887 w 776287"/>
+                  <a:gd name="connsiteY2" fmla="*/ 859631 h 859631"/>
+                  <a:gd name="connsiteX3" fmla="*/ 590550 w 776287"/>
+                  <a:gd name="connsiteY3" fmla="*/ 859631 h 859631"/>
+                  <a:gd name="connsiteX4" fmla="*/ 776287 w 776287"/>
+                  <a:gd name="connsiteY4" fmla="*/ 607219 h 859631"/>
+                  <a:gd name="connsiteX5" fmla="*/ 676275 w 776287"/>
+                  <a:gd name="connsiteY5" fmla="*/ 390525 h 859631"/>
+                  <a:gd name="connsiteX6" fmla="*/ 738187 w 776287"/>
+                  <a:gd name="connsiteY6" fmla="*/ 185737 h 859631"/>
+                  <a:gd name="connsiteX7" fmla="*/ 561975 w 776287"/>
+                  <a:gd name="connsiteY7" fmla="*/ 0 h 859631"/>
+                  <a:gd name="connsiteX8" fmla="*/ 180975 w 776287"/>
+                  <a:gd name="connsiteY8" fmla="*/ 2381 h 859631"/>
+                  <a:gd name="connsiteX9" fmla="*/ 2381 w 776287"/>
+                  <a:gd name="connsiteY9" fmla="*/ 230981 h 859631"/>
+                  <a:gd name="connsiteX0" fmla="*/ 2381 w 783431"/>
+                  <a:gd name="connsiteY0" fmla="*/ 230981 h 859631"/>
+                  <a:gd name="connsiteX1" fmla="*/ 0 w 783431"/>
+                  <a:gd name="connsiteY1" fmla="*/ 614362 h 859631"/>
+                  <a:gd name="connsiteX2" fmla="*/ 242887 w 783431"/>
+                  <a:gd name="connsiteY2" fmla="*/ 859631 h 859631"/>
+                  <a:gd name="connsiteX3" fmla="*/ 590550 w 783431"/>
+                  <a:gd name="connsiteY3" fmla="*/ 859631 h 859631"/>
+                  <a:gd name="connsiteX4" fmla="*/ 776287 w 783431"/>
+                  <a:gd name="connsiteY4" fmla="*/ 607219 h 859631"/>
+                  <a:gd name="connsiteX5" fmla="*/ 676275 w 783431"/>
+                  <a:gd name="connsiteY5" fmla="*/ 390525 h 859631"/>
+                  <a:gd name="connsiteX6" fmla="*/ 783431 w 783431"/>
+                  <a:gd name="connsiteY6" fmla="*/ 183356 h 859631"/>
+                  <a:gd name="connsiteX7" fmla="*/ 561975 w 783431"/>
+                  <a:gd name="connsiteY7" fmla="*/ 0 h 859631"/>
+                  <a:gd name="connsiteX8" fmla="*/ 180975 w 783431"/>
+                  <a:gd name="connsiteY8" fmla="*/ 2381 h 859631"/>
+                  <a:gd name="connsiteX9" fmla="*/ 2381 w 783431"/>
+                  <a:gd name="connsiteY9" fmla="*/ 230981 h 859631"/>
+                </a:gdLst>
+                <a:ahLst/>
+                <a:cxnLst>
+                  <a:cxn ang="0">
+                    <a:pos x="connsiteX0" y="connsiteY0"/>
+                  </a:cxn>
+                  <a:cxn ang="0">
+                    <a:pos x="connsiteX1" y="connsiteY1"/>
+                  </a:cxn>
+                  <a:cxn ang="0">
+                    <a:pos x="connsiteX2" y="connsiteY2"/>
+                  </a:cxn>
+                  <a:cxn ang="0">
+                    <a:pos x="connsiteX3" y="connsiteY3"/>
+                  </a:cxn>
+                  <a:cxn ang="0">
+                    <a:pos x="connsiteX4" y="connsiteY4"/>
+                  </a:cxn>
+                  <a:cxn ang="0">
+                    <a:pos x="connsiteX5" y="connsiteY5"/>
+                  </a:cxn>
+                  <a:cxn ang="0">
+                    <a:pos x="connsiteX6" y="connsiteY6"/>
+                  </a:cxn>
+                  <a:cxn ang="0">
+                    <a:pos x="connsiteX7" y="connsiteY7"/>
+                  </a:cxn>
+                  <a:cxn ang="0">
+                    <a:pos x="connsiteX8" y="connsiteY8"/>
+                  </a:cxn>
+                  <a:cxn ang="0">
+                    <a:pos x="connsiteX9" y="connsiteY9"/>
+                  </a:cxn>
+                </a:cxnLst>
+                <a:rect l="l" t="t" r="r" b="b"/>
+                <a:pathLst>
+                  <a:path w="783431" h="859631">
+                    <a:moveTo>
+                      <a:pt x="2381" y="230981"/>
+                    </a:moveTo>
+                    <a:cubicBezTo>
+                      <a:pt x="1587" y="358775"/>
+                      <a:pt x="794" y="486568"/>
+                      <a:pt x="0" y="614362"/>
+                    </a:cubicBezTo>
+                    <a:lnTo>
+                      <a:pt x="242887" y="859631"/>
+                    </a:lnTo>
+                    <a:lnTo>
+                      <a:pt x="590550" y="859631"/>
+                    </a:lnTo>
+                    <a:lnTo>
+                      <a:pt x="776287" y="607219"/>
+                    </a:lnTo>
+                    <a:lnTo>
+                      <a:pt x="676275" y="390525"/>
+                    </a:lnTo>
+                    <a:lnTo>
+                      <a:pt x="783431" y="183356"/>
+                    </a:lnTo>
+                    <a:lnTo>
+                      <a:pt x="561975" y="0"/>
+                    </a:lnTo>
+                    <a:lnTo>
+                      <a:pt x="180975" y="2381"/>
+                    </a:lnTo>
+                    <a:lnTo>
+                      <a:pt x="2381" y="230981"/>
+                    </a:lnTo>
+                    <a:close/>
+                  </a:path>
+                </a:pathLst>
+              </a:custGeom>
+              <a:solidFill>
+                <a:srgbClr val="FF0000"/>
+              </a:solidFill>
+              <a:ln>
+                <a:noFill/>
+              </a:ln>
+            </p:spPr>
+            <p:style>
+              <a:lnRef idx="2">
+                <a:schemeClr val="accent1">
+                  <a:shade val="50000"/>
+                </a:schemeClr>
+              </a:lnRef>
+              <a:fillRef idx="1">
+                <a:schemeClr val="accent1"/>
+              </a:fillRef>
+              <a:effectRef idx="0">
+                <a:schemeClr val="accent1"/>
+              </a:effectRef>
+              <a:fontRef idx="minor">
+                <a:schemeClr val="lt1"/>
+              </a:fontRef>
+            </p:style>
+            <p:txBody>
+              <a:bodyPr rtlCol="0" anchor="ctr"/>
+              <a:lstStyle/>
+              <a:p>
+                <a:pPr algn="ctr"/>
+                <a:endParaRPr lang="ko-KR" altLang="en-US"/>
+              </a:p>
+            </p:txBody>
+          </p:sp>
+          <p:sp>
+            <p:nvSpPr>
+              <p:cNvPr id="155" name="육각형 154">
+                <a:extLst>
+                  <a:ext uri="{FF2B5EF4-FFF2-40B4-BE49-F238E27FC236}">
+                    <a16:creationId xmlns:a16="http://schemas.microsoft.com/office/drawing/2014/main" id="{3C247047-D95C-BD98-D8DA-EAB90F0B84CC}"/>
+                  </a:ext>
+                </a:extLst>
+              </p:cNvPr>
+              <p:cNvSpPr/>
+              <p:nvPr/>
+            </p:nvSpPr>
+            <p:spPr>
+              <a:xfrm>
+                <a:off x="6020968" y="3703655"/>
+                <a:ext cx="953794" cy="433857"/>
+              </a:xfrm>
+              <a:prstGeom prst="hexagon">
+                <a:avLst/>
+              </a:prstGeom>
+              <a:solidFill>
+                <a:schemeClr val="accent2">
+                  <a:lumMod val="50000"/>
+                </a:schemeClr>
+              </a:solidFill>
+              <a:ln>
+                <a:noFill/>
+              </a:ln>
+            </p:spPr>
+            <p:style>
+              <a:lnRef idx="2">
+                <a:schemeClr val="accent1">
+                  <a:shade val="50000"/>
+                </a:schemeClr>
+              </a:lnRef>
+              <a:fillRef idx="1">
+                <a:schemeClr val="accent1"/>
+              </a:fillRef>
+              <a:effectRef idx="0">
+                <a:schemeClr val="accent1"/>
+              </a:effectRef>
+              <a:fontRef idx="minor">
+                <a:schemeClr val="lt1"/>
+              </a:fontRef>
+            </p:style>
+            <p:txBody>
+              <a:bodyPr rtlCol="0" anchor="ctr"/>
+              <a:lstStyle/>
+              <a:p>
+                <a:pPr algn="ctr"/>
+                <a:endParaRPr lang="ko-KR" altLang="en-US" sz="1100" dirty="0"/>
+              </a:p>
+            </p:txBody>
+          </p:sp>
+          <p:sp>
+            <p:nvSpPr>
+              <p:cNvPr id="170" name="자유형: 도형 169">
+                <a:extLst>
+                  <a:ext uri="{FF2B5EF4-FFF2-40B4-BE49-F238E27FC236}">
+                    <a16:creationId xmlns:a16="http://schemas.microsoft.com/office/drawing/2014/main" id="{E6147E0E-CEAF-F8AB-856E-105CB109BC8D}"/>
+                  </a:ext>
+                </a:extLst>
+              </p:cNvPr>
+              <p:cNvSpPr/>
+              <p:nvPr/>
+            </p:nvSpPr>
+            <p:spPr>
+              <a:xfrm rot="10800000">
+                <a:off x="1860916" y="3478727"/>
+                <a:ext cx="783431" cy="859631"/>
+              </a:xfrm>
+              <a:custGeom>
+                <a:avLst/>
+                <a:gdLst>
+                  <a:gd name="connsiteX0" fmla="*/ 2381 w 776287"/>
+                  <a:gd name="connsiteY0" fmla="*/ 230981 h 859631"/>
+                  <a:gd name="connsiteX1" fmla="*/ 0 w 776287"/>
+                  <a:gd name="connsiteY1" fmla="*/ 614362 h 859631"/>
+                  <a:gd name="connsiteX2" fmla="*/ 242887 w 776287"/>
+                  <a:gd name="connsiteY2" fmla="*/ 859631 h 859631"/>
+                  <a:gd name="connsiteX3" fmla="*/ 590550 w 776287"/>
+                  <a:gd name="connsiteY3" fmla="*/ 859631 h 859631"/>
+                  <a:gd name="connsiteX4" fmla="*/ 776287 w 776287"/>
+                  <a:gd name="connsiteY4" fmla="*/ 607219 h 859631"/>
+                  <a:gd name="connsiteX5" fmla="*/ 600075 w 776287"/>
+                  <a:gd name="connsiteY5" fmla="*/ 407194 h 859631"/>
+                  <a:gd name="connsiteX6" fmla="*/ 738187 w 776287"/>
+                  <a:gd name="connsiteY6" fmla="*/ 185737 h 859631"/>
+                  <a:gd name="connsiteX7" fmla="*/ 561975 w 776287"/>
+                  <a:gd name="connsiteY7" fmla="*/ 0 h 859631"/>
+                  <a:gd name="connsiteX8" fmla="*/ 180975 w 776287"/>
+                  <a:gd name="connsiteY8" fmla="*/ 2381 h 859631"/>
+                  <a:gd name="connsiteX9" fmla="*/ 2381 w 776287"/>
+                  <a:gd name="connsiteY9" fmla="*/ 230981 h 859631"/>
+                  <a:gd name="connsiteX0" fmla="*/ 2381 w 776287"/>
+                  <a:gd name="connsiteY0" fmla="*/ 230981 h 859631"/>
+                  <a:gd name="connsiteX1" fmla="*/ 0 w 776287"/>
+                  <a:gd name="connsiteY1" fmla="*/ 614362 h 859631"/>
+                  <a:gd name="connsiteX2" fmla="*/ 242887 w 776287"/>
+                  <a:gd name="connsiteY2" fmla="*/ 859631 h 859631"/>
+                  <a:gd name="connsiteX3" fmla="*/ 590550 w 776287"/>
+                  <a:gd name="connsiteY3" fmla="*/ 859631 h 859631"/>
+                  <a:gd name="connsiteX4" fmla="*/ 776287 w 776287"/>
+                  <a:gd name="connsiteY4" fmla="*/ 607219 h 859631"/>
+                  <a:gd name="connsiteX5" fmla="*/ 676275 w 776287"/>
+                  <a:gd name="connsiteY5" fmla="*/ 390525 h 859631"/>
+                  <a:gd name="connsiteX6" fmla="*/ 738187 w 776287"/>
+                  <a:gd name="connsiteY6" fmla="*/ 185737 h 859631"/>
+                  <a:gd name="connsiteX7" fmla="*/ 561975 w 776287"/>
+                  <a:gd name="connsiteY7" fmla="*/ 0 h 859631"/>
+                  <a:gd name="connsiteX8" fmla="*/ 180975 w 776287"/>
+                  <a:gd name="connsiteY8" fmla="*/ 2381 h 859631"/>
+                  <a:gd name="connsiteX9" fmla="*/ 2381 w 776287"/>
+                  <a:gd name="connsiteY9" fmla="*/ 230981 h 859631"/>
+                  <a:gd name="connsiteX0" fmla="*/ 2381 w 783431"/>
+                  <a:gd name="connsiteY0" fmla="*/ 230981 h 859631"/>
+                  <a:gd name="connsiteX1" fmla="*/ 0 w 783431"/>
+                  <a:gd name="connsiteY1" fmla="*/ 614362 h 859631"/>
+                  <a:gd name="connsiteX2" fmla="*/ 242887 w 783431"/>
+                  <a:gd name="connsiteY2" fmla="*/ 859631 h 859631"/>
+                  <a:gd name="connsiteX3" fmla="*/ 590550 w 783431"/>
+                  <a:gd name="connsiteY3" fmla="*/ 859631 h 859631"/>
+                  <a:gd name="connsiteX4" fmla="*/ 776287 w 783431"/>
+                  <a:gd name="connsiteY4" fmla="*/ 607219 h 859631"/>
+                  <a:gd name="connsiteX5" fmla="*/ 676275 w 783431"/>
+                  <a:gd name="connsiteY5" fmla="*/ 390525 h 859631"/>
+                  <a:gd name="connsiteX6" fmla="*/ 783431 w 783431"/>
+                  <a:gd name="connsiteY6" fmla="*/ 183356 h 859631"/>
+                  <a:gd name="connsiteX7" fmla="*/ 561975 w 783431"/>
+                  <a:gd name="connsiteY7" fmla="*/ 0 h 859631"/>
+                  <a:gd name="connsiteX8" fmla="*/ 180975 w 783431"/>
+                  <a:gd name="connsiteY8" fmla="*/ 2381 h 859631"/>
+                  <a:gd name="connsiteX9" fmla="*/ 2381 w 783431"/>
+                  <a:gd name="connsiteY9" fmla="*/ 230981 h 859631"/>
+                </a:gdLst>
+                <a:ahLst/>
+                <a:cxnLst>
+                  <a:cxn ang="0">
+                    <a:pos x="connsiteX0" y="connsiteY0"/>
+                  </a:cxn>
+                  <a:cxn ang="0">
+                    <a:pos x="connsiteX1" y="connsiteY1"/>
+                  </a:cxn>
+                  <a:cxn ang="0">
+                    <a:pos x="connsiteX2" y="connsiteY2"/>
+                  </a:cxn>
+                  <a:cxn ang="0">
+                    <a:pos x="connsiteX3" y="connsiteY3"/>
+                  </a:cxn>
+                  <a:cxn ang="0">
+                    <a:pos x="connsiteX4" y="connsiteY4"/>
+                  </a:cxn>
+                  <a:cxn ang="0">
+                    <a:pos x="connsiteX5" y="connsiteY5"/>
+                  </a:cxn>
+                  <a:cxn ang="0">
+                    <a:pos x="connsiteX6" y="connsiteY6"/>
+                  </a:cxn>
+                  <a:cxn ang="0">
+                    <a:pos x="connsiteX7" y="connsiteY7"/>
+                  </a:cxn>
+                  <a:cxn ang="0">
+                    <a:pos x="connsiteX8" y="connsiteY8"/>
+                  </a:cxn>
+                  <a:cxn ang="0">
+                    <a:pos x="connsiteX9" y="connsiteY9"/>
+                  </a:cxn>
+                </a:cxnLst>
+                <a:rect l="l" t="t" r="r" b="b"/>
+                <a:pathLst>
+                  <a:path w="783431" h="859631">
+                    <a:moveTo>
+                      <a:pt x="2381" y="230981"/>
+                    </a:moveTo>
+                    <a:cubicBezTo>
+                      <a:pt x="1587" y="358775"/>
+                      <a:pt x="794" y="486568"/>
+                      <a:pt x="0" y="614362"/>
+                    </a:cubicBezTo>
+                    <a:lnTo>
+                      <a:pt x="242887" y="859631"/>
+                    </a:lnTo>
+                    <a:lnTo>
+                      <a:pt x="590550" y="859631"/>
+                    </a:lnTo>
+                    <a:lnTo>
+                      <a:pt x="776287" y="607219"/>
+                    </a:lnTo>
+                    <a:lnTo>
+                      <a:pt x="676275" y="390525"/>
+                    </a:lnTo>
+                    <a:lnTo>
+                      <a:pt x="783431" y="183356"/>
+                    </a:lnTo>
+                    <a:lnTo>
+                      <a:pt x="561975" y="0"/>
+                    </a:lnTo>
+                    <a:lnTo>
+                      <a:pt x="180975" y="2381"/>
+                    </a:lnTo>
+                    <a:lnTo>
+                      <a:pt x="2381" y="230981"/>
+                    </a:lnTo>
+                    <a:close/>
+                  </a:path>
+                </a:pathLst>
+              </a:custGeom>
+              <a:ln>
+                <a:noFill/>
+              </a:ln>
+            </p:spPr>
+            <p:style>
+              <a:lnRef idx="2">
+                <a:schemeClr val="accent1">
+                  <a:shade val="50000"/>
+                </a:schemeClr>
+              </a:lnRef>
+              <a:fillRef idx="1">
+                <a:schemeClr val="accent1"/>
+              </a:fillRef>
+              <a:effectRef idx="0">
+                <a:schemeClr val="accent1"/>
+              </a:effectRef>
+              <a:fontRef idx="minor">
+                <a:schemeClr val="lt1"/>
+              </a:fontRef>
+            </p:style>
+            <p:txBody>
+              <a:bodyPr rtlCol="0" anchor="ctr"/>
+              <a:lstStyle/>
+              <a:p>
+                <a:pPr algn="ctr"/>
+                <a:endParaRPr lang="ko-KR" altLang="en-US"/>
+              </a:p>
+            </p:txBody>
+          </p:sp>
+          <p:sp>
+            <p:nvSpPr>
+              <p:cNvPr id="173" name="타원 172">
+                <a:extLst>
+                  <a:ext uri="{FF2B5EF4-FFF2-40B4-BE49-F238E27FC236}">
+                    <a16:creationId xmlns:a16="http://schemas.microsoft.com/office/drawing/2014/main" id="{F1020BEB-02B4-E0FF-8D1F-94CDBDCAFA61}"/>
+                  </a:ext>
+                </a:extLst>
+              </p:cNvPr>
+              <p:cNvSpPr/>
+              <p:nvPr/>
+            </p:nvSpPr>
+            <p:spPr>
+              <a:xfrm>
+                <a:off x="4707912" y="4114899"/>
+                <a:ext cx="91313" cy="91313"/>
+              </a:xfrm>
+              <a:prstGeom prst="ellipse">
+                <a:avLst/>
+              </a:prstGeom>
+              <a:solidFill>
+                <a:schemeClr val="accent4">
+                  <a:lumMod val="50000"/>
+                </a:schemeClr>
+              </a:solidFill>
+              <a:ln>
+                <a:solidFill>
+                  <a:schemeClr val="accent4">
+                    <a:lumMod val="50000"/>
+                  </a:schemeClr>
+                </a:solidFill>
+              </a:ln>
+            </p:spPr>
+            <p:style>
+              <a:lnRef idx="2">
+                <a:schemeClr val="accent1">
+                  <a:shade val="50000"/>
+                </a:schemeClr>
+              </a:lnRef>
+              <a:fillRef idx="1">
+                <a:schemeClr val="accent1"/>
+              </a:fillRef>
+              <a:effectRef idx="0">
+                <a:schemeClr val="accent1"/>
+              </a:effectRef>
+              <a:fontRef idx="minor">
+                <a:schemeClr val="lt1"/>
+              </a:fontRef>
+            </p:style>
+            <p:txBody>
+              <a:bodyPr rtlCol="0" anchor="ctr"/>
+              <a:lstStyle/>
+              <a:p>
+                <a:pPr algn="ctr"/>
+                <a:endParaRPr lang="ko-KR" altLang="en-US" sz="1600" dirty="0"/>
+              </a:p>
+            </p:txBody>
+          </p:sp>
+          <p:sp>
+            <p:nvSpPr>
+              <p:cNvPr id="174" name="타원 173">
+                <a:extLst>
+                  <a:ext uri="{FF2B5EF4-FFF2-40B4-BE49-F238E27FC236}">
+                    <a16:creationId xmlns:a16="http://schemas.microsoft.com/office/drawing/2014/main" id="{60C24840-8FD6-0891-0132-BF656B2DEBB8}"/>
+                  </a:ext>
+                </a:extLst>
+              </p:cNvPr>
+              <p:cNvSpPr/>
+              <p:nvPr/>
+            </p:nvSpPr>
+            <p:spPr>
+              <a:xfrm>
+                <a:off x="4613504" y="3869600"/>
+                <a:ext cx="91313" cy="91313"/>
+              </a:xfrm>
+              <a:prstGeom prst="ellipse">
+                <a:avLst/>
+              </a:prstGeom>
+              <a:solidFill>
+                <a:schemeClr val="accent4">
+                  <a:lumMod val="50000"/>
+                </a:schemeClr>
+              </a:solidFill>
+              <a:ln>
+                <a:solidFill>
+                  <a:schemeClr val="accent4">
+                    <a:lumMod val="50000"/>
+                  </a:schemeClr>
+                </a:solidFill>
+              </a:ln>
+            </p:spPr>
+            <p:style>
+              <a:lnRef idx="2">
+                <a:schemeClr val="accent1">
+                  <a:shade val="50000"/>
+                </a:schemeClr>
+              </a:lnRef>
+              <a:fillRef idx="1">
+                <a:schemeClr val="accent1"/>
+              </a:fillRef>
+              <a:effectRef idx="0">
+                <a:schemeClr val="accent1"/>
+              </a:effectRef>
+              <a:fontRef idx="minor">
+                <a:schemeClr val="lt1"/>
+              </a:fontRef>
+            </p:style>
+            <p:txBody>
+              <a:bodyPr rtlCol="0" anchor="ctr"/>
+              <a:lstStyle/>
+              <a:p>
+                <a:pPr algn="ctr"/>
+                <a:endParaRPr lang="ko-KR" altLang="en-US" sz="1600" dirty="0"/>
+              </a:p>
+            </p:txBody>
+          </p:sp>
+          <p:sp>
+            <p:nvSpPr>
+              <p:cNvPr id="175" name="타원 174">
+                <a:extLst>
+                  <a:ext uri="{FF2B5EF4-FFF2-40B4-BE49-F238E27FC236}">
+                    <a16:creationId xmlns:a16="http://schemas.microsoft.com/office/drawing/2014/main" id="{3892C525-F6D7-A108-E995-2E96EB0A5204}"/>
+                  </a:ext>
+                </a:extLst>
+              </p:cNvPr>
+              <p:cNvSpPr/>
+              <p:nvPr/>
+            </p:nvSpPr>
+            <p:spPr>
+              <a:xfrm>
+                <a:off x="4729803" y="3681999"/>
+                <a:ext cx="91313" cy="91313"/>
+              </a:xfrm>
+              <a:prstGeom prst="ellipse">
+                <a:avLst/>
+              </a:prstGeom>
+              <a:solidFill>
+                <a:schemeClr val="accent4">
+                  <a:lumMod val="50000"/>
+                </a:schemeClr>
+              </a:solidFill>
+              <a:ln>
+                <a:solidFill>
+                  <a:schemeClr val="accent4">
+                    <a:lumMod val="50000"/>
+                  </a:schemeClr>
+                </a:solidFill>
+              </a:ln>
+            </p:spPr>
+            <p:style>
+              <a:lnRef idx="2">
+                <a:schemeClr val="accent1">
+                  <a:shade val="50000"/>
+                </a:schemeClr>
+              </a:lnRef>
+              <a:fillRef idx="1">
+                <a:schemeClr val="accent1"/>
+              </a:fillRef>
+              <a:effectRef idx="0">
+                <a:schemeClr val="accent1"/>
+              </a:effectRef>
+              <a:fontRef idx="minor">
+                <a:schemeClr val="lt1"/>
+              </a:fontRef>
+            </p:style>
+            <p:txBody>
+              <a:bodyPr rtlCol="0" anchor="ctr"/>
+              <a:lstStyle/>
+              <a:p>
+                <a:pPr algn="ctr"/>
+                <a:endParaRPr lang="ko-KR" altLang="en-US" sz="1600" dirty="0"/>
+              </a:p>
+            </p:txBody>
+          </p:sp>
+          <p:sp>
+            <p:nvSpPr>
+              <p:cNvPr id="176" name="타원 175">
+                <a:extLst>
+                  <a:ext uri="{FF2B5EF4-FFF2-40B4-BE49-F238E27FC236}">
+                    <a16:creationId xmlns:a16="http://schemas.microsoft.com/office/drawing/2014/main" id="{ECDC1348-7FC0-8C50-5080-ACE4E2628669}"/>
+                  </a:ext>
+                </a:extLst>
+              </p:cNvPr>
+              <p:cNvSpPr/>
+              <p:nvPr/>
+            </p:nvSpPr>
+            <p:spPr>
+              <a:xfrm>
+                <a:off x="3822402" y="4639353"/>
+                <a:ext cx="91313" cy="91313"/>
+              </a:xfrm>
+              <a:prstGeom prst="ellipse">
+                <a:avLst/>
+              </a:prstGeom>
+              <a:solidFill>
+                <a:srgbClr val="FF0000"/>
+              </a:solidFill>
+              <a:ln>
+                <a:noFill/>
+              </a:ln>
+            </p:spPr>
+            <p:style>
+              <a:lnRef idx="2">
+                <a:schemeClr val="accent1">
+                  <a:shade val="50000"/>
+                </a:schemeClr>
+              </a:lnRef>
+              <a:fillRef idx="1">
+                <a:schemeClr val="accent1"/>
+              </a:fillRef>
+              <a:effectRef idx="0">
+                <a:schemeClr val="accent1"/>
+              </a:effectRef>
+              <a:fontRef idx="minor">
+                <a:schemeClr val="lt1"/>
+              </a:fontRef>
+            </p:style>
+            <p:txBody>
+              <a:bodyPr rtlCol="0" anchor="ctr"/>
+              <a:lstStyle/>
+              <a:p>
+                <a:pPr algn="ctr"/>
+                <a:endParaRPr lang="ko-KR" altLang="en-US" sz="1600" dirty="0"/>
+              </a:p>
+            </p:txBody>
+          </p:sp>
+          <p:sp>
+            <p:nvSpPr>
+              <p:cNvPr id="177" name="타원 176">
+                <a:extLst>
+                  <a:ext uri="{FF2B5EF4-FFF2-40B4-BE49-F238E27FC236}">
+                    <a16:creationId xmlns:a16="http://schemas.microsoft.com/office/drawing/2014/main" id="{7D5DE0FB-917B-8190-8CB8-6526937B26B3}"/>
+                  </a:ext>
+                </a:extLst>
+              </p:cNvPr>
+              <p:cNvSpPr/>
+              <p:nvPr/>
+            </p:nvSpPr>
+            <p:spPr>
+              <a:xfrm>
+                <a:off x="3974802" y="4791753"/>
+                <a:ext cx="91313" cy="91313"/>
+              </a:xfrm>
+              <a:prstGeom prst="ellipse">
+                <a:avLst/>
+              </a:prstGeom>
+              <a:solidFill>
+                <a:srgbClr val="FF0000"/>
+              </a:solidFill>
+              <a:ln>
+                <a:noFill/>
+              </a:ln>
+            </p:spPr>
+            <p:style>
+              <a:lnRef idx="2">
+                <a:schemeClr val="accent1">
+                  <a:shade val="50000"/>
+                </a:schemeClr>
+              </a:lnRef>
+              <a:fillRef idx="1">
+                <a:schemeClr val="accent1"/>
+              </a:fillRef>
+              <a:effectRef idx="0">
+                <a:schemeClr val="accent1"/>
+              </a:effectRef>
+              <a:fontRef idx="minor">
+                <a:schemeClr val="lt1"/>
+              </a:fontRef>
+            </p:style>
+            <p:txBody>
+              <a:bodyPr rtlCol="0" anchor="ctr"/>
+              <a:lstStyle/>
+              <a:p>
+                <a:pPr algn="ctr"/>
+                <a:endParaRPr lang="ko-KR" altLang="en-US" sz="1600" dirty="0"/>
+              </a:p>
+            </p:txBody>
+          </p:sp>
+          <p:sp>
+            <p:nvSpPr>
+              <p:cNvPr id="178" name="타원 177">
+                <a:extLst>
+                  <a:ext uri="{FF2B5EF4-FFF2-40B4-BE49-F238E27FC236}">
+                    <a16:creationId xmlns:a16="http://schemas.microsoft.com/office/drawing/2014/main" id="{C59D80A2-8776-D8F5-6D05-A4BDFD552205}"/>
+                  </a:ext>
+                </a:extLst>
+              </p:cNvPr>
+              <p:cNvSpPr/>
+              <p:nvPr/>
+            </p:nvSpPr>
+            <p:spPr>
+              <a:xfrm>
+                <a:off x="4127202" y="4944153"/>
+                <a:ext cx="91313" cy="91313"/>
+              </a:xfrm>
+              <a:prstGeom prst="ellipse">
+                <a:avLst/>
+              </a:prstGeom>
+              <a:solidFill>
+                <a:srgbClr val="FF0000"/>
+              </a:solidFill>
+              <a:ln>
+                <a:noFill/>
+              </a:ln>
+            </p:spPr>
+            <p:style>
+              <a:lnRef idx="2">
+                <a:schemeClr val="accent1">
+                  <a:shade val="50000"/>
+                </a:schemeClr>
+              </a:lnRef>
+              <a:fillRef idx="1">
+                <a:schemeClr val="accent1"/>
+              </a:fillRef>
+              <a:effectRef idx="0">
+                <a:schemeClr val="accent1"/>
+              </a:effectRef>
+              <a:fontRef idx="minor">
+                <a:schemeClr val="lt1"/>
+              </a:fontRef>
+            </p:style>
+            <p:txBody>
+              <a:bodyPr rtlCol="0" anchor="ctr"/>
+              <a:lstStyle/>
+              <a:p>
+                <a:pPr algn="ctr"/>
+                <a:endParaRPr lang="ko-KR" altLang="en-US" sz="1600" dirty="0"/>
+              </a:p>
+            </p:txBody>
+          </p:sp>
+          <p:sp>
+            <p:nvSpPr>
+              <p:cNvPr id="179" name="타원 178">
+                <a:extLst>
+                  <a:ext uri="{FF2B5EF4-FFF2-40B4-BE49-F238E27FC236}">
+                    <a16:creationId xmlns:a16="http://schemas.microsoft.com/office/drawing/2014/main" id="{5D82C9A8-EB67-AE29-EB20-59F7789F2BF9}"/>
+                  </a:ext>
+                </a:extLst>
+              </p:cNvPr>
+              <p:cNvSpPr/>
+              <p:nvPr/>
+            </p:nvSpPr>
+            <p:spPr>
+              <a:xfrm>
+                <a:off x="4127202" y="4632361"/>
+                <a:ext cx="91313" cy="91313"/>
+              </a:xfrm>
+              <a:prstGeom prst="ellipse">
+                <a:avLst/>
+              </a:prstGeom>
+              <a:solidFill>
+                <a:srgbClr val="FF0000"/>
+              </a:solidFill>
+              <a:ln>
+                <a:noFill/>
+              </a:ln>
+            </p:spPr>
+            <p:style>
+              <a:lnRef idx="2">
+                <a:schemeClr val="accent1">
+                  <a:shade val="50000"/>
+                </a:schemeClr>
+              </a:lnRef>
+              <a:fillRef idx="1">
+                <a:schemeClr val="accent1"/>
+              </a:fillRef>
+              <a:effectRef idx="0">
+                <a:schemeClr val="accent1"/>
+              </a:effectRef>
+              <a:fontRef idx="minor">
+                <a:schemeClr val="lt1"/>
+              </a:fontRef>
+            </p:style>
+            <p:txBody>
+              <a:bodyPr rtlCol="0" anchor="ctr"/>
+              <a:lstStyle/>
+              <a:p>
+                <a:pPr algn="ctr"/>
+                <a:endParaRPr lang="ko-KR" altLang="en-US" sz="1600" dirty="0"/>
+              </a:p>
+            </p:txBody>
+          </p:sp>
+          <p:sp>
+            <p:nvSpPr>
+              <p:cNvPr id="180" name="타원 179">
+                <a:extLst>
+                  <a:ext uri="{FF2B5EF4-FFF2-40B4-BE49-F238E27FC236}">
+                    <a16:creationId xmlns:a16="http://schemas.microsoft.com/office/drawing/2014/main" id="{81325C7C-A9AD-CD79-54BE-D6A448087E44}"/>
+                  </a:ext>
+                </a:extLst>
+              </p:cNvPr>
+              <p:cNvSpPr/>
+              <p:nvPr/>
+            </p:nvSpPr>
+            <p:spPr>
+              <a:xfrm>
+                <a:off x="3836113" y="4944153"/>
+                <a:ext cx="91313" cy="91313"/>
+              </a:xfrm>
+              <a:prstGeom prst="ellipse">
+                <a:avLst/>
+              </a:prstGeom>
+              <a:solidFill>
+                <a:srgbClr val="FF0000"/>
+              </a:solidFill>
+              <a:ln>
+                <a:noFill/>
+              </a:ln>
+            </p:spPr>
+            <p:style>
+              <a:lnRef idx="2">
+                <a:schemeClr val="accent1">
+                  <a:shade val="50000"/>
+                </a:schemeClr>
+              </a:lnRef>
+              <a:fillRef idx="1">
+                <a:schemeClr val="accent1"/>
+              </a:fillRef>
+              <a:effectRef idx="0">
+                <a:schemeClr val="accent1"/>
+              </a:effectRef>
+              <a:fontRef idx="minor">
+                <a:schemeClr val="lt1"/>
+              </a:fontRef>
+            </p:style>
+            <p:txBody>
+              <a:bodyPr rtlCol="0" anchor="ctr"/>
+              <a:lstStyle/>
+              <a:p>
+                <a:pPr algn="ctr"/>
+                <a:endParaRPr lang="ko-KR" altLang="en-US" sz="1600" dirty="0"/>
+              </a:p>
+            </p:txBody>
+          </p:sp>
+          <p:sp>
+            <p:nvSpPr>
+              <p:cNvPr id="182" name="직사각형 181">
+                <a:extLst>
+                  <a:ext uri="{FF2B5EF4-FFF2-40B4-BE49-F238E27FC236}">
+                    <a16:creationId xmlns:a16="http://schemas.microsoft.com/office/drawing/2014/main" id="{4AE4A2AD-4BF6-4ABB-FD24-AA0A3AC0B8D4}"/>
+                  </a:ext>
+                </a:extLst>
+              </p:cNvPr>
+              <p:cNvSpPr/>
+              <p:nvPr/>
+            </p:nvSpPr>
+            <p:spPr>
+              <a:xfrm>
+                <a:off x="5630632" y="3516976"/>
+                <a:ext cx="210359" cy="121170"/>
+              </a:xfrm>
+              <a:prstGeom prst="rect">
+                <a:avLst/>
+              </a:prstGeom>
+              <a:solidFill>
+                <a:schemeClr val="accent1">
+                  <a:lumMod val="40000"/>
+                  <a:lumOff val="60000"/>
+                </a:schemeClr>
+              </a:solidFill>
+              <a:ln>
+                <a:noFill/>
+              </a:ln>
+            </p:spPr>
+            <p:style>
+              <a:lnRef idx="2">
+                <a:schemeClr val="accent1">
+                  <a:shade val="50000"/>
+                </a:schemeClr>
+              </a:lnRef>
+              <a:fillRef idx="1">
+                <a:schemeClr val="accent1"/>
+              </a:fillRef>
+              <a:effectRef idx="0">
+                <a:schemeClr val="accent1"/>
+              </a:effectRef>
+              <a:fontRef idx="minor">
+                <a:schemeClr val="lt1"/>
+              </a:fontRef>
+            </p:style>
+            <p:txBody>
+              <a:bodyPr rtlCol="0" anchor="ctr"/>
+              <a:lstStyle/>
+              <a:p>
+                <a:pPr algn="ctr"/>
+                <a:endParaRPr lang="ko-KR" altLang="en-US" dirty="0"/>
+              </a:p>
+            </p:txBody>
+          </p:sp>
+          <p:sp>
+            <p:nvSpPr>
+              <p:cNvPr id="183" name="직사각형 182">
+                <a:extLst>
+                  <a:ext uri="{FF2B5EF4-FFF2-40B4-BE49-F238E27FC236}">
+                    <a16:creationId xmlns:a16="http://schemas.microsoft.com/office/drawing/2014/main" id="{62391773-3A49-ED34-6D21-2C0FBA61053A}"/>
+                  </a:ext>
+                </a:extLst>
+              </p:cNvPr>
+              <p:cNvSpPr/>
+              <p:nvPr/>
+            </p:nvSpPr>
+            <p:spPr>
+              <a:xfrm>
+                <a:off x="2127876" y="3473048"/>
+                <a:ext cx="210359" cy="121170"/>
+              </a:xfrm>
+              <a:prstGeom prst="rect">
+                <a:avLst/>
+              </a:prstGeom>
+              <a:solidFill>
+                <a:schemeClr val="accent1">
+                  <a:lumMod val="40000"/>
+                  <a:lumOff val="60000"/>
+                </a:schemeClr>
+              </a:solidFill>
+              <a:ln>
+                <a:noFill/>
+              </a:ln>
+            </p:spPr>
+            <p:style>
+              <a:lnRef idx="2">
+                <a:schemeClr val="accent1">
+                  <a:shade val="50000"/>
+                </a:schemeClr>
+              </a:lnRef>
+              <a:fillRef idx="1">
+                <a:schemeClr val="accent1"/>
+              </a:fillRef>
+              <a:effectRef idx="0">
+                <a:schemeClr val="accent1"/>
+              </a:effectRef>
+              <a:fontRef idx="minor">
+                <a:schemeClr val="lt1"/>
+              </a:fontRef>
+            </p:style>
+            <p:txBody>
+              <a:bodyPr rtlCol="0" anchor="ctr"/>
+              <a:lstStyle/>
+              <a:p>
+                <a:pPr algn="ctr"/>
+                <a:endParaRPr lang="ko-KR" altLang="en-US" dirty="0"/>
+              </a:p>
+            </p:txBody>
+          </p:sp>
+          <p:sp>
+            <p:nvSpPr>
+              <p:cNvPr id="184" name="직사각형 183">
+                <a:extLst>
+                  <a:ext uri="{FF2B5EF4-FFF2-40B4-BE49-F238E27FC236}">
+                    <a16:creationId xmlns:a16="http://schemas.microsoft.com/office/drawing/2014/main" id="{DB40F60C-42DA-E1DB-CF31-4E0C2F8D0E94}"/>
+                  </a:ext>
+                </a:extLst>
+              </p:cNvPr>
+              <p:cNvSpPr/>
+              <p:nvPr/>
+            </p:nvSpPr>
+            <p:spPr>
+              <a:xfrm>
+                <a:off x="5668950" y="4265225"/>
+                <a:ext cx="210359" cy="121170"/>
+              </a:xfrm>
+              <a:prstGeom prst="rect">
+                <a:avLst/>
+              </a:prstGeom>
+              <a:solidFill>
+                <a:schemeClr val="bg2">
+                  <a:lumMod val="50000"/>
+                </a:schemeClr>
+              </a:solidFill>
+              <a:ln>
+                <a:noFill/>
+              </a:ln>
+            </p:spPr>
+            <p:style>
+              <a:lnRef idx="2">
+                <a:schemeClr val="accent1">
+                  <a:shade val="50000"/>
+                </a:schemeClr>
+              </a:lnRef>
+              <a:fillRef idx="1">
+                <a:schemeClr val="accent1"/>
+              </a:fillRef>
+              <a:effectRef idx="0">
+                <a:schemeClr val="accent1"/>
+              </a:effectRef>
+              <a:fontRef idx="minor">
+                <a:schemeClr val="lt1"/>
+              </a:fontRef>
+            </p:style>
+            <p:txBody>
+              <a:bodyPr rtlCol="0" anchor="ctr"/>
+              <a:lstStyle/>
+              <a:p>
+                <a:pPr algn="ctr"/>
+                <a:endParaRPr lang="ko-KR" altLang="en-US" dirty="0"/>
+              </a:p>
+            </p:txBody>
+          </p:sp>
+          <p:sp>
+            <p:nvSpPr>
+              <p:cNvPr id="15" name="타원 14">
+                <a:extLst>
+                  <a:ext uri="{FF2B5EF4-FFF2-40B4-BE49-F238E27FC236}">
+                    <a16:creationId xmlns:a16="http://schemas.microsoft.com/office/drawing/2014/main" id="{802DFA7D-2C3A-C751-FC95-2BFCA25E0A33}"/>
+                  </a:ext>
+                </a:extLst>
+              </p:cNvPr>
+              <p:cNvSpPr/>
+              <p:nvPr/>
+            </p:nvSpPr>
+            <p:spPr>
+              <a:xfrm>
+                <a:off x="3303680" y="3702741"/>
+                <a:ext cx="119538" cy="119538"/>
+              </a:xfrm>
+              <a:prstGeom prst="ellipse">
+                <a:avLst/>
+              </a:prstGeom>
+              <a:noFill/>
+              <a:ln>
+                <a:solidFill>
+                  <a:schemeClr val="accent4">
+                    <a:lumMod val="75000"/>
+                  </a:schemeClr>
+                </a:solidFill>
+              </a:ln>
+            </p:spPr>
+            <p:style>
+              <a:lnRef idx="2">
+                <a:schemeClr val="accent1">
+                  <a:shade val="50000"/>
+                </a:schemeClr>
+              </a:lnRef>
+              <a:fillRef idx="1">
+                <a:schemeClr val="accent1"/>
+              </a:fillRef>
+              <a:effectRef idx="0">
+                <a:schemeClr val="accent1"/>
+              </a:effectRef>
+              <a:fontRef idx="minor">
+                <a:schemeClr val="lt1"/>
+              </a:fontRef>
+            </p:style>
+            <p:txBody>
+              <a:bodyPr rtlCol="0" anchor="ctr"/>
+              <a:lstStyle/>
+              <a:p>
+                <a:pPr algn="ctr"/>
+                <a:endParaRPr lang="ko-KR" altLang="en-US"/>
+              </a:p>
+            </p:txBody>
+          </p:sp>
+          <p:sp>
+            <p:nvSpPr>
+              <p:cNvPr id="186" name="타원 185">
+                <a:extLst>
+                  <a:ext uri="{FF2B5EF4-FFF2-40B4-BE49-F238E27FC236}">
+                    <a16:creationId xmlns:a16="http://schemas.microsoft.com/office/drawing/2014/main" id="{6ECA3F87-E611-FC80-3555-E4B8BC92B1E2}"/>
+                  </a:ext>
+                </a:extLst>
+              </p:cNvPr>
+              <p:cNvSpPr/>
+              <p:nvPr/>
+            </p:nvSpPr>
+            <p:spPr>
+              <a:xfrm>
+                <a:off x="3305905" y="4036831"/>
+                <a:ext cx="119538" cy="119538"/>
+              </a:xfrm>
+              <a:prstGeom prst="ellipse">
+                <a:avLst/>
+              </a:prstGeom>
+              <a:noFill/>
+              <a:ln>
+                <a:solidFill>
+                  <a:schemeClr val="accent4">
+                    <a:lumMod val="75000"/>
+                  </a:schemeClr>
+                </a:solidFill>
+              </a:ln>
+            </p:spPr>
+            <p:style>
+              <a:lnRef idx="2">
+                <a:schemeClr val="accent1">
+                  <a:shade val="50000"/>
+                </a:schemeClr>
+              </a:lnRef>
+              <a:fillRef idx="1">
+                <a:schemeClr val="accent1"/>
+              </a:fillRef>
+              <a:effectRef idx="0">
+                <a:schemeClr val="accent1"/>
+              </a:effectRef>
+              <a:fontRef idx="minor">
+                <a:schemeClr val="lt1"/>
+              </a:fontRef>
+            </p:style>
+            <p:txBody>
+              <a:bodyPr rtlCol="0" anchor="ctr"/>
+              <a:lstStyle/>
+              <a:p>
+                <a:pPr algn="ctr"/>
+                <a:endParaRPr lang="ko-KR" altLang="en-US"/>
+              </a:p>
+            </p:txBody>
+          </p:sp>
+          <p:sp>
+            <p:nvSpPr>
+              <p:cNvPr id="188" name="타원 187">
+                <a:extLst>
+                  <a:ext uri="{FF2B5EF4-FFF2-40B4-BE49-F238E27FC236}">
+                    <a16:creationId xmlns:a16="http://schemas.microsoft.com/office/drawing/2014/main" id="{5F9B82B8-0209-E6F8-5CB6-026F608C9D66}"/>
+                  </a:ext>
+                </a:extLst>
+              </p:cNvPr>
+              <p:cNvSpPr/>
+              <p:nvPr/>
+            </p:nvSpPr>
+            <p:spPr>
+              <a:xfrm>
+                <a:off x="2798982" y="3628714"/>
+                <a:ext cx="91313" cy="91313"/>
+              </a:xfrm>
+              <a:prstGeom prst="ellipse">
+                <a:avLst/>
+              </a:prstGeom>
+              <a:solidFill>
+                <a:schemeClr val="accent4">
+                  <a:lumMod val="50000"/>
+                </a:schemeClr>
+              </a:solidFill>
+              <a:ln>
+                <a:solidFill>
+                  <a:schemeClr val="accent4">
+                    <a:lumMod val="50000"/>
+                  </a:schemeClr>
+                </a:solidFill>
+              </a:ln>
+            </p:spPr>
+            <p:style>
+              <a:lnRef idx="2">
+                <a:schemeClr val="accent1">
+                  <a:shade val="50000"/>
+                </a:schemeClr>
+              </a:lnRef>
+              <a:fillRef idx="1">
+                <a:schemeClr val="accent1"/>
+              </a:fillRef>
+              <a:effectRef idx="0">
+                <a:schemeClr val="accent1"/>
+              </a:effectRef>
+              <a:fontRef idx="minor">
+                <a:schemeClr val="lt1"/>
+              </a:fontRef>
+            </p:style>
+            <p:txBody>
+              <a:bodyPr rtlCol="0" anchor="ctr"/>
+              <a:lstStyle/>
+              <a:p>
+                <a:pPr algn="ctr"/>
+                <a:endParaRPr lang="ko-KR" altLang="en-US" sz="1600" dirty="0"/>
+              </a:p>
+            </p:txBody>
+          </p:sp>
+          <p:sp>
+            <p:nvSpPr>
+              <p:cNvPr id="189" name="타원 188">
+                <a:extLst>
+                  <a:ext uri="{FF2B5EF4-FFF2-40B4-BE49-F238E27FC236}">
+                    <a16:creationId xmlns:a16="http://schemas.microsoft.com/office/drawing/2014/main" id="{9868E5CA-36D2-D973-EC46-01D4E7C92503}"/>
+                  </a:ext>
+                </a:extLst>
+              </p:cNvPr>
+              <p:cNvSpPr/>
+              <p:nvPr/>
+            </p:nvSpPr>
+            <p:spPr>
+              <a:xfrm>
+                <a:off x="2778683" y="4132475"/>
+                <a:ext cx="91313" cy="91313"/>
+              </a:xfrm>
+              <a:prstGeom prst="ellipse">
+                <a:avLst/>
+              </a:prstGeom>
+              <a:solidFill>
+                <a:schemeClr val="accent4">
+                  <a:lumMod val="50000"/>
+                </a:schemeClr>
+              </a:solidFill>
+              <a:ln>
+                <a:solidFill>
+                  <a:schemeClr val="accent4">
+                    <a:lumMod val="50000"/>
+                  </a:schemeClr>
+                </a:solidFill>
+              </a:ln>
+            </p:spPr>
+            <p:style>
+              <a:lnRef idx="2">
+                <a:schemeClr val="accent1">
+                  <a:shade val="50000"/>
+                </a:schemeClr>
+              </a:lnRef>
+              <a:fillRef idx="1">
+                <a:schemeClr val="accent1"/>
+              </a:fillRef>
+              <a:effectRef idx="0">
+                <a:schemeClr val="accent1"/>
+              </a:effectRef>
+              <a:fontRef idx="minor">
+                <a:schemeClr val="lt1"/>
+              </a:fontRef>
+            </p:style>
+            <p:txBody>
+              <a:bodyPr rtlCol="0" anchor="ctr"/>
+              <a:lstStyle/>
+              <a:p>
+                <a:pPr algn="ctr"/>
+                <a:endParaRPr lang="ko-KR" altLang="en-US" sz="1600" dirty="0"/>
+              </a:p>
+            </p:txBody>
+          </p:sp>
+          <p:sp>
+            <p:nvSpPr>
+              <p:cNvPr id="190" name="타원 189">
+                <a:extLst>
+                  <a:ext uri="{FF2B5EF4-FFF2-40B4-BE49-F238E27FC236}">
+                    <a16:creationId xmlns:a16="http://schemas.microsoft.com/office/drawing/2014/main" id="{BFCB8309-A572-38BB-9CBF-2935C692E944}"/>
+                  </a:ext>
+                </a:extLst>
+              </p:cNvPr>
+              <p:cNvSpPr/>
+              <p:nvPr/>
+            </p:nvSpPr>
+            <p:spPr>
+              <a:xfrm>
+                <a:off x="3061374" y="3545211"/>
+                <a:ext cx="91313" cy="91313"/>
+              </a:xfrm>
+              <a:prstGeom prst="ellipse">
+                <a:avLst/>
+              </a:prstGeom>
+              <a:solidFill>
+                <a:schemeClr val="accent4">
+                  <a:lumMod val="50000"/>
+                </a:schemeClr>
+              </a:solidFill>
+              <a:ln>
+                <a:solidFill>
+                  <a:schemeClr val="accent4">
+                    <a:lumMod val="50000"/>
+                  </a:schemeClr>
+                </a:solidFill>
+              </a:ln>
+            </p:spPr>
+            <p:style>
+              <a:lnRef idx="2">
+                <a:schemeClr val="accent1">
+                  <a:shade val="50000"/>
+                </a:schemeClr>
+              </a:lnRef>
+              <a:fillRef idx="1">
+                <a:schemeClr val="accent1"/>
+              </a:fillRef>
+              <a:effectRef idx="0">
+                <a:schemeClr val="accent1"/>
+              </a:effectRef>
+              <a:fontRef idx="minor">
+                <a:schemeClr val="lt1"/>
+              </a:fontRef>
+            </p:style>
+            <p:txBody>
+              <a:bodyPr rtlCol="0" anchor="ctr"/>
+              <a:lstStyle/>
+              <a:p>
+                <a:pPr algn="ctr"/>
+                <a:endParaRPr lang="ko-KR" altLang="en-US" sz="1600" dirty="0"/>
+              </a:p>
+            </p:txBody>
+          </p:sp>
+          <p:sp>
+            <p:nvSpPr>
+              <p:cNvPr id="191" name="타원 190">
+                <a:extLst>
+                  <a:ext uri="{FF2B5EF4-FFF2-40B4-BE49-F238E27FC236}">
+                    <a16:creationId xmlns:a16="http://schemas.microsoft.com/office/drawing/2014/main" id="{9A401BE7-2045-2006-20C3-904EA05BE75D}"/>
+                  </a:ext>
+                </a:extLst>
+              </p:cNvPr>
+              <p:cNvSpPr/>
+              <p:nvPr/>
+            </p:nvSpPr>
+            <p:spPr>
+              <a:xfrm>
+                <a:off x="3052964" y="4266631"/>
+                <a:ext cx="91313" cy="91313"/>
+              </a:xfrm>
+              <a:prstGeom prst="ellipse">
+                <a:avLst/>
+              </a:prstGeom>
+              <a:solidFill>
+                <a:schemeClr val="accent4">
+                  <a:lumMod val="50000"/>
+                </a:schemeClr>
+              </a:solidFill>
+              <a:ln>
+                <a:solidFill>
+                  <a:schemeClr val="accent4">
+                    <a:lumMod val="50000"/>
+                  </a:schemeClr>
+                </a:solidFill>
+              </a:ln>
+            </p:spPr>
+            <p:style>
+              <a:lnRef idx="2">
+                <a:schemeClr val="accent1">
+                  <a:shade val="50000"/>
+                </a:schemeClr>
+              </a:lnRef>
+              <a:fillRef idx="1">
+                <a:schemeClr val="accent1"/>
+              </a:fillRef>
+              <a:effectRef idx="0">
+                <a:schemeClr val="accent1"/>
+              </a:effectRef>
+              <a:fontRef idx="minor">
+                <a:schemeClr val="lt1"/>
+              </a:fontRef>
+            </p:style>
+            <p:txBody>
+              <a:bodyPr rtlCol="0" anchor="ctr"/>
+              <a:lstStyle/>
+              <a:p>
+                <a:pPr algn="ctr"/>
+                <a:endParaRPr lang="ko-KR" altLang="en-US" sz="1600" dirty="0"/>
+              </a:p>
+            </p:txBody>
+          </p:sp>
+          <p:sp>
+            <p:nvSpPr>
+              <p:cNvPr id="192" name="직사각형 191">
+                <a:extLst>
+                  <a:ext uri="{FF2B5EF4-FFF2-40B4-BE49-F238E27FC236}">
+                    <a16:creationId xmlns:a16="http://schemas.microsoft.com/office/drawing/2014/main" id="{5D4E76E2-8A33-79FF-7E24-5AB92D11634F}"/>
+                  </a:ext>
+                </a:extLst>
+              </p:cNvPr>
+              <p:cNvSpPr/>
+              <p:nvPr/>
+            </p:nvSpPr>
+            <p:spPr>
+              <a:xfrm>
+                <a:off x="2140911" y="4209818"/>
+                <a:ext cx="210359" cy="121170"/>
+              </a:xfrm>
+              <a:prstGeom prst="rect">
+                <a:avLst/>
+              </a:prstGeom>
+              <a:solidFill>
+                <a:schemeClr val="bg2">
+                  <a:lumMod val="50000"/>
+                </a:schemeClr>
+              </a:solidFill>
+              <a:ln>
+                <a:noFill/>
+              </a:ln>
+            </p:spPr>
+            <p:style>
+              <a:lnRef idx="2">
+                <a:schemeClr val="accent1">
+                  <a:shade val="50000"/>
+                </a:schemeClr>
+              </a:lnRef>
+              <a:fillRef idx="1">
+                <a:schemeClr val="accent1"/>
+              </a:fillRef>
+              <a:effectRef idx="0">
+                <a:schemeClr val="accent1"/>
+              </a:effectRef>
+              <a:fontRef idx="minor">
+                <a:schemeClr val="lt1"/>
+              </a:fontRef>
+            </p:style>
+            <p:txBody>
+              <a:bodyPr rtlCol="0" anchor="ctr"/>
+              <a:lstStyle/>
+              <a:p>
+                <a:pPr algn="ctr"/>
+                <a:endParaRPr lang="ko-KR" altLang="en-US" dirty="0"/>
+              </a:p>
+            </p:txBody>
+          </p:sp>
+          <p:sp>
+            <p:nvSpPr>
+              <p:cNvPr id="194" name="직사각형 193">
+                <a:extLst>
+                  <a:ext uri="{FF2B5EF4-FFF2-40B4-BE49-F238E27FC236}">
+                    <a16:creationId xmlns:a16="http://schemas.microsoft.com/office/drawing/2014/main" id="{CAA72FFB-0FFF-071B-DFA7-6C091AB1DB2A}"/>
+                  </a:ext>
+                </a:extLst>
+              </p:cNvPr>
+              <p:cNvSpPr/>
+              <p:nvPr/>
+            </p:nvSpPr>
+            <p:spPr>
+              <a:xfrm rot="18793458">
+                <a:off x="3328735" y="3328607"/>
+                <a:ext cx="270054" cy="131428"/>
+              </a:xfrm>
+              <a:prstGeom prst="rect">
+                <a:avLst/>
+              </a:prstGeom>
+              <a:solidFill>
+                <a:schemeClr val="bg1">
+                  <a:lumMod val="75000"/>
+                </a:schemeClr>
+              </a:solidFill>
+              <a:ln>
+                <a:solidFill>
+                  <a:schemeClr val="tx1"/>
+                </a:solidFill>
+              </a:ln>
+            </p:spPr>
+            <p:style>
+              <a:lnRef idx="2">
+                <a:schemeClr val="accent1">
+                  <a:shade val="50000"/>
+                </a:schemeClr>
+              </a:lnRef>
+              <a:fillRef idx="1">
+                <a:schemeClr val="accent1"/>
+              </a:fillRef>
+              <a:effectRef idx="0">
+                <a:schemeClr val="accent1"/>
+              </a:effectRef>
+              <a:fontRef idx="minor">
+                <a:schemeClr val="lt1"/>
+              </a:fontRef>
+            </p:style>
+            <p:txBody>
+              <a:bodyPr rtlCol="0" anchor="ctr"/>
+              <a:lstStyle/>
+              <a:p>
+                <a:pPr algn="ctr"/>
+                <a:endParaRPr lang="ko-KR" altLang="en-US" dirty="0"/>
+              </a:p>
+            </p:txBody>
+          </p:sp>
+          <p:pic>
+            <p:nvPicPr>
+              <p:cNvPr id="195" name="Picture 2" descr="휴지통 이미지 _사진 401181754 무료 다운로드_lovepik.com">
+                <a:extLst>
+                  <a:ext uri="{FF2B5EF4-FFF2-40B4-BE49-F238E27FC236}">
+                    <a16:creationId xmlns:a16="http://schemas.microsoft.com/office/drawing/2014/main" id="{0B716955-6704-FEF0-5D06-C194039BF6A5}"/>
+                  </a:ext>
+                </a:extLst>
+              </p:cNvPr>
+              <p:cNvPicPr>
+                <a:picLocks noChangeAspect="1" noChangeArrowheads="1"/>
+              </p:cNvPicPr>
+              <p:nvPr/>
+            </p:nvPicPr>
+            <p:blipFill>
+              <a:blip r:embed="rId3">
+                <a:extLst>
+                  <a:ext uri="{BEBA8EAE-BF5A-486C-A8C5-ECC9F3942E4B}">
+                    <a14:imgProps xmlns:a14="http://schemas.microsoft.com/office/drawing/2010/main">
+                      <a14:imgLayer r:embed="rId4">
+                        <a14:imgEffect>
+                          <a14:backgroundRemoval t="10000" b="90000" l="10000" r="90000"/>
+                        </a14:imgEffect>
+                      </a14:imgLayer>
+                    </a14:imgProps>
+                  </a:ext>
+                  <a:ext uri="{28A0092B-C50C-407E-A947-70E740481C1C}">
+                    <a14:useLocalDpi xmlns:a14="http://schemas.microsoft.com/office/drawing/2010/main" val="0"/>
+                  </a:ext>
+                </a:extLst>
+              </a:blip>
+              <a:srcRect/>
+              <a:stretch>
+                <a:fillRect/>
+              </a:stretch>
+            </p:blipFill>
+            <p:spPr bwMode="auto">
+              <a:xfrm flipH="1">
+                <a:off x="3533764" y="3691081"/>
+                <a:ext cx="163294" cy="163294"/>
+              </a:xfrm>
+              <a:prstGeom prst="rect">
+                <a:avLst/>
+              </a:prstGeom>
+              <a:noFill/>
+              <a:extLst>
+                <a:ext uri="{909E8E84-426E-40DD-AFC4-6F175D3DCCD1}">
+                  <a14:hiddenFill xmlns:a14="http://schemas.microsoft.com/office/drawing/2010/main">
+                    <a:solidFill>
+                      <a:srgbClr val="FFFFFF"/>
+                    </a:solidFill>
+                  </a14:hiddenFill>
+                </a:ext>
+              </a:extLst>
+            </p:spPr>
+          </p:pic>
+          <p:pic>
+            <p:nvPicPr>
+              <p:cNvPr id="197" name="Picture 2" descr="휴지통 이미지 _사진 401181754 무료 다운로드_lovepik.com">
+                <a:extLst>
+                  <a:ext uri="{FF2B5EF4-FFF2-40B4-BE49-F238E27FC236}">
+                    <a16:creationId xmlns:a16="http://schemas.microsoft.com/office/drawing/2014/main" id="{BA1E4B1C-6FA7-FD10-03A7-717DD2F7B4A7}"/>
+                  </a:ext>
+                </a:extLst>
+              </p:cNvPr>
+              <p:cNvPicPr>
+                <a:picLocks noChangeAspect="1" noChangeArrowheads="1"/>
+              </p:cNvPicPr>
+              <p:nvPr/>
+            </p:nvPicPr>
+            <p:blipFill>
+              <a:blip r:embed="rId3">
+                <a:extLst>
+                  <a:ext uri="{BEBA8EAE-BF5A-486C-A8C5-ECC9F3942E4B}">
+                    <a14:imgProps xmlns:a14="http://schemas.microsoft.com/office/drawing/2010/main">
+                      <a14:imgLayer r:embed="rId4">
+                        <a14:imgEffect>
+                          <a14:backgroundRemoval t="10000" b="90000" l="10000" r="90000"/>
+                        </a14:imgEffect>
+                      </a14:imgLayer>
+                    </a14:imgProps>
+                  </a:ext>
+                  <a:ext uri="{28A0092B-C50C-407E-A947-70E740481C1C}">
+                    <a14:useLocalDpi xmlns:a14="http://schemas.microsoft.com/office/drawing/2010/main" val="0"/>
+                  </a:ext>
+                </a:extLst>
+              </a:blip>
+              <a:srcRect/>
+              <a:stretch>
+                <a:fillRect/>
+              </a:stretch>
+            </p:blipFill>
+            <p:spPr bwMode="auto">
+              <a:xfrm flipH="1">
+                <a:off x="3764342" y="4217395"/>
+                <a:ext cx="163294" cy="163294"/>
+              </a:xfrm>
+              <a:prstGeom prst="rect">
+                <a:avLst/>
+              </a:prstGeom>
+              <a:noFill/>
+              <a:extLst>
+                <a:ext uri="{909E8E84-426E-40DD-AFC4-6F175D3DCCD1}">
+                  <a14:hiddenFill xmlns:a14="http://schemas.microsoft.com/office/drawing/2010/main">
+                    <a:solidFill>
+                      <a:srgbClr val="FFFFFF"/>
+                    </a:solidFill>
+                  </a14:hiddenFill>
+                </a:ext>
+              </a:extLst>
+            </p:spPr>
+          </p:pic>
+          <p:pic>
+            <p:nvPicPr>
+              <p:cNvPr id="198" name="Picture 2" descr="휴지통 이미지 _사진 401181754 무료 다운로드_lovepik.com">
+                <a:extLst>
+                  <a:ext uri="{FF2B5EF4-FFF2-40B4-BE49-F238E27FC236}">
+                    <a16:creationId xmlns:a16="http://schemas.microsoft.com/office/drawing/2014/main" id="{D533F281-D523-170C-52DC-5BB50D19F9E3}"/>
+                  </a:ext>
+                </a:extLst>
+              </p:cNvPr>
+              <p:cNvPicPr>
+                <a:picLocks noChangeAspect="1" noChangeArrowheads="1"/>
+              </p:cNvPicPr>
+              <p:nvPr/>
+            </p:nvPicPr>
+            <p:blipFill>
+              <a:blip r:embed="rId3">
+                <a:extLst>
+                  <a:ext uri="{BEBA8EAE-BF5A-486C-A8C5-ECC9F3942E4B}">
+                    <a14:imgProps xmlns:a14="http://schemas.microsoft.com/office/drawing/2010/main">
+                      <a14:imgLayer r:embed="rId4">
+                        <a14:imgEffect>
+                          <a14:backgroundRemoval t="10000" b="90000" l="10000" r="90000"/>
+                        </a14:imgEffect>
+                      </a14:imgLayer>
+                    </a14:imgProps>
+                  </a:ext>
+                  <a:ext uri="{28A0092B-C50C-407E-A947-70E740481C1C}">
+                    <a14:useLocalDpi xmlns:a14="http://schemas.microsoft.com/office/drawing/2010/main" val="0"/>
+                  </a:ext>
+                </a:extLst>
+              </a:blip>
+              <a:srcRect/>
+              <a:stretch>
+                <a:fillRect/>
+              </a:stretch>
+            </p:blipFill>
+            <p:spPr bwMode="auto">
+              <a:xfrm flipH="1">
+                <a:off x="4312810" y="4008074"/>
+                <a:ext cx="163294" cy="163294"/>
+              </a:xfrm>
+              <a:prstGeom prst="rect">
+                <a:avLst/>
+              </a:prstGeom>
+              <a:noFill/>
+              <a:extLst>
+                <a:ext uri="{909E8E84-426E-40DD-AFC4-6F175D3DCCD1}">
+                  <a14:hiddenFill xmlns:a14="http://schemas.microsoft.com/office/drawing/2010/main">
+                    <a:solidFill>
+                      <a:srgbClr val="FFFFFF"/>
+                    </a:solidFill>
+                  </a14:hiddenFill>
+                </a:ext>
+              </a:extLst>
+            </p:spPr>
+          </p:pic>
+          <p:pic>
+            <p:nvPicPr>
+              <p:cNvPr id="199" name="Picture 2" descr="휴지통 이미지 _사진 401181754 무료 다운로드_lovepik.com">
+                <a:extLst>
+                  <a:ext uri="{FF2B5EF4-FFF2-40B4-BE49-F238E27FC236}">
+                    <a16:creationId xmlns:a16="http://schemas.microsoft.com/office/drawing/2014/main" id="{0633CA01-4E78-6339-A4E6-073B2A2DF76E}"/>
+                  </a:ext>
+                </a:extLst>
+              </p:cNvPr>
+              <p:cNvPicPr>
+                <a:picLocks noChangeAspect="1" noChangeArrowheads="1"/>
+              </p:cNvPicPr>
+              <p:nvPr/>
+            </p:nvPicPr>
+            <p:blipFill>
+              <a:blip r:embed="rId3">
+                <a:extLst>
+                  <a:ext uri="{BEBA8EAE-BF5A-486C-A8C5-ECC9F3942E4B}">
+                    <a14:imgProps xmlns:a14="http://schemas.microsoft.com/office/drawing/2010/main">
+                      <a14:imgLayer r:embed="rId4">
+                        <a14:imgEffect>
+                          <a14:backgroundRemoval t="10000" b="90000" l="10000" r="90000"/>
+                        </a14:imgEffect>
+                      </a14:imgLayer>
+                    </a14:imgProps>
+                  </a:ext>
+                  <a:ext uri="{28A0092B-C50C-407E-A947-70E740481C1C}">
+                    <a14:useLocalDpi xmlns:a14="http://schemas.microsoft.com/office/drawing/2010/main" val="0"/>
+                  </a:ext>
+                </a:extLst>
+              </a:blip>
+              <a:srcRect/>
+              <a:stretch>
+                <a:fillRect/>
+              </a:stretch>
+            </p:blipFill>
+            <p:spPr bwMode="auto">
+              <a:xfrm flipH="1">
+                <a:off x="4085864" y="3442118"/>
+                <a:ext cx="163294" cy="163294"/>
+              </a:xfrm>
+              <a:prstGeom prst="rect">
+                <a:avLst/>
+              </a:prstGeom>
+              <a:noFill/>
+              <a:extLst>
+                <a:ext uri="{909E8E84-426E-40DD-AFC4-6F175D3DCCD1}">
+                  <a14:hiddenFill xmlns:a14="http://schemas.microsoft.com/office/drawing/2010/main">
+                    <a:solidFill>
+                      <a:srgbClr val="FFFFFF"/>
+                    </a:solidFill>
+                  </a14:hiddenFill>
+                </a:ext>
+              </a:extLst>
+            </p:spPr>
+          </p:pic>
+          <p:sp>
+            <p:nvSpPr>
+              <p:cNvPr id="200" name="직사각형 199">
+                <a:extLst>
+                  <a:ext uri="{FF2B5EF4-FFF2-40B4-BE49-F238E27FC236}">
+                    <a16:creationId xmlns:a16="http://schemas.microsoft.com/office/drawing/2014/main" id="{447A6691-ADD5-A3FD-0CB5-CAC16960FF8C}"/>
+                  </a:ext>
+                </a:extLst>
+              </p:cNvPr>
+              <p:cNvSpPr/>
+              <p:nvPr/>
+            </p:nvSpPr>
+            <p:spPr>
+              <a:xfrm rot="19192136">
+                <a:off x="4476316" y="4423474"/>
+                <a:ext cx="154871" cy="103967"/>
+              </a:xfrm>
+              <a:prstGeom prst="rect">
+                <a:avLst/>
+              </a:prstGeom>
+              <a:solidFill>
+                <a:schemeClr val="tx1"/>
+              </a:solidFill>
+              <a:ln>
+                <a:noFill/>
+              </a:ln>
+            </p:spPr>
+            <p:style>
+              <a:lnRef idx="2">
+                <a:schemeClr val="accent1">
+                  <a:shade val="50000"/>
+                </a:schemeClr>
+              </a:lnRef>
+              <a:fillRef idx="1">
+                <a:schemeClr val="accent1"/>
+              </a:fillRef>
+              <a:effectRef idx="0">
+                <a:schemeClr val="accent1"/>
+              </a:effectRef>
+              <a:fontRef idx="minor">
+                <a:schemeClr val="lt1"/>
+              </a:fontRef>
+            </p:style>
+            <p:txBody>
+              <a:bodyPr rtlCol="0" anchor="ctr"/>
+              <a:lstStyle/>
+              <a:p>
+                <a:pPr algn="ctr"/>
+                <a:endParaRPr lang="ko-KR" altLang="en-US"/>
+              </a:p>
+            </p:txBody>
+          </p:sp>
+          <p:sp>
+            <p:nvSpPr>
+              <p:cNvPr id="201" name="직사각형 200">
+                <a:extLst>
+                  <a:ext uri="{FF2B5EF4-FFF2-40B4-BE49-F238E27FC236}">
+                    <a16:creationId xmlns:a16="http://schemas.microsoft.com/office/drawing/2014/main" id="{17914A93-5DB6-BF28-C109-7BD005CB32B6}"/>
+                  </a:ext>
+                </a:extLst>
+              </p:cNvPr>
+              <p:cNvSpPr/>
+              <p:nvPr/>
+            </p:nvSpPr>
+            <p:spPr>
+              <a:xfrm rot="2577581">
+                <a:off x="3356530" y="4432545"/>
+                <a:ext cx="210359" cy="121170"/>
+              </a:xfrm>
+              <a:prstGeom prst="rect">
+                <a:avLst/>
+              </a:prstGeom>
+              <a:solidFill>
+                <a:schemeClr val="bg2">
+                  <a:lumMod val="50000"/>
+                </a:schemeClr>
+              </a:solidFill>
+              <a:ln>
+                <a:noFill/>
+              </a:ln>
+            </p:spPr>
+            <p:style>
+              <a:lnRef idx="2">
+                <a:schemeClr val="accent1">
+                  <a:shade val="50000"/>
+                </a:schemeClr>
+              </a:lnRef>
+              <a:fillRef idx="1">
+                <a:schemeClr val="accent1"/>
+              </a:fillRef>
+              <a:effectRef idx="0">
+                <a:schemeClr val="accent1"/>
+              </a:effectRef>
+              <a:fontRef idx="minor">
+                <a:schemeClr val="lt1"/>
+              </a:fontRef>
+            </p:style>
+            <p:txBody>
+              <a:bodyPr rtlCol="0" anchor="ctr"/>
+              <a:lstStyle/>
+              <a:p>
+                <a:pPr algn="ctr"/>
+                <a:endParaRPr lang="ko-KR" altLang="en-US" dirty="0"/>
+              </a:p>
+            </p:txBody>
+          </p:sp>
+          <p:sp>
+            <p:nvSpPr>
+              <p:cNvPr id="203" name="순서도: 자기 디스크 202">
+                <a:extLst>
+                  <a:ext uri="{FF2B5EF4-FFF2-40B4-BE49-F238E27FC236}">
+                    <a16:creationId xmlns:a16="http://schemas.microsoft.com/office/drawing/2014/main" id="{02E98DE3-2B47-D089-7703-1D049DC8E8D4}"/>
+                  </a:ext>
+                </a:extLst>
+              </p:cNvPr>
+              <p:cNvSpPr/>
+              <p:nvPr/>
+            </p:nvSpPr>
+            <p:spPr>
+              <a:xfrm>
+                <a:off x="4486887" y="3256968"/>
+                <a:ext cx="101017" cy="167521"/>
+              </a:xfrm>
+              <a:prstGeom prst="flowChartMagneticDisk">
+                <a:avLst/>
+              </a:prstGeom>
+            </p:spPr>
+            <p:style>
+              <a:lnRef idx="2">
+                <a:schemeClr val="accent1">
+                  <a:shade val="50000"/>
+                </a:schemeClr>
+              </a:lnRef>
+              <a:fillRef idx="1">
+                <a:schemeClr val="accent1"/>
+              </a:fillRef>
+              <a:effectRef idx="0">
+                <a:schemeClr val="accent1"/>
+              </a:effectRef>
+              <a:fontRef idx="minor">
+                <a:schemeClr val="lt1"/>
+              </a:fontRef>
+            </p:style>
+            <p:txBody>
+              <a:bodyPr rtlCol="0" anchor="ctr"/>
+              <a:lstStyle/>
+              <a:p>
+                <a:pPr algn="ctr"/>
+                <a:endParaRPr lang="ko-KR" altLang="en-US" dirty="0"/>
+              </a:p>
+            </p:txBody>
+          </p:sp>
+        </p:grpSp>
+        <p:sp>
+          <p:nvSpPr>
+            <p:cNvPr id="217" name="자유형: 도형 216">
+              <a:extLst>
+                <a:ext uri="{FF2B5EF4-FFF2-40B4-BE49-F238E27FC236}">
+                  <a16:creationId xmlns:a16="http://schemas.microsoft.com/office/drawing/2014/main" id="{9B9A99BA-7F1D-7B05-041E-0FA82E709804}"/>
+                </a:ext>
+              </a:extLst>
+            </p:cNvPr>
+            <p:cNvSpPr/>
+            <p:nvPr/>
+          </p:nvSpPr>
+          <p:spPr>
+            <a:xfrm rot="11732750">
+              <a:off x="3688987" y="2758772"/>
+              <a:ext cx="383241" cy="256699"/>
+            </a:xfrm>
+            <a:custGeom>
+              <a:avLst/>
+              <a:gdLst>
+                <a:gd name="connsiteX0" fmla="*/ 800100 w 807720"/>
+                <a:gd name="connsiteY0" fmla="*/ 160020 h 541020"/>
+                <a:gd name="connsiteX1" fmla="*/ 807720 w 807720"/>
+                <a:gd name="connsiteY1" fmla="*/ 388620 h 541020"/>
+                <a:gd name="connsiteX2" fmla="*/ 144780 w 807720"/>
+                <a:gd name="connsiteY2" fmla="*/ 541020 h 541020"/>
+                <a:gd name="connsiteX3" fmla="*/ 0 w 807720"/>
+                <a:gd name="connsiteY3" fmla="*/ 327660 h 541020"/>
+                <a:gd name="connsiteX4" fmla="*/ 304800 w 807720"/>
+                <a:gd name="connsiteY4" fmla="*/ 0 h 541020"/>
+                <a:gd name="connsiteX5" fmla="*/ 685800 w 807720"/>
+                <a:gd name="connsiteY5" fmla="*/ 38100 h 541020"/>
+                <a:gd name="connsiteX6" fmla="*/ 800100 w 807720"/>
+                <a:gd name="connsiteY6" fmla="*/ 160020 h 541020"/>
+              </a:gdLst>
+              <a:ahLst/>
+              <a:cxnLst>
+                <a:cxn ang="0">
+                  <a:pos x="connsiteX0" y="connsiteY0"/>
+                </a:cxn>
+                <a:cxn ang="0">
+                  <a:pos x="connsiteX1" y="connsiteY1"/>
+                </a:cxn>
+                <a:cxn ang="0">
+                  <a:pos x="connsiteX2" y="connsiteY2"/>
+                </a:cxn>
+                <a:cxn ang="0">
+                  <a:pos x="connsiteX3" y="connsiteY3"/>
+                </a:cxn>
+                <a:cxn ang="0">
+                  <a:pos x="connsiteX4" y="connsiteY4"/>
+                </a:cxn>
+                <a:cxn ang="0">
+                  <a:pos x="connsiteX5" y="connsiteY5"/>
+                </a:cxn>
+                <a:cxn ang="0">
+                  <a:pos x="connsiteX6" y="connsiteY6"/>
+                </a:cxn>
+              </a:cxnLst>
+              <a:rect l="l" t="t" r="r" b="b"/>
+              <a:pathLst>
+                <a:path w="807720" h="541020">
+                  <a:moveTo>
+                    <a:pt x="800100" y="160020"/>
+                  </a:moveTo>
+                  <a:lnTo>
+                    <a:pt x="807720" y="388620"/>
+                  </a:lnTo>
+                  <a:lnTo>
+                    <a:pt x="144780" y="541020"/>
+                  </a:lnTo>
+                  <a:lnTo>
+                    <a:pt x="0" y="327660"/>
+                  </a:lnTo>
+                  <a:lnTo>
+                    <a:pt x="304800" y="0"/>
+                  </a:lnTo>
+                  <a:lnTo>
+                    <a:pt x="685800" y="38100"/>
+                  </a:lnTo>
+                  <a:lnTo>
+                    <a:pt x="800100" y="160020"/>
+                  </a:lnTo>
+                  <a:close/>
+                </a:path>
+              </a:pathLst>
+            </a:custGeom>
+            <a:solidFill>
+              <a:schemeClr val="tx1">
+                <a:lumMod val="75000"/>
+                <a:lumOff val="25000"/>
+              </a:schemeClr>
+            </a:solidFill>
+            <a:ln>
+              <a:noFill/>
+            </a:ln>
+          </p:spPr>
+          <p:style>
+            <a:lnRef idx="2">
+              <a:schemeClr val="accent1">
+                <a:shade val="50000"/>
+              </a:schemeClr>
+            </a:lnRef>
+            <a:fillRef idx="1">
+              <a:schemeClr val="accent1"/>
+            </a:fillRef>
+            <a:effectRef idx="0">
+              <a:schemeClr val="accent1"/>
+            </a:effectRef>
+            <a:fontRef idx="minor">
+              <a:schemeClr val="lt1"/>
+            </a:fontRef>
+          </p:style>
+          <p:txBody>
+            <a:bodyPr rtlCol="0" anchor="ctr"/>
+            <a:lstStyle/>
+            <a:p>
+              <a:pPr algn="ctr"/>
+              <a:endParaRPr lang="ko-KR" altLang="en-US"/>
+            </a:p>
+          </p:txBody>
+        </p:sp>
+        <p:sp>
+          <p:nvSpPr>
+            <p:cNvPr id="218" name="자유형: 도형 217">
+              <a:extLst>
+                <a:ext uri="{FF2B5EF4-FFF2-40B4-BE49-F238E27FC236}">
+                  <a16:creationId xmlns:a16="http://schemas.microsoft.com/office/drawing/2014/main" id="{CCFB1054-4256-1B4C-F22B-7736E1E47812}"/>
+                </a:ext>
+              </a:extLst>
+            </p:cNvPr>
+            <p:cNvSpPr/>
+            <p:nvPr/>
+          </p:nvSpPr>
+          <p:spPr>
+            <a:xfrm rot="11732750">
+              <a:off x="3950259" y="3031618"/>
+              <a:ext cx="383241" cy="256699"/>
+            </a:xfrm>
+            <a:custGeom>
+              <a:avLst/>
+              <a:gdLst>
+                <a:gd name="connsiteX0" fmla="*/ 800100 w 807720"/>
+                <a:gd name="connsiteY0" fmla="*/ 160020 h 541020"/>
+                <a:gd name="connsiteX1" fmla="*/ 807720 w 807720"/>
+                <a:gd name="connsiteY1" fmla="*/ 388620 h 541020"/>
+                <a:gd name="connsiteX2" fmla="*/ 144780 w 807720"/>
+                <a:gd name="connsiteY2" fmla="*/ 541020 h 541020"/>
+                <a:gd name="connsiteX3" fmla="*/ 0 w 807720"/>
+                <a:gd name="connsiteY3" fmla="*/ 327660 h 541020"/>
+                <a:gd name="connsiteX4" fmla="*/ 304800 w 807720"/>
+                <a:gd name="connsiteY4" fmla="*/ 0 h 541020"/>
+                <a:gd name="connsiteX5" fmla="*/ 685800 w 807720"/>
+                <a:gd name="connsiteY5" fmla="*/ 38100 h 541020"/>
+                <a:gd name="connsiteX6" fmla="*/ 800100 w 807720"/>
+                <a:gd name="connsiteY6" fmla="*/ 160020 h 541020"/>
+              </a:gdLst>
+              <a:ahLst/>
+              <a:cxnLst>
+                <a:cxn ang="0">
+                  <a:pos x="connsiteX0" y="connsiteY0"/>
+                </a:cxn>
+                <a:cxn ang="0">
+                  <a:pos x="connsiteX1" y="connsiteY1"/>
+                </a:cxn>
+                <a:cxn ang="0">
+                  <a:pos x="connsiteX2" y="connsiteY2"/>
+                </a:cxn>
+                <a:cxn ang="0">
+                  <a:pos x="connsiteX3" y="connsiteY3"/>
+                </a:cxn>
+                <a:cxn ang="0">
+                  <a:pos x="connsiteX4" y="connsiteY4"/>
+                </a:cxn>
+                <a:cxn ang="0">
+                  <a:pos x="connsiteX5" y="connsiteY5"/>
+                </a:cxn>
+                <a:cxn ang="0">
+                  <a:pos x="connsiteX6" y="connsiteY6"/>
+                </a:cxn>
+              </a:cxnLst>
+              <a:rect l="l" t="t" r="r" b="b"/>
+              <a:pathLst>
+                <a:path w="807720" h="541020">
+                  <a:moveTo>
+                    <a:pt x="800100" y="160020"/>
+                  </a:moveTo>
+                  <a:lnTo>
+                    <a:pt x="807720" y="388620"/>
+                  </a:lnTo>
+                  <a:lnTo>
+                    <a:pt x="144780" y="541020"/>
+                  </a:lnTo>
+                  <a:lnTo>
+                    <a:pt x="0" y="327660"/>
+                  </a:lnTo>
+                  <a:lnTo>
+                    <a:pt x="304800" y="0"/>
+                  </a:lnTo>
+                  <a:lnTo>
+                    <a:pt x="685800" y="38100"/>
+                  </a:lnTo>
+                  <a:lnTo>
+                    <a:pt x="800100" y="160020"/>
+                  </a:lnTo>
+                  <a:close/>
+                </a:path>
+              </a:pathLst>
+            </a:custGeom>
+            <a:solidFill>
+              <a:schemeClr val="tx1">
+                <a:lumMod val="75000"/>
+                <a:lumOff val="25000"/>
+              </a:schemeClr>
+            </a:solidFill>
+            <a:ln>
+              <a:noFill/>
+            </a:ln>
+          </p:spPr>
+          <p:style>
+            <a:lnRef idx="2">
+              <a:schemeClr val="accent1">
+                <a:shade val="50000"/>
+              </a:schemeClr>
+            </a:lnRef>
+            <a:fillRef idx="1">
+              <a:schemeClr val="accent1"/>
+            </a:fillRef>
+            <a:effectRef idx="0">
+              <a:schemeClr val="accent1"/>
+            </a:effectRef>
+            <a:fontRef idx="minor">
+              <a:schemeClr val="lt1"/>
+            </a:fontRef>
+          </p:style>
+          <p:txBody>
+            <a:bodyPr rtlCol="0" anchor="ctr"/>
+            <a:lstStyle/>
+            <a:p>
+              <a:pPr algn="ctr"/>
+              <a:endParaRPr lang="ko-KR" altLang="en-US"/>
+            </a:p>
+          </p:txBody>
+        </p:sp>
+      </p:grpSp>
+      <p:grpSp>
+        <p:nvGrpSpPr>
+          <p:cNvPr id="62" name="그룹 61">
+            <a:extLst>
+              <a:ext uri="{FF2B5EF4-FFF2-40B4-BE49-F238E27FC236}">
+                <a16:creationId xmlns:a16="http://schemas.microsoft.com/office/drawing/2014/main" id="{EDA2073A-42FF-6093-208E-1C6CC19A69C2}"/>
+              </a:ext>
+            </a:extLst>
+          </p:cNvPr>
+          <p:cNvGrpSpPr/>
+          <p:nvPr/>
+        </p:nvGrpSpPr>
+        <p:grpSpPr>
+          <a:xfrm>
+            <a:off x="340398" y="3969042"/>
+            <a:ext cx="2991813" cy="1644510"/>
+            <a:chOff x="-5483966" y="2868423"/>
+            <a:chExt cx="5928547" cy="3258746"/>
+          </a:xfrm>
+        </p:grpSpPr>
+        <p:grpSp>
+          <p:nvGrpSpPr>
+            <p:cNvPr id="63" name="그룹 62">
+              <a:extLst>
+                <a:ext uri="{FF2B5EF4-FFF2-40B4-BE49-F238E27FC236}">
+                  <a16:creationId xmlns:a16="http://schemas.microsoft.com/office/drawing/2014/main" id="{98227A25-3A6B-D6AC-45D8-859AD011D239}"/>
+                </a:ext>
+              </a:extLst>
+            </p:cNvPr>
+            <p:cNvGrpSpPr/>
+            <p:nvPr/>
+          </p:nvGrpSpPr>
+          <p:grpSpPr>
+            <a:xfrm>
+              <a:off x="-1857342" y="3455095"/>
+              <a:ext cx="2301923" cy="1830112"/>
+              <a:chOff x="-1857342" y="3455095"/>
+              <a:chExt cx="2301923" cy="1830112"/>
+            </a:xfrm>
+          </p:grpSpPr>
+          <p:sp>
+            <p:nvSpPr>
+              <p:cNvPr id="65" name="순서도: 수동 연산 64">
+                <a:extLst>
+                  <a:ext uri="{FF2B5EF4-FFF2-40B4-BE49-F238E27FC236}">
+                    <a16:creationId xmlns:a16="http://schemas.microsoft.com/office/drawing/2014/main" id="{9135777D-6E87-EDA5-C751-CDEC6C68E50E}"/>
+                  </a:ext>
+                </a:extLst>
+              </p:cNvPr>
+              <p:cNvSpPr/>
+              <p:nvPr/>
+            </p:nvSpPr>
+            <p:spPr>
+              <a:xfrm>
+                <a:off x="-980974" y="3455095"/>
+                <a:ext cx="780580" cy="612648"/>
+              </a:xfrm>
+              <a:prstGeom prst="flowChartManualOperation">
+                <a:avLst/>
+              </a:prstGeom>
+              <a:solidFill>
+                <a:schemeClr val="bg1">
+                  <a:lumMod val="85000"/>
+                </a:schemeClr>
+              </a:solidFill>
+            </p:spPr>
+            <p:style>
+              <a:lnRef idx="2">
+                <a:schemeClr val="accent1">
+                  <a:shade val="50000"/>
+                </a:schemeClr>
+              </a:lnRef>
+              <a:fillRef idx="1">
+                <a:schemeClr val="accent1"/>
+              </a:fillRef>
+              <a:effectRef idx="0">
+                <a:schemeClr val="accent1"/>
+              </a:effectRef>
+              <a:fontRef idx="minor">
+                <a:schemeClr val="lt1"/>
+              </a:fontRef>
+            </p:style>
+            <p:txBody>
+              <a:bodyPr rtlCol="0" anchor="ctr"/>
+              <a:lstStyle/>
+              <a:p>
+                <a:pPr algn="ctr"/>
+                <a:endParaRPr lang="ko-KR" altLang="en-US"/>
+              </a:p>
+            </p:txBody>
+          </p:sp>
+          <p:sp>
+            <p:nvSpPr>
+              <p:cNvPr id="66" name="순서도: 수동 연산 65">
+                <a:extLst>
+                  <a:ext uri="{FF2B5EF4-FFF2-40B4-BE49-F238E27FC236}">
+                    <a16:creationId xmlns:a16="http://schemas.microsoft.com/office/drawing/2014/main" id="{A36DC7CB-0A1E-3F52-5DFE-416FAFCA4606}"/>
+                  </a:ext>
+                </a:extLst>
+              </p:cNvPr>
+              <p:cNvSpPr/>
+              <p:nvPr/>
+            </p:nvSpPr>
+            <p:spPr>
+              <a:xfrm>
+                <a:off x="-819446" y="4063827"/>
+                <a:ext cx="457603" cy="612648"/>
+              </a:xfrm>
+              <a:prstGeom prst="flowChartManualOperation">
+                <a:avLst/>
+              </a:prstGeom>
+              <a:solidFill>
+                <a:schemeClr val="accent2">
+                  <a:lumMod val="50000"/>
+                </a:schemeClr>
+              </a:solidFill>
+            </p:spPr>
+            <p:style>
+              <a:lnRef idx="2">
+                <a:schemeClr val="accent1">
+                  <a:shade val="50000"/>
+                </a:schemeClr>
+              </a:lnRef>
+              <a:fillRef idx="1">
+                <a:schemeClr val="accent1"/>
+              </a:fillRef>
+              <a:effectRef idx="0">
+                <a:schemeClr val="accent1"/>
+              </a:effectRef>
+              <a:fontRef idx="minor">
+                <a:schemeClr val="lt1"/>
+              </a:fontRef>
+            </p:style>
+            <p:txBody>
+              <a:bodyPr rtlCol="0" anchor="ctr"/>
+              <a:lstStyle/>
+              <a:p>
+                <a:pPr algn="ctr"/>
+                <a:endParaRPr lang="ko-KR" altLang="en-US"/>
+              </a:p>
+            </p:txBody>
+          </p:sp>
+          <p:sp>
+            <p:nvSpPr>
+              <p:cNvPr id="67" name="순서도: 수동 연산 66">
+                <a:extLst>
+                  <a:ext uri="{FF2B5EF4-FFF2-40B4-BE49-F238E27FC236}">
+                    <a16:creationId xmlns:a16="http://schemas.microsoft.com/office/drawing/2014/main" id="{12C6A295-3467-50A3-F5AC-5DCC6EDA2F4C}"/>
+                  </a:ext>
+                </a:extLst>
+              </p:cNvPr>
+              <p:cNvSpPr/>
+              <p:nvPr/>
+            </p:nvSpPr>
+            <p:spPr>
+              <a:xfrm>
+                <a:off x="-729712" y="4672559"/>
+                <a:ext cx="284136" cy="612648"/>
+              </a:xfrm>
+              <a:prstGeom prst="flowChartManualOperation">
+                <a:avLst/>
+              </a:prstGeom>
+              <a:solidFill>
+                <a:schemeClr val="tx1">
+                  <a:lumMod val="85000"/>
+                  <a:lumOff val="15000"/>
+                </a:schemeClr>
+              </a:solidFill>
+            </p:spPr>
+            <p:style>
+              <a:lnRef idx="2">
+                <a:schemeClr val="accent1">
+                  <a:shade val="50000"/>
+                </a:schemeClr>
+              </a:lnRef>
+              <a:fillRef idx="1">
+                <a:schemeClr val="accent1"/>
+              </a:fillRef>
+              <a:effectRef idx="0">
+                <a:schemeClr val="accent1"/>
+              </a:effectRef>
+              <a:fontRef idx="minor">
+                <a:schemeClr val="lt1"/>
+              </a:fontRef>
+            </p:style>
+            <p:txBody>
+              <a:bodyPr rtlCol="0" anchor="ctr"/>
+              <a:lstStyle/>
+              <a:p>
+                <a:pPr algn="ctr"/>
+                <a:endParaRPr lang="ko-KR" altLang="en-US"/>
+              </a:p>
+            </p:txBody>
+          </p:sp>
+          <p:cxnSp>
+            <p:nvCxnSpPr>
+              <p:cNvPr id="68" name="직선 화살표 연결선 67">
+                <a:extLst>
+                  <a:ext uri="{FF2B5EF4-FFF2-40B4-BE49-F238E27FC236}">
+                    <a16:creationId xmlns:a16="http://schemas.microsoft.com/office/drawing/2014/main" id="{ED4C4ECD-1CD6-7410-74F3-82131F3C2BB2}"/>
+                  </a:ext>
+                </a:extLst>
+              </p:cNvPr>
+              <p:cNvCxnSpPr/>
+              <p:nvPr/>
+            </p:nvCxnSpPr>
+            <p:spPr>
+              <a:xfrm flipH="1">
+                <a:off x="-1296955" y="3728691"/>
+                <a:ext cx="567243" cy="0"/>
+              </a:xfrm>
+              <a:prstGeom prst="straightConnector1">
+                <a:avLst/>
+              </a:prstGeom>
+              <a:ln>
+                <a:tailEnd type="triangle"/>
+              </a:ln>
+            </p:spPr>
+            <p:style>
+              <a:lnRef idx="1">
+                <a:schemeClr val="dk1"/>
+              </a:lnRef>
+              <a:fillRef idx="0">
+                <a:schemeClr val="dk1"/>
+              </a:fillRef>
+              <a:effectRef idx="0">
+                <a:schemeClr val="dk1"/>
+              </a:effectRef>
+              <a:fontRef idx="minor">
+                <a:schemeClr val="tx1"/>
+              </a:fontRef>
+            </p:style>
+          </p:cxnSp>
+          <p:cxnSp>
+            <p:nvCxnSpPr>
+              <p:cNvPr id="69" name="직선 화살표 연결선 68">
+                <a:extLst>
+                  <a:ext uri="{FF2B5EF4-FFF2-40B4-BE49-F238E27FC236}">
+                    <a16:creationId xmlns:a16="http://schemas.microsoft.com/office/drawing/2014/main" id="{3C175746-248B-6671-F76E-B98D81182E2E}"/>
+                  </a:ext>
+                </a:extLst>
+              </p:cNvPr>
+              <p:cNvCxnSpPr>
+                <a:cxnSpLocks/>
+              </p:cNvCxnSpPr>
+              <p:nvPr/>
+            </p:nvCxnSpPr>
+            <p:spPr>
+              <a:xfrm flipV="1">
+                <a:off x="-590684" y="4384053"/>
+                <a:ext cx="445771" cy="19584"/>
+              </a:xfrm>
+              <a:prstGeom prst="straightConnector1">
+                <a:avLst/>
+              </a:prstGeom>
+              <a:ln>
+                <a:tailEnd type="triangle"/>
+              </a:ln>
+            </p:spPr>
+            <p:style>
+              <a:lnRef idx="1">
+                <a:schemeClr val="dk1"/>
+              </a:lnRef>
+              <a:fillRef idx="0">
+                <a:schemeClr val="dk1"/>
+              </a:fillRef>
+              <a:effectRef idx="0">
+                <a:schemeClr val="dk1"/>
+              </a:effectRef>
+              <a:fontRef idx="minor">
+                <a:schemeClr val="tx1"/>
+              </a:fontRef>
+            </p:style>
+          </p:cxnSp>
+          <p:cxnSp>
+            <p:nvCxnSpPr>
+              <p:cNvPr id="70" name="직선 화살표 연결선 69">
+                <a:extLst>
+                  <a:ext uri="{FF2B5EF4-FFF2-40B4-BE49-F238E27FC236}">
+                    <a16:creationId xmlns:a16="http://schemas.microsoft.com/office/drawing/2014/main" id="{37009226-10F9-5918-3284-E34B227B43DA}"/>
+                  </a:ext>
+                </a:extLst>
+              </p:cNvPr>
+              <p:cNvCxnSpPr>
+                <a:cxnSpLocks/>
+              </p:cNvCxnSpPr>
+              <p:nvPr/>
+            </p:nvCxnSpPr>
+            <p:spPr>
+              <a:xfrm flipH="1">
+                <a:off x="-1165734" y="4941966"/>
+                <a:ext cx="575050" cy="0"/>
+              </a:xfrm>
+              <a:prstGeom prst="straightConnector1">
+                <a:avLst/>
+              </a:prstGeom>
+              <a:ln>
+                <a:tailEnd type="triangle"/>
+              </a:ln>
+            </p:spPr>
+            <p:style>
+              <a:lnRef idx="1">
+                <a:schemeClr val="dk1"/>
+              </a:lnRef>
+              <a:fillRef idx="0">
+                <a:schemeClr val="dk1"/>
+              </a:fillRef>
+              <a:effectRef idx="0">
+                <a:schemeClr val="dk1"/>
+              </a:effectRef>
+              <a:fontRef idx="minor">
+                <a:schemeClr val="tx1"/>
+              </a:fontRef>
+            </p:style>
+          </p:cxnSp>
+          <p:sp>
+            <p:nvSpPr>
+              <p:cNvPr id="71" name="TextBox 70">
+                <a:extLst>
+                  <a:ext uri="{FF2B5EF4-FFF2-40B4-BE49-F238E27FC236}">
+                    <a16:creationId xmlns:a16="http://schemas.microsoft.com/office/drawing/2014/main" id="{A0A44F6F-FCBE-3563-DEA8-EDB7CAB4D58F}"/>
+                  </a:ext>
+                </a:extLst>
+              </p:cNvPr>
+              <p:cNvSpPr txBox="1"/>
+              <p:nvPr/>
+            </p:nvSpPr>
+            <p:spPr>
+              <a:xfrm>
+                <a:off x="-1857342" y="3582365"/>
+                <a:ext cx="670875" cy="365932"/>
+              </a:xfrm>
+              <a:prstGeom prst="rect">
+                <a:avLst/>
+              </a:prstGeom>
+              <a:noFill/>
+            </p:spPr>
+            <p:txBody>
+              <a:bodyPr wrap="none" rtlCol="0">
+                <a:spAutoFit/>
+              </a:bodyPr>
+              <a:lstStyle/>
+              <a:p>
+                <a:r>
+                  <a:rPr lang="ko-KR" altLang="en-US" sz="600" dirty="0"/>
+                  <a:t>자갈</a:t>
+                </a:r>
+              </a:p>
+            </p:txBody>
+          </p:sp>
+          <p:sp>
+            <p:nvSpPr>
+              <p:cNvPr id="72" name="TextBox 71">
+                <a:extLst>
+                  <a:ext uri="{FF2B5EF4-FFF2-40B4-BE49-F238E27FC236}">
+                    <a16:creationId xmlns:a16="http://schemas.microsoft.com/office/drawing/2014/main" id="{B2FD2C84-4545-CE11-BB26-01ADC0D58311}"/>
+                  </a:ext>
+                </a:extLst>
+              </p:cNvPr>
+              <p:cNvSpPr txBox="1"/>
+              <p:nvPr/>
+            </p:nvSpPr>
+            <p:spPr>
+              <a:xfrm>
+                <a:off x="-99235" y="4253248"/>
+                <a:ext cx="543816" cy="396427"/>
+              </a:xfrm>
+              <a:prstGeom prst="rect">
+                <a:avLst/>
+              </a:prstGeom>
+              <a:noFill/>
+            </p:spPr>
+            <p:txBody>
+              <a:bodyPr wrap="none" rtlCol="0">
+                <a:spAutoFit/>
+              </a:bodyPr>
+              <a:lstStyle/>
+              <a:p>
+                <a:r>
+                  <a:rPr lang="ko-KR" altLang="en-US" sz="700" dirty="0"/>
+                  <a:t>흙</a:t>
+                </a:r>
+              </a:p>
+            </p:txBody>
+          </p:sp>
+          <p:sp>
+            <p:nvSpPr>
+              <p:cNvPr id="73" name="TextBox 72">
+                <a:extLst>
+                  <a:ext uri="{FF2B5EF4-FFF2-40B4-BE49-F238E27FC236}">
+                    <a16:creationId xmlns:a16="http://schemas.microsoft.com/office/drawing/2014/main" id="{0B18A06F-C25F-BC83-199F-9CD12868285F}"/>
+                  </a:ext>
+                </a:extLst>
+              </p:cNvPr>
+              <p:cNvSpPr txBox="1"/>
+              <p:nvPr/>
+            </p:nvSpPr>
+            <p:spPr>
+              <a:xfrm>
+                <a:off x="-1580908" y="4800399"/>
+                <a:ext cx="569228" cy="426922"/>
+              </a:xfrm>
+              <a:prstGeom prst="rect">
+                <a:avLst/>
+              </a:prstGeom>
+              <a:noFill/>
+            </p:spPr>
+            <p:txBody>
+              <a:bodyPr wrap="none" rtlCol="0">
+                <a:spAutoFit/>
+              </a:bodyPr>
+              <a:lstStyle/>
+              <a:p>
+                <a:r>
+                  <a:rPr lang="ko-KR" altLang="en-US" sz="800" dirty="0"/>
+                  <a:t>숯</a:t>
+                </a:r>
+              </a:p>
+            </p:txBody>
+          </p:sp>
+        </p:grpSp>
+        <p:pic>
+          <p:nvPicPr>
+            <p:cNvPr id="64" name="Picture 4" descr="캐스B]네이처 척척박사간이정수기(2171) - 칭찬나라큰나라">
+              <a:extLst>
+                <a:ext uri="{FF2B5EF4-FFF2-40B4-BE49-F238E27FC236}">
+                  <a16:creationId xmlns:a16="http://schemas.microsoft.com/office/drawing/2014/main" id="{4F95A274-72A1-634C-1CA8-8B96C0494CCF}"/>
+                </a:ext>
+              </a:extLst>
+            </p:cNvPr>
+            <p:cNvPicPr>
+              <a:picLocks noChangeAspect="1" noChangeArrowheads="1"/>
+            </p:cNvPicPr>
+            <p:nvPr/>
+          </p:nvPicPr>
+          <p:blipFill>
+            <a:blip r:embed="rId5">
+              <a:extLst>
+                <a:ext uri="{28A0092B-C50C-407E-A947-70E740481C1C}">
+                  <a14:useLocalDpi xmlns:a14="http://schemas.microsoft.com/office/drawing/2010/main" val="0"/>
+                </a:ext>
+              </a:extLst>
+            </a:blip>
+            <a:srcRect/>
+            <a:stretch>
+              <a:fillRect/>
+            </a:stretch>
+          </p:blipFill>
+          <p:spPr bwMode="auto">
+            <a:xfrm>
+              <a:off x="-5483966" y="2868423"/>
+              <a:ext cx="3258746" cy="3258746"/>
+            </a:xfrm>
+            <a:prstGeom prst="rect">
+              <a:avLst/>
+            </a:prstGeom>
+            <a:noFill/>
+            <a:extLst>
+              <a:ext uri="{909E8E84-426E-40DD-AFC4-6F175D3DCCD1}">
+                <a14:hiddenFill xmlns:a14="http://schemas.microsoft.com/office/drawing/2010/main">
+                  <a:solidFill>
+                    <a:srgbClr val="FFFFFF"/>
+                  </a:solidFill>
+                </a14:hiddenFill>
+              </a:ext>
+            </a:extLst>
+          </p:spPr>
+        </p:pic>
+      </p:grpSp>
+      <p:pic>
+        <p:nvPicPr>
+          <p:cNvPr id="74" name="Picture 6" descr="컴퓨터 아이콘, 제단, 사진, 종교, 제단 png | PNGWing">
+            <a:extLst>
+              <a:ext uri="{FF2B5EF4-FFF2-40B4-BE49-F238E27FC236}">
+                <a16:creationId xmlns:a16="http://schemas.microsoft.com/office/drawing/2014/main" id="{BAAD9B60-6F88-04E4-6F66-72800D5200C7}"/>
+              </a:ext>
+            </a:extLst>
+          </p:cNvPr>
+          <p:cNvPicPr>
+            <a:picLocks noChangeAspect="1" noChangeArrowheads="1"/>
+          </p:cNvPicPr>
+          <p:nvPr/>
+        </p:nvPicPr>
+        <p:blipFill>
+          <a:blip r:embed="rId6">
+            <a:extLst>
+              <a:ext uri="{BEBA8EAE-BF5A-486C-A8C5-ECC9F3942E4B}">
+                <a14:imgProps xmlns:a14="http://schemas.microsoft.com/office/drawing/2010/main">
+                  <a14:imgLayer r:embed="rId7">
+                    <a14:imgEffect>
+                      <a14:backgroundRemoval t="3426" b="94454" l="10000" r="90000">
+                        <a14:foregroundMark x1="30652" y1="15171" x2="60109" y2="10277"/>
+                        <a14:foregroundMark x1="60109" y1="10277" x2="69783" y2="11909"/>
+                        <a14:foregroundMark x1="74348" y1="10114" x2="52174" y2="3426"/>
+                        <a14:foregroundMark x1="52174" y1="3426" x2="40543" y2="6199"/>
+                        <a14:foregroundMark x1="31087" y1="89723" x2="56196" y2="94454"/>
+                        <a14:foregroundMark x1="56196" y1="94454" x2="69348" y2="90538"/>
+                        <a14:foregroundMark x1="72500" y1="94454" x2="72500" y2="94454"/>
+                      </a14:backgroundRemoval>
+                    </a14:imgEffect>
+                  </a14:imgLayer>
+                </a14:imgProps>
+              </a:ext>
+              <a:ext uri="{28A0092B-C50C-407E-A947-70E740481C1C}">
+                <a14:useLocalDpi xmlns:a14="http://schemas.microsoft.com/office/drawing/2010/main" val="0"/>
+              </a:ext>
+            </a:extLst>
+          </a:blip>
+          <a:srcRect/>
+          <a:stretch>
+            <a:fillRect/>
+          </a:stretch>
+        </p:blipFill>
+        <p:spPr bwMode="auto">
+          <a:xfrm>
+            <a:off x="5235363" y="1864437"/>
+            <a:ext cx="1707915" cy="1137991"/>
+          </a:xfrm>
+          <a:prstGeom prst="rect">
+            <a:avLst/>
+          </a:prstGeom>
+          <a:noFill/>
+          <a:extLst>
+            <a:ext uri="{909E8E84-426E-40DD-AFC4-6F175D3DCCD1}">
+              <a14:hiddenFill xmlns:a14="http://schemas.microsoft.com/office/drawing/2010/main">
+                <a:solidFill>
+                  <a:srgbClr val="FFFFFF"/>
+                </a:solidFill>
+              </a14:hiddenFill>
+            </a:ext>
+          </a:extLst>
+        </p:spPr>
+      </p:pic>
+      <p:cxnSp>
+        <p:nvCxnSpPr>
+          <p:cNvPr id="10" name="연결선: 꺾임 9">
+            <a:extLst>
+              <a:ext uri="{FF2B5EF4-FFF2-40B4-BE49-F238E27FC236}">
+                <a16:creationId xmlns:a16="http://schemas.microsoft.com/office/drawing/2014/main" id="{C678F088-A2F7-4A1A-9C0A-00C2C49FA84C}"/>
+              </a:ext>
+            </a:extLst>
+          </p:cNvPr>
+          <p:cNvCxnSpPr>
+            <a:cxnSpLocks/>
+            <a:stCxn id="183" idx="1"/>
+            <a:endCxn id="64" idx="0"/>
+          </p:cNvCxnSpPr>
+          <p:nvPr/>
+        </p:nvCxnSpPr>
+        <p:spPr>
+          <a:xfrm rot="10800000" flipV="1">
+            <a:off x="1162654" y="3820202"/>
+            <a:ext cx="2823778" cy="148839"/>
+          </a:xfrm>
+          <a:prstGeom prst="bentConnector2">
+            <a:avLst/>
+          </a:prstGeom>
+          <a:ln>
+            <a:tailEnd type="triangle"/>
+          </a:ln>
+        </p:spPr>
+        <p:style>
+          <a:lnRef idx="1">
+            <a:schemeClr val="dk1"/>
+          </a:lnRef>
+          <a:fillRef idx="0">
+            <a:schemeClr val="dk1"/>
+          </a:fillRef>
+          <a:effectRef idx="0">
+            <a:schemeClr val="dk1"/>
+          </a:effectRef>
+          <a:fontRef idx="minor">
+            <a:schemeClr val="tx1"/>
+          </a:fontRef>
+        </p:style>
+      </p:cxnSp>
+      <p:cxnSp>
+        <p:nvCxnSpPr>
+          <p:cNvPr id="23" name="연결선: 꺾임 22">
+            <a:extLst>
+              <a:ext uri="{FF2B5EF4-FFF2-40B4-BE49-F238E27FC236}">
+                <a16:creationId xmlns:a16="http://schemas.microsoft.com/office/drawing/2014/main" id="{A5871B22-7EA7-5805-AAAE-6F958547BC63}"/>
+              </a:ext>
+            </a:extLst>
+          </p:cNvPr>
+          <p:cNvCxnSpPr>
+            <a:stCxn id="145" idx="5"/>
+            <a:endCxn id="74" idx="2"/>
+          </p:cNvCxnSpPr>
+          <p:nvPr/>
+        </p:nvCxnSpPr>
+        <p:spPr>
+          <a:xfrm rot="5400000" flipH="1" flipV="1">
+            <a:off x="5144583" y="3054531"/>
+            <a:ext cx="996841" cy="892636"/>
+          </a:xfrm>
+          <a:prstGeom prst="bentConnector3">
+            <a:avLst/>
+          </a:prstGeom>
+          <a:ln>
+            <a:tailEnd type="triangle"/>
+          </a:ln>
+        </p:spPr>
+        <p:style>
+          <a:lnRef idx="1">
+            <a:schemeClr val="dk1"/>
+          </a:lnRef>
+          <a:fillRef idx="0">
+            <a:schemeClr val="dk1"/>
+          </a:fillRef>
+          <a:effectRef idx="0">
+            <a:schemeClr val="dk1"/>
+          </a:effectRef>
+          <a:fontRef idx="minor">
+            <a:schemeClr val="tx1"/>
+          </a:fontRef>
+        </p:style>
+      </p:cxnSp>
+    </p:spTree>
+    <p:extLst>
+      <p:ext uri="{BB962C8B-B14F-4D97-AF65-F5344CB8AC3E}">
+        <p14:creationId xmlns:p14="http://schemas.microsoft.com/office/powerpoint/2010/main" val="1890975571"/>
+      </p:ext>
+    </p:extLst>
+  </p:cSld>
+  <p:clrMapOvr>
+    <a:masterClrMapping/>
+  </p:clrMapOvr>
+</p:sld>
+</file>
+
+<file path=ppt/slides/slide4.xml><?xml version="1.0" encoding="utf-8"?>
+<p:sld xmlns:a="http://schemas.openxmlformats.org/drawingml/2006/main" xmlns:r="http://schemas.openxmlformats.org/officeDocument/2006/relationships" xmlns:p="http://schemas.openxmlformats.org/presentationml/2006/main">
+  <p:cSld>
+    <p:spTree>
+      <p:nvGrpSpPr>
+        <p:cNvPr id="1" name=""/>
+        <p:cNvGrpSpPr/>
+        <p:nvPr/>
+      </p:nvGrpSpPr>
+      <p:grpSpPr>
+        <a:xfrm>
+          <a:off x="0" y="0"/>
+          <a:ext cx="0" cy="0"/>
+          <a:chOff x="0" y="0"/>
+          <a:chExt cx="0" cy="0"/>
+        </a:xfrm>
+      </p:grpSpPr>
+      <p:sp>
+        <p:nvSpPr>
+          <p:cNvPr id="4" name="직사각형 3">
+            <a:extLst>
+              <a:ext uri="{FF2B5EF4-FFF2-40B4-BE49-F238E27FC236}">
+                <a16:creationId xmlns:a16="http://schemas.microsoft.com/office/drawing/2014/main" id="{AE93FE2A-85FE-4157-951C-FC2FADBB3B34}"/>
+              </a:ext>
+            </a:extLst>
+          </p:cNvPr>
+          <p:cNvSpPr/>
+          <p:nvPr/>
+        </p:nvSpPr>
+        <p:spPr>
+          <a:xfrm>
+            <a:off x="0" y="0"/>
+            <a:ext cx="12192000" cy="1034474"/>
+          </a:xfrm>
+          <a:prstGeom prst="rect">
+            <a:avLst/>
+          </a:prstGeom>
+          <a:solidFill>
+            <a:schemeClr val="accent5">
+              <a:lumMod val="60000"/>
+              <a:lumOff val="40000"/>
+            </a:schemeClr>
+          </a:solidFill>
+        </p:spPr>
+        <p:style>
+          <a:lnRef idx="2">
+            <a:schemeClr val="accent1">
+              <a:shade val="50000"/>
+            </a:schemeClr>
+          </a:lnRef>
+          <a:fillRef idx="1">
+            <a:schemeClr val="accent1"/>
+          </a:fillRef>
+          <a:effectRef idx="0">
+            <a:schemeClr val="accent1"/>
+          </a:effectRef>
+          <a:fontRef idx="minor">
+            <a:schemeClr val="lt1"/>
+          </a:fontRef>
+        </p:style>
+        <p:txBody>
+          <a:bodyPr rtlCol="0" anchor="ctr"/>
+          <a:lstStyle/>
+          <a:p>
+            <a:pPr algn="ctr"/>
+            <a:endParaRPr lang="ko-KR" altLang="en-US" dirty="0"/>
+          </a:p>
+        </p:txBody>
+      </p:sp>
+      <p:sp>
+        <p:nvSpPr>
+          <p:cNvPr id="7" name="TextBox 6">
+            <a:extLst>
+              <a:ext uri="{FF2B5EF4-FFF2-40B4-BE49-F238E27FC236}">
+                <a16:creationId xmlns:a16="http://schemas.microsoft.com/office/drawing/2014/main" id="{982817C4-ACF4-45FB-A018-6E6F872691BC}"/>
+              </a:ext>
+            </a:extLst>
+          </p:cNvPr>
+          <p:cNvSpPr txBox="1"/>
+          <p:nvPr/>
+        </p:nvSpPr>
+        <p:spPr>
+          <a:xfrm>
+            <a:off x="646546" y="255627"/>
+            <a:ext cx="4230254" cy="523220"/>
+          </a:xfrm>
+          <a:prstGeom prst="rect">
+            <a:avLst/>
+          </a:prstGeom>
+          <a:noFill/>
+        </p:spPr>
+        <p:txBody>
+          <a:bodyPr wrap="square" rtlCol="0">
+            <a:spAutoFit/>
+          </a:bodyPr>
+          <a:lstStyle/>
+          <a:p>
+            <a:r>
+              <a:rPr lang="ko-KR" altLang="en-US" sz="2800" b="1" dirty="0"/>
+              <a:t>이전 맵</a:t>
+            </a:r>
+            <a:r>
+              <a:rPr lang="en-US" altLang="ko-KR" sz="2800" b="1" dirty="0"/>
+              <a:t>(2)</a:t>
+            </a:r>
           </a:p>
         </p:txBody>
       </p:sp>
@@ -24348,7 +28615,7 @@
 </p:sld>
 </file>
 
-<file path=ppt/slides/slide4.xml><?xml version="1.0" encoding="utf-8"?>
+<file path=ppt/slides/slide5.xml><?xml version="1.0" encoding="utf-8"?>
 <p:sld xmlns:a="http://schemas.openxmlformats.org/drawingml/2006/main" xmlns:r="http://schemas.openxmlformats.org/officeDocument/2006/relationships" xmlns:p="http://schemas.openxmlformats.org/presentationml/2006/main">
   <p:cSld>
     <p:spTree>
@@ -25255,7 +29522,7 @@
 </p:sld>
 </file>
 
-<file path=ppt/slides/slide5.xml><?xml version="1.0" encoding="utf-8"?>
+<file path=ppt/slides/slide6.xml><?xml version="1.0" encoding="utf-8"?>
 <p:sld xmlns:a="http://schemas.openxmlformats.org/drawingml/2006/main" xmlns:r="http://schemas.openxmlformats.org/officeDocument/2006/relationships" xmlns:p="http://schemas.openxmlformats.org/presentationml/2006/main">
   <p:cSld>
     <p:spTree>
@@ -25475,7 +29742,7 @@
 </p:sld>
 </file>
 
-<file path=ppt/slides/slide6.xml><?xml version="1.0" encoding="utf-8"?>
+<file path=ppt/slides/slide7.xml><?xml version="1.0" encoding="utf-8"?>
 <p:sld xmlns:a="http://schemas.openxmlformats.org/drawingml/2006/main" xmlns:r="http://schemas.openxmlformats.org/officeDocument/2006/relationships" xmlns:p="http://schemas.openxmlformats.org/presentationml/2006/main">
   <p:cSld>
     <p:spTree>
@@ -28129,7 +32396,7 @@
 </p:sld>
 </file>
 
-<file path=ppt/slides/slide7.xml><?xml version="1.0" encoding="utf-8"?>
+<file path=ppt/slides/slide8.xml><?xml version="1.0" encoding="utf-8"?>
 <p:sld xmlns:a="http://schemas.openxmlformats.org/drawingml/2006/main" xmlns:r="http://schemas.openxmlformats.org/officeDocument/2006/relationships" xmlns:p="http://schemas.openxmlformats.org/presentationml/2006/main">
   <p:cSld>
     <p:spTree>
@@ -30732,7 +34999,7 @@
 </p:sld>
 </file>
 
-<file path=ppt/slides/slide8.xml><?xml version="1.0" encoding="utf-8"?>
+<file path=ppt/slides/slide9.xml><?xml version="1.0" encoding="utf-8"?>
 <p:sld xmlns:a="http://schemas.openxmlformats.org/drawingml/2006/main" xmlns:r="http://schemas.openxmlformats.org/officeDocument/2006/relationships" xmlns:p="http://schemas.openxmlformats.org/presentationml/2006/main">
   <p:cSld>
     <p:spTree>

--- a/_Prototype/Document/Map/맵.pptx
+++ b/_Prototype/Document/Map/맵.pptx
@@ -205,7 +205,7 @@
           <a:p>
             <a:fld id="{2A8CA0AD-A475-44B5-9A01-DE22AB9F57C0}" type="datetimeFigureOut">
               <a:rPr lang="ko-KR" altLang="en-US" smtClean="0"/>
-              <a:t>2022-07-14(Thu)</a:t>
+              <a:t>2022-07-27(Wed)</a:t>
             </a:fld>
             <a:endParaRPr lang="ko-KR" altLang="en-US"/>
           </a:p>
@@ -1291,7 +1291,7 @@
           <a:p>
             <a:fld id="{CB6516E8-9AC5-4179-AC4F-A3E331A91671}" type="datetimeFigureOut">
               <a:rPr lang="ko-KR" altLang="en-US" smtClean="0"/>
-              <a:t>2022-07-14(Thu)</a:t>
+              <a:t>2022-07-27(Wed)</a:t>
             </a:fld>
             <a:endParaRPr lang="ko-KR" altLang="en-US"/>
           </a:p>
@@ -1489,7 +1489,7 @@
           <a:p>
             <a:fld id="{CB6516E8-9AC5-4179-AC4F-A3E331A91671}" type="datetimeFigureOut">
               <a:rPr lang="ko-KR" altLang="en-US" smtClean="0"/>
-              <a:t>2022-07-14(Thu)</a:t>
+              <a:t>2022-07-27(Wed)</a:t>
             </a:fld>
             <a:endParaRPr lang="ko-KR" altLang="en-US"/>
           </a:p>
@@ -1697,7 +1697,7 @@
           <a:p>
             <a:fld id="{CB6516E8-9AC5-4179-AC4F-A3E331A91671}" type="datetimeFigureOut">
               <a:rPr lang="ko-KR" altLang="en-US" smtClean="0"/>
-              <a:t>2022-07-14(Thu)</a:t>
+              <a:t>2022-07-27(Wed)</a:t>
             </a:fld>
             <a:endParaRPr lang="ko-KR" altLang="en-US"/>
           </a:p>
@@ -2147,7 +2147,7 @@
           <a:p>
             <a:fld id="{CB6516E8-9AC5-4179-AC4F-A3E331A91671}" type="datetimeFigureOut">
               <a:rPr lang="ko-KR" altLang="en-US" smtClean="0"/>
-              <a:t>2022-07-14(Thu)</a:t>
+              <a:t>2022-07-27(Wed)</a:t>
             </a:fld>
             <a:endParaRPr lang="ko-KR" altLang="en-US"/>
           </a:p>
@@ -2422,7 +2422,7 @@
           <a:p>
             <a:fld id="{CB6516E8-9AC5-4179-AC4F-A3E331A91671}" type="datetimeFigureOut">
               <a:rPr lang="ko-KR" altLang="en-US" smtClean="0"/>
-              <a:t>2022-07-14(Thu)</a:t>
+              <a:t>2022-07-27(Wed)</a:t>
             </a:fld>
             <a:endParaRPr lang="ko-KR" altLang="en-US"/>
           </a:p>
@@ -2687,7 +2687,7 @@
           <a:p>
             <a:fld id="{CB6516E8-9AC5-4179-AC4F-A3E331A91671}" type="datetimeFigureOut">
               <a:rPr lang="ko-KR" altLang="en-US" smtClean="0"/>
-              <a:t>2022-07-14(Thu)</a:t>
+              <a:t>2022-07-27(Wed)</a:t>
             </a:fld>
             <a:endParaRPr lang="ko-KR" altLang="en-US"/>
           </a:p>
@@ -3099,7 +3099,7 @@
           <a:p>
             <a:fld id="{CB6516E8-9AC5-4179-AC4F-A3E331A91671}" type="datetimeFigureOut">
               <a:rPr lang="ko-KR" altLang="en-US" smtClean="0"/>
-              <a:t>2022-07-14(Thu)</a:t>
+              <a:t>2022-07-27(Wed)</a:t>
             </a:fld>
             <a:endParaRPr lang="ko-KR" altLang="en-US"/>
           </a:p>
@@ -3240,7 +3240,7 @@
           <a:p>
             <a:fld id="{CB6516E8-9AC5-4179-AC4F-A3E331A91671}" type="datetimeFigureOut">
               <a:rPr lang="ko-KR" altLang="en-US" smtClean="0"/>
-              <a:t>2022-07-14(Thu)</a:t>
+              <a:t>2022-07-27(Wed)</a:t>
             </a:fld>
             <a:endParaRPr lang="ko-KR" altLang="en-US"/>
           </a:p>
@@ -3353,7 +3353,7 @@
           <a:p>
             <a:fld id="{CB6516E8-9AC5-4179-AC4F-A3E331A91671}" type="datetimeFigureOut">
               <a:rPr lang="ko-KR" altLang="en-US" smtClean="0"/>
-              <a:t>2022-07-14(Thu)</a:t>
+              <a:t>2022-07-27(Wed)</a:t>
             </a:fld>
             <a:endParaRPr lang="ko-KR" altLang="en-US"/>
           </a:p>
@@ -3664,7 +3664,7 @@
           <a:p>
             <a:fld id="{CB6516E8-9AC5-4179-AC4F-A3E331A91671}" type="datetimeFigureOut">
               <a:rPr lang="ko-KR" altLang="en-US" smtClean="0"/>
-              <a:t>2022-07-14(Thu)</a:t>
+              <a:t>2022-07-27(Wed)</a:t>
             </a:fld>
             <a:endParaRPr lang="ko-KR" altLang="en-US"/>
           </a:p>
@@ -3952,7 +3952,7 @@
           <a:p>
             <a:fld id="{CB6516E8-9AC5-4179-AC4F-A3E331A91671}" type="datetimeFigureOut">
               <a:rPr lang="ko-KR" altLang="en-US" smtClean="0"/>
-              <a:t>2022-07-14(Thu)</a:t>
+              <a:t>2022-07-27(Wed)</a:t>
             </a:fld>
             <a:endParaRPr lang="ko-KR" altLang="en-US"/>
           </a:p>
@@ -4193,7 +4193,7 @@
           <a:p>
             <a:fld id="{CB6516E8-9AC5-4179-AC4F-A3E331A91671}" type="datetimeFigureOut">
               <a:rPr lang="ko-KR" altLang="en-US" smtClean="0"/>
-              <a:t>2022-07-14(Thu)</a:t>
+              <a:t>2022-07-27(Wed)</a:t>
             </a:fld>
             <a:endParaRPr lang="ko-KR" altLang="en-US"/>
           </a:p>
@@ -4892,7 +4892,7 @@
           <p:spPr>
             <a:xfrm>
               <a:off x="8374331" y="2009120"/>
-              <a:ext cx="3445174" cy="3462840"/>
+              <a:ext cx="3445174" cy="2581390"/>
             </a:xfrm>
             <a:prstGeom prst="rect">
               <a:avLst/>
@@ -5254,7 +5254,7 @@
                     <a:schemeClr val="accent2"/>
                   </a:solidFill>
                 </a:rPr>
-                <a:t>메인 로비</a:t>
+                <a:t>로비</a:t>
               </a:r>
               <a:r>
                 <a:rPr lang="ko-KR" altLang="en-US" sz="1200" dirty="0"/>
@@ -5265,93 +5265,12 @@
               </a:br>
               <a:r>
                 <a:rPr lang="ko-KR" altLang="en-US" sz="1200" dirty="0"/>
-                <a:t>모아 놓는 상자와 회의를 하기 위한 탁자가</a:t>
-              </a:r>
-              <a:br>
-                <a:rPr lang="en-US" altLang="ko-KR" sz="1200" dirty="0"/>
-              </a:br>
-              <a:r>
-                <a:rPr lang="ko-KR" altLang="en-US" sz="1200" dirty="0"/>
-                <a:t>있습니다</a:t>
-              </a:r>
-              <a:endParaRPr lang="en-US" altLang="ko-KR" sz="1200" dirty="0"/>
-            </a:p>
-            <a:p>
-              <a:pPr marL="171450" indent="-171450">
-                <a:buFontTx/>
-                <a:buChar char="-"/>
-              </a:pPr>
-              <a:endParaRPr lang="en-US" altLang="ko-KR" sz="1200" dirty="0"/>
-            </a:p>
-            <a:p>
-              <a:pPr marL="171450" indent="-171450">
-                <a:buFontTx/>
-                <a:buChar char="-"/>
-              </a:pPr>
-              <a:r>
-                <a:rPr lang="ko-KR" altLang="en-US" sz="1200" b="1" dirty="0">
-                  <a:solidFill>
-                    <a:schemeClr val="accent2"/>
-                  </a:solidFill>
-                </a:rPr>
-                <a:t>제련소</a:t>
-              </a:r>
-              <a:r>
-                <a:rPr lang="ko-KR" altLang="en-US" sz="1200" dirty="0"/>
-                <a:t>는 원석을 가공 시켜 완전한 재료</a:t>
-              </a:r>
-              <a:br>
-                <a:rPr lang="en-US" altLang="ko-KR" sz="1200" dirty="0"/>
-              </a:br>
-              <a:r>
-                <a:rPr lang="ko-KR" altLang="en-US" sz="1200" dirty="0"/>
-                <a:t>로 만드는 구역입니다</a:t>
+                <a:t>가공하는 구역입니다</a:t>
               </a:r>
               <a:r>
                 <a:rPr lang="en-US" altLang="ko-KR" sz="1200" dirty="0"/>
                 <a:t>.</a:t>
               </a:r>
-            </a:p>
-            <a:p>
-              <a:pPr marL="171450" indent="-171450">
-                <a:buFontTx/>
-                <a:buChar char="-"/>
-              </a:pPr>
-              <a:endParaRPr lang="en-US" altLang="ko-KR" sz="1200" dirty="0"/>
-            </a:p>
-            <a:p>
-              <a:pPr marL="171450" indent="-171450">
-                <a:buFontTx/>
-                <a:buChar char="-"/>
-              </a:pPr>
-              <a:r>
-                <a:rPr lang="ko-KR" altLang="en-US" sz="1200" b="1" dirty="0">
-                  <a:solidFill>
-                    <a:srgbClr val="EB7E35"/>
-                  </a:solidFill>
-                </a:rPr>
-                <a:t>정제소</a:t>
-              </a:r>
-              <a:r>
-                <a:rPr lang="ko-KR" altLang="en-US" sz="1200" dirty="0"/>
-                <a:t>는 정제되지 않은 물을 </a:t>
-              </a:r>
-              <a:r>
-                <a:rPr lang="ko-KR" altLang="en-US" sz="1200" dirty="0" err="1"/>
-                <a:t>정제시켜</a:t>
-              </a:r>
-              <a:endParaRPr lang="en-US" altLang="ko-KR" sz="1200" dirty="0"/>
-            </a:p>
-            <a:p>
-              <a:r>
-                <a:rPr lang="en-US" altLang="ko-KR" sz="1200" dirty="0"/>
-                <a:t>    </a:t>
-              </a:r>
-              <a:r>
-                <a:rPr lang="ko-KR" altLang="en-US" sz="1200" dirty="0"/>
-                <a:t>먹을 수 있는 물로 바꾸는 구역입니다</a:t>
-              </a:r>
-              <a:endParaRPr lang="en-US" altLang="ko-KR" sz="1200" dirty="0"/>
             </a:p>
             <a:p>
               <a:endParaRPr lang="en-US" altLang="ko-KR" sz="1200" dirty="0"/>
@@ -5379,7 +5298,7 @@
                     <a:srgbClr val="E48445"/>
                   </a:solidFill>
                 </a:rPr>
-                <a:t>물통 창고</a:t>
+                <a:t>창고</a:t>
               </a:r>
               <a:r>
                 <a:rPr lang="en-US" altLang="ko-KR" sz="1200" dirty="0">
@@ -5387,23 +5306,7 @@
                     <a:srgbClr val="E48445"/>
                   </a:solidFill>
                 </a:rPr>
-                <a:t>, </a:t>
-              </a:r>
-              <a:r>
-                <a:rPr lang="ko-KR" altLang="en-US" sz="1200" dirty="0">
-                  <a:solidFill>
-                    <a:srgbClr val="E48445"/>
-                  </a:solidFill>
-                </a:rPr>
-                <a:t>배터리 창고</a:t>
-              </a:r>
-              <a:r>
-                <a:rPr lang="en-US" altLang="ko-KR" sz="1200" dirty="0">
-                  <a:solidFill>
-                    <a:srgbClr val="E48445"/>
-                  </a:solidFill>
-                </a:rPr>
-                <a:t>, </a:t>
+                <a:t>,</a:t>
               </a:r>
               <a:r>
                 <a:rPr lang="ko-KR" altLang="en-US" sz="1200" dirty="0">
@@ -5421,8 +5324,6 @@
                 </a:rPr>
                 <a:t>,</a:t>
               </a:r>
-            </a:p>
-            <a:p>
               <a:r>
                 <a:rPr lang="ko-KR" altLang="en-US" sz="1200" dirty="0" err="1">
                   <a:solidFill>
@@ -5463,6 +5364,13 @@
                 </a:rPr>
                 <a:t> </a:t>
               </a:r>
+              <a:br>
+                <a:rPr lang="en-US" altLang="ko-KR" sz="1200" dirty="0">
+                  <a:solidFill>
+                    <a:srgbClr val="E48445"/>
+                  </a:solidFill>
+                </a:rPr>
+              </a:br>
               <a:r>
                 <a:rPr lang="ko-KR" altLang="en-US" sz="1200" dirty="0" err="1">
                   <a:solidFill>

--- a/_Prototype/Document/Map/맵.pptx
+++ b/_Prototype/Document/Map/맵.pptx
@@ -5,18 +5,19 @@
     <p:sldMasterId id="2147483648" r:id="rId1"/>
   </p:sldMasterIdLst>
   <p:notesMasterIdLst>
-    <p:notesMasterId r:id="rId11"/>
+    <p:notesMasterId r:id="rId12"/>
   </p:notesMasterIdLst>
   <p:sldIdLst>
     <p:sldId id="257" r:id="rId2"/>
     <p:sldId id="288" r:id="rId3"/>
-    <p:sldId id="268" r:id="rId4"/>
-    <p:sldId id="287" r:id="rId5"/>
-    <p:sldId id="281" r:id="rId6"/>
-    <p:sldId id="282" r:id="rId7"/>
-    <p:sldId id="285" r:id="rId8"/>
-    <p:sldId id="283" r:id="rId9"/>
-    <p:sldId id="284" r:id="rId10"/>
+    <p:sldId id="289" r:id="rId4"/>
+    <p:sldId id="268" r:id="rId5"/>
+    <p:sldId id="287" r:id="rId6"/>
+    <p:sldId id="281" r:id="rId7"/>
+    <p:sldId id="282" r:id="rId8"/>
+    <p:sldId id="285" r:id="rId9"/>
+    <p:sldId id="283" r:id="rId10"/>
+    <p:sldId id="284" r:id="rId11"/>
   </p:sldIdLst>
   <p:sldSz cx="12192000" cy="6858000"/>
   <p:notesSz cx="6858000" cy="9144000"/>
@@ -205,7 +206,7 @@
           <a:p>
             <a:fld id="{2A8CA0AD-A475-44B5-9A01-DE22AB9F57C0}" type="datetimeFigureOut">
               <a:rPr lang="ko-KR" altLang="en-US" smtClean="0"/>
-              <a:t>2022-07-27(Wed)</a:t>
+              <a:t>2022-09-20</a:t>
             </a:fld>
             <a:endParaRPr lang="ko-KR" altLang="en-US"/>
           </a:p>
@@ -630,7 +631,7 @@
     </p:spTree>
     <p:extLst>
       <p:ext uri="{BB962C8B-B14F-4D97-AF65-F5344CB8AC3E}">
-        <p14:creationId xmlns:p14="http://schemas.microsoft.com/office/powerpoint/2010/main" val="3044779181"/>
+        <p14:creationId xmlns:p14="http://schemas.microsoft.com/office/powerpoint/2010/main" val="3898014533"/>
       </p:ext>
     </p:extLst>
   </p:cSld>
@@ -714,7 +715,7 @@
     </p:spTree>
     <p:extLst>
       <p:ext uri="{BB962C8B-B14F-4D97-AF65-F5344CB8AC3E}">
-        <p14:creationId xmlns:p14="http://schemas.microsoft.com/office/powerpoint/2010/main" val="2731946315"/>
+        <p14:creationId xmlns:p14="http://schemas.microsoft.com/office/powerpoint/2010/main" val="3044779181"/>
       </p:ext>
     </p:extLst>
   </p:cSld>
@@ -798,7 +799,7 @@
     </p:spTree>
     <p:extLst>
       <p:ext uri="{BB962C8B-B14F-4D97-AF65-F5344CB8AC3E}">
-        <p14:creationId xmlns:p14="http://schemas.microsoft.com/office/powerpoint/2010/main" val="3867624950"/>
+        <p14:creationId xmlns:p14="http://schemas.microsoft.com/office/powerpoint/2010/main" val="2731946315"/>
       </p:ext>
     </p:extLst>
   </p:cSld>
@@ -882,7 +883,7 @@
     </p:spTree>
     <p:extLst>
       <p:ext uri="{BB962C8B-B14F-4D97-AF65-F5344CB8AC3E}">
-        <p14:creationId xmlns:p14="http://schemas.microsoft.com/office/powerpoint/2010/main" val="3625904847"/>
+        <p14:creationId xmlns:p14="http://schemas.microsoft.com/office/powerpoint/2010/main" val="3867624950"/>
       </p:ext>
     </p:extLst>
   </p:cSld>
@@ -966,7 +967,7 @@
     </p:spTree>
     <p:extLst>
       <p:ext uri="{BB962C8B-B14F-4D97-AF65-F5344CB8AC3E}">
-        <p14:creationId xmlns:p14="http://schemas.microsoft.com/office/powerpoint/2010/main" val="3135142004"/>
+        <p14:creationId xmlns:p14="http://schemas.microsoft.com/office/powerpoint/2010/main" val="3625904847"/>
       </p:ext>
     </p:extLst>
   </p:cSld>
@@ -1050,7 +1051,7 @@
     </p:spTree>
     <p:extLst>
       <p:ext uri="{BB962C8B-B14F-4D97-AF65-F5344CB8AC3E}">
-        <p14:creationId xmlns:p14="http://schemas.microsoft.com/office/powerpoint/2010/main" val="923341418"/>
+        <p14:creationId xmlns:p14="http://schemas.microsoft.com/office/powerpoint/2010/main" val="3135142004"/>
       </p:ext>
     </p:extLst>
   </p:cSld>
@@ -1126,6 +1127,90 @@
             <a:fld id="{73EB825B-89DC-4B21-8B3A-B3CA9CD761CE}" type="slidenum">
               <a:rPr lang="ko-KR" altLang="en-US" smtClean="0"/>
               <a:t>9</a:t>
+            </a:fld>
+            <a:endParaRPr lang="ko-KR" altLang="en-US"/>
+          </a:p>
+        </p:txBody>
+      </p:sp>
+    </p:spTree>
+    <p:extLst>
+      <p:ext uri="{BB962C8B-B14F-4D97-AF65-F5344CB8AC3E}">
+        <p14:creationId xmlns:p14="http://schemas.microsoft.com/office/powerpoint/2010/main" val="923341418"/>
+      </p:ext>
+    </p:extLst>
+  </p:cSld>
+  <p:clrMapOvr>
+    <a:masterClrMapping/>
+  </p:clrMapOvr>
+</p:notes>
+</file>
+
+<file path=ppt/notesSlides/notesSlide9.xml><?xml version="1.0" encoding="utf-8"?>
+<p:notes xmlns:a="http://schemas.openxmlformats.org/drawingml/2006/main" xmlns:r="http://schemas.openxmlformats.org/officeDocument/2006/relationships" xmlns:p="http://schemas.openxmlformats.org/presentationml/2006/main">
+  <p:cSld>
+    <p:spTree>
+      <p:nvGrpSpPr>
+        <p:cNvPr id="1" name=""/>
+        <p:cNvGrpSpPr/>
+        <p:nvPr/>
+      </p:nvGrpSpPr>
+      <p:grpSpPr>
+        <a:xfrm>
+          <a:off x="0" y="0"/>
+          <a:ext cx="0" cy="0"/>
+          <a:chOff x="0" y="0"/>
+          <a:chExt cx="0" cy="0"/>
+        </a:xfrm>
+      </p:grpSpPr>
+      <p:sp>
+        <p:nvSpPr>
+          <p:cNvPr id="2" name="슬라이드 이미지 개체 틀 1"/>
+          <p:cNvSpPr>
+            <a:spLocks noGrp="1" noRot="1" noChangeAspect="1"/>
+          </p:cNvSpPr>
+          <p:nvPr>
+            <p:ph type="sldImg"/>
+          </p:nvPr>
+        </p:nvSpPr>
+        <p:spPr/>
+      </p:sp>
+      <p:sp>
+        <p:nvSpPr>
+          <p:cNvPr id="3" name="슬라이드 노트 개체 틀 2"/>
+          <p:cNvSpPr>
+            <a:spLocks noGrp="1"/>
+          </p:cNvSpPr>
+          <p:nvPr>
+            <p:ph type="body" idx="1"/>
+          </p:nvPr>
+        </p:nvSpPr>
+        <p:spPr/>
+        <p:txBody>
+          <a:bodyPr/>
+          <a:lstStyle/>
+          <a:p>
+            <a:endParaRPr lang="ko-KR" altLang="en-US" dirty="0"/>
+          </a:p>
+        </p:txBody>
+      </p:sp>
+      <p:sp>
+        <p:nvSpPr>
+          <p:cNvPr id="4" name="슬라이드 번호 개체 틀 3"/>
+          <p:cNvSpPr>
+            <a:spLocks noGrp="1"/>
+          </p:cNvSpPr>
+          <p:nvPr>
+            <p:ph type="sldNum" sz="quarter" idx="5"/>
+          </p:nvPr>
+        </p:nvSpPr>
+        <p:spPr/>
+        <p:txBody>
+          <a:bodyPr/>
+          <a:lstStyle/>
+          <a:p>
+            <a:fld id="{73EB825B-89DC-4B21-8B3A-B3CA9CD761CE}" type="slidenum">
+              <a:rPr lang="ko-KR" altLang="en-US" smtClean="0"/>
+              <a:t>10</a:t>
             </a:fld>
             <a:endParaRPr lang="ko-KR" altLang="en-US"/>
           </a:p>
@@ -1291,7 +1376,7 @@
           <a:p>
             <a:fld id="{CB6516E8-9AC5-4179-AC4F-A3E331A91671}" type="datetimeFigureOut">
               <a:rPr lang="ko-KR" altLang="en-US" smtClean="0"/>
-              <a:t>2022-07-27(Wed)</a:t>
+              <a:t>2022-09-20</a:t>
             </a:fld>
             <a:endParaRPr lang="ko-KR" altLang="en-US"/>
           </a:p>
@@ -1489,7 +1574,7 @@
           <a:p>
             <a:fld id="{CB6516E8-9AC5-4179-AC4F-A3E331A91671}" type="datetimeFigureOut">
               <a:rPr lang="ko-KR" altLang="en-US" smtClean="0"/>
-              <a:t>2022-07-27(Wed)</a:t>
+              <a:t>2022-09-20</a:t>
             </a:fld>
             <a:endParaRPr lang="ko-KR" altLang="en-US"/>
           </a:p>
@@ -1697,7 +1782,7 @@
           <a:p>
             <a:fld id="{CB6516E8-9AC5-4179-AC4F-A3E331A91671}" type="datetimeFigureOut">
               <a:rPr lang="ko-KR" altLang="en-US" smtClean="0"/>
-              <a:t>2022-07-27(Wed)</a:t>
+              <a:t>2022-09-20</a:t>
             </a:fld>
             <a:endParaRPr lang="ko-KR" altLang="en-US"/>
           </a:p>
@@ -2147,7 +2232,7 @@
           <a:p>
             <a:fld id="{CB6516E8-9AC5-4179-AC4F-A3E331A91671}" type="datetimeFigureOut">
               <a:rPr lang="ko-KR" altLang="en-US" smtClean="0"/>
-              <a:t>2022-07-27(Wed)</a:t>
+              <a:t>2022-09-20</a:t>
             </a:fld>
             <a:endParaRPr lang="ko-KR" altLang="en-US"/>
           </a:p>
@@ -2422,7 +2507,7 @@
           <a:p>
             <a:fld id="{CB6516E8-9AC5-4179-AC4F-A3E331A91671}" type="datetimeFigureOut">
               <a:rPr lang="ko-KR" altLang="en-US" smtClean="0"/>
-              <a:t>2022-07-27(Wed)</a:t>
+              <a:t>2022-09-20</a:t>
             </a:fld>
             <a:endParaRPr lang="ko-KR" altLang="en-US"/>
           </a:p>
@@ -2687,7 +2772,7 @@
           <a:p>
             <a:fld id="{CB6516E8-9AC5-4179-AC4F-A3E331A91671}" type="datetimeFigureOut">
               <a:rPr lang="ko-KR" altLang="en-US" smtClean="0"/>
-              <a:t>2022-07-27(Wed)</a:t>
+              <a:t>2022-09-20</a:t>
             </a:fld>
             <a:endParaRPr lang="ko-KR" altLang="en-US"/>
           </a:p>
@@ -3099,7 +3184,7 @@
           <a:p>
             <a:fld id="{CB6516E8-9AC5-4179-AC4F-A3E331A91671}" type="datetimeFigureOut">
               <a:rPr lang="ko-KR" altLang="en-US" smtClean="0"/>
-              <a:t>2022-07-27(Wed)</a:t>
+              <a:t>2022-09-20</a:t>
             </a:fld>
             <a:endParaRPr lang="ko-KR" altLang="en-US"/>
           </a:p>
@@ -3240,7 +3325,7 @@
           <a:p>
             <a:fld id="{CB6516E8-9AC5-4179-AC4F-A3E331A91671}" type="datetimeFigureOut">
               <a:rPr lang="ko-KR" altLang="en-US" smtClean="0"/>
-              <a:t>2022-07-27(Wed)</a:t>
+              <a:t>2022-09-20</a:t>
             </a:fld>
             <a:endParaRPr lang="ko-KR" altLang="en-US"/>
           </a:p>
@@ -3353,7 +3438,7 @@
           <a:p>
             <a:fld id="{CB6516E8-9AC5-4179-AC4F-A3E331A91671}" type="datetimeFigureOut">
               <a:rPr lang="ko-KR" altLang="en-US" smtClean="0"/>
-              <a:t>2022-07-27(Wed)</a:t>
+              <a:t>2022-09-20</a:t>
             </a:fld>
             <a:endParaRPr lang="ko-KR" altLang="en-US"/>
           </a:p>
@@ -3664,7 +3749,7 @@
           <a:p>
             <a:fld id="{CB6516E8-9AC5-4179-AC4F-A3E331A91671}" type="datetimeFigureOut">
               <a:rPr lang="ko-KR" altLang="en-US" smtClean="0"/>
-              <a:t>2022-07-27(Wed)</a:t>
+              <a:t>2022-09-20</a:t>
             </a:fld>
             <a:endParaRPr lang="ko-KR" altLang="en-US"/>
           </a:p>
@@ -3952,7 +4037,7 @@
           <a:p>
             <a:fld id="{CB6516E8-9AC5-4179-AC4F-A3E331A91671}" type="datetimeFigureOut">
               <a:rPr lang="ko-KR" altLang="en-US" smtClean="0"/>
-              <a:t>2022-07-27(Wed)</a:t>
+              <a:t>2022-09-20</a:t>
             </a:fld>
             <a:endParaRPr lang="ko-KR" altLang="en-US"/>
           </a:p>
@@ -4193,7 +4278,7 @@
           <a:p>
             <a:fld id="{CB6516E8-9AC5-4179-AC4F-A3E331A91671}" type="datetimeFigureOut">
               <a:rPr lang="ko-KR" altLang="en-US" smtClean="0"/>
-              <a:t>2022-07-27(Wed)</a:t>
+              <a:t>2022-09-20</a:t>
             </a:fld>
             <a:endParaRPr lang="ko-KR" altLang="en-US"/>
           </a:p>
@@ -4697,6 +4782,967 @@
 </p:sld>
 </file>
 
+<file path=ppt/slides/slide10.xml><?xml version="1.0" encoding="utf-8"?>
+<p:sld xmlns:a="http://schemas.openxmlformats.org/drawingml/2006/main" xmlns:r="http://schemas.openxmlformats.org/officeDocument/2006/relationships" xmlns:p="http://schemas.openxmlformats.org/presentationml/2006/main">
+  <p:cSld>
+    <p:spTree>
+      <p:nvGrpSpPr>
+        <p:cNvPr id="1" name=""/>
+        <p:cNvGrpSpPr/>
+        <p:nvPr/>
+      </p:nvGrpSpPr>
+      <p:grpSpPr>
+        <a:xfrm>
+          <a:off x="0" y="0"/>
+          <a:ext cx="0" cy="0"/>
+          <a:chOff x="0" y="0"/>
+          <a:chExt cx="0" cy="0"/>
+        </a:xfrm>
+      </p:grpSpPr>
+      <p:sp>
+        <p:nvSpPr>
+          <p:cNvPr id="4" name="직사각형 3">
+            <a:extLst>
+              <a:ext uri="{FF2B5EF4-FFF2-40B4-BE49-F238E27FC236}">
+                <a16:creationId xmlns:a16="http://schemas.microsoft.com/office/drawing/2014/main" id="{AE93FE2A-85FE-4157-951C-FC2FADBB3B34}"/>
+              </a:ext>
+            </a:extLst>
+          </p:cNvPr>
+          <p:cNvSpPr/>
+          <p:nvPr/>
+        </p:nvSpPr>
+        <p:spPr>
+          <a:xfrm>
+            <a:off x="0" y="0"/>
+            <a:ext cx="12192000" cy="1034474"/>
+          </a:xfrm>
+          <a:prstGeom prst="rect">
+            <a:avLst/>
+          </a:prstGeom>
+          <a:solidFill>
+            <a:schemeClr val="accent5">
+              <a:lumMod val="60000"/>
+              <a:lumOff val="40000"/>
+            </a:schemeClr>
+          </a:solidFill>
+        </p:spPr>
+        <p:style>
+          <a:lnRef idx="2">
+            <a:schemeClr val="accent1">
+              <a:shade val="50000"/>
+            </a:schemeClr>
+          </a:lnRef>
+          <a:fillRef idx="1">
+            <a:schemeClr val="accent1"/>
+          </a:fillRef>
+          <a:effectRef idx="0">
+            <a:schemeClr val="accent1"/>
+          </a:effectRef>
+          <a:fontRef idx="minor">
+            <a:schemeClr val="lt1"/>
+          </a:fontRef>
+        </p:style>
+        <p:txBody>
+          <a:bodyPr rtlCol="0" anchor="ctr"/>
+          <a:lstStyle/>
+          <a:p>
+            <a:pPr algn="ctr"/>
+            <a:endParaRPr lang="ko-KR" altLang="en-US" dirty="0"/>
+          </a:p>
+        </p:txBody>
+      </p:sp>
+      <p:sp>
+        <p:nvSpPr>
+          <p:cNvPr id="7" name="TextBox 6">
+            <a:extLst>
+              <a:ext uri="{FF2B5EF4-FFF2-40B4-BE49-F238E27FC236}">
+                <a16:creationId xmlns:a16="http://schemas.microsoft.com/office/drawing/2014/main" id="{982817C4-ACF4-45FB-A018-6E6F872691BC}"/>
+              </a:ext>
+            </a:extLst>
+          </p:cNvPr>
+          <p:cNvSpPr txBox="1"/>
+          <p:nvPr/>
+        </p:nvSpPr>
+        <p:spPr>
+          <a:xfrm>
+            <a:off x="646546" y="255627"/>
+            <a:ext cx="4230254" cy="523220"/>
+          </a:xfrm>
+          <a:prstGeom prst="rect">
+            <a:avLst/>
+          </a:prstGeom>
+          <a:noFill/>
+        </p:spPr>
+        <p:txBody>
+          <a:bodyPr wrap="square" rtlCol="0">
+            <a:spAutoFit/>
+          </a:bodyPr>
+          <a:lstStyle/>
+          <a:p>
+            <a:r>
+              <a:rPr lang="ko-KR" altLang="en-US" sz="2800" b="1" dirty="0"/>
+              <a:t>배</a:t>
+            </a:r>
+            <a:endParaRPr lang="en-US" altLang="ko-KR" sz="2800" b="1" dirty="0"/>
+          </a:p>
+        </p:txBody>
+      </p:sp>
+      <p:sp>
+        <p:nvSpPr>
+          <p:cNvPr id="35" name="직사각형 34">
+            <a:extLst>
+              <a:ext uri="{FF2B5EF4-FFF2-40B4-BE49-F238E27FC236}">
+                <a16:creationId xmlns:a16="http://schemas.microsoft.com/office/drawing/2014/main" id="{CDC16DF7-27F1-B614-B6BA-78F97D6F89AE}"/>
+              </a:ext>
+            </a:extLst>
+          </p:cNvPr>
+          <p:cNvSpPr/>
+          <p:nvPr/>
+        </p:nvSpPr>
+        <p:spPr>
+          <a:xfrm>
+            <a:off x="2677232" y="1929824"/>
+            <a:ext cx="7630470" cy="4211791"/>
+          </a:xfrm>
+          <a:prstGeom prst="rect">
+            <a:avLst/>
+          </a:prstGeom>
+          <a:solidFill>
+            <a:schemeClr val="accent2">
+              <a:lumMod val="60000"/>
+              <a:lumOff val="40000"/>
+            </a:schemeClr>
+          </a:solidFill>
+          <a:ln>
+            <a:noFill/>
+          </a:ln>
+        </p:spPr>
+        <p:style>
+          <a:lnRef idx="2">
+            <a:schemeClr val="accent1">
+              <a:shade val="50000"/>
+            </a:schemeClr>
+          </a:lnRef>
+          <a:fillRef idx="1">
+            <a:schemeClr val="accent1"/>
+          </a:fillRef>
+          <a:effectRef idx="0">
+            <a:schemeClr val="accent1"/>
+          </a:effectRef>
+          <a:fontRef idx="minor">
+            <a:schemeClr val="lt1"/>
+          </a:fontRef>
+        </p:style>
+        <p:txBody>
+          <a:bodyPr rtlCol="0" anchor="ctr"/>
+          <a:lstStyle/>
+          <a:p>
+            <a:pPr algn="ctr"/>
+            <a:endParaRPr lang="ko-KR" altLang="en-US"/>
+          </a:p>
+        </p:txBody>
+      </p:sp>
+      <p:sp>
+        <p:nvSpPr>
+          <p:cNvPr id="37" name="직사각형 36">
+            <a:extLst>
+              <a:ext uri="{FF2B5EF4-FFF2-40B4-BE49-F238E27FC236}">
+                <a16:creationId xmlns:a16="http://schemas.microsoft.com/office/drawing/2014/main" id="{87561C07-5CC8-B396-C75B-913787B54262}"/>
+              </a:ext>
+            </a:extLst>
+          </p:cNvPr>
+          <p:cNvSpPr/>
+          <p:nvPr/>
+        </p:nvSpPr>
+        <p:spPr>
+          <a:xfrm>
+            <a:off x="3169211" y="4145623"/>
+            <a:ext cx="4059190" cy="98829"/>
+          </a:xfrm>
+          <a:prstGeom prst="rect">
+            <a:avLst/>
+          </a:prstGeom>
+          <a:solidFill>
+            <a:schemeClr val="accent2">
+              <a:lumMod val="75000"/>
+            </a:schemeClr>
+          </a:solidFill>
+          <a:ln>
+            <a:noFill/>
+          </a:ln>
+        </p:spPr>
+        <p:style>
+          <a:lnRef idx="2">
+            <a:schemeClr val="accent1">
+              <a:shade val="50000"/>
+            </a:schemeClr>
+          </a:lnRef>
+          <a:fillRef idx="1">
+            <a:schemeClr val="accent1"/>
+          </a:fillRef>
+          <a:effectRef idx="0">
+            <a:schemeClr val="accent1"/>
+          </a:effectRef>
+          <a:fontRef idx="minor">
+            <a:schemeClr val="lt1"/>
+          </a:fontRef>
+        </p:style>
+        <p:txBody>
+          <a:bodyPr rtlCol="0" anchor="ctr"/>
+          <a:lstStyle/>
+          <a:p>
+            <a:pPr algn="ctr"/>
+            <a:endParaRPr lang="ko-KR" altLang="en-US"/>
+          </a:p>
+        </p:txBody>
+      </p:sp>
+      <p:pic>
+        <p:nvPicPr>
+          <p:cNvPr id="40" name="그림 39">
+            <a:extLst>
+              <a:ext uri="{FF2B5EF4-FFF2-40B4-BE49-F238E27FC236}">
+                <a16:creationId xmlns:a16="http://schemas.microsoft.com/office/drawing/2014/main" id="{7827B76E-62FB-12BF-89F9-10DB4018E61F}"/>
+              </a:ext>
+            </a:extLst>
+          </p:cNvPr>
+          <p:cNvPicPr>
+            <a:picLocks noChangeAspect="1"/>
+          </p:cNvPicPr>
+          <p:nvPr/>
+        </p:nvPicPr>
+        <p:blipFill>
+          <a:blip r:embed="rId3">
+            <a:extLst>
+              <a:ext uri="{28A0092B-C50C-407E-A947-70E740481C1C}">
+                <a14:useLocalDpi xmlns:a14="http://schemas.microsoft.com/office/drawing/2010/main" val="0"/>
+              </a:ext>
+            </a:extLst>
+          </a:blip>
+          <a:stretch>
+            <a:fillRect/>
+          </a:stretch>
+        </p:blipFill>
+        <p:spPr>
+          <a:xfrm>
+            <a:off x="3169211" y="2885163"/>
+            <a:ext cx="1431910" cy="1431910"/>
+          </a:xfrm>
+          <a:prstGeom prst="rect">
+            <a:avLst/>
+          </a:prstGeom>
+          <a:ln>
+            <a:noFill/>
+          </a:ln>
+        </p:spPr>
+      </p:pic>
+      <p:pic>
+        <p:nvPicPr>
+          <p:cNvPr id="45" name="그림 44">
+            <a:extLst>
+              <a:ext uri="{FF2B5EF4-FFF2-40B4-BE49-F238E27FC236}">
+                <a16:creationId xmlns:a16="http://schemas.microsoft.com/office/drawing/2014/main" id="{3EA152B9-5E44-687C-BD6D-3E869E3BC3C3}"/>
+              </a:ext>
+            </a:extLst>
+          </p:cNvPr>
+          <p:cNvPicPr>
+            <a:picLocks noChangeAspect="1"/>
+          </p:cNvPicPr>
+          <p:nvPr/>
+        </p:nvPicPr>
+        <p:blipFill>
+          <a:blip r:embed="rId3">
+            <a:extLst>
+              <a:ext uri="{28A0092B-C50C-407E-A947-70E740481C1C}">
+                <a14:useLocalDpi xmlns:a14="http://schemas.microsoft.com/office/drawing/2010/main" val="0"/>
+              </a:ext>
+            </a:extLst>
+          </a:blip>
+          <a:stretch>
+            <a:fillRect/>
+          </a:stretch>
+        </p:blipFill>
+        <p:spPr>
+          <a:xfrm>
+            <a:off x="4437280" y="2885163"/>
+            <a:ext cx="1431910" cy="1431910"/>
+          </a:xfrm>
+          <a:prstGeom prst="rect">
+            <a:avLst/>
+          </a:prstGeom>
+          <a:ln>
+            <a:noFill/>
+          </a:ln>
+        </p:spPr>
+      </p:pic>
+      <p:pic>
+        <p:nvPicPr>
+          <p:cNvPr id="46" name="그림 45">
+            <a:extLst>
+              <a:ext uri="{FF2B5EF4-FFF2-40B4-BE49-F238E27FC236}">
+                <a16:creationId xmlns:a16="http://schemas.microsoft.com/office/drawing/2014/main" id="{1C563DE0-9A48-C810-EAD7-3EEC3C168AFA}"/>
+              </a:ext>
+            </a:extLst>
+          </p:cNvPr>
+          <p:cNvPicPr>
+            <a:picLocks noChangeAspect="1"/>
+          </p:cNvPicPr>
+          <p:nvPr/>
+        </p:nvPicPr>
+        <p:blipFill>
+          <a:blip r:embed="rId3">
+            <a:extLst>
+              <a:ext uri="{28A0092B-C50C-407E-A947-70E740481C1C}">
+                <a14:useLocalDpi xmlns:a14="http://schemas.microsoft.com/office/drawing/2010/main" val="0"/>
+              </a:ext>
+            </a:extLst>
+          </a:blip>
+          <a:stretch>
+            <a:fillRect/>
+          </a:stretch>
+        </p:blipFill>
+        <p:spPr>
+          <a:xfrm>
+            <a:off x="5776512" y="2919006"/>
+            <a:ext cx="1431910" cy="1431910"/>
+          </a:xfrm>
+          <a:prstGeom prst="rect">
+            <a:avLst/>
+          </a:prstGeom>
+          <a:ln>
+            <a:noFill/>
+          </a:ln>
+        </p:spPr>
+      </p:pic>
+      <p:sp>
+        <p:nvSpPr>
+          <p:cNvPr id="47" name="직사각형 46">
+            <a:extLst>
+              <a:ext uri="{FF2B5EF4-FFF2-40B4-BE49-F238E27FC236}">
+                <a16:creationId xmlns:a16="http://schemas.microsoft.com/office/drawing/2014/main" id="{2445C83A-BD8D-1C10-16DD-52C2B6A4649E}"/>
+              </a:ext>
+            </a:extLst>
+          </p:cNvPr>
+          <p:cNvSpPr/>
+          <p:nvPr/>
+        </p:nvSpPr>
+        <p:spPr>
+          <a:xfrm>
+            <a:off x="5838979" y="5753858"/>
+            <a:ext cx="4059190" cy="98829"/>
+          </a:xfrm>
+          <a:prstGeom prst="rect">
+            <a:avLst/>
+          </a:prstGeom>
+          <a:solidFill>
+            <a:schemeClr val="accent2">
+              <a:lumMod val="75000"/>
+            </a:schemeClr>
+          </a:solidFill>
+          <a:ln>
+            <a:noFill/>
+          </a:ln>
+        </p:spPr>
+        <p:style>
+          <a:lnRef idx="2">
+            <a:schemeClr val="accent1">
+              <a:shade val="50000"/>
+            </a:schemeClr>
+          </a:lnRef>
+          <a:fillRef idx="1">
+            <a:schemeClr val="accent1"/>
+          </a:fillRef>
+          <a:effectRef idx="0">
+            <a:schemeClr val="accent1"/>
+          </a:effectRef>
+          <a:fontRef idx="minor">
+            <a:schemeClr val="lt1"/>
+          </a:fontRef>
+        </p:style>
+        <p:txBody>
+          <a:bodyPr rtlCol="0" anchor="ctr"/>
+          <a:lstStyle/>
+          <a:p>
+            <a:pPr algn="ctr"/>
+            <a:endParaRPr lang="ko-KR" altLang="en-US"/>
+          </a:p>
+        </p:txBody>
+      </p:sp>
+      <p:pic>
+        <p:nvPicPr>
+          <p:cNvPr id="48" name="그림 47">
+            <a:extLst>
+              <a:ext uri="{FF2B5EF4-FFF2-40B4-BE49-F238E27FC236}">
+                <a16:creationId xmlns:a16="http://schemas.microsoft.com/office/drawing/2014/main" id="{D578E922-3B9C-A44E-05EA-036144F9E4A3}"/>
+              </a:ext>
+            </a:extLst>
+          </p:cNvPr>
+          <p:cNvPicPr>
+            <a:picLocks noChangeAspect="1"/>
+          </p:cNvPicPr>
+          <p:nvPr/>
+        </p:nvPicPr>
+        <p:blipFill>
+          <a:blip r:embed="rId3">
+            <a:extLst>
+              <a:ext uri="{28A0092B-C50C-407E-A947-70E740481C1C}">
+                <a14:useLocalDpi xmlns:a14="http://schemas.microsoft.com/office/drawing/2010/main" val="0"/>
+              </a:ext>
+            </a:extLst>
+          </a:blip>
+          <a:stretch>
+            <a:fillRect/>
+          </a:stretch>
+        </p:blipFill>
+        <p:spPr>
+          <a:xfrm>
+            <a:off x="5838979" y="4483872"/>
+            <a:ext cx="1431910" cy="1431910"/>
+          </a:xfrm>
+          <a:prstGeom prst="rect">
+            <a:avLst/>
+          </a:prstGeom>
+          <a:ln>
+            <a:noFill/>
+          </a:ln>
+        </p:spPr>
+      </p:pic>
+      <p:pic>
+        <p:nvPicPr>
+          <p:cNvPr id="49" name="그림 48">
+            <a:extLst>
+              <a:ext uri="{FF2B5EF4-FFF2-40B4-BE49-F238E27FC236}">
+                <a16:creationId xmlns:a16="http://schemas.microsoft.com/office/drawing/2014/main" id="{25C18442-0747-80E5-3495-047BB51B173E}"/>
+              </a:ext>
+            </a:extLst>
+          </p:cNvPr>
+          <p:cNvPicPr>
+            <a:picLocks noChangeAspect="1"/>
+          </p:cNvPicPr>
+          <p:nvPr/>
+        </p:nvPicPr>
+        <p:blipFill>
+          <a:blip r:embed="rId3">
+            <a:extLst>
+              <a:ext uri="{28A0092B-C50C-407E-A947-70E740481C1C}">
+                <a14:useLocalDpi xmlns:a14="http://schemas.microsoft.com/office/drawing/2010/main" val="0"/>
+              </a:ext>
+            </a:extLst>
+          </a:blip>
+          <a:stretch>
+            <a:fillRect/>
+          </a:stretch>
+        </p:blipFill>
+        <p:spPr>
+          <a:xfrm>
+            <a:off x="7107048" y="4483872"/>
+            <a:ext cx="1431910" cy="1431910"/>
+          </a:xfrm>
+          <a:prstGeom prst="rect">
+            <a:avLst/>
+          </a:prstGeom>
+          <a:ln>
+            <a:noFill/>
+          </a:ln>
+        </p:spPr>
+      </p:pic>
+      <p:pic>
+        <p:nvPicPr>
+          <p:cNvPr id="50" name="그림 49">
+            <a:extLst>
+              <a:ext uri="{FF2B5EF4-FFF2-40B4-BE49-F238E27FC236}">
+                <a16:creationId xmlns:a16="http://schemas.microsoft.com/office/drawing/2014/main" id="{7DE9A7BE-5D68-209F-56CB-328D12AD1B6A}"/>
+              </a:ext>
+            </a:extLst>
+          </p:cNvPr>
+          <p:cNvPicPr>
+            <a:picLocks noChangeAspect="1"/>
+          </p:cNvPicPr>
+          <p:nvPr/>
+        </p:nvPicPr>
+        <p:blipFill>
+          <a:blip r:embed="rId3">
+            <a:extLst>
+              <a:ext uri="{28A0092B-C50C-407E-A947-70E740481C1C}">
+                <a14:useLocalDpi xmlns:a14="http://schemas.microsoft.com/office/drawing/2010/main" val="0"/>
+              </a:ext>
+            </a:extLst>
+          </a:blip>
+          <a:stretch>
+            <a:fillRect/>
+          </a:stretch>
+        </p:blipFill>
+        <p:spPr>
+          <a:xfrm>
+            <a:off x="8392447" y="4516892"/>
+            <a:ext cx="1431910" cy="1431910"/>
+          </a:xfrm>
+          <a:prstGeom prst="rect">
+            <a:avLst/>
+          </a:prstGeom>
+          <a:ln>
+            <a:noFill/>
+          </a:ln>
+        </p:spPr>
+      </p:pic>
+      <p:pic>
+        <p:nvPicPr>
+          <p:cNvPr id="57" name="그림 56">
+            <a:extLst>
+              <a:ext uri="{FF2B5EF4-FFF2-40B4-BE49-F238E27FC236}">
+                <a16:creationId xmlns:a16="http://schemas.microsoft.com/office/drawing/2014/main" id="{795A198C-8A96-0055-378E-C62D0F2B9700}"/>
+              </a:ext>
+            </a:extLst>
+          </p:cNvPr>
+          <p:cNvPicPr>
+            <a:picLocks noChangeAspect="1"/>
+          </p:cNvPicPr>
+          <p:nvPr/>
+        </p:nvPicPr>
+        <p:blipFill>
+          <a:blip r:embed="rId3">
+            <a:extLst>
+              <a:ext uri="{28A0092B-C50C-407E-A947-70E740481C1C}">
+                <a14:useLocalDpi xmlns:a14="http://schemas.microsoft.com/office/drawing/2010/main" val="0"/>
+              </a:ext>
+            </a:extLst>
+          </a:blip>
+          <a:stretch>
+            <a:fillRect/>
+          </a:stretch>
+        </p:blipFill>
+        <p:spPr>
+          <a:xfrm>
+            <a:off x="2836264" y="2119725"/>
+            <a:ext cx="441649" cy="441649"/>
+          </a:xfrm>
+          <a:prstGeom prst="rect">
+            <a:avLst/>
+          </a:prstGeom>
+          <a:ln>
+            <a:noFill/>
+          </a:ln>
+        </p:spPr>
+      </p:pic>
+      <p:sp>
+        <p:nvSpPr>
+          <p:cNvPr id="2" name="TextBox 1">
+            <a:extLst>
+              <a:ext uri="{FF2B5EF4-FFF2-40B4-BE49-F238E27FC236}">
+                <a16:creationId xmlns:a16="http://schemas.microsoft.com/office/drawing/2014/main" id="{792DF50D-44B7-4BC3-AFD9-465164F9B97C}"/>
+              </a:ext>
+            </a:extLst>
+          </p:cNvPr>
+          <p:cNvSpPr txBox="1"/>
+          <p:nvPr/>
+        </p:nvSpPr>
+        <p:spPr>
+          <a:xfrm>
+            <a:off x="3277913" y="2132944"/>
+            <a:ext cx="2723823" cy="461665"/>
+          </a:xfrm>
+          <a:prstGeom prst="rect">
+            <a:avLst/>
+          </a:prstGeom>
+          <a:noFill/>
+        </p:spPr>
+        <p:txBody>
+          <a:bodyPr wrap="none" rtlCol="0">
+            <a:spAutoFit/>
+          </a:bodyPr>
+          <a:lstStyle/>
+          <a:p>
+            <a:r>
+              <a:rPr lang="ko-KR" altLang="en-US" sz="1200" b="1" dirty="0"/>
+              <a:t>현재 모은 재료 개수</a:t>
+            </a:r>
+            <a:endParaRPr lang="en-US" altLang="ko-KR" sz="1200" b="1" dirty="0"/>
+          </a:p>
+          <a:p>
+            <a:r>
+              <a:rPr lang="en-US" altLang="ko-KR" sz="1200" b="1" dirty="0"/>
+              <a:t>	/ </a:t>
+            </a:r>
+            <a:r>
+              <a:rPr lang="ko-KR" altLang="en-US" sz="1200" b="1" dirty="0"/>
+              <a:t>모아야하는 재료 개수</a:t>
+            </a:r>
+          </a:p>
+        </p:txBody>
+      </p:sp>
+      <p:sp>
+        <p:nvSpPr>
+          <p:cNvPr id="3" name="직사각형 2">
+            <a:extLst>
+              <a:ext uri="{FF2B5EF4-FFF2-40B4-BE49-F238E27FC236}">
+                <a16:creationId xmlns:a16="http://schemas.microsoft.com/office/drawing/2014/main" id="{849C1316-54B4-186C-C977-6B3A6C460BBB}"/>
+              </a:ext>
+            </a:extLst>
+          </p:cNvPr>
+          <p:cNvSpPr/>
+          <p:nvPr/>
+        </p:nvSpPr>
+        <p:spPr>
+          <a:xfrm>
+            <a:off x="2763563" y="2119725"/>
+            <a:ext cx="3333750" cy="526018"/>
+          </a:xfrm>
+          <a:prstGeom prst="rect">
+            <a:avLst/>
+          </a:prstGeom>
+          <a:noFill/>
+          <a:ln>
+            <a:solidFill>
+              <a:schemeClr val="tx1"/>
+            </a:solidFill>
+          </a:ln>
+        </p:spPr>
+        <p:style>
+          <a:lnRef idx="2">
+            <a:schemeClr val="accent1">
+              <a:shade val="50000"/>
+            </a:schemeClr>
+          </a:lnRef>
+          <a:fillRef idx="1">
+            <a:schemeClr val="accent1"/>
+          </a:fillRef>
+          <a:effectRef idx="0">
+            <a:schemeClr val="accent1"/>
+          </a:effectRef>
+          <a:fontRef idx="minor">
+            <a:schemeClr val="lt1"/>
+          </a:fontRef>
+        </p:style>
+        <p:txBody>
+          <a:bodyPr rtlCol="0" anchor="ctr"/>
+          <a:lstStyle/>
+          <a:p>
+            <a:pPr algn="ctr"/>
+            <a:endParaRPr lang="ko-KR" altLang="en-US"/>
+          </a:p>
+        </p:txBody>
+      </p:sp>
+      <p:cxnSp>
+        <p:nvCxnSpPr>
+          <p:cNvPr id="11" name="직선 화살표 연결선 10">
+            <a:extLst>
+              <a:ext uri="{FF2B5EF4-FFF2-40B4-BE49-F238E27FC236}">
+                <a16:creationId xmlns:a16="http://schemas.microsoft.com/office/drawing/2014/main" id="{5C758F50-38F1-F05C-53EB-2C75B77852D6}"/>
+              </a:ext>
+            </a:extLst>
+          </p:cNvPr>
+          <p:cNvCxnSpPr>
+            <a:stCxn id="3" idx="1"/>
+          </p:cNvCxnSpPr>
+          <p:nvPr/>
+        </p:nvCxnSpPr>
+        <p:spPr>
+          <a:xfrm flipH="1">
+            <a:off x="2381250" y="2382734"/>
+            <a:ext cx="382313" cy="6855"/>
+          </a:xfrm>
+          <a:prstGeom prst="straightConnector1">
+            <a:avLst/>
+          </a:prstGeom>
+          <a:ln>
+            <a:tailEnd type="triangle"/>
+          </a:ln>
+        </p:spPr>
+        <p:style>
+          <a:lnRef idx="1">
+            <a:schemeClr val="dk1"/>
+          </a:lnRef>
+          <a:fillRef idx="0">
+            <a:schemeClr val="dk1"/>
+          </a:fillRef>
+          <a:effectRef idx="0">
+            <a:schemeClr val="dk1"/>
+          </a:effectRef>
+          <a:fontRef idx="minor">
+            <a:schemeClr val="tx1"/>
+          </a:fontRef>
+        </p:style>
+      </p:cxnSp>
+      <p:sp>
+        <p:nvSpPr>
+          <p:cNvPr id="12" name="TextBox 11">
+            <a:extLst>
+              <a:ext uri="{FF2B5EF4-FFF2-40B4-BE49-F238E27FC236}">
+                <a16:creationId xmlns:a16="http://schemas.microsoft.com/office/drawing/2014/main" id="{E55D1369-DC6A-2D4F-3E1B-291BDBA39E53}"/>
+              </a:ext>
+            </a:extLst>
+          </p:cNvPr>
+          <p:cNvSpPr txBox="1"/>
+          <p:nvPr/>
+        </p:nvSpPr>
+        <p:spPr>
+          <a:xfrm>
+            <a:off x="1148324" y="2230245"/>
+            <a:ext cx="1358064" cy="415498"/>
+          </a:xfrm>
+          <a:prstGeom prst="rect">
+            <a:avLst/>
+          </a:prstGeom>
+          <a:noFill/>
+        </p:spPr>
+        <p:txBody>
+          <a:bodyPr wrap="none" rtlCol="0">
+            <a:spAutoFit/>
+          </a:bodyPr>
+          <a:lstStyle/>
+          <a:p>
+            <a:pPr algn="ctr"/>
+            <a:r>
+              <a:rPr lang="ko-KR" altLang="en-US" sz="1050" dirty="0"/>
+              <a:t>패널에 몇 개 더 </a:t>
+            </a:r>
+            <a:endParaRPr lang="en-US" altLang="ko-KR" sz="1050" dirty="0"/>
+          </a:p>
+          <a:p>
+            <a:pPr algn="ctr"/>
+            <a:r>
+              <a:rPr lang="ko-KR" altLang="en-US" sz="1050" dirty="0"/>
+              <a:t>모아야 하는지 표시</a:t>
+            </a:r>
+          </a:p>
+        </p:txBody>
+      </p:sp>
+      <p:sp>
+        <p:nvSpPr>
+          <p:cNvPr id="16" name="TextBox 15">
+            <a:extLst>
+              <a:ext uri="{FF2B5EF4-FFF2-40B4-BE49-F238E27FC236}">
+                <a16:creationId xmlns:a16="http://schemas.microsoft.com/office/drawing/2014/main" id="{28825B61-6448-B3D0-E4D3-8BF3DC6F070C}"/>
+              </a:ext>
+            </a:extLst>
+          </p:cNvPr>
+          <p:cNvSpPr txBox="1"/>
+          <p:nvPr/>
+        </p:nvSpPr>
+        <p:spPr>
+          <a:xfrm>
+            <a:off x="646546" y="1297483"/>
+            <a:ext cx="3536546" cy="369332"/>
+          </a:xfrm>
+          <a:prstGeom prst="rect">
+            <a:avLst/>
+          </a:prstGeom>
+          <a:noFill/>
+        </p:spPr>
+        <p:txBody>
+          <a:bodyPr wrap="none" rtlCol="0">
+            <a:spAutoFit/>
+          </a:bodyPr>
+          <a:lstStyle/>
+          <a:p>
+            <a:r>
+              <a:rPr lang="ko-KR" altLang="en-US" b="1" dirty="0"/>
+              <a:t>재료 패널 예시 </a:t>
+            </a:r>
+            <a:r>
+              <a:rPr lang="en-US" altLang="ko-KR" b="1" dirty="0"/>
+              <a:t>– </a:t>
+            </a:r>
+            <a:r>
+              <a:rPr lang="ko-KR" altLang="en-US" b="1" dirty="0"/>
+              <a:t>유리 </a:t>
+            </a:r>
+            <a:r>
+              <a:rPr lang="en-US" altLang="ko-KR" b="1" dirty="0"/>
+              <a:t>, </a:t>
+            </a:r>
+            <a:r>
+              <a:rPr lang="ko-KR" altLang="en-US" b="1" dirty="0"/>
+              <a:t>철</a:t>
+            </a:r>
+            <a:r>
+              <a:rPr lang="en-US" altLang="ko-KR" b="1" dirty="0"/>
+              <a:t>, </a:t>
+            </a:r>
+            <a:r>
+              <a:rPr lang="ko-KR" altLang="en-US" b="1" dirty="0"/>
+              <a:t>구리</a:t>
+            </a:r>
+          </a:p>
+        </p:txBody>
+      </p:sp>
+      <p:sp>
+        <p:nvSpPr>
+          <p:cNvPr id="19" name="직사각형 18">
+            <a:extLst>
+              <a:ext uri="{FF2B5EF4-FFF2-40B4-BE49-F238E27FC236}">
+                <a16:creationId xmlns:a16="http://schemas.microsoft.com/office/drawing/2014/main" id="{5B93F921-8570-3788-A0A2-CCA1B483569D}"/>
+              </a:ext>
+            </a:extLst>
+          </p:cNvPr>
+          <p:cNvSpPr/>
+          <p:nvPr/>
+        </p:nvSpPr>
+        <p:spPr>
+          <a:xfrm>
+            <a:off x="3038475" y="2781300"/>
+            <a:ext cx="7038975" cy="3167502"/>
+          </a:xfrm>
+          <a:prstGeom prst="rect">
+            <a:avLst/>
+          </a:prstGeom>
+          <a:noFill/>
+          <a:ln w="38100">
+            <a:solidFill>
+              <a:schemeClr val="tx1"/>
+            </a:solidFill>
+          </a:ln>
+        </p:spPr>
+        <p:style>
+          <a:lnRef idx="2">
+            <a:schemeClr val="accent1">
+              <a:shade val="50000"/>
+            </a:schemeClr>
+          </a:lnRef>
+          <a:fillRef idx="1">
+            <a:schemeClr val="accent1"/>
+          </a:fillRef>
+          <a:effectRef idx="0">
+            <a:schemeClr val="accent1"/>
+          </a:effectRef>
+          <a:fontRef idx="minor">
+            <a:schemeClr val="lt1"/>
+          </a:fontRef>
+        </p:style>
+        <p:txBody>
+          <a:bodyPr rtlCol="0" anchor="ctr"/>
+          <a:lstStyle/>
+          <a:p>
+            <a:pPr algn="ctr"/>
+            <a:endParaRPr lang="ko-KR" altLang="en-US"/>
+          </a:p>
+        </p:txBody>
+      </p:sp>
+      <p:cxnSp>
+        <p:nvCxnSpPr>
+          <p:cNvPr id="27" name="직선 화살표 연결선 26">
+            <a:extLst>
+              <a:ext uri="{FF2B5EF4-FFF2-40B4-BE49-F238E27FC236}">
+                <a16:creationId xmlns:a16="http://schemas.microsoft.com/office/drawing/2014/main" id="{A1BAAFC8-A9CE-64BB-1B28-06E595FFB04F}"/>
+              </a:ext>
+            </a:extLst>
+          </p:cNvPr>
+          <p:cNvCxnSpPr>
+            <a:stCxn id="19" idx="3"/>
+          </p:cNvCxnSpPr>
+          <p:nvPr/>
+        </p:nvCxnSpPr>
+        <p:spPr>
+          <a:xfrm>
+            <a:off x="10077450" y="4365051"/>
+            <a:ext cx="752475" cy="118821"/>
+          </a:xfrm>
+          <a:prstGeom prst="straightConnector1">
+            <a:avLst/>
+          </a:prstGeom>
+          <a:ln>
+            <a:tailEnd type="triangle"/>
+          </a:ln>
+        </p:spPr>
+        <p:style>
+          <a:lnRef idx="1">
+            <a:schemeClr val="dk1"/>
+          </a:lnRef>
+          <a:fillRef idx="0">
+            <a:schemeClr val="dk1"/>
+          </a:fillRef>
+          <a:effectRef idx="0">
+            <a:schemeClr val="dk1"/>
+          </a:effectRef>
+          <a:fontRef idx="minor">
+            <a:schemeClr val="tx1"/>
+          </a:fontRef>
+        </p:style>
+      </p:cxnSp>
+      <p:sp>
+        <p:nvSpPr>
+          <p:cNvPr id="59" name="TextBox 58">
+            <a:extLst>
+              <a:ext uri="{FF2B5EF4-FFF2-40B4-BE49-F238E27FC236}">
+                <a16:creationId xmlns:a16="http://schemas.microsoft.com/office/drawing/2014/main" id="{4051D2DE-14CE-38E2-D847-AB0923896ED6}"/>
+              </a:ext>
+            </a:extLst>
+          </p:cNvPr>
+          <p:cNvSpPr txBox="1"/>
+          <p:nvPr/>
+        </p:nvSpPr>
+        <p:spPr>
+          <a:xfrm>
+            <a:off x="10323846" y="4593651"/>
+            <a:ext cx="1944763" cy="1061829"/>
+          </a:xfrm>
+          <a:prstGeom prst="rect">
+            <a:avLst/>
+          </a:prstGeom>
+          <a:noFill/>
+        </p:spPr>
+        <p:txBody>
+          <a:bodyPr wrap="none" rtlCol="0">
+            <a:spAutoFit/>
+          </a:bodyPr>
+          <a:lstStyle/>
+          <a:p>
+            <a:pPr algn="ctr"/>
+            <a:r>
+              <a:rPr lang="ko-KR" altLang="en-US" sz="1050" dirty="0"/>
+              <a:t>패널에 있는 아이템이</a:t>
+            </a:r>
+            <a:endParaRPr lang="en-US" altLang="ko-KR" sz="1050" dirty="0"/>
+          </a:p>
+          <a:p>
+            <a:pPr algn="ctr"/>
+            <a:r>
+              <a:rPr lang="ko-KR" altLang="en-US" sz="1050" dirty="0"/>
+              <a:t>모두 찰 때까지는 저장</a:t>
+            </a:r>
+            <a:endParaRPr lang="en-US" altLang="ko-KR" sz="1050" dirty="0"/>
+          </a:p>
+          <a:p>
+            <a:pPr algn="ctr"/>
+            <a:endParaRPr lang="en-US" altLang="ko-KR" sz="1050" dirty="0"/>
+          </a:p>
+          <a:p>
+            <a:pPr algn="ctr"/>
+            <a:r>
+              <a:rPr lang="ko-KR" altLang="en-US" sz="1050" dirty="0"/>
+              <a:t>패널이 모두 차면 주변에</a:t>
+            </a:r>
+            <a:endParaRPr lang="en-US" altLang="ko-KR" sz="1050" dirty="0"/>
+          </a:p>
+          <a:p>
+            <a:pPr algn="ctr"/>
+            <a:r>
+              <a:rPr lang="ko-KR" altLang="en-US" sz="1050" dirty="0"/>
+              <a:t>상자 오브젝트가 생기고</a:t>
+            </a:r>
+            <a:endParaRPr lang="en-US" altLang="ko-KR" sz="1050" dirty="0"/>
+          </a:p>
+          <a:p>
+            <a:pPr algn="ctr"/>
+            <a:r>
+              <a:rPr lang="ko-KR" altLang="en-US" sz="1050" dirty="0"/>
+              <a:t>패널에 있는 아이템은 초기화</a:t>
+            </a:r>
+          </a:p>
+        </p:txBody>
+      </p:sp>
+    </p:spTree>
+    <p:extLst>
+      <p:ext uri="{BB962C8B-B14F-4D97-AF65-F5344CB8AC3E}">
+        <p14:creationId xmlns:p14="http://schemas.microsoft.com/office/powerpoint/2010/main" val="2485589920"/>
+      </p:ext>
+    </p:extLst>
+  </p:cSld>
+  <p:clrMapOvr>
+    <a:masterClrMapping/>
+  </p:clrMapOvr>
+</p:sld>
+</file>
+
 <file path=ppt/slides/slide2.xml><?xml version="1.0" encoding="utf-8"?>
 <p:sld xmlns:a="http://schemas.openxmlformats.org/drawingml/2006/main" xmlns:r="http://schemas.openxmlformats.org/officeDocument/2006/relationships" xmlns:p="http://schemas.openxmlformats.org/presentationml/2006/main">
   <p:cSld>
@@ -5076,6 +6122,10 @@
                 <a:rPr lang="ko-KR" altLang="en-US" sz="1200" dirty="0"/>
                 <a:t>각 구역에는 배치 되어 있는 재료들이 </a:t>
               </a:r>
+              <a:r>
+                <a:rPr lang="en-US" altLang="ko-KR" sz="1200" dirty="0"/>
+                <a:t/>
+              </a:r>
               <a:br>
                 <a:rPr lang="en-US" altLang="ko-KR" sz="1200" dirty="0"/>
               </a:br>
@@ -5109,6 +6159,10 @@
               <a:r>
                 <a:rPr lang="ko-KR" altLang="en-US" sz="1200" dirty="0"/>
                 <a:t>완전한 재료가</a:t>
+              </a:r>
+              <a:r>
+                <a:rPr lang="en-US" altLang="ko-KR" sz="1200" dirty="0"/>
+                <a:t/>
               </a:r>
               <a:br>
                 <a:rPr lang="en-US" altLang="ko-KR" sz="1200" dirty="0"/>
@@ -5260,6 +6314,10 @@
                 <a:rPr lang="ko-KR" altLang="en-US" sz="1200" dirty="0"/>
                 <a:t>는 배를 고치기 위한 재료를 </a:t>
               </a:r>
+              <a:r>
+                <a:rPr lang="en-US" altLang="ko-KR" sz="1200" dirty="0"/>
+                <a:t/>
+              </a:r>
               <a:br>
                 <a:rPr lang="en-US" altLang="ko-KR" sz="1200" dirty="0"/>
               </a:br>
@@ -5364,6 +6422,14 @@
                 </a:rPr>
                 <a:t> </a:t>
               </a:r>
+              <a:r>
+                <a:rPr lang="en-US" altLang="ko-KR" sz="1200" dirty="0">
+                  <a:solidFill>
+                    <a:srgbClr val="E48445"/>
+                  </a:solidFill>
+                </a:rPr>
+                <a:t/>
+              </a:r>
               <a:br>
                 <a:rPr lang="en-US" altLang="ko-KR" sz="1200" dirty="0">
                   <a:solidFill>
@@ -5419,42 +6485,6 @@
           </p:txBody>
         </p:sp>
       </p:grpSp>
-      <p:sp>
-        <p:nvSpPr>
-          <p:cNvPr id="16" name="TextBox 15">
-            <a:extLst>
-              <a:ext uri="{FF2B5EF4-FFF2-40B4-BE49-F238E27FC236}">
-                <a16:creationId xmlns:a16="http://schemas.microsoft.com/office/drawing/2014/main" id="{93853DC1-D3A0-F4D4-D955-0517633ADB5C}"/>
-              </a:ext>
-            </a:extLst>
-          </p:cNvPr>
-          <p:cNvSpPr txBox="1"/>
-          <p:nvPr/>
-        </p:nvSpPr>
-        <p:spPr>
-          <a:xfrm>
-            <a:off x="781037" y="1792095"/>
-            <a:ext cx="723275" cy="307777"/>
-          </a:xfrm>
-          <a:prstGeom prst="rect">
-            <a:avLst/>
-          </a:prstGeom>
-          <a:noFill/>
-        </p:spPr>
-        <p:txBody>
-          <a:bodyPr wrap="none" rtlCol="0">
-            <a:spAutoFit/>
-          </a:bodyPr>
-          <a:lstStyle/>
-          <a:p>
-            <a:r>
-              <a:rPr lang="ko-KR" altLang="en-US" sz="1400" b="1" dirty="0" err="1"/>
-              <a:t>인공섬</a:t>
-            </a:r>
-            <a:endParaRPr lang="ko-KR" altLang="en-US" sz="1400" b="1" dirty="0"/>
-          </a:p>
-        </p:txBody>
-      </p:sp>
       <p:grpSp>
         <p:nvGrpSpPr>
           <p:cNvPr id="19" name="그룹 18">
@@ -7562,7 +8592,7 @@
             <p:nvPr/>
           </p:nvPicPr>
           <p:blipFill>
-            <a:blip r:embed="rId3">
+            <a:blip r:embed="rId3" cstate="hqprint">
               <a:extLst>
                 <a:ext uri="{BEBA8EAE-BF5A-486C-A8C5-ECC9F3942E4B}">
                   <a14:imgProps xmlns:a14="http://schemas.microsoft.com/office/drawing/2010/main">
@@ -7618,7 +8648,7 @@
             <p:nvPr/>
           </p:nvPicPr>
           <p:blipFill>
-            <a:blip r:embed="rId3">
+            <a:blip r:embed="rId3" cstate="hqprint">
               <a:extLst>
                 <a:ext uri="{BEBA8EAE-BF5A-486C-A8C5-ECC9F3942E4B}">
                   <a14:imgProps xmlns:a14="http://schemas.microsoft.com/office/drawing/2010/main">
@@ -7674,7 +8704,7 @@
             <p:nvPr/>
           </p:nvPicPr>
           <p:blipFill>
-            <a:blip r:embed="rId3">
+            <a:blip r:embed="rId3" cstate="hqprint">
               <a:extLst>
                 <a:ext uri="{BEBA8EAE-BF5A-486C-A8C5-ECC9F3942E4B}">
                   <a14:imgProps xmlns:a14="http://schemas.microsoft.com/office/drawing/2010/main">
@@ -7730,7 +8760,7 @@
             <p:nvPr/>
           </p:nvPicPr>
           <p:blipFill>
-            <a:blip r:embed="rId3">
+            <a:blip r:embed="rId3" cstate="hqprint">
               <a:extLst>
                 <a:ext uri="{BEBA8EAE-BF5A-486C-A8C5-ECC9F3942E4B}">
                   <a14:imgProps xmlns:a14="http://schemas.microsoft.com/office/drawing/2010/main">
@@ -8547,10 +9577,4274 @@
   <p:clrMapOvr>
     <a:masterClrMapping/>
   </p:clrMapOvr>
+  <p:timing>
+    <p:tnLst>
+      <p:par>
+        <p:cTn id="1" dur="indefinite" restart="never" nodeType="tmRoot"/>
+      </p:par>
+    </p:tnLst>
+  </p:timing>
 </p:sld>
 </file>
 
 <file path=ppt/slides/slide3.xml><?xml version="1.0" encoding="utf-8"?>
+<p:sld xmlns:a="http://schemas.openxmlformats.org/drawingml/2006/main" xmlns:r="http://schemas.openxmlformats.org/officeDocument/2006/relationships" xmlns:p="http://schemas.openxmlformats.org/presentationml/2006/main">
+  <p:cSld>
+    <p:spTree>
+      <p:nvGrpSpPr>
+        <p:cNvPr id="1" name=""/>
+        <p:cNvGrpSpPr/>
+        <p:nvPr/>
+      </p:nvGrpSpPr>
+      <p:grpSpPr>
+        <a:xfrm>
+          <a:off x="0" y="0"/>
+          <a:ext cx="0" cy="0"/>
+          <a:chOff x="0" y="0"/>
+          <a:chExt cx="0" cy="0"/>
+        </a:xfrm>
+      </p:grpSpPr>
+      <p:sp>
+        <p:nvSpPr>
+          <p:cNvPr id="4" name="직사각형 3">
+            <a:extLst>
+              <a:ext uri="{FF2B5EF4-FFF2-40B4-BE49-F238E27FC236}">
+                <a16:creationId xmlns:a16="http://schemas.microsoft.com/office/drawing/2014/main" id="{AE93FE2A-85FE-4157-951C-FC2FADBB3B34}"/>
+              </a:ext>
+            </a:extLst>
+          </p:cNvPr>
+          <p:cNvSpPr/>
+          <p:nvPr/>
+        </p:nvSpPr>
+        <p:spPr>
+          <a:xfrm>
+            <a:off x="0" y="0"/>
+            <a:ext cx="12192000" cy="1034474"/>
+          </a:xfrm>
+          <a:prstGeom prst="rect">
+            <a:avLst/>
+          </a:prstGeom>
+          <a:solidFill>
+            <a:schemeClr val="accent5">
+              <a:lumMod val="60000"/>
+              <a:lumOff val="40000"/>
+            </a:schemeClr>
+          </a:solidFill>
+        </p:spPr>
+        <p:style>
+          <a:lnRef idx="2">
+            <a:schemeClr val="accent1">
+              <a:shade val="50000"/>
+            </a:schemeClr>
+          </a:lnRef>
+          <a:fillRef idx="1">
+            <a:schemeClr val="accent1"/>
+          </a:fillRef>
+          <a:effectRef idx="0">
+            <a:schemeClr val="accent1"/>
+          </a:effectRef>
+          <a:fontRef idx="minor">
+            <a:schemeClr val="lt1"/>
+          </a:fontRef>
+        </p:style>
+        <p:txBody>
+          <a:bodyPr rtlCol="0" anchor="ctr"/>
+          <a:lstStyle/>
+          <a:p>
+            <a:pPr algn="ctr"/>
+            <a:endParaRPr lang="ko-KR" altLang="en-US" dirty="0"/>
+          </a:p>
+        </p:txBody>
+      </p:sp>
+      <p:sp>
+        <p:nvSpPr>
+          <p:cNvPr id="7" name="TextBox 6">
+            <a:extLst>
+              <a:ext uri="{FF2B5EF4-FFF2-40B4-BE49-F238E27FC236}">
+                <a16:creationId xmlns:a16="http://schemas.microsoft.com/office/drawing/2014/main" id="{982817C4-ACF4-45FB-A018-6E6F872691BC}"/>
+              </a:ext>
+            </a:extLst>
+          </p:cNvPr>
+          <p:cNvSpPr txBox="1"/>
+          <p:nvPr/>
+        </p:nvSpPr>
+        <p:spPr>
+          <a:xfrm>
+            <a:off x="646546" y="255627"/>
+            <a:ext cx="4230254" cy="523220"/>
+          </a:xfrm>
+          <a:prstGeom prst="rect">
+            <a:avLst/>
+          </a:prstGeom>
+          <a:noFill/>
+        </p:spPr>
+        <p:txBody>
+          <a:bodyPr wrap="square" rtlCol="0">
+            <a:spAutoFit/>
+          </a:bodyPr>
+          <a:lstStyle/>
+          <a:p>
+            <a:r>
+              <a:rPr lang="ko-KR" altLang="en-US" sz="2800" b="1" dirty="0" smtClean="0"/>
+              <a:t>맵 점령 표시</a:t>
+            </a:r>
+            <a:endParaRPr lang="en-US" altLang="ko-KR" sz="2800" b="1" dirty="0" smtClean="0"/>
+          </a:p>
+        </p:txBody>
+      </p:sp>
+      <p:grpSp>
+        <p:nvGrpSpPr>
+          <p:cNvPr id="2" name="그룹 1"/>
+          <p:cNvGrpSpPr/>
+          <p:nvPr/>
+        </p:nvGrpSpPr>
+        <p:grpSpPr>
+          <a:xfrm>
+            <a:off x="2851957" y="1673476"/>
+            <a:ext cx="5943292" cy="2727668"/>
+            <a:chOff x="1031470" y="2562938"/>
+            <a:chExt cx="5943292" cy="2727668"/>
+          </a:xfrm>
+        </p:grpSpPr>
+        <p:grpSp>
+          <p:nvGrpSpPr>
+            <p:cNvPr id="19" name="그룹 18">
+              <a:extLst>
+                <a:ext uri="{FF2B5EF4-FFF2-40B4-BE49-F238E27FC236}">
+                  <a16:creationId xmlns:a16="http://schemas.microsoft.com/office/drawing/2014/main" id="{3D8813CF-21E0-8713-E0CD-2B7C3EE4E4E1}"/>
+                </a:ext>
+              </a:extLst>
+            </p:cNvPr>
+            <p:cNvGrpSpPr/>
+            <p:nvPr/>
+          </p:nvGrpSpPr>
+          <p:grpSpPr>
+            <a:xfrm>
+              <a:off x="1031470" y="2562938"/>
+              <a:ext cx="5943292" cy="2727668"/>
+              <a:chOff x="1031470" y="2562938"/>
+              <a:chExt cx="5943292" cy="2727668"/>
+            </a:xfrm>
+          </p:grpSpPr>
+          <p:grpSp>
+            <p:nvGrpSpPr>
+              <p:cNvPr id="8" name="그룹 7">
+                <a:extLst>
+                  <a:ext uri="{FF2B5EF4-FFF2-40B4-BE49-F238E27FC236}">
+                    <a16:creationId xmlns:a16="http://schemas.microsoft.com/office/drawing/2014/main" id="{0227ABDE-684F-DF38-2699-A4AF40BCAF50}"/>
+                  </a:ext>
+                </a:extLst>
+              </p:cNvPr>
+              <p:cNvGrpSpPr/>
+              <p:nvPr/>
+            </p:nvGrpSpPr>
+            <p:grpSpPr>
+              <a:xfrm>
+                <a:off x="3551448" y="3468805"/>
+                <a:ext cx="914400" cy="914400"/>
+                <a:chOff x="3386916" y="1844984"/>
+                <a:chExt cx="914400" cy="914400"/>
+              </a:xfrm>
+            </p:grpSpPr>
+            <p:sp>
+              <p:nvSpPr>
+                <p:cNvPr id="6" name="팔각형 5">
+                  <a:extLst>
+                    <a:ext uri="{FF2B5EF4-FFF2-40B4-BE49-F238E27FC236}">
+                      <a16:creationId xmlns:a16="http://schemas.microsoft.com/office/drawing/2014/main" id="{0792509F-1B1B-2642-FF62-4898422E85E1}"/>
+                    </a:ext>
+                  </a:extLst>
+                </p:cNvPr>
+                <p:cNvSpPr/>
+                <p:nvPr/>
+              </p:nvSpPr>
+              <p:spPr>
+                <a:xfrm>
+                  <a:off x="3386916" y="1844984"/>
+                  <a:ext cx="914400" cy="914400"/>
+                </a:xfrm>
+                <a:prstGeom prst="octagon">
+                  <a:avLst/>
+                </a:prstGeom>
+                <a:solidFill>
+                  <a:srgbClr val="C5E0B4"/>
+                </a:solidFill>
+                <a:ln>
+                  <a:noFill/>
+                </a:ln>
+              </p:spPr>
+              <p:style>
+                <a:lnRef idx="2">
+                  <a:schemeClr val="accent1">
+                    <a:shade val="50000"/>
+                  </a:schemeClr>
+                </a:lnRef>
+                <a:fillRef idx="1">
+                  <a:schemeClr val="accent1"/>
+                </a:fillRef>
+                <a:effectRef idx="0">
+                  <a:schemeClr val="accent1"/>
+                </a:effectRef>
+                <a:fontRef idx="minor">
+                  <a:schemeClr val="lt1"/>
+                </a:fontRef>
+              </p:style>
+              <p:txBody>
+                <a:bodyPr rtlCol="0" anchor="ctr"/>
+                <a:lstStyle/>
+                <a:p>
+                  <a:pPr algn="ctr"/>
+                  <a:endParaRPr lang="ko-KR" altLang="en-US" dirty="0"/>
+                </a:p>
+              </p:txBody>
+            </p:sp>
+            <p:sp>
+              <p:nvSpPr>
+                <p:cNvPr id="145" name="육각형 144">
+                  <a:extLst>
+                    <a:ext uri="{FF2B5EF4-FFF2-40B4-BE49-F238E27FC236}">
+                      <a16:creationId xmlns:a16="http://schemas.microsoft.com/office/drawing/2014/main" id="{210892FE-E5CD-400D-FE59-A2FFEA659859}"/>
+                    </a:ext>
+                  </a:extLst>
+                </p:cNvPr>
+                <p:cNvSpPr/>
+                <p:nvPr/>
+              </p:nvSpPr>
+              <p:spPr>
+                <a:xfrm>
+                  <a:off x="3747695" y="2198774"/>
+                  <a:ext cx="214975" cy="185324"/>
+                </a:xfrm>
+                <a:prstGeom prst="hexagon">
+                  <a:avLst/>
+                </a:prstGeom>
+                <a:solidFill>
+                  <a:schemeClr val="bg1">
+                    <a:lumMod val="50000"/>
+                  </a:schemeClr>
+                </a:solidFill>
+                <a:ln>
+                  <a:noFill/>
+                </a:ln>
+              </p:spPr>
+              <p:style>
+                <a:lnRef idx="2">
+                  <a:schemeClr val="accent1">
+                    <a:shade val="50000"/>
+                  </a:schemeClr>
+                </a:lnRef>
+                <a:fillRef idx="1">
+                  <a:schemeClr val="accent1"/>
+                </a:fillRef>
+                <a:effectRef idx="0">
+                  <a:schemeClr val="accent1"/>
+                </a:effectRef>
+                <a:fontRef idx="minor">
+                  <a:schemeClr val="lt1"/>
+                </a:fontRef>
+              </p:style>
+              <p:txBody>
+                <a:bodyPr rtlCol="0" anchor="ctr"/>
+                <a:lstStyle/>
+                <a:p>
+                  <a:pPr algn="ctr"/>
+                  <a:endParaRPr lang="ko-KR" altLang="en-US" dirty="0"/>
+                </a:p>
+              </p:txBody>
+            </p:sp>
+          </p:grpSp>
+          <p:sp>
+            <p:nvSpPr>
+              <p:cNvPr id="154" name="육각형 153">
+                <a:extLst>
+                  <a:ext uri="{FF2B5EF4-FFF2-40B4-BE49-F238E27FC236}">
+                    <a16:creationId xmlns:a16="http://schemas.microsoft.com/office/drawing/2014/main" id="{BD8FC219-8F6E-5C15-BCEF-AA6226352F70}"/>
+                  </a:ext>
+                </a:extLst>
+              </p:cNvPr>
+              <p:cNvSpPr/>
+              <p:nvPr/>
+            </p:nvSpPr>
+            <p:spPr>
+              <a:xfrm>
+                <a:off x="1031470" y="3728083"/>
+                <a:ext cx="945684" cy="433857"/>
+              </a:xfrm>
+              <a:prstGeom prst="hexagon">
+                <a:avLst/>
+              </a:prstGeom>
+              <a:solidFill>
+                <a:schemeClr val="accent2">
+                  <a:lumMod val="50000"/>
+                </a:schemeClr>
+              </a:solidFill>
+              <a:ln>
+                <a:noFill/>
+              </a:ln>
+            </p:spPr>
+            <p:style>
+              <a:lnRef idx="2">
+                <a:schemeClr val="accent1">
+                  <a:shade val="50000"/>
+                </a:schemeClr>
+              </a:lnRef>
+              <a:fillRef idx="1">
+                <a:schemeClr val="accent1"/>
+              </a:fillRef>
+              <a:effectRef idx="0">
+                <a:schemeClr val="accent1"/>
+              </a:effectRef>
+              <a:fontRef idx="minor">
+                <a:schemeClr val="lt1"/>
+              </a:fontRef>
+            </p:style>
+            <p:txBody>
+              <a:bodyPr rtlCol="0" anchor="ctr"/>
+              <a:lstStyle/>
+              <a:p>
+                <a:pPr algn="ctr"/>
+                <a:r>
+                  <a:rPr lang="ko-KR" altLang="en-US" sz="1100" dirty="0"/>
+                  <a:t>배 </a:t>
+                </a:r>
+              </a:p>
+            </p:txBody>
+          </p:sp>
+          <p:sp>
+            <p:nvSpPr>
+              <p:cNvPr id="162" name="팔각형 161">
+                <a:extLst>
+                  <a:ext uri="{FF2B5EF4-FFF2-40B4-BE49-F238E27FC236}">
+                    <a16:creationId xmlns:a16="http://schemas.microsoft.com/office/drawing/2014/main" id="{0DDD9F7B-BB2E-6855-1CB5-C62FB29C3D86}"/>
+                  </a:ext>
+                </a:extLst>
+              </p:cNvPr>
+              <p:cNvSpPr/>
+              <p:nvPr/>
+            </p:nvSpPr>
+            <p:spPr>
+              <a:xfrm>
+                <a:off x="3540539" y="2562938"/>
+                <a:ext cx="914400" cy="914400"/>
+              </a:xfrm>
+              <a:prstGeom prst="octagon">
+                <a:avLst/>
+              </a:prstGeom>
+              <a:solidFill>
+                <a:srgbClr val="595959"/>
+              </a:solidFill>
+              <a:ln>
+                <a:noFill/>
+              </a:ln>
+            </p:spPr>
+            <p:style>
+              <a:lnRef idx="2">
+                <a:schemeClr val="accent1">
+                  <a:shade val="50000"/>
+                </a:schemeClr>
+              </a:lnRef>
+              <a:fillRef idx="1">
+                <a:schemeClr val="accent1"/>
+              </a:fillRef>
+              <a:effectRef idx="0">
+                <a:schemeClr val="accent1"/>
+              </a:effectRef>
+              <a:fontRef idx="minor">
+                <a:schemeClr val="lt1"/>
+              </a:fontRef>
+            </p:style>
+            <p:txBody>
+              <a:bodyPr rtlCol="0" anchor="ctr"/>
+              <a:lstStyle/>
+              <a:p>
+                <a:pPr algn="ctr"/>
+                <a:endParaRPr lang="ko-KR" altLang="en-US"/>
+              </a:p>
+            </p:txBody>
+          </p:sp>
+          <p:sp>
+            <p:nvSpPr>
+              <p:cNvPr id="163" name="팔각형 162">
+                <a:extLst>
+                  <a:ext uri="{FF2B5EF4-FFF2-40B4-BE49-F238E27FC236}">
+                    <a16:creationId xmlns:a16="http://schemas.microsoft.com/office/drawing/2014/main" id="{9DB7E4AA-96A9-8A08-A659-61F3FE89CF3D}"/>
+                  </a:ext>
+                </a:extLst>
+              </p:cNvPr>
+              <p:cNvSpPr/>
+              <p:nvPr/>
+            </p:nvSpPr>
+            <p:spPr>
+              <a:xfrm>
+                <a:off x="4451191" y="3487812"/>
+                <a:ext cx="914400" cy="914400"/>
+              </a:xfrm>
+              <a:prstGeom prst="octagon">
+                <a:avLst/>
+              </a:prstGeom>
+              <a:solidFill>
+                <a:srgbClr val="548235"/>
+              </a:solidFill>
+              <a:ln>
+                <a:noFill/>
+              </a:ln>
+            </p:spPr>
+            <p:style>
+              <a:lnRef idx="2">
+                <a:schemeClr val="accent1">
+                  <a:shade val="50000"/>
+                </a:schemeClr>
+              </a:lnRef>
+              <a:fillRef idx="1">
+                <a:schemeClr val="accent1"/>
+              </a:fillRef>
+              <a:effectRef idx="0">
+                <a:schemeClr val="accent1"/>
+              </a:effectRef>
+              <a:fontRef idx="minor">
+                <a:schemeClr val="lt1"/>
+              </a:fontRef>
+            </p:style>
+            <p:txBody>
+              <a:bodyPr rtlCol="0" anchor="ctr"/>
+              <a:lstStyle/>
+              <a:p>
+                <a:pPr algn="ctr"/>
+                <a:endParaRPr lang="ko-KR" altLang="en-US"/>
+              </a:p>
+            </p:txBody>
+          </p:sp>
+          <p:sp>
+            <p:nvSpPr>
+              <p:cNvPr id="164" name="팔각형 163">
+                <a:extLst>
+                  <a:ext uri="{FF2B5EF4-FFF2-40B4-BE49-F238E27FC236}">
+                    <a16:creationId xmlns:a16="http://schemas.microsoft.com/office/drawing/2014/main" id="{F007538E-9670-534E-0C60-659466F33B91}"/>
+                  </a:ext>
+                </a:extLst>
+              </p:cNvPr>
+              <p:cNvSpPr/>
+              <p:nvPr/>
+            </p:nvSpPr>
+            <p:spPr>
+              <a:xfrm>
+                <a:off x="2641421" y="3478237"/>
+                <a:ext cx="914400" cy="914400"/>
+              </a:xfrm>
+              <a:prstGeom prst="octagon">
+                <a:avLst/>
+              </a:prstGeom>
+              <a:solidFill>
+                <a:srgbClr val="FFE699"/>
+              </a:solidFill>
+              <a:ln>
+                <a:noFill/>
+              </a:ln>
+            </p:spPr>
+            <p:style>
+              <a:lnRef idx="2">
+                <a:schemeClr val="accent1">
+                  <a:shade val="50000"/>
+                </a:schemeClr>
+              </a:lnRef>
+              <a:fillRef idx="1">
+                <a:schemeClr val="accent1"/>
+              </a:fillRef>
+              <a:effectRef idx="0">
+                <a:schemeClr val="accent1"/>
+              </a:effectRef>
+              <a:fontRef idx="minor">
+                <a:schemeClr val="lt1"/>
+              </a:fontRef>
+            </p:style>
+            <p:txBody>
+              <a:bodyPr rtlCol="0" anchor="ctr"/>
+              <a:lstStyle/>
+              <a:p>
+                <a:pPr algn="ctr"/>
+                <a:endParaRPr lang="ko-KR" altLang="en-US" dirty="0"/>
+              </a:p>
+            </p:txBody>
+          </p:sp>
+          <p:sp>
+            <p:nvSpPr>
+              <p:cNvPr id="165" name="팔각형 164">
+                <a:extLst>
+                  <a:ext uri="{FF2B5EF4-FFF2-40B4-BE49-F238E27FC236}">
+                    <a16:creationId xmlns:a16="http://schemas.microsoft.com/office/drawing/2014/main" id="{AC0ABEA2-7C16-CE7A-EB39-54ABD533EEC9}"/>
+                  </a:ext>
+                </a:extLst>
+              </p:cNvPr>
+              <p:cNvSpPr/>
+              <p:nvPr/>
+            </p:nvSpPr>
+            <p:spPr>
+              <a:xfrm>
+                <a:off x="3540539" y="4376206"/>
+                <a:ext cx="914400" cy="914400"/>
+              </a:xfrm>
+              <a:prstGeom prst="octagon">
+                <a:avLst/>
+              </a:prstGeom>
+              <a:solidFill>
+                <a:srgbClr val="FFD966"/>
+              </a:solidFill>
+              <a:ln>
+                <a:noFill/>
+              </a:ln>
+            </p:spPr>
+            <p:style>
+              <a:lnRef idx="2">
+                <a:schemeClr val="accent1">
+                  <a:shade val="50000"/>
+                </a:schemeClr>
+              </a:lnRef>
+              <a:fillRef idx="1">
+                <a:schemeClr val="accent1"/>
+              </a:fillRef>
+              <a:effectRef idx="0">
+                <a:schemeClr val="accent1"/>
+              </a:effectRef>
+              <a:fontRef idx="minor">
+                <a:schemeClr val="lt1"/>
+              </a:fontRef>
+            </p:style>
+            <p:txBody>
+              <a:bodyPr rtlCol="0" anchor="ctr"/>
+              <a:lstStyle/>
+              <a:p>
+                <a:pPr algn="ctr"/>
+                <a:endParaRPr lang="ko-KR" altLang="en-US" dirty="0"/>
+              </a:p>
+            </p:txBody>
+          </p:sp>
+          <p:sp>
+            <p:nvSpPr>
+              <p:cNvPr id="12" name="직사각형 11">
+                <a:extLst>
+                  <a:ext uri="{FF2B5EF4-FFF2-40B4-BE49-F238E27FC236}">
+                    <a16:creationId xmlns:a16="http://schemas.microsoft.com/office/drawing/2014/main" id="{C2BA0B94-CF95-DC17-154A-1BADCA2B03E5}"/>
+                  </a:ext>
+                </a:extLst>
+              </p:cNvPr>
+              <p:cNvSpPr/>
+              <p:nvPr/>
+            </p:nvSpPr>
+            <p:spPr>
+              <a:xfrm rot="2679586">
+                <a:off x="3360769" y="3278607"/>
+                <a:ext cx="383979" cy="385972"/>
+              </a:xfrm>
+              <a:prstGeom prst="rect">
+                <a:avLst/>
+              </a:prstGeom>
+              <a:solidFill>
+                <a:srgbClr val="D9D9D9"/>
+              </a:solidFill>
+              <a:ln>
+                <a:noFill/>
+              </a:ln>
+            </p:spPr>
+            <p:style>
+              <a:lnRef idx="2">
+                <a:schemeClr val="accent1">
+                  <a:shade val="50000"/>
+                </a:schemeClr>
+              </a:lnRef>
+              <a:fillRef idx="1">
+                <a:schemeClr val="accent1"/>
+              </a:fillRef>
+              <a:effectRef idx="0">
+                <a:schemeClr val="accent1"/>
+              </a:effectRef>
+              <a:fontRef idx="minor">
+                <a:schemeClr val="lt1"/>
+              </a:fontRef>
+            </p:style>
+            <p:txBody>
+              <a:bodyPr rtlCol="0" anchor="ctr"/>
+              <a:lstStyle/>
+              <a:p>
+                <a:pPr algn="ctr"/>
+                <a:endParaRPr lang="ko-KR" altLang="en-US"/>
+              </a:p>
+            </p:txBody>
+          </p:sp>
+          <p:sp>
+            <p:nvSpPr>
+              <p:cNvPr id="166" name="직사각형 165">
+                <a:extLst>
+                  <a:ext uri="{FF2B5EF4-FFF2-40B4-BE49-F238E27FC236}">
+                    <a16:creationId xmlns:a16="http://schemas.microsoft.com/office/drawing/2014/main" id="{B543BA4F-A3E7-1960-08A2-387B009AAE3E}"/>
+                  </a:ext>
+                </a:extLst>
+              </p:cNvPr>
+              <p:cNvSpPr/>
+              <p:nvPr/>
+            </p:nvSpPr>
+            <p:spPr>
+              <a:xfrm rot="2679586">
+                <a:off x="3369288" y="4192816"/>
+                <a:ext cx="383979" cy="385972"/>
+              </a:xfrm>
+              <a:prstGeom prst="rect">
+                <a:avLst/>
+              </a:prstGeom>
+              <a:solidFill>
+                <a:srgbClr val="D9D9D9"/>
+              </a:solidFill>
+              <a:ln>
+                <a:noFill/>
+              </a:ln>
+            </p:spPr>
+            <p:style>
+              <a:lnRef idx="2">
+                <a:schemeClr val="accent1">
+                  <a:shade val="50000"/>
+                </a:schemeClr>
+              </a:lnRef>
+              <a:fillRef idx="1">
+                <a:schemeClr val="accent1"/>
+              </a:fillRef>
+              <a:effectRef idx="0">
+                <a:schemeClr val="accent1"/>
+              </a:effectRef>
+              <a:fontRef idx="minor">
+                <a:schemeClr val="lt1"/>
+              </a:fontRef>
+            </p:style>
+            <p:txBody>
+              <a:bodyPr rtlCol="0" anchor="ctr"/>
+              <a:lstStyle/>
+              <a:p>
+                <a:pPr algn="ctr"/>
+                <a:endParaRPr lang="ko-KR" altLang="en-US"/>
+              </a:p>
+            </p:txBody>
+          </p:sp>
+          <p:sp>
+            <p:nvSpPr>
+              <p:cNvPr id="167" name="직사각형 166">
+                <a:extLst>
+                  <a:ext uri="{FF2B5EF4-FFF2-40B4-BE49-F238E27FC236}">
+                    <a16:creationId xmlns:a16="http://schemas.microsoft.com/office/drawing/2014/main" id="{78A3449D-CBC1-1597-4F9B-843864DD7196}"/>
+                  </a:ext>
+                </a:extLst>
+              </p:cNvPr>
+              <p:cNvSpPr/>
+              <p:nvPr/>
+            </p:nvSpPr>
+            <p:spPr>
+              <a:xfrm rot="2679586">
+                <a:off x="4267721" y="4197731"/>
+                <a:ext cx="383979" cy="385972"/>
+              </a:xfrm>
+              <a:prstGeom prst="rect">
+                <a:avLst/>
+              </a:prstGeom>
+              <a:solidFill>
+                <a:srgbClr val="D9D9D9"/>
+              </a:solidFill>
+              <a:ln>
+                <a:noFill/>
+              </a:ln>
+            </p:spPr>
+            <p:style>
+              <a:lnRef idx="2">
+                <a:schemeClr val="accent1">
+                  <a:shade val="50000"/>
+                </a:schemeClr>
+              </a:lnRef>
+              <a:fillRef idx="1">
+                <a:schemeClr val="accent1"/>
+              </a:fillRef>
+              <a:effectRef idx="0">
+                <a:schemeClr val="accent1"/>
+              </a:effectRef>
+              <a:fontRef idx="minor">
+                <a:schemeClr val="lt1"/>
+              </a:fontRef>
+            </p:style>
+            <p:txBody>
+              <a:bodyPr rtlCol="0" anchor="ctr"/>
+              <a:lstStyle/>
+              <a:p>
+                <a:pPr algn="ctr"/>
+                <a:endParaRPr lang="ko-KR" altLang="en-US"/>
+              </a:p>
+            </p:txBody>
+          </p:sp>
+          <p:sp>
+            <p:nvSpPr>
+              <p:cNvPr id="168" name="직사각형 167">
+                <a:extLst>
+                  <a:ext uri="{FF2B5EF4-FFF2-40B4-BE49-F238E27FC236}">
+                    <a16:creationId xmlns:a16="http://schemas.microsoft.com/office/drawing/2014/main" id="{36EBF1B1-0387-C832-2375-AF00BE2719A1}"/>
+                  </a:ext>
+                </a:extLst>
+              </p:cNvPr>
+              <p:cNvSpPr/>
+              <p:nvPr/>
+            </p:nvSpPr>
+            <p:spPr>
+              <a:xfrm rot="2679586">
+                <a:off x="4257510" y="3297859"/>
+                <a:ext cx="393260" cy="360990"/>
+              </a:xfrm>
+              <a:prstGeom prst="rect">
+                <a:avLst/>
+              </a:prstGeom>
+              <a:solidFill>
+                <a:srgbClr val="D9D9D9"/>
+              </a:solidFill>
+              <a:ln>
+                <a:noFill/>
+              </a:ln>
+            </p:spPr>
+            <p:style>
+              <a:lnRef idx="2">
+                <a:schemeClr val="accent1">
+                  <a:shade val="50000"/>
+                </a:schemeClr>
+              </a:lnRef>
+              <a:fillRef idx="1">
+                <a:schemeClr val="accent1"/>
+              </a:fillRef>
+              <a:effectRef idx="0">
+                <a:schemeClr val="accent1"/>
+              </a:effectRef>
+              <a:fontRef idx="minor">
+                <a:schemeClr val="lt1"/>
+              </a:fontRef>
+            </p:style>
+            <p:txBody>
+              <a:bodyPr rtlCol="0" anchor="ctr"/>
+              <a:lstStyle/>
+              <a:p>
+                <a:pPr algn="ctr"/>
+                <a:endParaRPr lang="ko-KR" altLang="en-US"/>
+              </a:p>
+            </p:txBody>
+          </p:sp>
+          <p:sp>
+            <p:nvSpPr>
+              <p:cNvPr id="14" name="자유형: 도형 13">
+                <a:extLst>
+                  <a:ext uri="{FF2B5EF4-FFF2-40B4-BE49-F238E27FC236}">
+                    <a16:creationId xmlns:a16="http://schemas.microsoft.com/office/drawing/2014/main" id="{BFF2B6FC-B5EF-77D7-7463-6F2E9F2E6B5E}"/>
+                  </a:ext>
+                </a:extLst>
+              </p:cNvPr>
+              <p:cNvSpPr/>
+              <p:nvPr/>
+            </p:nvSpPr>
+            <p:spPr>
+              <a:xfrm>
+                <a:off x="5360194" y="3521869"/>
+                <a:ext cx="783431" cy="859631"/>
+              </a:xfrm>
+              <a:custGeom>
+                <a:avLst/>
+                <a:gdLst>
+                  <a:gd name="connsiteX0" fmla="*/ 2381 w 776287"/>
+                  <a:gd name="connsiteY0" fmla="*/ 230981 h 859631"/>
+                  <a:gd name="connsiteX1" fmla="*/ 0 w 776287"/>
+                  <a:gd name="connsiteY1" fmla="*/ 614362 h 859631"/>
+                  <a:gd name="connsiteX2" fmla="*/ 242887 w 776287"/>
+                  <a:gd name="connsiteY2" fmla="*/ 859631 h 859631"/>
+                  <a:gd name="connsiteX3" fmla="*/ 590550 w 776287"/>
+                  <a:gd name="connsiteY3" fmla="*/ 859631 h 859631"/>
+                  <a:gd name="connsiteX4" fmla="*/ 776287 w 776287"/>
+                  <a:gd name="connsiteY4" fmla="*/ 607219 h 859631"/>
+                  <a:gd name="connsiteX5" fmla="*/ 600075 w 776287"/>
+                  <a:gd name="connsiteY5" fmla="*/ 407194 h 859631"/>
+                  <a:gd name="connsiteX6" fmla="*/ 738187 w 776287"/>
+                  <a:gd name="connsiteY6" fmla="*/ 185737 h 859631"/>
+                  <a:gd name="connsiteX7" fmla="*/ 561975 w 776287"/>
+                  <a:gd name="connsiteY7" fmla="*/ 0 h 859631"/>
+                  <a:gd name="connsiteX8" fmla="*/ 180975 w 776287"/>
+                  <a:gd name="connsiteY8" fmla="*/ 2381 h 859631"/>
+                  <a:gd name="connsiteX9" fmla="*/ 2381 w 776287"/>
+                  <a:gd name="connsiteY9" fmla="*/ 230981 h 859631"/>
+                  <a:gd name="connsiteX0" fmla="*/ 2381 w 776287"/>
+                  <a:gd name="connsiteY0" fmla="*/ 230981 h 859631"/>
+                  <a:gd name="connsiteX1" fmla="*/ 0 w 776287"/>
+                  <a:gd name="connsiteY1" fmla="*/ 614362 h 859631"/>
+                  <a:gd name="connsiteX2" fmla="*/ 242887 w 776287"/>
+                  <a:gd name="connsiteY2" fmla="*/ 859631 h 859631"/>
+                  <a:gd name="connsiteX3" fmla="*/ 590550 w 776287"/>
+                  <a:gd name="connsiteY3" fmla="*/ 859631 h 859631"/>
+                  <a:gd name="connsiteX4" fmla="*/ 776287 w 776287"/>
+                  <a:gd name="connsiteY4" fmla="*/ 607219 h 859631"/>
+                  <a:gd name="connsiteX5" fmla="*/ 676275 w 776287"/>
+                  <a:gd name="connsiteY5" fmla="*/ 390525 h 859631"/>
+                  <a:gd name="connsiteX6" fmla="*/ 738187 w 776287"/>
+                  <a:gd name="connsiteY6" fmla="*/ 185737 h 859631"/>
+                  <a:gd name="connsiteX7" fmla="*/ 561975 w 776287"/>
+                  <a:gd name="connsiteY7" fmla="*/ 0 h 859631"/>
+                  <a:gd name="connsiteX8" fmla="*/ 180975 w 776287"/>
+                  <a:gd name="connsiteY8" fmla="*/ 2381 h 859631"/>
+                  <a:gd name="connsiteX9" fmla="*/ 2381 w 776287"/>
+                  <a:gd name="connsiteY9" fmla="*/ 230981 h 859631"/>
+                  <a:gd name="connsiteX0" fmla="*/ 2381 w 783431"/>
+                  <a:gd name="connsiteY0" fmla="*/ 230981 h 859631"/>
+                  <a:gd name="connsiteX1" fmla="*/ 0 w 783431"/>
+                  <a:gd name="connsiteY1" fmla="*/ 614362 h 859631"/>
+                  <a:gd name="connsiteX2" fmla="*/ 242887 w 783431"/>
+                  <a:gd name="connsiteY2" fmla="*/ 859631 h 859631"/>
+                  <a:gd name="connsiteX3" fmla="*/ 590550 w 783431"/>
+                  <a:gd name="connsiteY3" fmla="*/ 859631 h 859631"/>
+                  <a:gd name="connsiteX4" fmla="*/ 776287 w 783431"/>
+                  <a:gd name="connsiteY4" fmla="*/ 607219 h 859631"/>
+                  <a:gd name="connsiteX5" fmla="*/ 676275 w 783431"/>
+                  <a:gd name="connsiteY5" fmla="*/ 390525 h 859631"/>
+                  <a:gd name="connsiteX6" fmla="*/ 783431 w 783431"/>
+                  <a:gd name="connsiteY6" fmla="*/ 183356 h 859631"/>
+                  <a:gd name="connsiteX7" fmla="*/ 561975 w 783431"/>
+                  <a:gd name="connsiteY7" fmla="*/ 0 h 859631"/>
+                  <a:gd name="connsiteX8" fmla="*/ 180975 w 783431"/>
+                  <a:gd name="connsiteY8" fmla="*/ 2381 h 859631"/>
+                  <a:gd name="connsiteX9" fmla="*/ 2381 w 783431"/>
+                  <a:gd name="connsiteY9" fmla="*/ 230981 h 859631"/>
+                </a:gdLst>
+                <a:ahLst/>
+                <a:cxnLst>
+                  <a:cxn ang="0">
+                    <a:pos x="connsiteX0" y="connsiteY0"/>
+                  </a:cxn>
+                  <a:cxn ang="0">
+                    <a:pos x="connsiteX1" y="connsiteY1"/>
+                  </a:cxn>
+                  <a:cxn ang="0">
+                    <a:pos x="connsiteX2" y="connsiteY2"/>
+                  </a:cxn>
+                  <a:cxn ang="0">
+                    <a:pos x="connsiteX3" y="connsiteY3"/>
+                  </a:cxn>
+                  <a:cxn ang="0">
+                    <a:pos x="connsiteX4" y="connsiteY4"/>
+                  </a:cxn>
+                  <a:cxn ang="0">
+                    <a:pos x="connsiteX5" y="connsiteY5"/>
+                  </a:cxn>
+                  <a:cxn ang="0">
+                    <a:pos x="connsiteX6" y="connsiteY6"/>
+                  </a:cxn>
+                  <a:cxn ang="0">
+                    <a:pos x="connsiteX7" y="connsiteY7"/>
+                  </a:cxn>
+                  <a:cxn ang="0">
+                    <a:pos x="connsiteX8" y="connsiteY8"/>
+                  </a:cxn>
+                  <a:cxn ang="0">
+                    <a:pos x="connsiteX9" y="connsiteY9"/>
+                  </a:cxn>
+                </a:cxnLst>
+                <a:rect l="l" t="t" r="r" b="b"/>
+                <a:pathLst>
+                  <a:path w="783431" h="859631">
+                    <a:moveTo>
+                      <a:pt x="2381" y="230981"/>
+                    </a:moveTo>
+                    <a:cubicBezTo>
+                      <a:pt x="1587" y="358775"/>
+                      <a:pt x="794" y="486568"/>
+                      <a:pt x="0" y="614362"/>
+                    </a:cubicBezTo>
+                    <a:lnTo>
+                      <a:pt x="242887" y="859631"/>
+                    </a:lnTo>
+                    <a:lnTo>
+                      <a:pt x="590550" y="859631"/>
+                    </a:lnTo>
+                    <a:lnTo>
+                      <a:pt x="776287" y="607219"/>
+                    </a:lnTo>
+                    <a:lnTo>
+                      <a:pt x="676275" y="390525"/>
+                    </a:lnTo>
+                    <a:lnTo>
+                      <a:pt x="783431" y="183356"/>
+                    </a:lnTo>
+                    <a:lnTo>
+                      <a:pt x="561975" y="0"/>
+                    </a:lnTo>
+                    <a:lnTo>
+                      <a:pt x="180975" y="2381"/>
+                    </a:lnTo>
+                    <a:lnTo>
+                      <a:pt x="2381" y="230981"/>
+                    </a:lnTo>
+                    <a:close/>
+                  </a:path>
+                </a:pathLst>
+              </a:custGeom>
+              <a:solidFill>
+                <a:srgbClr val="FF0000"/>
+              </a:solidFill>
+              <a:ln>
+                <a:noFill/>
+              </a:ln>
+            </p:spPr>
+            <p:style>
+              <a:lnRef idx="2">
+                <a:schemeClr val="accent1">
+                  <a:shade val="50000"/>
+                </a:schemeClr>
+              </a:lnRef>
+              <a:fillRef idx="1">
+                <a:schemeClr val="accent1"/>
+              </a:fillRef>
+              <a:effectRef idx="0">
+                <a:schemeClr val="accent1"/>
+              </a:effectRef>
+              <a:fontRef idx="minor">
+                <a:schemeClr val="lt1"/>
+              </a:fontRef>
+            </p:style>
+            <p:txBody>
+              <a:bodyPr rtlCol="0" anchor="ctr"/>
+              <a:lstStyle/>
+              <a:p>
+                <a:pPr algn="ctr"/>
+                <a:endParaRPr lang="ko-KR" altLang="en-US"/>
+              </a:p>
+            </p:txBody>
+          </p:sp>
+          <p:sp>
+            <p:nvSpPr>
+              <p:cNvPr id="155" name="육각형 154">
+                <a:extLst>
+                  <a:ext uri="{FF2B5EF4-FFF2-40B4-BE49-F238E27FC236}">
+                    <a16:creationId xmlns:a16="http://schemas.microsoft.com/office/drawing/2014/main" id="{3C247047-D95C-BD98-D8DA-EAB90F0B84CC}"/>
+                  </a:ext>
+                </a:extLst>
+              </p:cNvPr>
+              <p:cNvSpPr/>
+              <p:nvPr/>
+            </p:nvSpPr>
+            <p:spPr>
+              <a:xfrm>
+                <a:off x="6020968" y="3703655"/>
+                <a:ext cx="953794" cy="433857"/>
+              </a:xfrm>
+              <a:prstGeom prst="hexagon">
+                <a:avLst/>
+              </a:prstGeom>
+              <a:solidFill>
+                <a:schemeClr val="accent2">
+                  <a:lumMod val="50000"/>
+                </a:schemeClr>
+              </a:solidFill>
+              <a:ln>
+                <a:noFill/>
+              </a:ln>
+            </p:spPr>
+            <p:style>
+              <a:lnRef idx="2">
+                <a:schemeClr val="accent1">
+                  <a:shade val="50000"/>
+                </a:schemeClr>
+              </a:lnRef>
+              <a:fillRef idx="1">
+                <a:schemeClr val="accent1"/>
+              </a:fillRef>
+              <a:effectRef idx="0">
+                <a:schemeClr val="accent1"/>
+              </a:effectRef>
+              <a:fontRef idx="minor">
+                <a:schemeClr val="lt1"/>
+              </a:fontRef>
+            </p:style>
+            <p:txBody>
+              <a:bodyPr rtlCol="0" anchor="ctr"/>
+              <a:lstStyle/>
+              <a:p>
+                <a:pPr algn="ctr"/>
+                <a:r>
+                  <a:rPr lang="ko-KR" altLang="en-US" sz="1100" dirty="0"/>
+                  <a:t>배</a:t>
+                </a:r>
+              </a:p>
+            </p:txBody>
+          </p:sp>
+          <p:sp>
+            <p:nvSpPr>
+              <p:cNvPr id="170" name="자유형: 도형 169">
+                <a:extLst>
+                  <a:ext uri="{FF2B5EF4-FFF2-40B4-BE49-F238E27FC236}">
+                    <a16:creationId xmlns:a16="http://schemas.microsoft.com/office/drawing/2014/main" id="{E6147E0E-CEAF-F8AB-856E-105CB109BC8D}"/>
+                  </a:ext>
+                </a:extLst>
+              </p:cNvPr>
+              <p:cNvSpPr/>
+              <p:nvPr/>
+            </p:nvSpPr>
+            <p:spPr>
+              <a:xfrm rot="10800000">
+                <a:off x="1860916" y="3478727"/>
+                <a:ext cx="783431" cy="859631"/>
+              </a:xfrm>
+              <a:custGeom>
+                <a:avLst/>
+                <a:gdLst>
+                  <a:gd name="connsiteX0" fmla="*/ 2381 w 776287"/>
+                  <a:gd name="connsiteY0" fmla="*/ 230981 h 859631"/>
+                  <a:gd name="connsiteX1" fmla="*/ 0 w 776287"/>
+                  <a:gd name="connsiteY1" fmla="*/ 614362 h 859631"/>
+                  <a:gd name="connsiteX2" fmla="*/ 242887 w 776287"/>
+                  <a:gd name="connsiteY2" fmla="*/ 859631 h 859631"/>
+                  <a:gd name="connsiteX3" fmla="*/ 590550 w 776287"/>
+                  <a:gd name="connsiteY3" fmla="*/ 859631 h 859631"/>
+                  <a:gd name="connsiteX4" fmla="*/ 776287 w 776287"/>
+                  <a:gd name="connsiteY4" fmla="*/ 607219 h 859631"/>
+                  <a:gd name="connsiteX5" fmla="*/ 600075 w 776287"/>
+                  <a:gd name="connsiteY5" fmla="*/ 407194 h 859631"/>
+                  <a:gd name="connsiteX6" fmla="*/ 738187 w 776287"/>
+                  <a:gd name="connsiteY6" fmla="*/ 185737 h 859631"/>
+                  <a:gd name="connsiteX7" fmla="*/ 561975 w 776287"/>
+                  <a:gd name="connsiteY7" fmla="*/ 0 h 859631"/>
+                  <a:gd name="connsiteX8" fmla="*/ 180975 w 776287"/>
+                  <a:gd name="connsiteY8" fmla="*/ 2381 h 859631"/>
+                  <a:gd name="connsiteX9" fmla="*/ 2381 w 776287"/>
+                  <a:gd name="connsiteY9" fmla="*/ 230981 h 859631"/>
+                  <a:gd name="connsiteX0" fmla="*/ 2381 w 776287"/>
+                  <a:gd name="connsiteY0" fmla="*/ 230981 h 859631"/>
+                  <a:gd name="connsiteX1" fmla="*/ 0 w 776287"/>
+                  <a:gd name="connsiteY1" fmla="*/ 614362 h 859631"/>
+                  <a:gd name="connsiteX2" fmla="*/ 242887 w 776287"/>
+                  <a:gd name="connsiteY2" fmla="*/ 859631 h 859631"/>
+                  <a:gd name="connsiteX3" fmla="*/ 590550 w 776287"/>
+                  <a:gd name="connsiteY3" fmla="*/ 859631 h 859631"/>
+                  <a:gd name="connsiteX4" fmla="*/ 776287 w 776287"/>
+                  <a:gd name="connsiteY4" fmla="*/ 607219 h 859631"/>
+                  <a:gd name="connsiteX5" fmla="*/ 676275 w 776287"/>
+                  <a:gd name="connsiteY5" fmla="*/ 390525 h 859631"/>
+                  <a:gd name="connsiteX6" fmla="*/ 738187 w 776287"/>
+                  <a:gd name="connsiteY6" fmla="*/ 185737 h 859631"/>
+                  <a:gd name="connsiteX7" fmla="*/ 561975 w 776287"/>
+                  <a:gd name="connsiteY7" fmla="*/ 0 h 859631"/>
+                  <a:gd name="connsiteX8" fmla="*/ 180975 w 776287"/>
+                  <a:gd name="connsiteY8" fmla="*/ 2381 h 859631"/>
+                  <a:gd name="connsiteX9" fmla="*/ 2381 w 776287"/>
+                  <a:gd name="connsiteY9" fmla="*/ 230981 h 859631"/>
+                  <a:gd name="connsiteX0" fmla="*/ 2381 w 783431"/>
+                  <a:gd name="connsiteY0" fmla="*/ 230981 h 859631"/>
+                  <a:gd name="connsiteX1" fmla="*/ 0 w 783431"/>
+                  <a:gd name="connsiteY1" fmla="*/ 614362 h 859631"/>
+                  <a:gd name="connsiteX2" fmla="*/ 242887 w 783431"/>
+                  <a:gd name="connsiteY2" fmla="*/ 859631 h 859631"/>
+                  <a:gd name="connsiteX3" fmla="*/ 590550 w 783431"/>
+                  <a:gd name="connsiteY3" fmla="*/ 859631 h 859631"/>
+                  <a:gd name="connsiteX4" fmla="*/ 776287 w 783431"/>
+                  <a:gd name="connsiteY4" fmla="*/ 607219 h 859631"/>
+                  <a:gd name="connsiteX5" fmla="*/ 676275 w 783431"/>
+                  <a:gd name="connsiteY5" fmla="*/ 390525 h 859631"/>
+                  <a:gd name="connsiteX6" fmla="*/ 783431 w 783431"/>
+                  <a:gd name="connsiteY6" fmla="*/ 183356 h 859631"/>
+                  <a:gd name="connsiteX7" fmla="*/ 561975 w 783431"/>
+                  <a:gd name="connsiteY7" fmla="*/ 0 h 859631"/>
+                  <a:gd name="connsiteX8" fmla="*/ 180975 w 783431"/>
+                  <a:gd name="connsiteY8" fmla="*/ 2381 h 859631"/>
+                  <a:gd name="connsiteX9" fmla="*/ 2381 w 783431"/>
+                  <a:gd name="connsiteY9" fmla="*/ 230981 h 859631"/>
+                </a:gdLst>
+                <a:ahLst/>
+                <a:cxnLst>
+                  <a:cxn ang="0">
+                    <a:pos x="connsiteX0" y="connsiteY0"/>
+                  </a:cxn>
+                  <a:cxn ang="0">
+                    <a:pos x="connsiteX1" y="connsiteY1"/>
+                  </a:cxn>
+                  <a:cxn ang="0">
+                    <a:pos x="connsiteX2" y="connsiteY2"/>
+                  </a:cxn>
+                  <a:cxn ang="0">
+                    <a:pos x="connsiteX3" y="connsiteY3"/>
+                  </a:cxn>
+                  <a:cxn ang="0">
+                    <a:pos x="connsiteX4" y="connsiteY4"/>
+                  </a:cxn>
+                  <a:cxn ang="0">
+                    <a:pos x="connsiteX5" y="connsiteY5"/>
+                  </a:cxn>
+                  <a:cxn ang="0">
+                    <a:pos x="connsiteX6" y="connsiteY6"/>
+                  </a:cxn>
+                  <a:cxn ang="0">
+                    <a:pos x="connsiteX7" y="connsiteY7"/>
+                  </a:cxn>
+                  <a:cxn ang="0">
+                    <a:pos x="connsiteX8" y="connsiteY8"/>
+                  </a:cxn>
+                  <a:cxn ang="0">
+                    <a:pos x="connsiteX9" y="connsiteY9"/>
+                  </a:cxn>
+                </a:cxnLst>
+                <a:rect l="l" t="t" r="r" b="b"/>
+                <a:pathLst>
+                  <a:path w="783431" h="859631">
+                    <a:moveTo>
+                      <a:pt x="2381" y="230981"/>
+                    </a:moveTo>
+                    <a:cubicBezTo>
+                      <a:pt x="1587" y="358775"/>
+                      <a:pt x="794" y="486568"/>
+                      <a:pt x="0" y="614362"/>
+                    </a:cubicBezTo>
+                    <a:lnTo>
+                      <a:pt x="242887" y="859631"/>
+                    </a:lnTo>
+                    <a:lnTo>
+                      <a:pt x="590550" y="859631"/>
+                    </a:lnTo>
+                    <a:lnTo>
+                      <a:pt x="776287" y="607219"/>
+                    </a:lnTo>
+                    <a:lnTo>
+                      <a:pt x="676275" y="390525"/>
+                    </a:lnTo>
+                    <a:lnTo>
+                      <a:pt x="783431" y="183356"/>
+                    </a:lnTo>
+                    <a:lnTo>
+                      <a:pt x="561975" y="0"/>
+                    </a:lnTo>
+                    <a:lnTo>
+                      <a:pt x="180975" y="2381"/>
+                    </a:lnTo>
+                    <a:lnTo>
+                      <a:pt x="2381" y="230981"/>
+                    </a:lnTo>
+                    <a:close/>
+                  </a:path>
+                </a:pathLst>
+              </a:custGeom>
+              <a:ln>
+                <a:noFill/>
+              </a:ln>
+            </p:spPr>
+            <p:style>
+              <a:lnRef idx="2">
+                <a:schemeClr val="accent1">
+                  <a:shade val="50000"/>
+                </a:schemeClr>
+              </a:lnRef>
+              <a:fillRef idx="1">
+                <a:schemeClr val="accent1"/>
+              </a:fillRef>
+              <a:effectRef idx="0">
+                <a:schemeClr val="accent1"/>
+              </a:effectRef>
+              <a:fontRef idx="minor">
+                <a:schemeClr val="lt1"/>
+              </a:fontRef>
+            </p:style>
+            <p:txBody>
+              <a:bodyPr rtlCol="0" anchor="ctr"/>
+              <a:lstStyle/>
+              <a:p>
+                <a:pPr algn="ctr"/>
+                <a:endParaRPr lang="ko-KR" altLang="en-US"/>
+              </a:p>
+            </p:txBody>
+          </p:sp>
+          <p:sp>
+            <p:nvSpPr>
+              <p:cNvPr id="173" name="타원 172">
+                <a:extLst>
+                  <a:ext uri="{FF2B5EF4-FFF2-40B4-BE49-F238E27FC236}">
+                    <a16:creationId xmlns:a16="http://schemas.microsoft.com/office/drawing/2014/main" id="{F1020BEB-02B4-E0FF-8D1F-94CDBDCAFA61}"/>
+                  </a:ext>
+                </a:extLst>
+              </p:cNvPr>
+              <p:cNvSpPr/>
+              <p:nvPr/>
+            </p:nvSpPr>
+            <p:spPr>
+              <a:xfrm>
+                <a:off x="4707912" y="4114899"/>
+                <a:ext cx="91313" cy="91313"/>
+              </a:xfrm>
+              <a:prstGeom prst="ellipse">
+                <a:avLst/>
+              </a:prstGeom>
+              <a:solidFill>
+                <a:schemeClr val="accent4">
+                  <a:lumMod val="50000"/>
+                </a:schemeClr>
+              </a:solidFill>
+              <a:ln>
+                <a:solidFill>
+                  <a:schemeClr val="accent4">
+                    <a:lumMod val="50000"/>
+                  </a:schemeClr>
+                </a:solidFill>
+              </a:ln>
+            </p:spPr>
+            <p:style>
+              <a:lnRef idx="2">
+                <a:schemeClr val="accent1">
+                  <a:shade val="50000"/>
+                </a:schemeClr>
+              </a:lnRef>
+              <a:fillRef idx="1">
+                <a:schemeClr val="accent1"/>
+              </a:fillRef>
+              <a:effectRef idx="0">
+                <a:schemeClr val="accent1"/>
+              </a:effectRef>
+              <a:fontRef idx="minor">
+                <a:schemeClr val="lt1"/>
+              </a:fontRef>
+            </p:style>
+            <p:txBody>
+              <a:bodyPr rtlCol="0" anchor="ctr"/>
+              <a:lstStyle/>
+              <a:p>
+                <a:pPr algn="ctr"/>
+                <a:endParaRPr lang="ko-KR" altLang="en-US" sz="1600" dirty="0"/>
+              </a:p>
+            </p:txBody>
+          </p:sp>
+          <p:sp>
+            <p:nvSpPr>
+              <p:cNvPr id="174" name="타원 173">
+                <a:extLst>
+                  <a:ext uri="{FF2B5EF4-FFF2-40B4-BE49-F238E27FC236}">
+                    <a16:creationId xmlns:a16="http://schemas.microsoft.com/office/drawing/2014/main" id="{60C24840-8FD6-0891-0132-BF656B2DEBB8}"/>
+                  </a:ext>
+                </a:extLst>
+              </p:cNvPr>
+              <p:cNvSpPr/>
+              <p:nvPr/>
+            </p:nvSpPr>
+            <p:spPr>
+              <a:xfrm>
+                <a:off x="4613504" y="3869600"/>
+                <a:ext cx="91313" cy="91313"/>
+              </a:xfrm>
+              <a:prstGeom prst="ellipse">
+                <a:avLst/>
+              </a:prstGeom>
+              <a:solidFill>
+                <a:schemeClr val="accent4">
+                  <a:lumMod val="50000"/>
+                </a:schemeClr>
+              </a:solidFill>
+              <a:ln>
+                <a:solidFill>
+                  <a:schemeClr val="accent4">
+                    <a:lumMod val="50000"/>
+                  </a:schemeClr>
+                </a:solidFill>
+              </a:ln>
+            </p:spPr>
+            <p:style>
+              <a:lnRef idx="2">
+                <a:schemeClr val="accent1">
+                  <a:shade val="50000"/>
+                </a:schemeClr>
+              </a:lnRef>
+              <a:fillRef idx="1">
+                <a:schemeClr val="accent1"/>
+              </a:fillRef>
+              <a:effectRef idx="0">
+                <a:schemeClr val="accent1"/>
+              </a:effectRef>
+              <a:fontRef idx="minor">
+                <a:schemeClr val="lt1"/>
+              </a:fontRef>
+            </p:style>
+            <p:txBody>
+              <a:bodyPr rtlCol="0" anchor="ctr"/>
+              <a:lstStyle/>
+              <a:p>
+                <a:pPr algn="ctr"/>
+                <a:endParaRPr lang="ko-KR" altLang="en-US" sz="1600" dirty="0"/>
+              </a:p>
+            </p:txBody>
+          </p:sp>
+          <p:sp>
+            <p:nvSpPr>
+              <p:cNvPr id="175" name="타원 174">
+                <a:extLst>
+                  <a:ext uri="{FF2B5EF4-FFF2-40B4-BE49-F238E27FC236}">
+                    <a16:creationId xmlns:a16="http://schemas.microsoft.com/office/drawing/2014/main" id="{3892C525-F6D7-A108-E995-2E96EB0A5204}"/>
+                  </a:ext>
+                </a:extLst>
+              </p:cNvPr>
+              <p:cNvSpPr/>
+              <p:nvPr/>
+            </p:nvSpPr>
+            <p:spPr>
+              <a:xfrm>
+                <a:off x="4729803" y="3681999"/>
+                <a:ext cx="91313" cy="91313"/>
+              </a:xfrm>
+              <a:prstGeom prst="ellipse">
+                <a:avLst/>
+              </a:prstGeom>
+              <a:solidFill>
+                <a:schemeClr val="accent4">
+                  <a:lumMod val="50000"/>
+                </a:schemeClr>
+              </a:solidFill>
+              <a:ln>
+                <a:solidFill>
+                  <a:schemeClr val="accent4">
+                    <a:lumMod val="50000"/>
+                  </a:schemeClr>
+                </a:solidFill>
+              </a:ln>
+            </p:spPr>
+            <p:style>
+              <a:lnRef idx="2">
+                <a:schemeClr val="accent1">
+                  <a:shade val="50000"/>
+                </a:schemeClr>
+              </a:lnRef>
+              <a:fillRef idx="1">
+                <a:schemeClr val="accent1"/>
+              </a:fillRef>
+              <a:effectRef idx="0">
+                <a:schemeClr val="accent1"/>
+              </a:effectRef>
+              <a:fontRef idx="minor">
+                <a:schemeClr val="lt1"/>
+              </a:fontRef>
+            </p:style>
+            <p:txBody>
+              <a:bodyPr rtlCol="0" anchor="ctr"/>
+              <a:lstStyle/>
+              <a:p>
+                <a:pPr algn="ctr"/>
+                <a:endParaRPr lang="ko-KR" altLang="en-US" sz="1600" dirty="0"/>
+              </a:p>
+            </p:txBody>
+          </p:sp>
+          <p:sp>
+            <p:nvSpPr>
+              <p:cNvPr id="176" name="타원 175">
+                <a:extLst>
+                  <a:ext uri="{FF2B5EF4-FFF2-40B4-BE49-F238E27FC236}">
+                    <a16:creationId xmlns:a16="http://schemas.microsoft.com/office/drawing/2014/main" id="{ECDC1348-7FC0-8C50-5080-ACE4E2628669}"/>
+                  </a:ext>
+                </a:extLst>
+              </p:cNvPr>
+              <p:cNvSpPr/>
+              <p:nvPr/>
+            </p:nvSpPr>
+            <p:spPr>
+              <a:xfrm>
+                <a:off x="3822402" y="4639353"/>
+                <a:ext cx="91313" cy="91313"/>
+              </a:xfrm>
+              <a:prstGeom prst="ellipse">
+                <a:avLst/>
+              </a:prstGeom>
+              <a:solidFill>
+                <a:srgbClr val="FF0000"/>
+              </a:solidFill>
+              <a:ln>
+                <a:noFill/>
+              </a:ln>
+            </p:spPr>
+            <p:style>
+              <a:lnRef idx="2">
+                <a:schemeClr val="accent1">
+                  <a:shade val="50000"/>
+                </a:schemeClr>
+              </a:lnRef>
+              <a:fillRef idx="1">
+                <a:schemeClr val="accent1"/>
+              </a:fillRef>
+              <a:effectRef idx="0">
+                <a:schemeClr val="accent1"/>
+              </a:effectRef>
+              <a:fontRef idx="minor">
+                <a:schemeClr val="lt1"/>
+              </a:fontRef>
+            </p:style>
+            <p:txBody>
+              <a:bodyPr rtlCol="0" anchor="ctr"/>
+              <a:lstStyle/>
+              <a:p>
+                <a:pPr algn="ctr"/>
+                <a:endParaRPr lang="ko-KR" altLang="en-US" sz="1600" dirty="0"/>
+              </a:p>
+            </p:txBody>
+          </p:sp>
+          <p:sp>
+            <p:nvSpPr>
+              <p:cNvPr id="177" name="타원 176">
+                <a:extLst>
+                  <a:ext uri="{FF2B5EF4-FFF2-40B4-BE49-F238E27FC236}">
+                    <a16:creationId xmlns:a16="http://schemas.microsoft.com/office/drawing/2014/main" id="{7D5DE0FB-917B-8190-8CB8-6526937B26B3}"/>
+                  </a:ext>
+                </a:extLst>
+              </p:cNvPr>
+              <p:cNvSpPr/>
+              <p:nvPr/>
+            </p:nvSpPr>
+            <p:spPr>
+              <a:xfrm>
+                <a:off x="3974802" y="4791753"/>
+                <a:ext cx="91313" cy="91313"/>
+              </a:xfrm>
+              <a:prstGeom prst="ellipse">
+                <a:avLst/>
+              </a:prstGeom>
+              <a:solidFill>
+                <a:srgbClr val="FF0000"/>
+              </a:solidFill>
+              <a:ln>
+                <a:noFill/>
+              </a:ln>
+            </p:spPr>
+            <p:style>
+              <a:lnRef idx="2">
+                <a:schemeClr val="accent1">
+                  <a:shade val="50000"/>
+                </a:schemeClr>
+              </a:lnRef>
+              <a:fillRef idx="1">
+                <a:schemeClr val="accent1"/>
+              </a:fillRef>
+              <a:effectRef idx="0">
+                <a:schemeClr val="accent1"/>
+              </a:effectRef>
+              <a:fontRef idx="minor">
+                <a:schemeClr val="lt1"/>
+              </a:fontRef>
+            </p:style>
+            <p:txBody>
+              <a:bodyPr rtlCol="0" anchor="ctr"/>
+              <a:lstStyle/>
+              <a:p>
+                <a:pPr algn="ctr"/>
+                <a:endParaRPr lang="ko-KR" altLang="en-US" sz="1600" dirty="0"/>
+              </a:p>
+            </p:txBody>
+          </p:sp>
+          <p:sp>
+            <p:nvSpPr>
+              <p:cNvPr id="178" name="타원 177">
+                <a:extLst>
+                  <a:ext uri="{FF2B5EF4-FFF2-40B4-BE49-F238E27FC236}">
+                    <a16:creationId xmlns:a16="http://schemas.microsoft.com/office/drawing/2014/main" id="{C59D80A2-8776-D8F5-6D05-A4BDFD552205}"/>
+                  </a:ext>
+                </a:extLst>
+              </p:cNvPr>
+              <p:cNvSpPr/>
+              <p:nvPr/>
+            </p:nvSpPr>
+            <p:spPr>
+              <a:xfrm>
+                <a:off x="4127202" y="4944153"/>
+                <a:ext cx="91313" cy="91313"/>
+              </a:xfrm>
+              <a:prstGeom prst="ellipse">
+                <a:avLst/>
+              </a:prstGeom>
+              <a:solidFill>
+                <a:srgbClr val="FF0000"/>
+              </a:solidFill>
+              <a:ln>
+                <a:noFill/>
+              </a:ln>
+            </p:spPr>
+            <p:style>
+              <a:lnRef idx="2">
+                <a:schemeClr val="accent1">
+                  <a:shade val="50000"/>
+                </a:schemeClr>
+              </a:lnRef>
+              <a:fillRef idx="1">
+                <a:schemeClr val="accent1"/>
+              </a:fillRef>
+              <a:effectRef idx="0">
+                <a:schemeClr val="accent1"/>
+              </a:effectRef>
+              <a:fontRef idx="minor">
+                <a:schemeClr val="lt1"/>
+              </a:fontRef>
+            </p:style>
+            <p:txBody>
+              <a:bodyPr rtlCol="0" anchor="ctr"/>
+              <a:lstStyle/>
+              <a:p>
+                <a:pPr algn="ctr"/>
+                <a:endParaRPr lang="ko-KR" altLang="en-US" sz="1600" dirty="0"/>
+              </a:p>
+            </p:txBody>
+          </p:sp>
+          <p:sp>
+            <p:nvSpPr>
+              <p:cNvPr id="179" name="타원 178">
+                <a:extLst>
+                  <a:ext uri="{FF2B5EF4-FFF2-40B4-BE49-F238E27FC236}">
+                    <a16:creationId xmlns:a16="http://schemas.microsoft.com/office/drawing/2014/main" id="{5D82C9A8-EB67-AE29-EB20-59F7789F2BF9}"/>
+                  </a:ext>
+                </a:extLst>
+              </p:cNvPr>
+              <p:cNvSpPr/>
+              <p:nvPr/>
+            </p:nvSpPr>
+            <p:spPr>
+              <a:xfrm>
+                <a:off x="4127202" y="4632361"/>
+                <a:ext cx="91313" cy="91313"/>
+              </a:xfrm>
+              <a:prstGeom prst="ellipse">
+                <a:avLst/>
+              </a:prstGeom>
+              <a:solidFill>
+                <a:srgbClr val="FF0000"/>
+              </a:solidFill>
+              <a:ln>
+                <a:noFill/>
+              </a:ln>
+            </p:spPr>
+            <p:style>
+              <a:lnRef idx="2">
+                <a:schemeClr val="accent1">
+                  <a:shade val="50000"/>
+                </a:schemeClr>
+              </a:lnRef>
+              <a:fillRef idx="1">
+                <a:schemeClr val="accent1"/>
+              </a:fillRef>
+              <a:effectRef idx="0">
+                <a:schemeClr val="accent1"/>
+              </a:effectRef>
+              <a:fontRef idx="minor">
+                <a:schemeClr val="lt1"/>
+              </a:fontRef>
+            </p:style>
+            <p:txBody>
+              <a:bodyPr rtlCol="0" anchor="ctr"/>
+              <a:lstStyle/>
+              <a:p>
+                <a:pPr algn="ctr"/>
+                <a:endParaRPr lang="ko-KR" altLang="en-US" sz="1600" dirty="0"/>
+              </a:p>
+            </p:txBody>
+          </p:sp>
+          <p:sp>
+            <p:nvSpPr>
+              <p:cNvPr id="180" name="타원 179">
+                <a:extLst>
+                  <a:ext uri="{FF2B5EF4-FFF2-40B4-BE49-F238E27FC236}">
+                    <a16:creationId xmlns:a16="http://schemas.microsoft.com/office/drawing/2014/main" id="{81325C7C-A9AD-CD79-54BE-D6A448087E44}"/>
+                  </a:ext>
+                </a:extLst>
+              </p:cNvPr>
+              <p:cNvSpPr/>
+              <p:nvPr/>
+            </p:nvSpPr>
+            <p:spPr>
+              <a:xfrm>
+                <a:off x="3836113" y="4944153"/>
+                <a:ext cx="91313" cy="91313"/>
+              </a:xfrm>
+              <a:prstGeom prst="ellipse">
+                <a:avLst/>
+              </a:prstGeom>
+              <a:solidFill>
+                <a:srgbClr val="FF0000"/>
+              </a:solidFill>
+              <a:ln>
+                <a:noFill/>
+              </a:ln>
+            </p:spPr>
+            <p:style>
+              <a:lnRef idx="2">
+                <a:schemeClr val="accent1">
+                  <a:shade val="50000"/>
+                </a:schemeClr>
+              </a:lnRef>
+              <a:fillRef idx="1">
+                <a:schemeClr val="accent1"/>
+              </a:fillRef>
+              <a:effectRef idx="0">
+                <a:schemeClr val="accent1"/>
+              </a:effectRef>
+              <a:fontRef idx="minor">
+                <a:schemeClr val="lt1"/>
+              </a:fontRef>
+            </p:style>
+            <p:txBody>
+              <a:bodyPr rtlCol="0" anchor="ctr"/>
+              <a:lstStyle/>
+              <a:p>
+                <a:pPr algn="ctr"/>
+                <a:endParaRPr lang="ko-KR" altLang="en-US" sz="1600" dirty="0"/>
+              </a:p>
+            </p:txBody>
+          </p:sp>
+          <p:sp>
+            <p:nvSpPr>
+              <p:cNvPr id="182" name="직사각형 181">
+                <a:extLst>
+                  <a:ext uri="{FF2B5EF4-FFF2-40B4-BE49-F238E27FC236}">
+                    <a16:creationId xmlns:a16="http://schemas.microsoft.com/office/drawing/2014/main" id="{4AE4A2AD-4BF6-4ABB-FD24-AA0A3AC0B8D4}"/>
+                  </a:ext>
+                </a:extLst>
+              </p:cNvPr>
+              <p:cNvSpPr/>
+              <p:nvPr/>
+            </p:nvSpPr>
+            <p:spPr>
+              <a:xfrm>
+                <a:off x="5630632" y="3516976"/>
+                <a:ext cx="210359" cy="121170"/>
+              </a:xfrm>
+              <a:prstGeom prst="rect">
+                <a:avLst/>
+              </a:prstGeom>
+              <a:solidFill>
+                <a:schemeClr val="accent1">
+                  <a:lumMod val="40000"/>
+                  <a:lumOff val="60000"/>
+                </a:schemeClr>
+              </a:solidFill>
+              <a:ln>
+                <a:noFill/>
+              </a:ln>
+            </p:spPr>
+            <p:style>
+              <a:lnRef idx="2">
+                <a:schemeClr val="accent1">
+                  <a:shade val="50000"/>
+                </a:schemeClr>
+              </a:lnRef>
+              <a:fillRef idx="1">
+                <a:schemeClr val="accent1"/>
+              </a:fillRef>
+              <a:effectRef idx="0">
+                <a:schemeClr val="accent1"/>
+              </a:effectRef>
+              <a:fontRef idx="minor">
+                <a:schemeClr val="lt1"/>
+              </a:fontRef>
+            </p:style>
+            <p:txBody>
+              <a:bodyPr rtlCol="0" anchor="ctr"/>
+              <a:lstStyle/>
+              <a:p>
+                <a:pPr algn="ctr"/>
+                <a:endParaRPr lang="ko-KR" altLang="en-US" dirty="0"/>
+              </a:p>
+            </p:txBody>
+          </p:sp>
+          <p:sp>
+            <p:nvSpPr>
+              <p:cNvPr id="183" name="직사각형 182">
+                <a:extLst>
+                  <a:ext uri="{FF2B5EF4-FFF2-40B4-BE49-F238E27FC236}">
+                    <a16:creationId xmlns:a16="http://schemas.microsoft.com/office/drawing/2014/main" id="{62391773-3A49-ED34-6D21-2C0FBA61053A}"/>
+                  </a:ext>
+                </a:extLst>
+              </p:cNvPr>
+              <p:cNvSpPr/>
+              <p:nvPr/>
+            </p:nvSpPr>
+            <p:spPr>
+              <a:xfrm>
+                <a:off x="2127876" y="3473048"/>
+                <a:ext cx="210359" cy="121170"/>
+              </a:xfrm>
+              <a:prstGeom prst="rect">
+                <a:avLst/>
+              </a:prstGeom>
+              <a:solidFill>
+                <a:schemeClr val="accent1">
+                  <a:lumMod val="40000"/>
+                  <a:lumOff val="60000"/>
+                </a:schemeClr>
+              </a:solidFill>
+              <a:ln>
+                <a:noFill/>
+              </a:ln>
+            </p:spPr>
+            <p:style>
+              <a:lnRef idx="2">
+                <a:schemeClr val="accent1">
+                  <a:shade val="50000"/>
+                </a:schemeClr>
+              </a:lnRef>
+              <a:fillRef idx="1">
+                <a:schemeClr val="accent1"/>
+              </a:fillRef>
+              <a:effectRef idx="0">
+                <a:schemeClr val="accent1"/>
+              </a:effectRef>
+              <a:fontRef idx="minor">
+                <a:schemeClr val="lt1"/>
+              </a:fontRef>
+            </p:style>
+            <p:txBody>
+              <a:bodyPr rtlCol="0" anchor="ctr"/>
+              <a:lstStyle/>
+              <a:p>
+                <a:pPr algn="ctr"/>
+                <a:endParaRPr lang="ko-KR" altLang="en-US" dirty="0"/>
+              </a:p>
+            </p:txBody>
+          </p:sp>
+          <p:sp>
+            <p:nvSpPr>
+              <p:cNvPr id="184" name="직사각형 183">
+                <a:extLst>
+                  <a:ext uri="{FF2B5EF4-FFF2-40B4-BE49-F238E27FC236}">
+                    <a16:creationId xmlns:a16="http://schemas.microsoft.com/office/drawing/2014/main" id="{DB40F60C-42DA-E1DB-CF31-4E0C2F8D0E94}"/>
+                  </a:ext>
+                </a:extLst>
+              </p:cNvPr>
+              <p:cNvSpPr/>
+              <p:nvPr/>
+            </p:nvSpPr>
+            <p:spPr>
+              <a:xfrm>
+                <a:off x="5668950" y="4265225"/>
+                <a:ext cx="210359" cy="121170"/>
+              </a:xfrm>
+              <a:prstGeom prst="rect">
+                <a:avLst/>
+              </a:prstGeom>
+              <a:solidFill>
+                <a:schemeClr val="bg2">
+                  <a:lumMod val="50000"/>
+                </a:schemeClr>
+              </a:solidFill>
+              <a:ln>
+                <a:noFill/>
+              </a:ln>
+            </p:spPr>
+            <p:style>
+              <a:lnRef idx="2">
+                <a:schemeClr val="accent1">
+                  <a:shade val="50000"/>
+                </a:schemeClr>
+              </a:lnRef>
+              <a:fillRef idx="1">
+                <a:schemeClr val="accent1"/>
+              </a:fillRef>
+              <a:effectRef idx="0">
+                <a:schemeClr val="accent1"/>
+              </a:effectRef>
+              <a:fontRef idx="minor">
+                <a:schemeClr val="lt1"/>
+              </a:fontRef>
+            </p:style>
+            <p:txBody>
+              <a:bodyPr rtlCol="0" anchor="ctr"/>
+              <a:lstStyle/>
+              <a:p>
+                <a:pPr algn="ctr"/>
+                <a:endParaRPr lang="ko-KR" altLang="en-US" dirty="0"/>
+              </a:p>
+            </p:txBody>
+          </p:sp>
+          <p:sp>
+            <p:nvSpPr>
+              <p:cNvPr id="15" name="타원 14">
+                <a:extLst>
+                  <a:ext uri="{FF2B5EF4-FFF2-40B4-BE49-F238E27FC236}">
+                    <a16:creationId xmlns:a16="http://schemas.microsoft.com/office/drawing/2014/main" id="{802DFA7D-2C3A-C751-FC95-2BFCA25E0A33}"/>
+                  </a:ext>
+                </a:extLst>
+              </p:cNvPr>
+              <p:cNvSpPr/>
+              <p:nvPr/>
+            </p:nvSpPr>
+            <p:spPr>
+              <a:xfrm>
+                <a:off x="3303680" y="3702741"/>
+                <a:ext cx="119538" cy="119538"/>
+              </a:xfrm>
+              <a:prstGeom prst="ellipse">
+                <a:avLst/>
+              </a:prstGeom>
+              <a:noFill/>
+              <a:ln>
+                <a:solidFill>
+                  <a:schemeClr val="accent4">
+                    <a:lumMod val="75000"/>
+                  </a:schemeClr>
+                </a:solidFill>
+              </a:ln>
+            </p:spPr>
+            <p:style>
+              <a:lnRef idx="2">
+                <a:schemeClr val="accent1">
+                  <a:shade val="50000"/>
+                </a:schemeClr>
+              </a:lnRef>
+              <a:fillRef idx="1">
+                <a:schemeClr val="accent1"/>
+              </a:fillRef>
+              <a:effectRef idx="0">
+                <a:schemeClr val="accent1"/>
+              </a:effectRef>
+              <a:fontRef idx="minor">
+                <a:schemeClr val="lt1"/>
+              </a:fontRef>
+            </p:style>
+            <p:txBody>
+              <a:bodyPr rtlCol="0" anchor="ctr"/>
+              <a:lstStyle/>
+              <a:p>
+                <a:pPr algn="ctr"/>
+                <a:endParaRPr lang="ko-KR" altLang="en-US"/>
+              </a:p>
+            </p:txBody>
+          </p:sp>
+          <p:sp>
+            <p:nvSpPr>
+              <p:cNvPr id="186" name="타원 185">
+                <a:extLst>
+                  <a:ext uri="{FF2B5EF4-FFF2-40B4-BE49-F238E27FC236}">
+                    <a16:creationId xmlns:a16="http://schemas.microsoft.com/office/drawing/2014/main" id="{6ECA3F87-E611-FC80-3555-E4B8BC92B1E2}"/>
+                  </a:ext>
+                </a:extLst>
+              </p:cNvPr>
+              <p:cNvSpPr/>
+              <p:nvPr/>
+            </p:nvSpPr>
+            <p:spPr>
+              <a:xfrm>
+                <a:off x="3305905" y="4036831"/>
+                <a:ext cx="119538" cy="119538"/>
+              </a:xfrm>
+              <a:prstGeom prst="ellipse">
+                <a:avLst/>
+              </a:prstGeom>
+              <a:noFill/>
+              <a:ln>
+                <a:solidFill>
+                  <a:schemeClr val="accent4">
+                    <a:lumMod val="75000"/>
+                  </a:schemeClr>
+                </a:solidFill>
+              </a:ln>
+            </p:spPr>
+            <p:style>
+              <a:lnRef idx="2">
+                <a:schemeClr val="accent1">
+                  <a:shade val="50000"/>
+                </a:schemeClr>
+              </a:lnRef>
+              <a:fillRef idx="1">
+                <a:schemeClr val="accent1"/>
+              </a:fillRef>
+              <a:effectRef idx="0">
+                <a:schemeClr val="accent1"/>
+              </a:effectRef>
+              <a:fontRef idx="minor">
+                <a:schemeClr val="lt1"/>
+              </a:fontRef>
+            </p:style>
+            <p:txBody>
+              <a:bodyPr rtlCol="0" anchor="ctr"/>
+              <a:lstStyle/>
+              <a:p>
+                <a:pPr algn="ctr"/>
+                <a:endParaRPr lang="ko-KR" altLang="en-US"/>
+              </a:p>
+            </p:txBody>
+          </p:sp>
+          <p:sp>
+            <p:nvSpPr>
+              <p:cNvPr id="188" name="타원 187">
+                <a:extLst>
+                  <a:ext uri="{FF2B5EF4-FFF2-40B4-BE49-F238E27FC236}">
+                    <a16:creationId xmlns:a16="http://schemas.microsoft.com/office/drawing/2014/main" id="{5F9B82B8-0209-E6F8-5CB6-026F608C9D66}"/>
+                  </a:ext>
+                </a:extLst>
+              </p:cNvPr>
+              <p:cNvSpPr/>
+              <p:nvPr/>
+            </p:nvSpPr>
+            <p:spPr>
+              <a:xfrm>
+                <a:off x="2798982" y="3628714"/>
+                <a:ext cx="91313" cy="91313"/>
+              </a:xfrm>
+              <a:prstGeom prst="ellipse">
+                <a:avLst/>
+              </a:prstGeom>
+              <a:solidFill>
+                <a:schemeClr val="accent4">
+                  <a:lumMod val="50000"/>
+                </a:schemeClr>
+              </a:solidFill>
+              <a:ln>
+                <a:solidFill>
+                  <a:schemeClr val="accent4">
+                    <a:lumMod val="50000"/>
+                  </a:schemeClr>
+                </a:solidFill>
+              </a:ln>
+            </p:spPr>
+            <p:style>
+              <a:lnRef idx="2">
+                <a:schemeClr val="accent1">
+                  <a:shade val="50000"/>
+                </a:schemeClr>
+              </a:lnRef>
+              <a:fillRef idx="1">
+                <a:schemeClr val="accent1"/>
+              </a:fillRef>
+              <a:effectRef idx="0">
+                <a:schemeClr val="accent1"/>
+              </a:effectRef>
+              <a:fontRef idx="minor">
+                <a:schemeClr val="lt1"/>
+              </a:fontRef>
+            </p:style>
+            <p:txBody>
+              <a:bodyPr rtlCol="0" anchor="ctr"/>
+              <a:lstStyle/>
+              <a:p>
+                <a:pPr algn="ctr"/>
+                <a:endParaRPr lang="ko-KR" altLang="en-US" sz="1600" dirty="0"/>
+              </a:p>
+            </p:txBody>
+          </p:sp>
+          <p:sp>
+            <p:nvSpPr>
+              <p:cNvPr id="189" name="타원 188">
+                <a:extLst>
+                  <a:ext uri="{FF2B5EF4-FFF2-40B4-BE49-F238E27FC236}">
+                    <a16:creationId xmlns:a16="http://schemas.microsoft.com/office/drawing/2014/main" id="{9868E5CA-36D2-D973-EC46-01D4E7C92503}"/>
+                  </a:ext>
+                </a:extLst>
+              </p:cNvPr>
+              <p:cNvSpPr/>
+              <p:nvPr/>
+            </p:nvSpPr>
+            <p:spPr>
+              <a:xfrm>
+                <a:off x="2778683" y="4132475"/>
+                <a:ext cx="91313" cy="91313"/>
+              </a:xfrm>
+              <a:prstGeom prst="ellipse">
+                <a:avLst/>
+              </a:prstGeom>
+              <a:solidFill>
+                <a:schemeClr val="accent4">
+                  <a:lumMod val="50000"/>
+                </a:schemeClr>
+              </a:solidFill>
+              <a:ln>
+                <a:solidFill>
+                  <a:schemeClr val="accent4">
+                    <a:lumMod val="50000"/>
+                  </a:schemeClr>
+                </a:solidFill>
+              </a:ln>
+            </p:spPr>
+            <p:style>
+              <a:lnRef idx="2">
+                <a:schemeClr val="accent1">
+                  <a:shade val="50000"/>
+                </a:schemeClr>
+              </a:lnRef>
+              <a:fillRef idx="1">
+                <a:schemeClr val="accent1"/>
+              </a:fillRef>
+              <a:effectRef idx="0">
+                <a:schemeClr val="accent1"/>
+              </a:effectRef>
+              <a:fontRef idx="minor">
+                <a:schemeClr val="lt1"/>
+              </a:fontRef>
+            </p:style>
+            <p:txBody>
+              <a:bodyPr rtlCol="0" anchor="ctr"/>
+              <a:lstStyle/>
+              <a:p>
+                <a:pPr algn="ctr"/>
+                <a:endParaRPr lang="ko-KR" altLang="en-US" sz="1600" dirty="0"/>
+              </a:p>
+            </p:txBody>
+          </p:sp>
+          <p:sp>
+            <p:nvSpPr>
+              <p:cNvPr id="190" name="타원 189">
+                <a:extLst>
+                  <a:ext uri="{FF2B5EF4-FFF2-40B4-BE49-F238E27FC236}">
+                    <a16:creationId xmlns:a16="http://schemas.microsoft.com/office/drawing/2014/main" id="{BFCB8309-A572-38BB-9CBF-2935C692E944}"/>
+                  </a:ext>
+                </a:extLst>
+              </p:cNvPr>
+              <p:cNvSpPr/>
+              <p:nvPr/>
+            </p:nvSpPr>
+            <p:spPr>
+              <a:xfrm>
+                <a:off x="3061374" y="3545211"/>
+                <a:ext cx="91313" cy="91313"/>
+              </a:xfrm>
+              <a:prstGeom prst="ellipse">
+                <a:avLst/>
+              </a:prstGeom>
+              <a:solidFill>
+                <a:schemeClr val="accent4">
+                  <a:lumMod val="50000"/>
+                </a:schemeClr>
+              </a:solidFill>
+              <a:ln>
+                <a:solidFill>
+                  <a:schemeClr val="accent4">
+                    <a:lumMod val="50000"/>
+                  </a:schemeClr>
+                </a:solidFill>
+              </a:ln>
+            </p:spPr>
+            <p:style>
+              <a:lnRef idx="2">
+                <a:schemeClr val="accent1">
+                  <a:shade val="50000"/>
+                </a:schemeClr>
+              </a:lnRef>
+              <a:fillRef idx="1">
+                <a:schemeClr val="accent1"/>
+              </a:fillRef>
+              <a:effectRef idx="0">
+                <a:schemeClr val="accent1"/>
+              </a:effectRef>
+              <a:fontRef idx="minor">
+                <a:schemeClr val="lt1"/>
+              </a:fontRef>
+            </p:style>
+            <p:txBody>
+              <a:bodyPr rtlCol="0" anchor="ctr"/>
+              <a:lstStyle/>
+              <a:p>
+                <a:pPr algn="ctr"/>
+                <a:endParaRPr lang="ko-KR" altLang="en-US" sz="1600" dirty="0"/>
+              </a:p>
+            </p:txBody>
+          </p:sp>
+          <p:sp>
+            <p:nvSpPr>
+              <p:cNvPr id="191" name="타원 190">
+                <a:extLst>
+                  <a:ext uri="{FF2B5EF4-FFF2-40B4-BE49-F238E27FC236}">
+                    <a16:creationId xmlns:a16="http://schemas.microsoft.com/office/drawing/2014/main" id="{9A401BE7-2045-2006-20C3-904EA05BE75D}"/>
+                  </a:ext>
+                </a:extLst>
+              </p:cNvPr>
+              <p:cNvSpPr/>
+              <p:nvPr/>
+            </p:nvSpPr>
+            <p:spPr>
+              <a:xfrm>
+                <a:off x="3052964" y="4266631"/>
+                <a:ext cx="91313" cy="91313"/>
+              </a:xfrm>
+              <a:prstGeom prst="ellipse">
+                <a:avLst/>
+              </a:prstGeom>
+              <a:solidFill>
+                <a:schemeClr val="accent4">
+                  <a:lumMod val="50000"/>
+                </a:schemeClr>
+              </a:solidFill>
+              <a:ln>
+                <a:solidFill>
+                  <a:schemeClr val="accent4">
+                    <a:lumMod val="50000"/>
+                  </a:schemeClr>
+                </a:solidFill>
+              </a:ln>
+            </p:spPr>
+            <p:style>
+              <a:lnRef idx="2">
+                <a:schemeClr val="accent1">
+                  <a:shade val="50000"/>
+                </a:schemeClr>
+              </a:lnRef>
+              <a:fillRef idx="1">
+                <a:schemeClr val="accent1"/>
+              </a:fillRef>
+              <a:effectRef idx="0">
+                <a:schemeClr val="accent1"/>
+              </a:effectRef>
+              <a:fontRef idx="minor">
+                <a:schemeClr val="lt1"/>
+              </a:fontRef>
+            </p:style>
+            <p:txBody>
+              <a:bodyPr rtlCol="0" anchor="ctr"/>
+              <a:lstStyle/>
+              <a:p>
+                <a:pPr algn="ctr"/>
+                <a:endParaRPr lang="ko-KR" altLang="en-US" sz="1600" dirty="0"/>
+              </a:p>
+            </p:txBody>
+          </p:sp>
+          <p:sp>
+            <p:nvSpPr>
+              <p:cNvPr id="192" name="직사각형 191">
+                <a:extLst>
+                  <a:ext uri="{FF2B5EF4-FFF2-40B4-BE49-F238E27FC236}">
+                    <a16:creationId xmlns:a16="http://schemas.microsoft.com/office/drawing/2014/main" id="{5D4E76E2-8A33-79FF-7E24-5AB92D11634F}"/>
+                  </a:ext>
+                </a:extLst>
+              </p:cNvPr>
+              <p:cNvSpPr/>
+              <p:nvPr/>
+            </p:nvSpPr>
+            <p:spPr>
+              <a:xfrm>
+                <a:off x="2140911" y="4209818"/>
+                <a:ext cx="210359" cy="121170"/>
+              </a:xfrm>
+              <a:prstGeom prst="rect">
+                <a:avLst/>
+              </a:prstGeom>
+              <a:solidFill>
+                <a:schemeClr val="bg2">
+                  <a:lumMod val="50000"/>
+                </a:schemeClr>
+              </a:solidFill>
+              <a:ln>
+                <a:noFill/>
+              </a:ln>
+            </p:spPr>
+            <p:style>
+              <a:lnRef idx="2">
+                <a:schemeClr val="accent1">
+                  <a:shade val="50000"/>
+                </a:schemeClr>
+              </a:lnRef>
+              <a:fillRef idx="1">
+                <a:schemeClr val="accent1"/>
+              </a:fillRef>
+              <a:effectRef idx="0">
+                <a:schemeClr val="accent1"/>
+              </a:effectRef>
+              <a:fontRef idx="minor">
+                <a:schemeClr val="lt1"/>
+              </a:fontRef>
+            </p:style>
+            <p:txBody>
+              <a:bodyPr rtlCol="0" anchor="ctr"/>
+              <a:lstStyle/>
+              <a:p>
+                <a:pPr algn="ctr"/>
+                <a:endParaRPr lang="ko-KR" altLang="en-US" dirty="0"/>
+              </a:p>
+            </p:txBody>
+          </p:sp>
+          <p:sp>
+            <p:nvSpPr>
+              <p:cNvPr id="194" name="직사각형 193">
+                <a:extLst>
+                  <a:ext uri="{FF2B5EF4-FFF2-40B4-BE49-F238E27FC236}">
+                    <a16:creationId xmlns:a16="http://schemas.microsoft.com/office/drawing/2014/main" id="{CAA72FFB-0FFF-071B-DFA7-6C091AB1DB2A}"/>
+                  </a:ext>
+                </a:extLst>
+              </p:cNvPr>
+              <p:cNvSpPr/>
+              <p:nvPr/>
+            </p:nvSpPr>
+            <p:spPr>
+              <a:xfrm rot="18793458">
+                <a:off x="3328735" y="3328607"/>
+                <a:ext cx="270054" cy="131428"/>
+              </a:xfrm>
+              <a:prstGeom prst="rect">
+                <a:avLst/>
+              </a:prstGeom>
+              <a:solidFill>
+                <a:schemeClr val="bg1">
+                  <a:lumMod val="75000"/>
+                </a:schemeClr>
+              </a:solidFill>
+              <a:ln>
+                <a:solidFill>
+                  <a:schemeClr val="tx1"/>
+                </a:solidFill>
+              </a:ln>
+            </p:spPr>
+            <p:style>
+              <a:lnRef idx="2">
+                <a:schemeClr val="accent1">
+                  <a:shade val="50000"/>
+                </a:schemeClr>
+              </a:lnRef>
+              <a:fillRef idx="1">
+                <a:schemeClr val="accent1"/>
+              </a:fillRef>
+              <a:effectRef idx="0">
+                <a:schemeClr val="accent1"/>
+              </a:effectRef>
+              <a:fontRef idx="minor">
+                <a:schemeClr val="lt1"/>
+              </a:fontRef>
+            </p:style>
+            <p:txBody>
+              <a:bodyPr rtlCol="0" anchor="ctr"/>
+              <a:lstStyle/>
+              <a:p>
+                <a:pPr algn="ctr"/>
+                <a:endParaRPr lang="ko-KR" altLang="en-US" dirty="0"/>
+              </a:p>
+            </p:txBody>
+          </p:sp>
+          <p:pic>
+            <p:nvPicPr>
+              <p:cNvPr id="195" name="Picture 2" descr="휴지통 이미지 _사진 401181754 무료 다운로드_lovepik.com">
+                <a:extLst>
+                  <a:ext uri="{FF2B5EF4-FFF2-40B4-BE49-F238E27FC236}">
+                    <a16:creationId xmlns:a16="http://schemas.microsoft.com/office/drawing/2014/main" id="{0B716955-6704-FEF0-5D06-C194039BF6A5}"/>
+                  </a:ext>
+                </a:extLst>
+              </p:cNvPr>
+              <p:cNvPicPr>
+                <a:picLocks noChangeAspect="1" noChangeArrowheads="1"/>
+              </p:cNvPicPr>
+              <p:nvPr/>
+            </p:nvPicPr>
+            <p:blipFill>
+              <a:blip r:embed="rId3" cstate="hqprint">
+                <a:extLst>
+                  <a:ext uri="{BEBA8EAE-BF5A-486C-A8C5-ECC9F3942E4B}">
+                    <a14:imgProps xmlns:a14="http://schemas.microsoft.com/office/drawing/2010/main">
+                      <a14:imgLayer r:embed="rId4">
+                        <a14:imgEffect>
+                          <a14:backgroundRemoval t="10000" b="90000" l="10000" r="90000"/>
+                        </a14:imgEffect>
+                      </a14:imgLayer>
+                    </a14:imgProps>
+                  </a:ext>
+                  <a:ext uri="{28A0092B-C50C-407E-A947-70E740481C1C}">
+                    <a14:useLocalDpi xmlns:a14="http://schemas.microsoft.com/office/drawing/2010/main" val="0"/>
+                  </a:ext>
+                </a:extLst>
+              </a:blip>
+              <a:srcRect/>
+              <a:stretch>
+                <a:fillRect/>
+              </a:stretch>
+            </p:blipFill>
+            <p:spPr bwMode="auto">
+              <a:xfrm flipH="1">
+                <a:off x="3533764" y="3691081"/>
+                <a:ext cx="163294" cy="163294"/>
+              </a:xfrm>
+              <a:prstGeom prst="rect">
+                <a:avLst/>
+              </a:prstGeom>
+              <a:noFill/>
+              <a:extLst>
+                <a:ext uri="{909E8E84-426E-40DD-AFC4-6F175D3DCCD1}">
+                  <a14:hiddenFill xmlns:a14="http://schemas.microsoft.com/office/drawing/2010/main">
+                    <a:solidFill>
+                      <a:srgbClr val="FFFFFF"/>
+                    </a:solidFill>
+                  </a14:hiddenFill>
+                </a:ext>
+              </a:extLst>
+            </p:spPr>
+          </p:pic>
+          <p:pic>
+            <p:nvPicPr>
+              <p:cNvPr id="197" name="Picture 2" descr="휴지통 이미지 _사진 401181754 무료 다운로드_lovepik.com">
+                <a:extLst>
+                  <a:ext uri="{FF2B5EF4-FFF2-40B4-BE49-F238E27FC236}">
+                    <a16:creationId xmlns:a16="http://schemas.microsoft.com/office/drawing/2014/main" id="{BA1E4B1C-6FA7-FD10-03A7-717DD2F7B4A7}"/>
+                  </a:ext>
+                </a:extLst>
+              </p:cNvPr>
+              <p:cNvPicPr>
+                <a:picLocks noChangeAspect="1" noChangeArrowheads="1"/>
+              </p:cNvPicPr>
+              <p:nvPr/>
+            </p:nvPicPr>
+            <p:blipFill>
+              <a:blip r:embed="rId3" cstate="hqprint">
+                <a:extLst>
+                  <a:ext uri="{BEBA8EAE-BF5A-486C-A8C5-ECC9F3942E4B}">
+                    <a14:imgProps xmlns:a14="http://schemas.microsoft.com/office/drawing/2010/main">
+                      <a14:imgLayer r:embed="rId4">
+                        <a14:imgEffect>
+                          <a14:backgroundRemoval t="10000" b="90000" l="10000" r="90000"/>
+                        </a14:imgEffect>
+                      </a14:imgLayer>
+                    </a14:imgProps>
+                  </a:ext>
+                  <a:ext uri="{28A0092B-C50C-407E-A947-70E740481C1C}">
+                    <a14:useLocalDpi xmlns:a14="http://schemas.microsoft.com/office/drawing/2010/main" val="0"/>
+                  </a:ext>
+                </a:extLst>
+              </a:blip>
+              <a:srcRect/>
+              <a:stretch>
+                <a:fillRect/>
+              </a:stretch>
+            </p:blipFill>
+            <p:spPr bwMode="auto">
+              <a:xfrm flipH="1">
+                <a:off x="3764342" y="4217395"/>
+                <a:ext cx="163294" cy="163294"/>
+              </a:xfrm>
+              <a:prstGeom prst="rect">
+                <a:avLst/>
+              </a:prstGeom>
+              <a:noFill/>
+              <a:extLst>
+                <a:ext uri="{909E8E84-426E-40DD-AFC4-6F175D3DCCD1}">
+                  <a14:hiddenFill xmlns:a14="http://schemas.microsoft.com/office/drawing/2010/main">
+                    <a:solidFill>
+                      <a:srgbClr val="FFFFFF"/>
+                    </a:solidFill>
+                  </a14:hiddenFill>
+                </a:ext>
+              </a:extLst>
+            </p:spPr>
+          </p:pic>
+          <p:pic>
+            <p:nvPicPr>
+              <p:cNvPr id="198" name="Picture 2" descr="휴지통 이미지 _사진 401181754 무료 다운로드_lovepik.com">
+                <a:extLst>
+                  <a:ext uri="{FF2B5EF4-FFF2-40B4-BE49-F238E27FC236}">
+                    <a16:creationId xmlns:a16="http://schemas.microsoft.com/office/drawing/2014/main" id="{D533F281-D523-170C-52DC-5BB50D19F9E3}"/>
+                  </a:ext>
+                </a:extLst>
+              </p:cNvPr>
+              <p:cNvPicPr>
+                <a:picLocks noChangeAspect="1" noChangeArrowheads="1"/>
+              </p:cNvPicPr>
+              <p:nvPr/>
+            </p:nvPicPr>
+            <p:blipFill>
+              <a:blip r:embed="rId3" cstate="hqprint">
+                <a:extLst>
+                  <a:ext uri="{BEBA8EAE-BF5A-486C-A8C5-ECC9F3942E4B}">
+                    <a14:imgProps xmlns:a14="http://schemas.microsoft.com/office/drawing/2010/main">
+                      <a14:imgLayer r:embed="rId4">
+                        <a14:imgEffect>
+                          <a14:backgroundRemoval t="10000" b="90000" l="10000" r="90000"/>
+                        </a14:imgEffect>
+                      </a14:imgLayer>
+                    </a14:imgProps>
+                  </a:ext>
+                  <a:ext uri="{28A0092B-C50C-407E-A947-70E740481C1C}">
+                    <a14:useLocalDpi xmlns:a14="http://schemas.microsoft.com/office/drawing/2010/main" val="0"/>
+                  </a:ext>
+                </a:extLst>
+              </a:blip>
+              <a:srcRect/>
+              <a:stretch>
+                <a:fillRect/>
+              </a:stretch>
+            </p:blipFill>
+            <p:spPr bwMode="auto">
+              <a:xfrm flipH="1">
+                <a:off x="4312810" y="4008074"/>
+                <a:ext cx="163294" cy="163294"/>
+              </a:xfrm>
+              <a:prstGeom prst="rect">
+                <a:avLst/>
+              </a:prstGeom>
+              <a:noFill/>
+              <a:extLst>
+                <a:ext uri="{909E8E84-426E-40DD-AFC4-6F175D3DCCD1}">
+                  <a14:hiddenFill xmlns:a14="http://schemas.microsoft.com/office/drawing/2010/main">
+                    <a:solidFill>
+                      <a:srgbClr val="FFFFFF"/>
+                    </a:solidFill>
+                  </a14:hiddenFill>
+                </a:ext>
+              </a:extLst>
+            </p:spPr>
+          </p:pic>
+          <p:pic>
+            <p:nvPicPr>
+              <p:cNvPr id="199" name="Picture 2" descr="휴지통 이미지 _사진 401181754 무료 다운로드_lovepik.com">
+                <a:extLst>
+                  <a:ext uri="{FF2B5EF4-FFF2-40B4-BE49-F238E27FC236}">
+                    <a16:creationId xmlns:a16="http://schemas.microsoft.com/office/drawing/2014/main" id="{0633CA01-4E78-6339-A4E6-073B2A2DF76E}"/>
+                  </a:ext>
+                </a:extLst>
+              </p:cNvPr>
+              <p:cNvPicPr>
+                <a:picLocks noChangeAspect="1" noChangeArrowheads="1"/>
+              </p:cNvPicPr>
+              <p:nvPr/>
+            </p:nvPicPr>
+            <p:blipFill>
+              <a:blip r:embed="rId3" cstate="hqprint">
+                <a:extLst>
+                  <a:ext uri="{BEBA8EAE-BF5A-486C-A8C5-ECC9F3942E4B}">
+                    <a14:imgProps xmlns:a14="http://schemas.microsoft.com/office/drawing/2010/main">
+                      <a14:imgLayer r:embed="rId4">
+                        <a14:imgEffect>
+                          <a14:backgroundRemoval t="10000" b="90000" l="10000" r="90000"/>
+                        </a14:imgEffect>
+                      </a14:imgLayer>
+                    </a14:imgProps>
+                  </a:ext>
+                  <a:ext uri="{28A0092B-C50C-407E-A947-70E740481C1C}">
+                    <a14:useLocalDpi xmlns:a14="http://schemas.microsoft.com/office/drawing/2010/main" val="0"/>
+                  </a:ext>
+                </a:extLst>
+              </a:blip>
+              <a:srcRect/>
+              <a:stretch>
+                <a:fillRect/>
+              </a:stretch>
+            </p:blipFill>
+            <p:spPr bwMode="auto">
+              <a:xfrm flipH="1">
+                <a:off x="4085864" y="3442118"/>
+                <a:ext cx="163294" cy="163294"/>
+              </a:xfrm>
+              <a:prstGeom prst="rect">
+                <a:avLst/>
+              </a:prstGeom>
+              <a:noFill/>
+              <a:extLst>
+                <a:ext uri="{909E8E84-426E-40DD-AFC4-6F175D3DCCD1}">
+                  <a14:hiddenFill xmlns:a14="http://schemas.microsoft.com/office/drawing/2010/main">
+                    <a:solidFill>
+                      <a:srgbClr val="FFFFFF"/>
+                    </a:solidFill>
+                  </a14:hiddenFill>
+                </a:ext>
+              </a:extLst>
+            </p:spPr>
+          </p:pic>
+          <p:sp>
+            <p:nvSpPr>
+              <p:cNvPr id="200" name="직사각형 199">
+                <a:extLst>
+                  <a:ext uri="{FF2B5EF4-FFF2-40B4-BE49-F238E27FC236}">
+                    <a16:creationId xmlns:a16="http://schemas.microsoft.com/office/drawing/2014/main" id="{447A6691-ADD5-A3FD-0CB5-CAC16960FF8C}"/>
+                  </a:ext>
+                </a:extLst>
+              </p:cNvPr>
+              <p:cNvSpPr/>
+              <p:nvPr/>
+            </p:nvSpPr>
+            <p:spPr>
+              <a:xfrm rot="19192136">
+                <a:off x="4476316" y="4423474"/>
+                <a:ext cx="154871" cy="103967"/>
+              </a:xfrm>
+              <a:prstGeom prst="rect">
+                <a:avLst/>
+              </a:prstGeom>
+              <a:solidFill>
+                <a:schemeClr val="tx1"/>
+              </a:solidFill>
+              <a:ln>
+                <a:noFill/>
+              </a:ln>
+            </p:spPr>
+            <p:style>
+              <a:lnRef idx="2">
+                <a:schemeClr val="accent1">
+                  <a:shade val="50000"/>
+                </a:schemeClr>
+              </a:lnRef>
+              <a:fillRef idx="1">
+                <a:schemeClr val="accent1"/>
+              </a:fillRef>
+              <a:effectRef idx="0">
+                <a:schemeClr val="accent1"/>
+              </a:effectRef>
+              <a:fontRef idx="minor">
+                <a:schemeClr val="lt1"/>
+              </a:fontRef>
+            </p:style>
+            <p:txBody>
+              <a:bodyPr rtlCol="0" anchor="ctr"/>
+              <a:lstStyle/>
+              <a:p>
+                <a:pPr algn="ctr"/>
+                <a:endParaRPr lang="ko-KR" altLang="en-US"/>
+              </a:p>
+            </p:txBody>
+          </p:sp>
+          <p:sp>
+            <p:nvSpPr>
+              <p:cNvPr id="201" name="직사각형 200">
+                <a:extLst>
+                  <a:ext uri="{FF2B5EF4-FFF2-40B4-BE49-F238E27FC236}">
+                    <a16:creationId xmlns:a16="http://schemas.microsoft.com/office/drawing/2014/main" id="{17914A93-5DB6-BF28-C109-7BD005CB32B6}"/>
+                  </a:ext>
+                </a:extLst>
+              </p:cNvPr>
+              <p:cNvSpPr/>
+              <p:nvPr/>
+            </p:nvSpPr>
+            <p:spPr>
+              <a:xfrm rot="2577581">
+                <a:off x="3356530" y="4432545"/>
+                <a:ext cx="210359" cy="121170"/>
+              </a:xfrm>
+              <a:prstGeom prst="rect">
+                <a:avLst/>
+              </a:prstGeom>
+              <a:solidFill>
+                <a:schemeClr val="bg2">
+                  <a:lumMod val="50000"/>
+                </a:schemeClr>
+              </a:solidFill>
+              <a:ln>
+                <a:noFill/>
+              </a:ln>
+            </p:spPr>
+            <p:style>
+              <a:lnRef idx="2">
+                <a:schemeClr val="accent1">
+                  <a:shade val="50000"/>
+                </a:schemeClr>
+              </a:lnRef>
+              <a:fillRef idx="1">
+                <a:schemeClr val="accent1"/>
+              </a:fillRef>
+              <a:effectRef idx="0">
+                <a:schemeClr val="accent1"/>
+              </a:effectRef>
+              <a:fontRef idx="minor">
+                <a:schemeClr val="lt1"/>
+              </a:fontRef>
+            </p:style>
+            <p:txBody>
+              <a:bodyPr rtlCol="0" anchor="ctr"/>
+              <a:lstStyle/>
+              <a:p>
+                <a:pPr algn="ctr"/>
+                <a:endParaRPr lang="ko-KR" altLang="en-US" dirty="0"/>
+              </a:p>
+            </p:txBody>
+          </p:sp>
+          <p:sp>
+            <p:nvSpPr>
+              <p:cNvPr id="203" name="순서도: 자기 디스크 202">
+                <a:extLst>
+                  <a:ext uri="{FF2B5EF4-FFF2-40B4-BE49-F238E27FC236}">
+                    <a16:creationId xmlns:a16="http://schemas.microsoft.com/office/drawing/2014/main" id="{02E98DE3-2B47-D089-7703-1D049DC8E8D4}"/>
+                  </a:ext>
+                </a:extLst>
+              </p:cNvPr>
+              <p:cNvSpPr/>
+              <p:nvPr/>
+            </p:nvSpPr>
+            <p:spPr>
+              <a:xfrm>
+                <a:off x="4486887" y="3256968"/>
+                <a:ext cx="101017" cy="167521"/>
+              </a:xfrm>
+              <a:prstGeom prst="flowChartMagneticDisk">
+                <a:avLst/>
+              </a:prstGeom>
+            </p:spPr>
+            <p:style>
+              <a:lnRef idx="2">
+                <a:schemeClr val="accent1">
+                  <a:shade val="50000"/>
+                </a:schemeClr>
+              </a:lnRef>
+              <a:fillRef idx="1">
+                <a:schemeClr val="accent1"/>
+              </a:fillRef>
+              <a:effectRef idx="0">
+                <a:schemeClr val="accent1"/>
+              </a:effectRef>
+              <a:fontRef idx="minor">
+                <a:schemeClr val="lt1"/>
+              </a:fontRef>
+            </p:style>
+            <p:txBody>
+              <a:bodyPr rtlCol="0" anchor="ctr"/>
+              <a:lstStyle/>
+              <a:p>
+                <a:pPr algn="ctr"/>
+                <a:endParaRPr lang="ko-KR" altLang="en-US" dirty="0"/>
+              </a:p>
+            </p:txBody>
+          </p:sp>
+          <p:sp>
+            <p:nvSpPr>
+              <p:cNvPr id="18" name="TextBox 17">
+                <a:extLst>
+                  <a:ext uri="{FF2B5EF4-FFF2-40B4-BE49-F238E27FC236}">
+                    <a16:creationId xmlns:a16="http://schemas.microsoft.com/office/drawing/2014/main" id="{3CBC1891-D919-8442-6575-D388822D6AD0}"/>
+                  </a:ext>
+                </a:extLst>
+              </p:cNvPr>
+              <p:cNvSpPr txBox="1"/>
+              <p:nvPr/>
+            </p:nvSpPr>
+            <p:spPr>
+              <a:xfrm>
+                <a:off x="1955122" y="3818774"/>
+                <a:ext cx="665567" cy="200055"/>
+              </a:xfrm>
+              <a:prstGeom prst="rect">
+                <a:avLst/>
+              </a:prstGeom>
+              <a:noFill/>
+            </p:spPr>
+            <p:txBody>
+              <a:bodyPr wrap="none" rtlCol="0">
+                <a:spAutoFit/>
+              </a:bodyPr>
+              <a:lstStyle/>
+              <a:p>
+                <a:r>
+                  <a:rPr lang="ko-KR" altLang="en-US" sz="700" b="1" dirty="0" err="1"/>
+                  <a:t>블루팀</a:t>
+                </a:r>
+                <a:r>
+                  <a:rPr lang="ko-KR" altLang="en-US" sz="700" b="1" dirty="0"/>
+                  <a:t> 로비</a:t>
+                </a:r>
+              </a:p>
+            </p:txBody>
+          </p:sp>
+          <p:sp>
+            <p:nvSpPr>
+              <p:cNvPr id="207" name="TextBox 206">
+                <a:extLst>
+                  <a:ext uri="{FF2B5EF4-FFF2-40B4-BE49-F238E27FC236}">
+                    <a16:creationId xmlns:a16="http://schemas.microsoft.com/office/drawing/2014/main" id="{0842CEC4-6530-0793-41A3-32634E646D26}"/>
+                  </a:ext>
+                </a:extLst>
+              </p:cNvPr>
+              <p:cNvSpPr txBox="1"/>
+              <p:nvPr/>
+            </p:nvSpPr>
+            <p:spPr>
+              <a:xfrm>
+                <a:off x="5403027" y="3850785"/>
+                <a:ext cx="665567" cy="200055"/>
+              </a:xfrm>
+              <a:prstGeom prst="rect">
+                <a:avLst/>
+              </a:prstGeom>
+              <a:noFill/>
+            </p:spPr>
+            <p:txBody>
+              <a:bodyPr wrap="none" rtlCol="0">
+                <a:spAutoFit/>
+              </a:bodyPr>
+              <a:lstStyle/>
+              <a:p>
+                <a:r>
+                  <a:rPr lang="ko-KR" altLang="en-US" sz="700" b="1" dirty="0" err="1"/>
+                  <a:t>레드팀</a:t>
+                </a:r>
+                <a:r>
+                  <a:rPr lang="ko-KR" altLang="en-US" sz="700" b="1" dirty="0"/>
+                  <a:t> 로비</a:t>
+                </a:r>
+              </a:p>
+            </p:txBody>
+          </p:sp>
+          <p:sp>
+            <p:nvSpPr>
+              <p:cNvPr id="208" name="TextBox 207">
+                <a:extLst>
+                  <a:ext uri="{FF2B5EF4-FFF2-40B4-BE49-F238E27FC236}">
+                    <a16:creationId xmlns:a16="http://schemas.microsoft.com/office/drawing/2014/main" id="{F41591D0-6A10-69EF-59D6-9521079E49D2}"/>
+                  </a:ext>
+                </a:extLst>
+              </p:cNvPr>
+              <p:cNvSpPr txBox="1"/>
+              <p:nvPr/>
+            </p:nvSpPr>
+            <p:spPr>
+              <a:xfrm>
+                <a:off x="2806297" y="3851256"/>
+                <a:ext cx="543739" cy="200055"/>
+              </a:xfrm>
+              <a:prstGeom prst="rect">
+                <a:avLst/>
+              </a:prstGeom>
+              <a:noFill/>
+            </p:spPr>
+            <p:txBody>
+              <a:bodyPr wrap="none" rtlCol="0">
+                <a:spAutoFit/>
+              </a:bodyPr>
+              <a:lstStyle/>
+              <a:p>
+                <a:r>
+                  <a:rPr lang="ko-KR" altLang="en-US" sz="700" b="1" dirty="0"/>
+                  <a:t>모래사장</a:t>
+                </a:r>
+              </a:p>
+            </p:txBody>
+          </p:sp>
+          <p:sp>
+            <p:nvSpPr>
+              <p:cNvPr id="209" name="TextBox 208">
+                <a:extLst>
+                  <a:ext uri="{FF2B5EF4-FFF2-40B4-BE49-F238E27FC236}">
+                    <a16:creationId xmlns:a16="http://schemas.microsoft.com/office/drawing/2014/main" id="{BAECE07E-2208-7521-D1AE-B394AB287F3A}"/>
+                  </a:ext>
+                </a:extLst>
+              </p:cNvPr>
+              <p:cNvSpPr txBox="1"/>
+              <p:nvPr/>
+            </p:nvSpPr>
+            <p:spPr>
+              <a:xfrm>
+                <a:off x="4813551" y="3852239"/>
+                <a:ext cx="274434" cy="200055"/>
+              </a:xfrm>
+              <a:prstGeom prst="rect">
+                <a:avLst/>
+              </a:prstGeom>
+              <a:noFill/>
+            </p:spPr>
+            <p:txBody>
+              <a:bodyPr wrap="none" rtlCol="0">
+                <a:spAutoFit/>
+              </a:bodyPr>
+              <a:lstStyle/>
+              <a:p>
+                <a:r>
+                  <a:rPr lang="ko-KR" altLang="en-US" sz="700" b="1" dirty="0"/>
+                  <a:t>숲</a:t>
+                </a:r>
+              </a:p>
+            </p:txBody>
+          </p:sp>
+          <p:sp>
+            <p:nvSpPr>
+              <p:cNvPr id="210" name="TextBox 209">
+                <a:extLst>
+                  <a:ext uri="{FF2B5EF4-FFF2-40B4-BE49-F238E27FC236}">
+                    <a16:creationId xmlns:a16="http://schemas.microsoft.com/office/drawing/2014/main" id="{A6E85EBF-9099-6FDB-04E4-7082FBD1DB1F}"/>
+                  </a:ext>
+                </a:extLst>
+              </p:cNvPr>
+              <p:cNvSpPr txBox="1"/>
+              <p:nvPr/>
+            </p:nvSpPr>
+            <p:spPr>
+              <a:xfrm>
+                <a:off x="3881769" y="4728256"/>
+                <a:ext cx="274434" cy="200055"/>
+              </a:xfrm>
+              <a:prstGeom prst="rect">
+                <a:avLst/>
+              </a:prstGeom>
+              <a:noFill/>
+            </p:spPr>
+            <p:txBody>
+              <a:bodyPr wrap="none" rtlCol="0">
+                <a:spAutoFit/>
+              </a:bodyPr>
+              <a:lstStyle/>
+              <a:p>
+                <a:r>
+                  <a:rPr lang="ko-KR" altLang="en-US" sz="700" b="1" dirty="0"/>
+                  <a:t>밭</a:t>
+                </a:r>
+              </a:p>
+            </p:txBody>
+          </p:sp>
+          <p:sp>
+            <p:nvSpPr>
+              <p:cNvPr id="212" name="TextBox 211">
+                <a:extLst>
+                  <a:ext uri="{FF2B5EF4-FFF2-40B4-BE49-F238E27FC236}">
+                    <a16:creationId xmlns:a16="http://schemas.microsoft.com/office/drawing/2014/main" id="{792050D1-BCC8-5A86-AAA5-A8EE1AE83891}"/>
+                  </a:ext>
+                </a:extLst>
+              </p:cNvPr>
+              <p:cNvSpPr txBox="1"/>
+              <p:nvPr/>
+            </p:nvSpPr>
+            <p:spPr>
+              <a:xfrm>
+                <a:off x="4208970" y="3384176"/>
+                <a:ext cx="453970" cy="200055"/>
+              </a:xfrm>
+              <a:prstGeom prst="rect">
+                <a:avLst/>
+              </a:prstGeom>
+              <a:noFill/>
+            </p:spPr>
+            <p:txBody>
+              <a:bodyPr wrap="none" rtlCol="0">
+                <a:spAutoFit/>
+              </a:bodyPr>
+              <a:lstStyle/>
+              <a:p>
+                <a:r>
+                  <a:rPr lang="ko-KR" altLang="en-US" sz="700" b="1" dirty="0" err="1"/>
+                  <a:t>충전실</a:t>
+                </a:r>
+                <a:endParaRPr lang="ko-KR" altLang="en-US" sz="700" b="1" dirty="0"/>
+              </a:p>
+            </p:txBody>
+          </p:sp>
+          <p:sp>
+            <p:nvSpPr>
+              <p:cNvPr id="213" name="TextBox 212">
+                <a:extLst>
+                  <a:ext uri="{FF2B5EF4-FFF2-40B4-BE49-F238E27FC236}">
+                    <a16:creationId xmlns:a16="http://schemas.microsoft.com/office/drawing/2014/main" id="{62EB950B-8CC0-4599-C695-58B50F31338F}"/>
+                  </a:ext>
+                </a:extLst>
+              </p:cNvPr>
+              <p:cNvSpPr txBox="1"/>
+              <p:nvPr/>
+            </p:nvSpPr>
+            <p:spPr>
+              <a:xfrm>
+                <a:off x="3351927" y="3377760"/>
+                <a:ext cx="453970" cy="200055"/>
+              </a:xfrm>
+              <a:prstGeom prst="rect">
+                <a:avLst/>
+              </a:prstGeom>
+              <a:noFill/>
+            </p:spPr>
+            <p:txBody>
+              <a:bodyPr wrap="none" rtlCol="0">
+                <a:spAutoFit/>
+              </a:bodyPr>
+              <a:lstStyle/>
+              <a:p>
+                <a:r>
+                  <a:rPr lang="ko-KR" altLang="en-US" sz="700" b="1" dirty="0" err="1"/>
+                  <a:t>엔진실</a:t>
+                </a:r>
+                <a:endParaRPr lang="ko-KR" altLang="en-US" sz="700" b="1" dirty="0"/>
+              </a:p>
+            </p:txBody>
+          </p:sp>
+          <p:sp>
+            <p:nvSpPr>
+              <p:cNvPr id="214" name="TextBox 213">
+                <a:extLst>
+                  <a:ext uri="{FF2B5EF4-FFF2-40B4-BE49-F238E27FC236}">
+                    <a16:creationId xmlns:a16="http://schemas.microsoft.com/office/drawing/2014/main" id="{220C14C5-2A34-E5E8-B3CE-6273116E51A6}"/>
+                  </a:ext>
+                </a:extLst>
+              </p:cNvPr>
+              <p:cNvSpPr txBox="1"/>
+              <p:nvPr/>
+            </p:nvSpPr>
+            <p:spPr>
+              <a:xfrm>
+                <a:off x="3324463" y="4267165"/>
+                <a:ext cx="543739" cy="200055"/>
+              </a:xfrm>
+              <a:prstGeom prst="rect">
+                <a:avLst/>
+              </a:prstGeom>
+              <a:noFill/>
+            </p:spPr>
+            <p:txBody>
+              <a:bodyPr wrap="none" rtlCol="0">
+                <a:spAutoFit/>
+              </a:bodyPr>
+              <a:lstStyle/>
+              <a:p>
+                <a:r>
+                  <a:rPr lang="ko-KR" altLang="en-US" sz="700" b="1" dirty="0"/>
+                  <a:t>물통창고</a:t>
+                </a:r>
+              </a:p>
+            </p:txBody>
+          </p:sp>
+          <p:sp>
+            <p:nvSpPr>
+              <p:cNvPr id="215" name="TextBox 214">
+                <a:extLst>
+                  <a:ext uri="{FF2B5EF4-FFF2-40B4-BE49-F238E27FC236}">
+                    <a16:creationId xmlns:a16="http://schemas.microsoft.com/office/drawing/2014/main" id="{3DCEF8C3-8F21-F5F9-722C-7E35150162A0}"/>
+                  </a:ext>
+                </a:extLst>
+              </p:cNvPr>
+              <p:cNvSpPr txBox="1"/>
+              <p:nvPr/>
+            </p:nvSpPr>
+            <p:spPr>
+              <a:xfrm>
+                <a:off x="4240694" y="4236668"/>
+                <a:ext cx="453970" cy="307777"/>
+              </a:xfrm>
+              <a:prstGeom prst="rect">
+                <a:avLst/>
+              </a:prstGeom>
+              <a:noFill/>
+            </p:spPr>
+            <p:txBody>
+              <a:bodyPr wrap="none" rtlCol="0">
+                <a:spAutoFit/>
+              </a:bodyPr>
+              <a:lstStyle/>
+              <a:p>
+                <a:pPr algn="ctr"/>
+                <a:r>
+                  <a:rPr lang="ko-KR" altLang="en-US" sz="700" b="1" dirty="0"/>
+                  <a:t>배터리</a:t>
+                </a:r>
+                <a:endParaRPr lang="en-US" altLang="ko-KR" sz="700" b="1" dirty="0"/>
+              </a:p>
+              <a:p>
+                <a:pPr algn="ctr"/>
+                <a:r>
+                  <a:rPr lang="ko-KR" altLang="en-US" sz="700" b="1" dirty="0"/>
+                  <a:t>창고</a:t>
+                </a:r>
+              </a:p>
+            </p:txBody>
+          </p:sp>
+          <p:sp>
+            <p:nvSpPr>
+              <p:cNvPr id="211" name="TextBox 210">
+                <a:extLst>
+                  <a:ext uri="{FF2B5EF4-FFF2-40B4-BE49-F238E27FC236}">
+                    <a16:creationId xmlns:a16="http://schemas.microsoft.com/office/drawing/2014/main" id="{B2D99A64-1708-611A-1B39-5903B2553468}"/>
+                  </a:ext>
+                </a:extLst>
+              </p:cNvPr>
+              <p:cNvSpPr txBox="1"/>
+              <p:nvPr/>
+            </p:nvSpPr>
+            <p:spPr>
+              <a:xfrm>
+                <a:off x="3826547" y="2910167"/>
+                <a:ext cx="588623" cy="200055"/>
+              </a:xfrm>
+              <a:prstGeom prst="rect">
+                <a:avLst/>
+              </a:prstGeom>
+              <a:noFill/>
+            </p:spPr>
+            <p:txBody>
+              <a:bodyPr wrap="none" rtlCol="0">
+                <a:spAutoFit/>
+              </a:bodyPr>
+              <a:lstStyle/>
+              <a:p>
+                <a:r>
+                  <a:rPr lang="ko-KR" altLang="en-US" sz="700" b="1" dirty="0"/>
+                  <a:t>동굴       </a:t>
+                </a:r>
+              </a:p>
+            </p:txBody>
+          </p:sp>
+        </p:grpSp>
+        <p:sp>
+          <p:nvSpPr>
+            <p:cNvPr id="217" name="자유형: 도형 216">
+              <a:extLst>
+                <a:ext uri="{FF2B5EF4-FFF2-40B4-BE49-F238E27FC236}">
+                  <a16:creationId xmlns:a16="http://schemas.microsoft.com/office/drawing/2014/main" id="{9B9A99BA-7F1D-7B05-041E-0FA82E709804}"/>
+                </a:ext>
+              </a:extLst>
+            </p:cNvPr>
+            <p:cNvSpPr/>
+            <p:nvPr/>
+          </p:nvSpPr>
+          <p:spPr>
+            <a:xfrm rot="11732750">
+              <a:off x="3688987" y="2758772"/>
+              <a:ext cx="383241" cy="256699"/>
+            </a:xfrm>
+            <a:custGeom>
+              <a:avLst/>
+              <a:gdLst>
+                <a:gd name="connsiteX0" fmla="*/ 800100 w 807720"/>
+                <a:gd name="connsiteY0" fmla="*/ 160020 h 541020"/>
+                <a:gd name="connsiteX1" fmla="*/ 807720 w 807720"/>
+                <a:gd name="connsiteY1" fmla="*/ 388620 h 541020"/>
+                <a:gd name="connsiteX2" fmla="*/ 144780 w 807720"/>
+                <a:gd name="connsiteY2" fmla="*/ 541020 h 541020"/>
+                <a:gd name="connsiteX3" fmla="*/ 0 w 807720"/>
+                <a:gd name="connsiteY3" fmla="*/ 327660 h 541020"/>
+                <a:gd name="connsiteX4" fmla="*/ 304800 w 807720"/>
+                <a:gd name="connsiteY4" fmla="*/ 0 h 541020"/>
+                <a:gd name="connsiteX5" fmla="*/ 685800 w 807720"/>
+                <a:gd name="connsiteY5" fmla="*/ 38100 h 541020"/>
+                <a:gd name="connsiteX6" fmla="*/ 800100 w 807720"/>
+                <a:gd name="connsiteY6" fmla="*/ 160020 h 541020"/>
+              </a:gdLst>
+              <a:ahLst/>
+              <a:cxnLst>
+                <a:cxn ang="0">
+                  <a:pos x="connsiteX0" y="connsiteY0"/>
+                </a:cxn>
+                <a:cxn ang="0">
+                  <a:pos x="connsiteX1" y="connsiteY1"/>
+                </a:cxn>
+                <a:cxn ang="0">
+                  <a:pos x="connsiteX2" y="connsiteY2"/>
+                </a:cxn>
+                <a:cxn ang="0">
+                  <a:pos x="connsiteX3" y="connsiteY3"/>
+                </a:cxn>
+                <a:cxn ang="0">
+                  <a:pos x="connsiteX4" y="connsiteY4"/>
+                </a:cxn>
+                <a:cxn ang="0">
+                  <a:pos x="connsiteX5" y="connsiteY5"/>
+                </a:cxn>
+                <a:cxn ang="0">
+                  <a:pos x="connsiteX6" y="connsiteY6"/>
+                </a:cxn>
+              </a:cxnLst>
+              <a:rect l="l" t="t" r="r" b="b"/>
+              <a:pathLst>
+                <a:path w="807720" h="541020">
+                  <a:moveTo>
+                    <a:pt x="800100" y="160020"/>
+                  </a:moveTo>
+                  <a:lnTo>
+                    <a:pt x="807720" y="388620"/>
+                  </a:lnTo>
+                  <a:lnTo>
+                    <a:pt x="144780" y="541020"/>
+                  </a:lnTo>
+                  <a:lnTo>
+                    <a:pt x="0" y="327660"/>
+                  </a:lnTo>
+                  <a:lnTo>
+                    <a:pt x="304800" y="0"/>
+                  </a:lnTo>
+                  <a:lnTo>
+                    <a:pt x="685800" y="38100"/>
+                  </a:lnTo>
+                  <a:lnTo>
+                    <a:pt x="800100" y="160020"/>
+                  </a:lnTo>
+                  <a:close/>
+                </a:path>
+              </a:pathLst>
+            </a:custGeom>
+            <a:solidFill>
+              <a:schemeClr val="tx1">
+                <a:lumMod val="75000"/>
+                <a:lumOff val="25000"/>
+              </a:schemeClr>
+            </a:solidFill>
+            <a:ln>
+              <a:noFill/>
+            </a:ln>
+          </p:spPr>
+          <p:style>
+            <a:lnRef idx="2">
+              <a:schemeClr val="accent1">
+                <a:shade val="50000"/>
+              </a:schemeClr>
+            </a:lnRef>
+            <a:fillRef idx="1">
+              <a:schemeClr val="accent1"/>
+            </a:fillRef>
+            <a:effectRef idx="0">
+              <a:schemeClr val="accent1"/>
+            </a:effectRef>
+            <a:fontRef idx="minor">
+              <a:schemeClr val="lt1"/>
+            </a:fontRef>
+          </p:style>
+          <p:txBody>
+            <a:bodyPr rtlCol="0" anchor="ctr"/>
+            <a:lstStyle/>
+            <a:p>
+              <a:pPr algn="ctr"/>
+              <a:endParaRPr lang="ko-KR" altLang="en-US"/>
+            </a:p>
+          </p:txBody>
+        </p:sp>
+        <p:sp>
+          <p:nvSpPr>
+            <p:cNvPr id="218" name="자유형: 도형 217">
+              <a:extLst>
+                <a:ext uri="{FF2B5EF4-FFF2-40B4-BE49-F238E27FC236}">
+                  <a16:creationId xmlns:a16="http://schemas.microsoft.com/office/drawing/2014/main" id="{CCFB1054-4256-1B4C-F22B-7736E1E47812}"/>
+                </a:ext>
+              </a:extLst>
+            </p:cNvPr>
+            <p:cNvSpPr/>
+            <p:nvPr/>
+          </p:nvSpPr>
+          <p:spPr>
+            <a:xfrm rot="11732750">
+              <a:off x="3950259" y="3031618"/>
+              <a:ext cx="383241" cy="256699"/>
+            </a:xfrm>
+            <a:custGeom>
+              <a:avLst/>
+              <a:gdLst>
+                <a:gd name="connsiteX0" fmla="*/ 800100 w 807720"/>
+                <a:gd name="connsiteY0" fmla="*/ 160020 h 541020"/>
+                <a:gd name="connsiteX1" fmla="*/ 807720 w 807720"/>
+                <a:gd name="connsiteY1" fmla="*/ 388620 h 541020"/>
+                <a:gd name="connsiteX2" fmla="*/ 144780 w 807720"/>
+                <a:gd name="connsiteY2" fmla="*/ 541020 h 541020"/>
+                <a:gd name="connsiteX3" fmla="*/ 0 w 807720"/>
+                <a:gd name="connsiteY3" fmla="*/ 327660 h 541020"/>
+                <a:gd name="connsiteX4" fmla="*/ 304800 w 807720"/>
+                <a:gd name="connsiteY4" fmla="*/ 0 h 541020"/>
+                <a:gd name="connsiteX5" fmla="*/ 685800 w 807720"/>
+                <a:gd name="connsiteY5" fmla="*/ 38100 h 541020"/>
+                <a:gd name="connsiteX6" fmla="*/ 800100 w 807720"/>
+                <a:gd name="connsiteY6" fmla="*/ 160020 h 541020"/>
+              </a:gdLst>
+              <a:ahLst/>
+              <a:cxnLst>
+                <a:cxn ang="0">
+                  <a:pos x="connsiteX0" y="connsiteY0"/>
+                </a:cxn>
+                <a:cxn ang="0">
+                  <a:pos x="connsiteX1" y="connsiteY1"/>
+                </a:cxn>
+                <a:cxn ang="0">
+                  <a:pos x="connsiteX2" y="connsiteY2"/>
+                </a:cxn>
+                <a:cxn ang="0">
+                  <a:pos x="connsiteX3" y="connsiteY3"/>
+                </a:cxn>
+                <a:cxn ang="0">
+                  <a:pos x="connsiteX4" y="connsiteY4"/>
+                </a:cxn>
+                <a:cxn ang="0">
+                  <a:pos x="connsiteX5" y="connsiteY5"/>
+                </a:cxn>
+                <a:cxn ang="0">
+                  <a:pos x="connsiteX6" y="connsiteY6"/>
+                </a:cxn>
+              </a:cxnLst>
+              <a:rect l="l" t="t" r="r" b="b"/>
+              <a:pathLst>
+                <a:path w="807720" h="541020">
+                  <a:moveTo>
+                    <a:pt x="800100" y="160020"/>
+                  </a:moveTo>
+                  <a:lnTo>
+                    <a:pt x="807720" y="388620"/>
+                  </a:lnTo>
+                  <a:lnTo>
+                    <a:pt x="144780" y="541020"/>
+                  </a:lnTo>
+                  <a:lnTo>
+                    <a:pt x="0" y="327660"/>
+                  </a:lnTo>
+                  <a:lnTo>
+                    <a:pt x="304800" y="0"/>
+                  </a:lnTo>
+                  <a:lnTo>
+                    <a:pt x="685800" y="38100"/>
+                  </a:lnTo>
+                  <a:lnTo>
+                    <a:pt x="800100" y="160020"/>
+                  </a:lnTo>
+                  <a:close/>
+                </a:path>
+              </a:pathLst>
+            </a:custGeom>
+            <a:solidFill>
+              <a:schemeClr val="tx1">
+                <a:lumMod val="75000"/>
+                <a:lumOff val="25000"/>
+              </a:schemeClr>
+            </a:solidFill>
+            <a:ln>
+              <a:noFill/>
+            </a:ln>
+          </p:spPr>
+          <p:style>
+            <a:lnRef idx="2">
+              <a:schemeClr val="accent1">
+                <a:shade val="50000"/>
+              </a:schemeClr>
+            </a:lnRef>
+            <a:fillRef idx="1">
+              <a:schemeClr val="accent1"/>
+            </a:fillRef>
+            <a:effectRef idx="0">
+              <a:schemeClr val="accent1"/>
+            </a:effectRef>
+            <a:fontRef idx="minor">
+              <a:schemeClr val="lt1"/>
+            </a:fontRef>
+          </p:style>
+          <p:txBody>
+            <a:bodyPr rtlCol="0" anchor="ctr"/>
+            <a:lstStyle/>
+            <a:p>
+              <a:pPr algn="ctr"/>
+              <a:endParaRPr lang="ko-KR" altLang="en-US"/>
+            </a:p>
+          </p:txBody>
+        </p:sp>
+      </p:grpSp>
+      <p:grpSp>
+        <p:nvGrpSpPr>
+          <p:cNvPr id="10" name="그룹 9"/>
+          <p:cNvGrpSpPr/>
+          <p:nvPr/>
+        </p:nvGrpSpPr>
+        <p:grpSpPr>
+          <a:xfrm>
+            <a:off x="5399399" y="4834792"/>
+            <a:ext cx="914400" cy="914400"/>
+            <a:chOff x="5322460" y="4910992"/>
+            <a:chExt cx="914400" cy="914400"/>
+          </a:xfrm>
+        </p:grpSpPr>
+        <p:sp>
+          <p:nvSpPr>
+            <p:cNvPr id="63" name="팔각형 62">
+              <a:extLst>
+                <a:ext uri="{FF2B5EF4-FFF2-40B4-BE49-F238E27FC236}">
+                  <a16:creationId xmlns:a16="http://schemas.microsoft.com/office/drawing/2014/main" id="{AC0ABEA2-7C16-CE7A-EB39-54ABD533EEC9}"/>
+                </a:ext>
+              </a:extLst>
+            </p:cNvPr>
+            <p:cNvSpPr/>
+            <p:nvPr/>
+          </p:nvSpPr>
+          <p:spPr>
+            <a:xfrm>
+              <a:off x="5322460" y="4910992"/>
+              <a:ext cx="914400" cy="914400"/>
+            </a:xfrm>
+            <a:prstGeom prst="octagon">
+              <a:avLst/>
+            </a:prstGeom>
+            <a:solidFill>
+              <a:srgbClr val="FFD966"/>
+            </a:solidFill>
+            <a:ln>
+              <a:noFill/>
+            </a:ln>
+          </p:spPr>
+          <p:style>
+            <a:lnRef idx="2">
+              <a:schemeClr val="accent1">
+                <a:shade val="50000"/>
+              </a:schemeClr>
+            </a:lnRef>
+            <a:fillRef idx="1">
+              <a:schemeClr val="accent1"/>
+            </a:fillRef>
+            <a:effectRef idx="0">
+              <a:schemeClr val="accent1"/>
+            </a:effectRef>
+            <a:fontRef idx="minor">
+              <a:schemeClr val="lt1"/>
+            </a:fontRef>
+          </p:style>
+          <p:txBody>
+            <a:bodyPr rtlCol="0" anchor="ctr"/>
+            <a:lstStyle/>
+            <a:p>
+              <a:pPr algn="ctr"/>
+              <a:endParaRPr lang="ko-KR" altLang="en-US" dirty="0"/>
+            </a:p>
+          </p:txBody>
+        </p:sp>
+        <p:sp>
+          <p:nvSpPr>
+            <p:cNvPr id="69" name="타원 68">
+              <a:extLst>
+                <a:ext uri="{FF2B5EF4-FFF2-40B4-BE49-F238E27FC236}">
+                  <a16:creationId xmlns:a16="http://schemas.microsoft.com/office/drawing/2014/main" id="{C59D80A2-8776-D8F5-6D05-A4BDFD552205}"/>
+                </a:ext>
+              </a:extLst>
+            </p:cNvPr>
+            <p:cNvSpPr/>
+            <p:nvPr/>
+          </p:nvSpPr>
+          <p:spPr>
+            <a:xfrm>
+              <a:off x="5749632" y="5317412"/>
+              <a:ext cx="91313" cy="91313"/>
+            </a:xfrm>
+            <a:prstGeom prst="ellipse">
+              <a:avLst/>
+            </a:prstGeom>
+            <a:solidFill>
+              <a:srgbClr val="FF0000"/>
+            </a:solidFill>
+            <a:ln>
+              <a:noFill/>
+            </a:ln>
+          </p:spPr>
+          <p:style>
+            <a:lnRef idx="2">
+              <a:schemeClr val="accent1">
+                <a:shade val="50000"/>
+              </a:schemeClr>
+            </a:lnRef>
+            <a:fillRef idx="1">
+              <a:schemeClr val="accent1"/>
+            </a:fillRef>
+            <a:effectRef idx="0">
+              <a:schemeClr val="accent1"/>
+            </a:effectRef>
+            <a:fontRef idx="minor">
+              <a:schemeClr val="lt1"/>
+            </a:fontRef>
+          </p:style>
+          <p:txBody>
+            <a:bodyPr rtlCol="0" anchor="ctr"/>
+            <a:lstStyle/>
+            <a:p>
+              <a:pPr algn="ctr"/>
+              <a:endParaRPr lang="ko-KR" altLang="en-US" sz="1600" dirty="0"/>
+            </a:p>
+          </p:txBody>
+        </p:sp>
+        <p:sp>
+          <p:nvSpPr>
+            <p:cNvPr id="64" name="타원 63">
+              <a:extLst>
+                <a:ext uri="{FF2B5EF4-FFF2-40B4-BE49-F238E27FC236}">
+                  <a16:creationId xmlns:a16="http://schemas.microsoft.com/office/drawing/2014/main" id="{ECDC1348-7FC0-8C50-5080-ACE4E2628669}"/>
+                </a:ext>
+              </a:extLst>
+            </p:cNvPr>
+            <p:cNvSpPr/>
+            <p:nvPr/>
+          </p:nvSpPr>
+          <p:spPr>
+            <a:xfrm>
+              <a:off x="5604323" y="5174139"/>
+              <a:ext cx="91313" cy="91313"/>
+            </a:xfrm>
+            <a:prstGeom prst="ellipse">
+              <a:avLst/>
+            </a:prstGeom>
+            <a:solidFill>
+              <a:srgbClr val="FF0000"/>
+            </a:solidFill>
+            <a:ln>
+              <a:noFill/>
+            </a:ln>
+          </p:spPr>
+          <p:style>
+            <a:lnRef idx="2">
+              <a:schemeClr val="accent1">
+                <a:shade val="50000"/>
+              </a:schemeClr>
+            </a:lnRef>
+            <a:fillRef idx="1">
+              <a:schemeClr val="accent1"/>
+            </a:fillRef>
+            <a:effectRef idx="0">
+              <a:schemeClr val="accent1"/>
+            </a:effectRef>
+            <a:fontRef idx="minor">
+              <a:schemeClr val="lt1"/>
+            </a:fontRef>
+          </p:style>
+          <p:txBody>
+            <a:bodyPr rtlCol="0" anchor="ctr"/>
+            <a:lstStyle/>
+            <a:p>
+              <a:pPr algn="ctr"/>
+              <a:endParaRPr lang="ko-KR" altLang="en-US" sz="1600" dirty="0"/>
+            </a:p>
+          </p:txBody>
+        </p:sp>
+        <p:sp>
+          <p:nvSpPr>
+            <p:cNvPr id="65" name="타원 64">
+              <a:extLst>
+                <a:ext uri="{FF2B5EF4-FFF2-40B4-BE49-F238E27FC236}">
+                  <a16:creationId xmlns:a16="http://schemas.microsoft.com/office/drawing/2014/main" id="{C59D80A2-8776-D8F5-6D05-A4BDFD552205}"/>
+                </a:ext>
+              </a:extLst>
+            </p:cNvPr>
+            <p:cNvSpPr/>
+            <p:nvPr/>
+          </p:nvSpPr>
+          <p:spPr>
+            <a:xfrm>
+              <a:off x="5909123" y="5478939"/>
+              <a:ext cx="91313" cy="91313"/>
+            </a:xfrm>
+            <a:prstGeom prst="ellipse">
+              <a:avLst/>
+            </a:prstGeom>
+            <a:solidFill>
+              <a:srgbClr val="FF0000"/>
+            </a:solidFill>
+            <a:ln>
+              <a:noFill/>
+            </a:ln>
+          </p:spPr>
+          <p:style>
+            <a:lnRef idx="2">
+              <a:schemeClr val="accent1">
+                <a:shade val="50000"/>
+              </a:schemeClr>
+            </a:lnRef>
+            <a:fillRef idx="1">
+              <a:schemeClr val="accent1"/>
+            </a:fillRef>
+            <a:effectRef idx="0">
+              <a:schemeClr val="accent1"/>
+            </a:effectRef>
+            <a:fontRef idx="minor">
+              <a:schemeClr val="lt1"/>
+            </a:fontRef>
+          </p:style>
+          <p:txBody>
+            <a:bodyPr rtlCol="0" anchor="ctr"/>
+            <a:lstStyle/>
+            <a:p>
+              <a:pPr algn="ctr"/>
+              <a:endParaRPr lang="ko-KR" altLang="en-US" sz="1600" dirty="0"/>
+            </a:p>
+          </p:txBody>
+        </p:sp>
+        <p:sp>
+          <p:nvSpPr>
+            <p:cNvPr id="66" name="타원 65">
+              <a:extLst>
+                <a:ext uri="{FF2B5EF4-FFF2-40B4-BE49-F238E27FC236}">
+                  <a16:creationId xmlns:a16="http://schemas.microsoft.com/office/drawing/2014/main" id="{5D82C9A8-EB67-AE29-EB20-59F7789F2BF9}"/>
+                </a:ext>
+              </a:extLst>
+            </p:cNvPr>
+            <p:cNvSpPr/>
+            <p:nvPr/>
+          </p:nvSpPr>
+          <p:spPr>
+            <a:xfrm>
+              <a:off x="5909123" y="5167147"/>
+              <a:ext cx="91313" cy="91313"/>
+            </a:xfrm>
+            <a:prstGeom prst="ellipse">
+              <a:avLst/>
+            </a:prstGeom>
+            <a:solidFill>
+              <a:srgbClr val="FF0000"/>
+            </a:solidFill>
+            <a:ln>
+              <a:noFill/>
+            </a:ln>
+          </p:spPr>
+          <p:style>
+            <a:lnRef idx="2">
+              <a:schemeClr val="accent1">
+                <a:shade val="50000"/>
+              </a:schemeClr>
+            </a:lnRef>
+            <a:fillRef idx="1">
+              <a:schemeClr val="accent1"/>
+            </a:fillRef>
+            <a:effectRef idx="0">
+              <a:schemeClr val="accent1"/>
+            </a:effectRef>
+            <a:fontRef idx="minor">
+              <a:schemeClr val="lt1"/>
+            </a:fontRef>
+          </p:style>
+          <p:txBody>
+            <a:bodyPr rtlCol="0" anchor="ctr"/>
+            <a:lstStyle/>
+            <a:p>
+              <a:pPr algn="ctr"/>
+              <a:endParaRPr lang="ko-KR" altLang="en-US" sz="1600" dirty="0"/>
+            </a:p>
+          </p:txBody>
+        </p:sp>
+        <p:sp>
+          <p:nvSpPr>
+            <p:cNvPr id="67" name="타원 66">
+              <a:extLst>
+                <a:ext uri="{FF2B5EF4-FFF2-40B4-BE49-F238E27FC236}">
+                  <a16:creationId xmlns:a16="http://schemas.microsoft.com/office/drawing/2014/main" id="{81325C7C-A9AD-CD79-54BE-D6A448087E44}"/>
+                </a:ext>
+              </a:extLst>
+            </p:cNvPr>
+            <p:cNvSpPr/>
+            <p:nvPr/>
+          </p:nvSpPr>
+          <p:spPr>
+            <a:xfrm>
+              <a:off x="5618034" y="5478939"/>
+              <a:ext cx="91313" cy="91313"/>
+            </a:xfrm>
+            <a:prstGeom prst="ellipse">
+              <a:avLst/>
+            </a:prstGeom>
+            <a:solidFill>
+              <a:srgbClr val="FF0000"/>
+            </a:solidFill>
+            <a:ln>
+              <a:noFill/>
+            </a:ln>
+          </p:spPr>
+          <p:style>
+            <a:lnRef idx="2">
+              <a:schemeClr val="accent1">
+                <a:shade val="50000"/>
+              </a:schemeClr>
+            </a:lnRef>
+            <a:fillRef idx="1">
+              <a:schemeClr val="accent1"/>
+            </a:fillRef>
+            <a:effectRef idx="0">
+              <a:schemeClr val="accent1"/>
+            </a:effectRef>
+            <a:fontRef idx="minor">
+              <a:schemeClr val="lt1"/>
+            </a:fontRef>
+          </p:style>
+          <p:txBody>
+            <a:bodyPr rtlCol="0" anchor="ctr"/>
+            <a:lstStyle/>
+            <a:p>
+              <a:pPr algn="ctr"/>
+              <a:endParaRPr lang="ko-KR" altLang="en-US" sz="1600" dirty="0"/>
+            </a:p>
+          </p:txBody>
+        </p:sp>
+        <p:sp>
+          <p:nvSpPr>
+            <p:cNvPr id="68" name="TextBox 67">
+              <a:extLst>
+                <a:ext uri="{FF2B5EF4-FFF2-40B4-BE49-F238E27FC236}">
+                  <a16:creationId xmlns:a16="http://schemas.microsoft.com/office/drawing/2014/main" id="{A6E85EBF-9099-6FDB-04E4-7082FBD1DB1F}"/>
+                </a:ext>
+              </a:extLst>
+            </p:cNvPr>
+            <p:cNvSpPr txBox="1"/>
+            <p:nvPr/>
+          </p:nvSpPr>
+          <p:spPr>
+            <a:xfrm>
+              <a:off x="5663690" y="5263042"/>
+              <a:ext cx="274434" cy="200055"/>
+            </a:xfrm>
+            <a:prstGeom prst="rect">
+              <a:avLst/>
+            </a:prstGeom>
+            <a:noFill/>
+          </p:spPr>
+          <p:txBody>
+            <a:bodyPr wrap="none" rtlCol="0">
+              <a:spAutoFit/>
+            </a:bodyPr>
+            <a:lstStyle/>
+            <a:p>
+              <a:r>
+                <a:rPr lang="ko-KR" altLang="en-US" sz="700" b="1" dirty="0"/>
+                <a:t>밭</a:t>
+              </a:r>
+            </a:p>
+          </p:txBody>
+        </p:sp>
+        <p:sp>
+          <p:nvSpPr>
+            <p:cNvPr id="70" name="팔각형 69">
+              <a:extLst>
+                <a:ext uri="{FF2B5EF4-FFF2-40B4-BE49-F238E27FC236}">
+                  <a16:creationId xmlns:a16="http://schemas.microsoft.com/office/drawing/2014/main" id="{AC0ABEA2-7C16-CE7A-EB39-54ABD533EEC9}"/>
+                </a:ext>
+              </a:extLst>
+            </p:cNvPr>
+            <p:cNvSpPr/>
+            <p:nvPr/>
+          </p:nvSpPr>
+          <p:spPr>
+            <a:xfrm>
+              <a:off x="5322460" y="4910992"/>
+              <a:ext cx="914400" cy="914400"/>
+            </a:xfrm>
+            <a:prstGeom prst="octagon">
+              <a:avLst/>
+            </a:prstGeom>
+            <a:solidFill>
+              <a:srgbClr val="00B0F0">
+                <a:alpha val="18824"/>
+              </a:srgbClr>
+            </a:solidFill>
+            <a:ln>
+              <a:solidFill>
+                <a:srgbClr val="002060"/>
+              </a:solidFill>
+            </a:ln>
+          </p:spPr>
+          <p:style>
+            <a:lnRef idx="2">
+              <a:schemeClr val="accent1">
+                <a:shade val="50000"/>
+              </a:schemeClr>
+            </a:lnRef>
+            <a:fillRef idx="1">
+              <a:schemeClr val="accent1"/>
+            </a:fillRef>
+            <a:effectRef idx="0">
+              <a:schemeClr val="accent1"/>
+            </a:effectRef>
+            <a:fontRef idx="minor">
+              <a:schemeClr val="lt1"/>
+            </a:fontRef>
+          </p:style>
+          <p:txBody>
+            <a:bodyPr rtlCol="0" anchor="ctr"/>
+            <a:lstStyle/>
+            <a:p>
+              <a:pPr algn="ctr"/>
+              <a:endParaRPr lang="ko-KR" altLang="en-US" dirty="0"/>
+            </a:p>
+          </p:txBody>
+        </p:sp>
+      </p:grpSp>
+      <p:sp>
+        <p:nvSpPr>
+          <p:cNvPr id="72" name="팔각형 71">
+            <a:extLst>
+              <a:ext uri="{FF2B5EF4-FFF2-40B4-BE49-F238E27FC236}">
+                <a16:creationId xmlns:a16="http://schemas.microsoft.com/office/drawing/2014/main" id="{F007538E-9670-534E-0C60-659466F33B91}"/>
+              </a:ext>
+            </a:extLst>
+          </p:cNvPr>
+          <p:cNvSpPr/>
+          <p:nvPr/>
+        </p:nvSpPr>
+        <p:spPr>
+          <a:xfrm>
+            <a:off x="3775609" y="4488339"/>
+            <a:ext cx="914400" cy="914400"/>
+          </a:xfrm>
+          <a:prstGeom prst="octagon">
+            <a:avLst/>
+          </a:prstGeom>
+          <a:solidFill>
+            <a:srgbClr val="FFE699"/>
+          </a:solidFill>
+          <a:ln>
+            <a:noFill/>
+          </a:ln>
+        </p:spPr>
+        <p:style>
+          <a:lnRef idx="2">
+            <a:schemeClr val="accent1">
+              <a:shade val="50000"/>
+            </a:schemeClr>
+          </a:lnRef>
+          <a:fillRef idx="1">
+            <a:schemeClr val="accent1"/>
+          </a:fillRef>
+          <a:effectRef idx="0">
+            <a:schemeClr val="accent1"/>
+          </a:effectRef>
+          <a:fontRef idx="minor">
+            <a:schemeClr val="lt1"/>
+          </a:fontRef>
+        </p:style>
+        <p:txBody>
+          <a:bodyPr rtlCol="0" anchor="ctr"/>
+          <a:lstStyle/>
+          <a:p>
+            <a:pPr algn="ctr"/>
+            <a:endParaRPr lang="ko-KR" altLang="en-US" dirty="0"/>
+          </a:p>
+        </p:txBody>
+      </p:sp>
+      <p:sp>
+        <p:nvSpPr>
+          <p:cNvPr id="73" name="타원 72">
+            <a:extLst>
+              <a:ext uri="{FF2B5EF4-FFF2-40B4-BE49-F238E27FC236}">
+                <a16:creationId xmlns:a16="http://schemas.microsoft.com/office/drawing/2014/main" id="{802DFA7D-2C3A-C751-FC95-2BFCA25E0A33}"/>
+              </a:ext>
+            </a:extLst>
+          </p:cNvPr>
+          <p:cNvSpPr/>
+          <p:nvPr/>
+        </p:nvSpPr>
+        <p:spPr>
+          <a:xfrm>
+            <a:off x="4437868" y="4712843"/>
+            <a:ext cx="119538" cy="119538"/>
+          </a:xfrm>
+          <a:prstGeom prst="ellipse">
+            <a:avLst/>
+          </a:prstGeom>
+          <a:noFill/>
+          <a:ln>
+            <a:solidFill>
+              <a:schemeClr val="accent4">
+                <a:lumMod val="75000"/>
+              </a:schemeClr>
+            </a:solidFill>
+          </a:ln>
+        </p:spPr>
+        <p:style>
+          <a:lnRef idx="2">
+            <a:schemeClr val="accent1">
+              <a:shade val="50000"/>
+            </a:schemeClr>
+          </a:lnRef>
+          <a:fillRef idx="1">
+            <a:schemeClr val="accent1"/>
+          </a:fillRef>
+          <a:effectRef idx="0">
+            <a:schemeClr val="accent1"/>
+          </a:effectRef>
+          <a:fontRef idx="minor">
+            <a:schemeClr val="lt1"/>
+          </a:fontRef>
+        </p:style>
+        <p:txBody>
+          <a:bodyPr rtlCol="0" anchor="ctr"/>
+          <a:lstStyle/>
+          <a:p>
+            <a:pPr algn="ctr"/>
+            <a:endParaRPr lang="ko-KR" altLang="en-US"/>
+          </a:p>
+        </p:txBody>
+      </p:sp>
+      <p:sp>
+        <p:nvSpPr>
+          <p:cNvPr id="74" name="타원 73">
+            <a:extLst>
+              <a:ext uri="{FF2B5EF4-FFF2-40B4-BE49-F238E27FC236}">
+                <a16:creationId xmlns:a16="http://schemas.microsoft.com/office/drawing/2014/main" id="{6ECA3F87-E611-FC80-3555-E4B8BC92B1E2}"/>
+              </a:ext>
+            </a:extLst>
+          </p:cNvPr>
+          <p:cNvSpPr/>
+          <p:nvPr/>
+        </p:nvSpPr>
+        <p:spPr>
+          <a:xfrm>
+            <a:off x="4440093" y="5046933"/>
+            <a:ext cx="119538" cy="119538"/>
+          </a:xfrm>
+          <a:prstGeom prst="ellipse">
+            <a:avLst/>
+          </a:prstGeom>
+          <a:noFill/>
+          <a:ln>
+            <a:solidFill>
+              <a:schemeClr val="accent4">
+                <a:lumMod val="75000"/>
+              </a:schemeClr>
+            </a:solidFill>
+          </a:ln>
+        </p:spPr>
+        <p:style>
+          <a:lnRef idx="2">
+            <a:schemeClr val="accent1">
+              <a:shade val="50000"/>
+            </a:schemeClr>
+          </a:lnRef>
+          <a:fillRef idx="1">
+            <a:schemeClr val="accent1"/>
+          </a:fillRef>
+          <a:effectRef idx="0">
+            <a:schemeClr val="accent1"/>
+          </a:effectRef>
+          <a:fontRef idx="minor">
+            <a:schemeClr val="lt1"/>
+          </a:fontRef>
+        </p:style>
+        <p:txBody>
+          <a:bodyPr rtlCol="0" anchor="ctr"/>
+          <a:lstStyle/>
+          <a:p>
+            <a:pPr algn="ctr"/>
+            <a:endParaRPr lang="ko-KR" altLang="en-US"/>
+          </a:p>
+        </p:txBody>
+      </p:sp>
+      <p:sp>
+        <p:nvSpPr>
+          <p:cNvPr id="75" name="타원 74">
+            <a:extLst>
+              <a:ext uri="{FF2B5EF4-FFF2-40B4-BE49-F238E27FC236}">
+                <a16:creationId xmlns:a16="http://schemas.microsoft.com/office/drawing/2014/main" id="{5F9B82B8-0209-E6F8-5CB6-026F608C9D66}"/>
+              </a:ext>
+            </a:extLst>
+          </p:cNvPr>
+          <p:cNvSpPr/>
+          <p:nvPr/>
+        </p:nvSpPr>
+        <p:spPr>
+          <a:xfrm>
+            <a:off x="3933170" y="4638816"/>
+            <a:ext cx="91313" cy="91313"/>
+          </a:xfrm>
+          <a:prstGeom prst="ellipse">
+            <a:avLst/>
+          </a:prstGeom>
+          <a:solidFill>
+            <a:schemeClr val="accent4">
+              <a:lumMod val="50000"/>
+            </a:schemeClr>
+          </a:solidFill>
+          <a:ln>
+            <a:solidFill>
+              <a:schemeClr val="accent4">
+                <a:lumMod val="50000"/>
+              </a:schemeClr>
+            </a:solidFill>
+          </a:ln>
+        </p:spPr>
+        <p:style>
+          <a:lnRef idx="2">
+            <a:schemeClr val="accent1">
+              <a:shade val="50000"/>
+            </a:schemeClr>
+          </a:lnRef>
+          <a:fillRef idx="1">
+            <a:schemeClr val="accent1"/>
+          </a:fillRef>
+          <a:effectRef idx="0">
+            <a:schemeClr val="accent1"/>
+          </a:effectRef>
+          <a:fontRef idx="minor">
+            <a:schemeClr val="lt1"/>
+          </a:fontRef>
+        </p:style>
+        <p:txBody>
+          <a:bodyPr rtlCol="0" anchor="ctr"/>
+          <a:lstStyle/>
+          <a:p>
+            <a:pPr algn="ctr"/>
+            <a:endParaRPr lang="ko-KR" altLang="en-US" sz="1600" dirty="0"/>
+          </a:p>
+        </p:txBody>
+      </p:sp>
+      <p:sp>
+        <p:nvSpPr>
+          <p:cNvPr id="76" name="타원 75">
+            <a:extLst>
+              <a:ext uri="{FF2B5EF4-FFF2-40B4-BE49-F238E27FC236}">
+                <a16:creationId xmlns:a16="http://schemas.microsoft.com/office/drawing/2014/main" id="{9868E5CA-36D2-D973-EC46-01D4E7C92503}"/>
+              </a:ext>
+            </a:extLst>
+          </p:cNvPr>
+          <p:cNvSpPr/>
+          <p:nvPr/>
+        </p:nvSpPr>
+        <p:spPr>
+          <a:xfrm>
+            <a:off x="3912871" y="5142577"/>
+            <a:ext cx="91313" cy="91313"/>
+          </a:xfrm>
+          <a:prstGeom prst="ellipse">
+            <a:avLst/>
+          </a:prstGeom>
+          <a:solidFill>
+            <a:schemeClr val="accent4">
+              <a:lumMod val="50000"/>
+            </a:schemeClr>
+          </a:solidFill>
+          <a:ln>
+            <a:solidFill>
+              <a:schemeClr val="accent4">
+                <a:lumMod val="50000"/>
+              </a:schemeClr>
+            </a:solidFill>
+          </a:ln>
+        </p:spPr>
+        <p:style>
+          <a:lnRef idx="2">
+            <a:schemeClr val="accent1">
+              <a:shade val="50000"/>
+            </a:schemeClr>
+          </a:lnRef>
+          <a:fillRef idx="1">
+            <a:schemeClr val="accent1"/>
+          </a:fillRef>
+          <a:effectRef idx="0">
+            <a:schemeClr val="accent1"/>
+          </a:effectRef>
+          <a:fontRef idx="minor">
+            <a:schemeClr val="lt1"/>
+          </a:fontRef>
+        </p:style>
+        <p:txBody>
+          <a:bodyPr rtlCol="0" anchor="ctr"/>
+          <a:lstStyle/>
+          <a:p>
+            <a:pPr algn="ctr"/>
+            <a:endParaRPr lang="ko-KR" altLang="en-US" sz="1600" dirty="0"/>
+          </a:p>
+        </p:txBody>
+      </p:sp>
+      <p:sp>
+        <p:nvSpPr>
+          <p:cNvPr id="77" name="타원 76">
+            <a:extLst>
+              <a:ext uri="{FF2B5EF4-FFF2-40B4-BE49-F238E27FC236}">
+                <a16:creationId xmlns:a16="http://schemas.microsoft.com/office/drawing/2014/main" id="{BFCB8309-A572-38BB-9CBF-2935C692E944}"/>
+              </a:ext>
+            </a:extLst>
+          </p:cNvPr>
+          <p:cNvSpPr/>
+          <p:nvPr/>
+        </p:nvSpPr>
+        <p:spPr>
+          <a:xfrm>
+            <a:off x="4195562" y="4555313"/>
+            <a:ext cx="91313" cy="91313"/>
+          </a:xfrm>
+          <a:prstGeom prst="ellipse">
+            <a:avLst/>
+          </a:prstGeom>
+          <a:solidFill>
+            <a:schemeClr val="accent4">
+              <a:lumMod val="50000"/>
+            </a:schemeClr>
+          </a:solidFill>
+          <a:ln>
+            <a:solidFill>
+              <a:schemeClr val="accent4">
+                <a:lumMod val="50000"/>
+              </a:schemeClr>
+            </a:solidFill>
+          </a:ln>
+        </p:spPr>
+        <p:style>
+          <a:lnRef idx="2">
+            <a:schemeClr val="accent1">
+              <a:shade val="50000"/>
+            </a:schemeClr>
+          </a:lnRef>
+          <a:fillRef idx="1">
+            <a:schemeClr val="accent1"/>
+          </a:fillRef>
+          <a:effectRef idx="0">
+            <a:schemeClr val="accent1"/>
+          </a:effectRef>
+          <a:fontRef idx="minor">
+            <a:schemeClr val="lt1"/>
+          </a:fontRef>
+        </p:style>
+        <p:txBody>
+          <a:bodyPr rtlCol="0" anchor="ctr"/>
+          <a:lstStyle/>
+          <a:p>
+            <a:pPr algn="ctr"/>
+            <a:endParaRPr lang="ko-KR" altLang="en-US" sz="1600" dirty="0"/>
+          </a:p>
+        </p:txBody>
+      </p:sp>
+      <p:sp>
+        <p:nvSpPr>
+          <p:cNvPr id="78" name="타원 77">
+            <a:extLst>
+              <a:ext uri="{FF2B5EF4-FFF2-40B4-BE49-F238E27FC236}">
+                <a16:creationId xmlns:a16="http://schemas.microsoft.com/office/drawing/2014/main" id="{9A401BE7-2045-2006-20C3-904EA05BE75D}"/>
+              </a:ext>
+            </a:extLst>
+          </p:cNvPr>
+          <p:cNvSpPr/>
+          <p:nvPr/>
+        </p:nvSpPr>
+        <p:spPr>
+          <a:xfrm>
+            <a:off x="4187152" y="5276733"/>
+            <a:ext cx="91313" cy="91313"/>
+          </a:xfrm>
+          <a:prstGeom prst="ellipse">
+            <a:avLst/>
+          </a:prstGeom>
+          <a:solidFill>
+            <a:schemeClr val="accent4">
+              <a:lumMod val="50000"/>
+            </a:schemeClr>
+          </a:solidFill>
+          <a:ln>
+            <a:solidFill>
+              <a:schemeClr val="accent4">
+                <a:lumMod val="50000"/>
+              </a:schemeClr>
+            </a:solidFill>
+          </a:ln>
+        </p:spPr>
+        <p:style>
+          <a:lnRef idx="2">
+            <a:schemeClr val="accent1">
+              <a:shade val="50000"/>
+            </a:schemeClr>
+          </a:lnRef>
+          <a:fillRef idx="1">
+            <a:schemeClr val="accent1"/>
+          </a:fillRef>
+          <a:effectRef idx="0">
+            <a:schemeClr val="accent1"/>
+          </a:effectRef>
+          <a:fontRef idx="minor">
+            <a:schemeClr val="lt1"/>
+          </a:fontRef>
+        </p:style>
+        <p:txBody>
+          <a:bodyPr rtlCol="0" anchor="ctr"/>
+          <a:lstStyle/>
+          <a:p>
+            <a:pPr algn="ctr"/>
+            <a:endParaRPr lang="ko-KR" altLang="en-US" sz="1600" dirty="0"/>
+          </a:p>
+        </p:txBody>
+      </p:sp>
+      <p:sp>
+        <p:nvSpPr>
+          <p:cNvPr id="79" name="TextBox 78">
+            <a:extLst>
+              <a:ext uri="{FF2B5EF4-FFF2-40B4-BE49-F238E27FC236}">
+                <a16:creationId xmlns:a16="http://schemas.microsoft.com/office/drawing/2014/main" id="{F41591D0-6A10-69EF-59D6-9521079E49D2}"/>
+              </a:ext>
+            </a:extLst>
+          </p:cNvPr>
+          <p:cNvSpPr txBox="1"/>
+          <p:nvPr/>
+        </p:nvSpPr>
+        <p:spPr>
+          <a:xfrm>
+            <a:off x="3940485" y="4861358"/>
+            <a:ext cx="543739" cy="200055"/>
+          </a:xfrm>
+          <a:prstGeom prst="rect">
+            <a:avLst/>
+          </a:prstGeom>
+          <a:noFill/>
+        </p:spPr>
+        <p:txBody>
+          <a:bodyPr wrap="none" rtlCol="0">
+            <a:spAutoFit/>
+          </a:bodyPr>
+          <a:lstStyle/>
+          <a:p>
+            <a:r>
+              <a:rPr lang="ko-KR" altLang="en-US" sz="700" b="1" dirty="0"/>
+              <a:t>모래사장</a:t>
+            </a:r>
+          </a:p>
+        </p:txBody>
+      </p:sp>
+      <p:sp>
+        <p:nvSpPr>
+          <p:cNvPr id="80" name="팔각형 79">
+            <a:extLst>
+              <a:ext uri="{FF2B5EF4-FFF2-40B4-BE49-F238E27FC236}">
+                <a16:creationId xmlns:a16="http://schemas.microsoft.com/office/drawing/2014/main" id="{F007538E-9670-534E-0C60-659466F33B91}"/>
+              </a:ext>
+            </a:extLst>
+          </p:cNvPr>
+          <p:cNvSpPr/>
+          <p:nvPr/>
+        </p:nvSpPr>
+        <p:spPr>
+          <a:xfrm>
+            <a:off x="3775609" y="4488339"/>
+            <a:ext cx="914400" cy="914400"/>
+          </a:xfrm>
+          <a:prstGeom prst="octagon">
+            <a:avLst/>
+          </a:prstGeom>
+          <a:solidFill>
+            <a:srgbClr val="FF0000">
+              <a:alpha val="20000"/>
+            </a:srgbClr>
+          </a:solidFill>
+          <a:ln>
+            <a:solidFill>
+              <a:srgbClr val="FF0000"/>
+            </a:solidFill>
+          </a:ln>
+        </p:spPr>
+        <p:style>
+          <a:lnRef idx="2">
+            <a:schemeClr val="accent1">
+              <a:shade val="50000"/>
+            </a:schemeClr>
+          </a:lnRef>
+          <a:fillRef idx="1">
+            <a:schemeClr val="accent1"/>
+          </a:fillRef>
+          <a:effectRef idx="0">
+            <a:schemeClr val="accent1"/>
+          </a:effectRef>
+          <a:fontRef idx="minor">
+            <a:schemeClr val="lt1"/>
+          </a:fontRef>
+        </p:style>
+        <p:txBody>
+          <a:bodyPr rtlCol="0" anchor="ctr"/>
+          <a:lstStyle/>
+          <a:p>
+            <a:pPr algn="ctr"/>
+            <a:endParaRPr lang="ko-KR" altLang="en-US" dirty="0"/>
+          </a:p>
+        </p:txBody>
+      </p:sp>
+      <p:sp>
+        <p:nvSpPr>
+          <p:cNvPr id="21" name="TextBox 20"/>
+          <p:cNvSpPr txBox="1"/>
+          <p:nvPr/>
+        </p:nvSpPr>
+        <p:spPr>
+          <a:xfrm>
+            <a:off x="5409127" y="5765034"/>
+            <a:ext cx="845103" cy="200055"/>
+          </a:xfrm>
+          <a:prstGeom prst="rect">
+            <a:avLst/>
+          </a:prstGeom>
+          <a:noFill/>
+        </p:spPr>
+        <p:txBody>
+          <a:bodyPr wrap="none" rtlCol="0">
+            <a:spAutoFit/>
+          </a:bodyPr>
+          <a:lstStyle/>
+          <a:p>
+            <a:r>
+              <a:rPr lang="ko-KR" altLang="en-US" sz="700" b="1" dirty="0" err="1" smtClean="0"/>
+              <a:t>블루팀</a:t>
+            </a:r>
+            <a:r>
+              <a:rPr lang="ko-KR" altLang="en-US" sz="700" b="1" dirty="0" smtClean="0"/>
+              <a:t> 점령지역</a:t>
+            </a:r>
+            <a:endParaRPr lang="ko-KR" altLang="en-US" sz="700" b="1" dirty="0"/>
+          </a:p>
+        </p:txBody>
+      </p:sp>
+      <p:cxnSp>
+        <p:nvCxnSpPr>
+          <p:cNvPr id="13" name="직선 화살표 연결선 12"/>
+          <p:cNvCxnSpPr/>
+          <p:nvPr/>
+        </p:nvCxnSpPr>
+        <p:spPr>
+          <a:xfrm flipH="1">
+            <a:off x="4437757" y="3634404"/>
+            <a:ext cx="229075" cy="719884"/>
+          </a:xfrm>
+          <a:prstGeom prst="straightConnector1">
+            <a:avLst/>
+          </a:prstGeom>
+          <a:ln>
+            <a:tailEnd type="triangle"/>
+          </a:ln>
+        </p:spPr>
+        <p:style>
+          <a:lnRef idx="1">
+            <a:schemeClr val="accent1"/>
+          </a:lnRef>
+          <a:fillRef idx="0">
+            <a:schemeClr val="accent1"/>
+          </a:fillRef>
+          <a:effectRef idx="0">
+            <a:schemeClr val="accent1"/>
+          </a:effectRef>
+          <a:fontRef idx="minor">
+            <a:schemeClr val="tx1"/>
+          </a:fontRef>
+        </p:style>
+      </p:cxnSp>
+      <p:cxnSp>
+        <p:nvCxnSpPr>
+          <p:cNvPr id="85" name="직선 화살표 연결선 84"/>
+          <p:cNvCxnSpPr/>
+          <p:nvPr/>
+        </p:nvCxnSpPr>
+        <p:spPr>
+          <a:xfrm flipH="1">
+            <a:off x="5826571" y="4466031"/>
+            <a:ext cx="14885" cy="316418"/>
+          </a:xfrm>
+          <a:prstGeom prst="straightConnector1">
+            <a:avLst/>
+          </a:prstGeom>
+          <a:ln>
+            <a:tailEnd type="triangle"/>
+          </a:ln>
+        </p:spPr>
+        <p:style>
+          <a:lnRef idx="1">
+            <a:schemeClr val="accent1"/>
+          </a:lnRef>
+          <a:fillRef idx="0">
+            <a:schemeClr val="accent1"/>
+          </a:fillRef>
+          <a:effectRef idx="0">
+            <a:schemeClr val="accent1"/>
+          </a:effectRef>
+          <a:fontRef idx="minor">
+            <a:schemeClr val="tx1"/>
+          </a:fontRef>
+        </p:style>
+      </p:cxnSp>
+      <p:sp>
+        <p:nvSpPr>
+          <p:cNvPr id="88" name="TextBox 87"/>
+          <p:cNvSpPr txBox="1"/>
+          <p:nvPr/>
+        </p:nvSpPr>
+        <p:spPr>
+          <a:xfrm>
+            <a:off x="3810148" y="5433940"/>
+            <a:ext cx="845103" cy="200055"/>
+          </a:xfrm>
+          <a:prstGeom prst="rect">
+            <a:avLst/>
+          </a:prstGeom>
+          <a:noFill/>
+        </p:spPr>
+        <p:txBody>
+          <a:bodyPr wrap="none" rtlCol="0">
+            <a:spAutoFit/>
+          </a:bodyPr>
+          <a:lstStyle/>
+          <a:p>
+            <a:r>
+              <a:rPr lang="ko-KR" altLang="en-US" sz="700" b="1" dirty="0" err="1" smtClean="0"/>
+              <a:t>레드팀</a:t>
+            </a:r>
+            <a:r>
+              <a:rPr lang="ko-KR" altLang="en-US" sz="700" b="1" dirty="0" smtClean="0"/>
+              <a:t> 점령지역</a:t>
+            </a:r>
+            <a:endParaRPr lang="ko-KR" altLang="en-US" sz="700" b="1" dirty="0"/>
+          </a:p>
+        </p:txBody>
+      </p:sp>
+    </p:spTree>
+    <p:extLst>
+      <p:ext uri="{BB962C8B-B14F-4D97-AF65-F5344CB8AC3E}">
+        <p14:creationId xmlns:p14="http://schemas.microsoft.com/office/powerpoint/2010/main" val="3324878063"/>
+      </p:ext>
+    </p:extLst>
+  </p:cSld>
+  <p:clrMapOvr>
+    <a:masterClrMapping/>
+  </p:clrMapOvr>
+  <p:timing>
+    <p:tnLst>
+      <p:par>
+        <p:cTn id="1" dur="indefinite" restart="never" nodeType="tmRoot"/>
+      </p:par>
+    </p:tnLst>
+  </p:timing>
+</p:sld>
+</file>
+
+<file path=ppt/slides/slide4.xml><?xml version="1.0" encoding="utf-8"?>
 <p:sld xmlns:a="http://schemas.openxmlformats.org/drawingml/2006/main" xmlns:r="http://schemas.openxmlformats.org/officeDocument/2006/relationships" xmlns:p="http://schemas.openxmlformats.org/presentationml/2006/main">
   <p:cSld>
     <p:spTree>
@@ -8929,6 +14223,10 @@
                 <a:rPr lang="ko-KR" altLang="en-US" sz="1200" dirty="0"/>
                 <a:t>각 구역에는 배치 되어 있는 재료들이 </a:t>
               </a:r>
+              <a:r>
+                <a:rPr lang="en-US" altLang="ko-KR" sz="1200" dirty="0"/>
+                <a:t/>
+              </a:r>
               <a:br>
                 <a:rPr lang="en-US" altLang="ko-KR" sz="1200" dirty="0"/>
               </a:br>
@@ -8962,6 +14260,10 @@
               <a:r>
                 <a:rPr lang="ko-KR" altLang="en-US" sz="1200" dirty="0"/>
                 <a:t>완전한 재료가</a:t>
+              </a:r>
+              <a:r>
+                <a:rPr lang="en-US" altLang="ko-KR" sz="1200" dirty="0"/>
+                <a:t/>
               </a:r>
               <a:br>
                 <a:rPr lang="en-US" altLang="ko-KR" sz="1200" dirty="0"/>
@@ -9113,12 +14415,20 @@
                 <a:rPr lang="ko-KR" altLang="en-US" sz="1200" dirty="0"/>
                 <a:t>는 배를 고치기 위한 재료를 </a:t>
               </a:r>
+              <a:r>
+                <a:rPr lang="en-US" altLang="ko-KR" sz="1200" dirty="0"/>
+                <a:t/>
+              </a:r>
               <a:br>
                 <a:rPr lang="en-US" altLang="ko-KR" sz="1200" dirty="0"/>
               </a:br>
               <a:r>
                 <a:rPr lang="ko-KR" altLang="en-US" sz="1200" dirty="0"/>
                 <a:t>모아 놓는 상자와 회의를 하기 위한 탁자가</a:t>
+              </a:r>
+              <a:r>
+                <a:rPr lang="en-US" altLang="ko-KR" sz="1200" dirty="0"/>
+                <a:t/>
               </a:r>
               <a:br>
                 <a:rPr lang="en-US" altLang="ko-KR" sz="1200" dirty="0"/>
@@ -9152,6 +14462,10 @@
               <a:r>
                 <a:rPr lang="ko-KR" altLang="en-US" sz="1200" dirty="0"/>
                 <a:t>는 원석을 가공 시켜 완전한 재료</a:t>
+              </a:r>
+              <a:r>
+                <a:rPr lang="en-US" altLang="ko-KR" sz="1200" dirty="0"/>
+                <a:t/>
               </a:r>
               <a:br>
                 <a:rPr lang="en-US" altLang="ko-KR" sz="1200" dirty="0"/>
@@ -11488,7 +16802,7 @@
               <p:nvPr/>
             </p:nvPicPr>
             <p:blipFill>
-              <a:blip r:embed="rId3">
+              <a:blip r:embed="rId3" cstate="hqprint">
                 <a:extLst>
                   <a:ext uri="{BEBA8EAE-BF5A-486C-A8C5-ECC9F3942E4B}">
                     <a14:imgProps xmlns:a14="http://schemas.microsoft.com/office/drawing/2010/main">
@@ -11544,7 +16858,7 @@
               <p:nvPr/>
             </p:nvPicPr>
             <p:blipFill>
-              <a:blip r:embed="rId3">
+              <a:blip r:embed="rId3" cstate="hqprint">
                 <a:extLst>
                   <a:ext uri="{BEBA8EAE-BF5A-486C-A8C5-ECC9F3942E4B}">
                     <a14:imgProps xmlns:a14="http://schemas.microsoft.com/office/drawing/2010/main">
@@ -11600,7 +16914,7 @@
               <p:nvPr/>
             </p:nvPicPr>
             <p:blipFill>
-              <a:blip r:embed="rId3">
+              <a:blip r:embed="rId3" cstate="hqprint">
                 <a:extLst>
                   <a:ext uri="{BEBA8EAE-BF5A-486C-A8C5-ECC9F3942E4B}">
                     <a14:imgProps xmlns:a14="http://schemas.microsoft.com/office/drawing/2010/main">
@@ -11656,7 +16970,7 @@
               <p:nvPr/>
             </p:nvPicPr>
             <p:blipFill>
-              <a:blip r:embed="rId3">
+              <a:blip r:embed="rId3" cstate="hqprint">
                 <a:extLst>
                   <a:ext uri="{BEBA8EAE-BF5A-486C-A8C5-ECC9F3942E4B}">
                     <a14:imgProps xmlns:a14="http://schemas.microsoft.com/office/drawing/2010/main">
@@ -12579,7 +17893,7 @@
           <p:nvPr/>
         </p:nvPicPr>
         <p:blipFill>
-          <a:blip r:embed="rId6">
+          <a:blip r:embed="rId6" cstate="hqprint">
             <a:extLst>
               <a:ext uri="{BEBA8EAE-BF5A-486C-A8C5-ECC9F3942E4B}">
                 <a14:imgProps xmlns:a14="http://schemas.microsoft.com/office/drawing/2010/main">
@@ -12723,10 +18037,17 @@
   <p:clrMapOvr>
     <a:masterClrMapping/>
   </p:clrMapOvr>
+  <p:timing>
+    <p:tnLst>
+      <p:par>
+        <p:cTn id="1" dur="indefinite" restart="never" nodeType="tmRoot"/>
+      </p:par>
+    </p:tnLst>
+  </p:timing>
 </p:sld>
 </file>
 
-<file path=ppt/slides/slide4.xml><?xml version="1.0" encoding="utf-8"?>
+<file path=ppt/slides/slide5.xml><?xml version="1.0" encoding="utf-8"?>
 <p:sld xmlns:a="http://schemas.openxmlformats.org/drawingml/2006/main" xmlns:r="http://schemas.openxmlformats.org/officeDocument/2006/relationships" xmlns:p="http://schemas.openxmlformats.org/presentationml/2006/main">
   <p:cSld>
     <p:spTree>
@@ -13105,6 +18426,10 @@
                 <a:rPr lang="ko-KR" altLang="en-US" sz="1200" dirty="0"/>
                 <a:t>각 구역에는 배치 되어 있는 재료들이 </a:t>
               </a:r>
+              <a:r>
+                <a:rPr lang="en-US" altLang="ko-KR" sz="1200" dirty="0"/>
+                <a:t/>
+              </a:r>
               <a:br>
                 <a:rPr lang="en-US" altLang="ko-KR" sz="1200" dirty="0"/>
               </a:br>
@@ -13138,6 +18463,10 @@
               <a:r>
                 <a:rPr lang="ko-KR" altLang="en-US" sz="1200" dirty="0"/>
                 <a:t>완전한 재료가</a:t>
+              </a:r>
+              <a:r>
+                <a:rPr lang="en-US" altLang="ko-KR" sz="1200" dirty="0"/>
+                <a:t/>
               </a:r>
               <a:br>
                 <a:rPr lang="en-US" altLang="ko-KR" sz="1200" dirty="0"/>
@@ -13289,12 +18618,20 @@
                 <a:rPr lang="ko-KR" altLang="en-US" sz="1200" dirty="0"/>
                 <a:t>는 배를 고치기 위한 재료를 </a:t>
               </a:r>
+              <a:r>
+                <a:rPr lang="en-US" altLang="ko-KR" sz="1200" dirty="0"/>
+                <a:t/>
+              </a:r>
               <a:br>
                 <a:rPr lang="en-US" altLang="ko-KR" sz="1200" dirty="0"/>
               </a:br>
               <a:r>
                 <a:rPr lang="ko-KR" altLang="en-US" sz="1200" dirty="0"/>
                 <a:t>모아 놓는 상자와 회의를 하기 위한 탁자가</a:t>
+              </a:r>
+              <a:r>
+                <a:rPr lang="en-US" altLang="ko-KR" sz="1200" dirty="0"/>
+                <a:t/>
               </a:r>
               <a:br>
                 <a:rPr lang="en-US" altLang="ko-KR" sz="1200" dirty="0"/>
@@ -13328,6 +18665,10 @@
               <a:r>
                 <a:rPr lang="ko-KR" altLang="en-US" sz="1200" dirty="0"/>
                 <a:t>는 원석을 가공 시켜 완전한 재료</a:t>
+              </a:r>
+              <a:r>
+                <a:rPr lang="en-US" altLang="ko-KR" sz="1200" dirty="0"/>
+                <a:t/>
               </a:r>
               <a:br>
                 <a:rPr lang="en-US" altLang="ko-KR" sz="1200" dirty="0"/>
@@ -28190,7 +33531,7 @@
             <p:nvPr/>
           </p:nvPicPr>
           <p:blipFill>
-            <a:blip r:embed="rId3">
+            <a:blip r:embed="rId3" cstate="hqprint">
               <a:extLst>
                 <a:ext uri="{BEBA8EAE-BF5A-486C-A8C5-ECC9F3942E4B}">
                   <a14:imgProps xmlns:a14="http://schemas.microsoft.com/office/drawing/2010/main">
@@ -28246,7 +33587,7 @@
             <p:nvPr/>
           </p:nvPicPr>
           <p:blipFill>
-            <a:blip r:embed="rId3">
+            <a:blip r:embed="rId3" cstate="hqprint">
               <a:extLst>
                 <a:ext uri="{BEBA8EAE-BF5A-486C-A8C5-ECC9F3942E4B}">
                   <a14:imgProps xmlns:a14="http://schemas.microsoft.com/office/drawing/2010/main">
@@ -28302,7 +33643,7 @@
             <p:nvPr/>
           </p:nvPicPr>
           <p:blipFill>
-            <a:blip r:embed="rId3">
+            <a:blip r:embed="rId3" cstate="hqprint">
               <a:extLst>
                 <a:ext uri="{BEBA8EAE-BF5A-486C-A8C5-ECC9F3942E4B}">
                   <a14:imgProps xmlns:a14="http://schemas.microsoft.com/office/drawing/2010/main">
@@ -28358,7 +33699,7 @@
             <p:nvPr/>
           </p:nvPicPr>
           <p:blipFill>
-            <a:blip r:embed="rId3">
+            <a:blip r:embed="rId3" cstate="hqprint">
               <a:extLst>
                 <a:ext uri="{BEBA8EAE-BF5A-486C-A8C5-ECC9F3942E4B}">
                   <a14:imgProps xmlns:a14="http://schemas.microsoft.com/office/drawing/2010/main">
@@ -28414,7 +33755,7 @@
             <p:nvPr/>
           </p:nvPicPr>
           <p:blipFill>
-            <a:blip r:embed="rId3">
+            <a:blip r:embed="rId3" cstate="hqprint">
               <a:extLst>
                 <a:ext uri="{BEBA8EAE-BF5A-486C-A8C5-ECC9F3942E4B}">
                   <a14:imgProps xmlns:a14="http://schemas.microsoft.com/office/drawing/2010/main">
@@ -28523,7 +33864,7 @@
 </p:sld>
 </file>
 
-<file path=ppt/slides/slide5.xml><?xml version="1.0" encoding="utf-8"?>
+<file path=ppt/slides/slide6.xml><?xml version="1.0" encoding="utf-8"?>
 <p:sld xmlns:a="http://schemas.openxmlformats.org/drawingml/2006/main" xmlns:r="http://schemas.openxmlformats.org/officeDocument/2006/relationships" xmlns:p="http://schemas.openxmlformats.org/presentationml/2006/main">
   <p:cSld>
     <p:spTree>
@@ -29430,7 +34771,7 @@
 </p:sld>
 </file>
 
-<file path=ppt/slides/slide6.xml><?xml version="1.0" encoding="utf-8"?>
+<file path=ppt/slides/slide7.xml><?xml version="1.0" encoding="utf-8"?>
 <p:sld xmlns:a="http://schemas.openxmlformats.org/drawingml/2006/main" xmlns:r="http://schemas.openxmlformats.org/officeDocument/2006/relationships" xmlns:p="http://schemas.openxmlformats.org/presentationml/2006/main">
   <p:cSld>
     <p:spTree>
@@ -29580,7 +34921,7 @@
           <p:nvPr/>
         </p:nvPicPr>
         <p:blipFill>
-          <a:blip r:embed="rId4">
+          <a:blip r:embed="rId4" cstate="hqprint">
             <a:extLst>
               <a:ext uri="{28A0092B-C50C-407E-A947-70E740481C1C}">
                 <a14:useLocalDpi xmlns:a14="http://schemas.microsoft.com/office/drawing/2010/main" val="0"/>
@@ -29650,7 +34991,7 @@
 </p:sld>
 </file>
 
-<file path=ppt/slides/slide7.xml><?xml version="1.0" encoding="utf-8"?>
+<file path=ppt/slides/slide8.xml><?xml version="1.0" encoding="utf-8"?>
 <p:sld xmlns:a="http://schemas.openxmlformats.org/drawingml/2006/main" xmlns:r="http://schemas.openxmlformats.org/officeDocument/2006/relationships" xmlns:p="http://schemas.openxmlformats.org/presentationml/2006/main">
   <p:cSld>
     <p:spTree>
@@ -30534,7 +35875,7 @@
           <p:nvPr/>
         </p:nvPicPr>
         <p:blipFill>
-          <a:blip r:embed="rId4">
+          <a:blip r:embed="rId4" cstate="hqprint">
             <a:extLst>
               <a:ext uri="{28A0092B-C50C-407E-A947-70E740481C1C}">
                 <a14:useLocalDpi xmlns:a14="http://schemas.microsoft.com/office/drawing/2010/main" val="0"/>
@@ -30570,7 +35911,7 @@
           <p:nvPr/>
         </p:nvPicPr>
         <p:blipFill>
-          <a:blip r:embed="rId4">
+          <a:blip r:embed="rId4" cstate="hqprint">
             <a:extLst>
               <a:ext uri="{28A0092B-C50C-407E-A947-70E740481C1C}">
                 <a14:useLocalDpi xmlns:a14="http://schemas.microsoft.com/office/drawing/2010/main" val="0"/>
@@ -30658,7 +35999,7 @@
           <p:nvPr/>
         </p:nvPicPr>
         <p:blipFill>
-          <a:blip r:embed="rId4">
+          <a:blip r:embed="rId4" cstate="hqprint">
             <a:extLst>
               <a:ext uri="{28A0092B-C50C-407E-A947-70E740481C1C}">
                 <a14:useLocalDpi xmlns:a14="http://schemas.microsoft.com/office/drawing/2010/main" val="0"/>
@@ -31519,7 +36860,7 @@
           <p:nvPr/>
         </p:nvPicPr>
         <p:blipFill>
-          <a:blip r:embed="rId5">
+          <a:blip r:embed="rId5" cstate="hqprint">
             <a:extLst>
               <a:ext uri="{28A0092B-C50C-407E-A947-70E740481C1C}">
                 <a14:useLocalDpi xmlns:a14="http://schemas.microsoft.com/office/drawing/2010/main" val="0"/>
@@ -31555,7 +36896,7 @@
           <p:nvPr/>
         </p:nvPicPr>
         <p:blipFill>
-          <a:blip r:embed="rId5">
+          <a:blip r:embed="rId5" cstate="hqprint">
             <a:extLst>
               <a:ext uri="{28A0092B-C50C-407E-A947-70E740481C1C}">
                 <a14:useLocalDpi xmlns:a14="http://schemas.microsoft.com/office/drawing/2010/main" val="0"/>
@@ -32304,7 +37645,7 @@
 </p:sld>
 </file>
 
-<file path=ppt/slides/slide8.xml><?xml version="1.0" encoding="utf-8"?>
+<file path=ppt/slides/slide9.xml><?xml version="1.0" encoding="utf-8"?>
 <p:sld xmlns:a="http://schemas.openxmlformats.org/drawingml/2006/main" xmlns:r="http://schemas.openxmlformats.org/officeDocument/2006/relationships" xmlns:p="http://schemas.openxmlformats.org/presentationml/2006/main">
   <p:cSld>
     <p:spTree>
@@ -32645,7 +37986,7 @@
             <p:nvPr/>
           </p:nvPicPr>
           <p:blipFill>
-            <a:blip r:embed="rId4">
+            <a:blip r:embed="rId4" cstate="hqprint">
               <a:extLst>
                 <a:ext uri="{28A0092B-C50C-407E-A947-70E740481C1C}">
                   <a14:useLocalDpi xmlns:a14="http://schemas.microsoft.com/office/drawing/2010/main" val="0"/>
@@ -32681,7 +38022,7 @@
             <p:nvPr/>
           </p:nvPicPr>
           <p:blipFill>
-            <a:blip r:embed="rId4">
+            <a:blip r:embed="rId4" cstate="hqprint">
               <a:extLst>
                 <a:ext uri="{28A0092B-C50C-407E-A947-70E740481C1C}">
                   <a14:useLocalDpi xmlns:a14="http://schemas.microsoft.com/office/drawing/2010/main" val="0"/>
@@ -32717,7 +38058,7 @@
             <p:nvPr/>
           </p:nvPicPr>
           <p:blipFill>
-            <a:blip r:embed="rId4">
+            <a:blip r:embed="rId4" cstate="hqprint">
               <a:extLst>
                 <a:ext uri="{28A0092B-C50C-407E-A947-70E740481C1C}">
                   <a14:useLocalDpi xmlns:a14="http://schemas.microsoft.com/office/drawing/2010/main" val="0"/>
@@ -32811,7 +38152,7 @@
             <p:nvPr/>
           </p:nvPicPr>
           <p:blipFill>
-            <a:blip r:embed="rId4">
+            <a:blip r:embed="rId4" cstate="hqprint">
               <a:extLst>
                 <a:ext uri="{28A0092B-C50C-407E-A947-70E740481C1C}">
                   <a14:useLocalDpi xmlns:a14="http://schemas.microsoft.com/office/drawing/2010/main" val="0"/>
@@ -32847,7 +38188,7 @@
             <p:nvPr/>
           </p:nvPicPr>
           <p:blipFill>
-            <a:blip r:embed="rId4">
+            <a:blip r:embed="rId4" cstate="hqprint">
               <a:extLst>
                 <a:ext uri="{28A0092B-C50C-407E-A947-70E740481C1C}">
                   <a14:useLocalDpi xmlns:a14="http://schemas.microsoft.com/office/drawing/2010/main" val="0"/>
@@ -32883,7 +38224,7 @@
             <p:nvPr/>
           </p:nvPicPr>
           <p:blipFill>
-            <a:blip r:embed="rId4">
+            <a:blip r:embed="rId4" cstate="hqprint">
               <a:extLst>
                 <a:ext uri="{28A0092B-C50C-407E-A947-70E740481C1C}">
                   <a14:useLocalDpi xmlns:a14="http://schemas.microsoft.com/office/drawing/2010/main" val="0"/>
@@ -34907,967 +40248,6 @@
 </p:sld>
 </file>
 
-<file path=ppt/slides/slide9.xml><?xml version="1.0" encoding="utf-8"?>
-<p:sld xmlns:a="http://schemas.openxmlformats.org/drawingml/2006/main" xmlns:r="http://schemas.openxmlformats.org/officeDocument/2006/relationships" xmlns:p="http://schemas.openxmlformats.org/presentationml/2006/main">
-  <p:cSld>
-    <p:spTree>
-      <p:nvGrpSpPr>
-        <p:cNvPr id="1" name=""/>
-        <p:cNvGrpSpPr/>
-        <p:nvPr/>
-      </p:nvGrpSpPr>
-      <p:grpSpPr>
-        <a:xfrm>
-          <a:off x="0" y="0"/>
-          <a:ext cx="0" cy="0"/>
-          <a:chOff x="0" y="0"/>
-          <a:chExt cx="0" cy="0"/>
-        </a:xfrm>
-      </p:grpSpPr>
-      <p:sp>
-        <p:nvSpPr>
-          <p:cNvPr id="4" name="직사각형 3">
-            <a:extLst>
-              <a:ext uri="{FF2B5EF4-FFF2-40B4-BE49-F238E27FC236}">
-                <a16:creationId xmlns:a16="http://schemas.microsoft.com/office/drawing/2014/main" id="{AE93FE2A-85FE-4157-951C-FC2FADBB3B34}"/>
-              </a:ext>
-            </a:extLst>
-          </p:cNvPr>
-          <p:cNvSpPr/>
-          <p:nvPr/>
-        </p:nvSpPr>
-        <p:spPr>
-          <a:xfrm>
-            <a:off x="0" y="0"/>
-            <a:ext cx="12192000" cy="1034474"/>
-          </a:xfrm>
-          <a:prstGeom prst="rect">
-            <a:avLst/>
-          </a:prstGeom>
-          <a:solidFill>
-            <a:schemeClr val="accent5">
-              <a:lumMod val="60000"/>
-              <a:lumOff val="40000"/>
-            </a:schemeClr>
-          </a:solidFill>
-        </p:spPr>
-        <p:style>
-          <a:lnRef idx="2">
-            <a:schemeClr val="accent1">
-              <a:shade val="50000"/>
-            </a:schemeClr>
-          </a:lnRef>
-          <a:fillRef idx="1">
-            <a:schemeClr val="accent1"/>
-          </a:fillRef>
-          <a:effectRef idx="0">
-            <a:schemeClr val="accent1"/>
-          </a:effectRef>
-          <a:fontRef idx="minor">
-            <a:schemeClr val="lt1"/>
-          </a:fontRef>
-        </p:style>
-        <p:txBody>
-          <a:bodyPr rtlCol="0" anchor="ctr"/>
-          <a:lstStyle/>
-          <a:p>
-            <a:pPr algn="ctr"/>
-            <a:endParaRPr lang="ko-KR" altLang="en-US" dirty="0"/>
-          </a:p>
-        </p:txBody>
-      </p:sp>
-      <p:sp>
-        <p:nvSpPr>
-          <p:cNvPr id="7" name="TextBox 6">
-            <a:extLst>
-              <a:ext uri="{FF2B5EF4-FFF2-40B4-BE49-F238E27FC236}">
-                <a16:creationId xmlns:a16="http://schemas.microsoft.com/office/drawing/2014/main" id="{982817C4-ACF4-45FB-A018-6E6F872691BC}"/>
-              </a:ext>
-            </a:extLst>
-          </p:cNvPr>
-          <p:cNvSpPr txBox="1"/>
-          <p:nvPr/>
-        </p:nvSpPr>
-        <p:spPr>
-          <a:xfrm>
-            <a:off x="646546" y="255627"/>
-            <a:ext cx="4230254" cy="523220"/>
-          </a:xfrm>
-          <a:prstGeom prst="rect">
-            <a:avLst/>
-          </a:prstGeom>
-          <a:noFill/>
-        </p:spPr>
-        <p:txBody>
-          <a:bodyPr wrap="square" rtlCol="0">
-            <a:spAutoFit/>
-          </a:bodyPr>
-          <a:lstStyle/>
-          <a:p>
-            <a:r>
-              <a:rPr lang="ko-KR" altLang="en-US" sz="2800" b="1" dirty="0"/>
-              <a:t>배</a:t>
-            </a:r>
-            <a:endParaRPr lang="en-US" altLang="ko-KR" sz="2800" b="1" dirty="0"/>
-          </a:p>
-        </p:txBody>
-      </p:sp>
-      <p:sp>
-        <p:nvSpPr>
-          <p:cNvPr id="35" name="직사각형 34">
-            <a:extLst>
-              <a:ext uri="{FF2B5EF4-FFF2-40B4-BE49-F238E27FC236}">
-                <a16:creationId xmlns:a16="http://schemas.microsoft.com/office/drawing/2014/main" id="{CDC16DF7-27F1-B614-B6BA-78F97D6F89AE}"/>
-              </a:ext>
-            </a:extLst>
-          </p:cNvPr>
-          <p:cNvSpPr/>
-          <p:nvPr/>
-        </p:nvSpPr>
-        <p:spPr>
-          <a:xfrm>
-            <a:off x="2677232" y="1929824"/>
-            <a:ext cx="7630470" cy="4211791"/>
-          </a:xfrm>
-          <a:prstGeom prst="rect">
-            <a:avLst/>
-          </a:prstGeom>
-          <a:solidFill>
-            <a:schemeClr val="accent2">
-              <a:lumMod val="60000"/>
-              <a:lumOff val="40000"/>
-            </a:schemeClr>
-          </a:solidFill>
-          <a:ln>
-            <a:noFill/>
-          </a:ln>
-        </p:spPr>
-        <p:style>
-          <a:lnRef idx="2">
-            <a:schemeClr val="accent1">
-              <a:shade val="50000"/>
-            </a:schemeClr>
-          </a:lnRef>
-          <a:fillRef idx="1">
-            <a:schemeClr val="accent1"/>
-          </a:fillRef>
-          <a:effectRef idx="0">
-            <a:schemeClr val="accent1"/>
-          </a:effectRef>
-          <a:fontRef idx="minor">
-            <a:schemeClr val="lt1"/>
-          </a:fontRef>
-        </p:style>
-        <p:txBody>
-          <a:bodyPr rtlCol="0" anchor="ctr"/>
-          <a:lstStyle/>
-          <a:p>
-            <a:pPr algn="ctr"/>
-            <a:endParaRPr lang="ko-KR" altLang="en-US"/>
-          </a:p>
-        </p:txBody>
-      </p:sp>
-      <p:sp>
-        <p:nvSpPr>
-          <p:cNvPr id="37" name="직사각형 36">
-            <a:extLst>
-              <a:ext uri="{FF2B5EF4-FFF2-40B4-BE49-F238E27FC236}">
-                <a16:creationId xmlns:a16="http://schemas.microsoft.com/office/drawing/2014/main" id="{87561C07-5CC8-B396-C75B-913787B54262}"/>
-              </a:ext>
-            </a:extLst>
-          </p:cNvPr>
-          <p:cNvSpPr/>
-          <p:nvPr/>
-        </p:nvSpPr>
-        <p:spPr>
-          <a:xfrm>
-            <a:off x="3169211" y="4145623"/>
-            <a:ext cx="4059190" cy="98829"/>
-          </a:xfrm>
-          <a:prstGeom prst="rect">
-            <a:avLst/>
-          </a:prstGeom>
-          <a:solidFill>
-            <a:schemeClr val="accent2">
-              <a:lumMod val="75000"/>
-            </a:schemeClr>
-          </a:solidFill>
-          <a:ln>
-            <a:noFill/>
-          </a:ln>
-        </p:spPr>
-        <p:style>
-          <a:lnRef idx="2">
-            <a:schemeClr val="accent1">
-              <a:shade val="50000"/>
-            </a:schemeClr>
-          </a:lnRef>
-          <a:fillRef idx="1">
-            <a:schemeClr val="accent1"/>
-          </a:fillRef>
-          <a:effectRef idx="0">
-            <a:schemeClr val="accent1"/>
-          </a:effectRef>
-          <a:fontRef idx="minor">
-            <a:schemeClr val="lt1"/>
-          </a:fontRef>
-        </p:style>
-        <p:txBody>
-          <a:bodyPr rtlCol="0" anchor="ctr"/>
-          <a:lstStyle/>
-          <a:p>
-            <a:pPr algn="ctr"/>
-            <a:endParaRPr lang="ko-KR" altLang="en-US"/>
-          </a:p>
-        </p:txBody>
-      </p:sp>
-      <p:pic>
-        <p:nvPicPr>
-          <p:cNvPr id="40" name="그림 39">
-            <a:extLst>
-              <a:ext uri="{FF2B5EF4-FFF2-40B4-BE49-F238E27FC236}">
-                <a16:creationId xmlns:a16="http://schemas.microsoft.com/office/drawing/2014/main" id="{7827B76E-62FB-12BF-89F9-10DB4018E61F}"/>
-              </a:ext>
-            </a:extLst>
-          </p:cNvPr>
-          <p:cNvPicPr>
-            <a:picLocks noChangeAspect="1"/>
-          </p:cNvPicPr>
-          <p:nvPr/>
-        </p:nvPicPr>
-        <p:blipFill>
-          <a:blip r:embed="rId3">
-            <a:extLst>
-              <a:ext uri="{28A0092B-C50C-407E-A947-70E740481C1C}">
-                <a14:useLocalDpi xmlns:a14="http://schemas.microsoft.com/office/drawing/2010/main" val="0"/>
-              </a:ext>
-            </a:extLst>
-          </a:blip>
-          <a:stretch>
-            <a:fillRect/>
-          </a:stretch>
-        </p:blipFill>
-        <p:spPr>
-          <a:xfrm>
-            <a:off x="3169211" y="2885163"/>
-            <a:ext cx="1431910" cy="1431910"/>
-          </a:xfrm>
-          <a:prstGeom prst="rect">
-            <a:avLst/>
-          </a:prstGeom>
-          <a:ln>
-            <a:noFill/>
-          </a:ln>
-        </p:spPr>
-      </p:pic>
-      <p:pic>
-        <p:nvPicPr>
-          <p:cNvPr id="45" name="그림 44">
-            <a:extLst>
-              <a:ext uri="{FF2B5EF4-FFF2-40B4-BE49-F238E27FC236}">
-                <a16:creationId xmlns:a16="http://schemas.microsoft.com/office/drawing/2014/main" id="{3EA152B9-5E44-687C-BD6D-3E869E3BC3C3}"/>
-              </a:ext>
-            </a:extLst>
-          </p:cNvPr>
-          <p:cNvPicPr>
-            <a:picLocks noChangeAspect="1"/>
-          </p:cNvPicPr>
-          <p:nvPr/>
-        </p:nvPicPr>
-        <p:blipFill>
-          <a:blip r:embed="rId3">
-            <a:extLst>
-              <a:ext uri="{28A0092B-C50C-407E-A947-70E740481C1C}">
-                <a14:useLocalDpi xmlns:a14="http://schemas.microsoft.com/office/drawing/2010/main" val="0"/>
-              </a:ext>
-            </a:extLst>
-          </a:blip>
-          <a:stretch>
-            <a:fillRect/>
-          </a:stretch>
-        </p:blipFill>
-        <p:spPr>
-          <a:xfrm>
-            <a:off x="4437280" y="2885163"/>
-            <a:ext cx="1431910" cy="1431910"/>
-          </a:xfrm>
-          <a:prstGeom prst="rect">
-            <a:avLst/>
-          </a:prstGeom>
-          <a:ln>
-            <a:noFill/>
-          </a:ln>
-        </p:spPr>
-      </p:pic>
-      <p:pic>
-        <p:nvPicPr>
-          <p:cNvPr id="46" name="그림 45">
-            <a:extLst>
-              <a:ext uri="{FF2B5EF4-FFF2-40B4-BE49-F238E27FC236}">
-                <a16:creationId xmlns:a16="http://schemas.microsoft.com/office/drawing/2014/main" id="{1C563DE0-9A48-C810-EAD7-3EEC3C168AFA}"/>
-              </a:ext>
-            </a:extLst>
-          </p:cNvPr>
-          <p:cNvPicPr>
-            <a:picLocks noChangeAspect="1"/>
-          </p:cNvPicPr>
-          <p:nvPr/>
-        </p:nvPicPr>
-        <p:blipFill>
-          <a:blip r:embed="rId3">
-            <a:extLst>
-              <a:ext uri="{28A0092B-C50C-407E-A947-70E740481C1C}">
-                <a14:useLocalDpi xmlns:a14="http://schemas.microsoft.com/office/drawing/2010/main" val="0"/>
-              </a:ext>
-            </a:extLst>
-          </a:blip>
-          <a:stretch>
-            <a:fillRect/>
-          </a:stretch>
-        </p:blipFill>
-        <p:spPr>
-          <a:xfrm>
-            <a:off x="5776512" y="2919006"/>
-            <a:ext cx="1431910" cy="1431910"/>
-          </a:xfrm>
-          <a:prstGeom prst="rect">
-            <a:avLst/>
-          </a:prstGeom>
-          <a:ln>
-            <a:noFill/>
-          </a:ln>
-        </p:spPr>
-      </p:pic>
-      <p:sp>
-        <p:nvSpPr>
-          <p:cNvPr id="47" name="직사각형 46">
-            <a:extLst>
-              <a:ext uri="{FF2B5EF4-FFF2-40B4-BE49-F238E27FC236}">
-                <a16:creationId xmlns:a16="http://schemas.microsoft.com/office/drawing/2014/main" id="{2445C83A-BD8D-1C10-16DD-52C2B6A4649E}"/>
-              </a:ext>
-            </a:extLst>
-          </p:cNvPr>
-          <p:cNvSpPr/>
-          <p:nvPr/>
-        </p:nvSpPr>
-        <p:spPr>
-          <a:xfrm>
-            <a:off x="5838979" y="5753858"/>
-            <a:ext cx="4059190" cy="98829"/>
-          </a:xfrm>
-          <a:prstGeom prst="rect">
-            <a:avLst/>
-          </a:prstGeom>
-          <a:solidFill>
-            <a:schemeClr val="accent2">
-              <a:lumMod val="75000"/>
-            </a:schemeClr>
-          </a:solidFill>
-          <a:ln>
-            <a:noFill/>
-          </a:ln>
-        </p:spPr>
-        <p:style>
-          <a:lnRef idx="2">
-            <a:schemeClr val="accent1">
-              <a:shade val="50000"/>
-            </a:schemeClr>
-          </a:lnRef>
-          <a:fillRef idx="1">
-            <a:schemeClr val="accent1"/>
-          </a:fillRef>
-          <a:effectRef idx="0">
-            <a:schemeClr val="accent1"/>
-          </a:effectRef>
-          <a:fontRef idx="minor">
-            <a:schemeClr val="lt1"/>
-          </a:fontRef>
-        </p:style>
-        <p:txBody>
-          <a:bodyPr rtlCol="0" anchor="ctr"/>
-          <a:lstStyle/>
-          <a:p>
-            <a:pPr algn="ctr"/>
-            <a:endParaRPr lang="ko-KR" altLang="en-US"/>
-          </a:p>
-        </p:txBody>
-      </p:sp>
-      <p:pic>
-        <p:nvPicPr>
-          <p:cNvPr id="48" name="그림 47">
-            <a:extLst>
-              <a:ext uri="{FF2B5EF4-FFF2-40B4-BE49-F238E27FC236}">
-                <a16:creationId xmlns:a16="http://schemas.microsoft.com/office/drawing/2014/main" id="{D578E922-3B9C-A44E-05EA-036144F9E4A3}"/>
-              </a:ext>
-            </a:extLst>
-          </p:cNvPr>
-          <p:cNvPicPr>
-            <a:picLocks noChangeAspect="1"/>
-          </p:cNvPicPr>
-          <p:nvPr/>
-        </p:nvPicPr>
-        <p:blipFill>
-          <a:blip r:embed="rId3">
-            <a:extLst>
-              <a:ext uri="{28A0092B-C50C-407E-A947-70E740481C1C}">
-                <a14:useLocalDpi xmlns:a14="http://schemas.microsoft.com/office/drawing/2010/main" val="0"/>
-              </a:ext>
-            </a:extLst>
-          </a:blip>
-          <a:stretch>
-            <a:fillRect/>
-          </a:stretch>
-        </p:blipFill>
-        <p:spPr>
-          <a:xfrm>
-            <a:off x="5838979" y="4483872"/>
-            <a:ext cx="1431910" cy="1431910"/>
-          </a:xfrm>
-          <a:prstGeom prst="rect">
-            <a:avLst/>
-          </a:prstGeom>
-          <a:ln>
-            <a:noFill/>
-          </a:ln>
-        </p:spPr>
-      </p:pic>
-      <p:pic>
-        <p:nvPicPr>
-          <p:cNvPr id="49" name="그림 48">
-            <a:extLst>
-              <a:ext uri="{FF2B5EF4-FFF2-40B4-BE49-F238E27FC236}">
-                <a16:creationId xmlns:a16="http://schemas.microsoft.com/office/drawing/2014/main" id="{25C18442-0747-80E5-3495-047BB51B173E}"/>
-              </a:ext>
-            </a:extLst>
-          </p:cNvPr>
-          <p:cNvPicPr>
-            <a:picLocks noChangeAspect="1"/>
-          </p:cNvPicPr>
-          <p:nvPr/>
-        </p:nvPicPr>
-        <p:blipFill>
-          <a:blip r:embed="rId3">
-            <a:extLst>
-              <a:ext uri="{28A0092B-C50C-407E-A947-70E740481C1C}">
-                <a14:useLocalDpi xmlns:a14="http://schemas.microsoft.com/office/drawing/2010/main" val="0"/>
-              </a:ext>
-            </a:extLst>
-          </a:blip>
-          <a:stretch>
-            <a:fillRect/>
-          </a:stretch>
-        </p:blipFill>
-        <p:spPr>
-          <a:xfrm>
-            <a:off x="7107048" y="4483872"/>
-            <a:ext cx="1431910" cy="1431910"/>
-          </a:xfrm>
-          <a:prstGeom prst="rect">
-            <a:avLst/>
-          </a:prstGeom>
-          <a:ln>
-            <a:noFill/>
-          </a:ln>
-        </p:spPr>
-      </p:pic>
-      <p:pic>
-        <p:nvPicPr>
-          <p:cNvPr id="50" name="그림 49">
-            <a:extLst>
-              <a:ext uri="{FF2B5EF4-FFF2-40B4-BE49-F238E27FC236}">
-                <a16:creationId xmlns:a16="http://schemas.microsoft.com/office/drawing/2014/main" id="{7DE9A7BE-5D68-209F-56CB-328D12AD1B6A}"/>
-              </a:ext>
-            </a:extLst>
-          </p:cNvPr>
-          <p:cNvPicPr>
-            <a:picLocks noChangeAspect="1"/>
-          </p:cNvPicPr>
-          <p:nvPr/>
-        </p:nvPicPr>
-        <p:blipFill>
-          <a:blip r:embed="rId3">
-            <a:extLst>
-              <a:ext uri="{28A0092B-C50C-407E-A947-70E740481C1C}">
-                <a14:useLocalDpi xmlns:a14="http://schemas.microsoft.com/office/drawing/2010/main" val="0"/>
-              </a:ext>
-            </a:extLst>
-          </a:blip>
-          <a:stretch>
-            <a:fillRect/>
-          </a:stretch>
-        </p:blipFill>
-        <p:spPr>
-          <a:xfrm>
-            <a:off x="8392447" y="4516892"/>
-            <a:ext cx="1431910" cy="1431910"/>
-          </a:xfrm>
-          <a:prstGeom prst="rect">
-            <a:avLst/>
-          </a:prstGeom>
-          <a:ln>
-            <a:noFill/>
-          </a:ln>
-        </p:spPr>
-      </p:pic>
-      <p:pic>
-        <p:nvPicPr>
-          <p:cNvPr id="57" name="그림 56">
-            <a:extLst>
-              <a:ext uri="{FF2B5EF4-FFF2-40B4-BE49-F238E27FC236}">
-                <a16:creationId xmlns:a16="http://schemas.microsoft.com/office/drawing/2014/main" id="{795A198C-8A96-0055-378E-C62D0F2B9700}"/>
-              </a:ext>
-            </a:extLst>
-          </p:cNvPr>
-          <p:cNvPicPr>
-            <a:picLocks noChangeAspect="1"/>
-          </p:cNvPicPr>
-          <p:nvPr/>
-        </p:nvPicPr>
-        <p:blipFill>
-          <a:blip r:embed="rId3">
-            <a:extLst>
-              <a:ext uri="{28A0092B-C50C-407E-A947-70E740481C1C}">
-                <a14:useLocalDpi xmlns:a14="http://schemas.microsoft.com/office/drawing/2010/main" val="0"/>
-              </a:ext>
-            </a:extLst>
-          </a:blip>
-          <a:stretch>
-            <a:fillRect/>
-          </a:stretch>
-        </p:blipFill>
-        <p:spPr>
-          <a:xfrm>
-            <a:off x="2836264" y="2119725"/>
-            <a:ext cx="441649" cy="441649"/>
-          </a:xfrm>
-          <a:prstGeom prst="rect">
-            <a:avLst/>
-          </a:prstGeom>
-          <a:ln>
-            <a:noFill/>
-          </a:ln>
-        </p:spPr>
-      </p:pic>
-      <p:sp>
-        <p:nvSpPr>
-          <p:cNvPr id="2" name="TextBox 1">
-            <a:extLst>
-              <a:ext uri="{FF2B5EF4-FFF2-40B4-BE49-F238E27FC236}">
-                <a16:creationId xmlns:a16="http://schemas.microsoft.com/office/drawing/2014/main" id="{792DF50D-44B7-4BC3-AFD9-465164F9B97C}"/>
-              </a:ext>
-            </a:extLst>
-          </p:cNvPr>
-          <p:cNvSpPr txBox="1"/>
-          <p:nvPr/>
-        </p:nvSpPr>
-        <p:spPr>
-          <a:xfrm>
-            <a:off x="3277913" y="2132944"/>
-            <a:ext cx="2723823" cy="461665"/>
-          </a:xfrm>
-          <a:prstGeom prst="rect">
-            <a:avLst/>
-          </a:prstGeom>
-          <a:noFill/>
-        </p:spPr>
-        <p:txBody>
-          <a:bodyPr wrap="none" rtlCol="0">
-            <a:spAutoFit/>
-          </a:bodyPr>
-          <a:lstStyle/>
-          <a:p>
-            <a:r>
-              <a:rPr lang="ko-KR" altLang="en-US" sz="1200" b="1" dirty="0"/>
-              <a:t>현재 모은 재료 개수</a:t>
-            </a:r>
-            <a:endParaRPr lang="en-US" altLang="ko-KR" sz="1200" b="1" dirty="0"/>
-          </a:p>
-          <a:p>
-            <a:r>
-              <a:rPr lang="en-US" altLang="ko-KR" sz="1200" b="1" dirty="0"/>
-              <a:t>	/ </a:t>
-            </a:r>
-            <a:r>
-              <a:rPr lang="ko-KR" altLang="en-US" sz="1200" b="1" dirty="0"/>
-              <a:t>모아야하는 재료 개수</a:t>
-            </a:r>
-          </a:p>
-        </p:txBody>
-      </p:sp>
-      <p:sp>
-        <p:nvSpPr>
-          <p:cNvPr id="3" name="직사각형 2">
-            <a:extLst>
-              <a:ext uri="{FF2B5EF4-FFF2-40B4-BE49-F238E27FC236}">
-                <a16:creationId xmlns:a16="http://schemas.microsoft.com/office/drawing/2014/main" id="{849C1316-54B4-186C-C977-6B3A6C460BBB}"/>
-              </a:ext>
-            </a:extLst>
-          </p:cNvPr>
-          <p:cNvSpPr/>
-          <p:nvPr/>
-        </p:nvSpPr>
-        <p:spPr>
-          <a:xfrm>
-            <a:off x="2763563" y="2119725"/>
-            <a:ext cx="3333750" cy="526018"/>
-          </a:xfrm>
-          <a:prstGeom prst="rect">
-            <a:avLst/>
-          </a:prstGeom>
-          <a:noFill/>
-          <a:ln>
-            <a:solidFill>
-              <a:schemeClr val="tx1"/>
-            </a:solidFill>
-          </a:ln>
-        </p:spPr>
-        <p:style>
-          <a:lnRef idx="2">
-            <a:schemeClr val="accent1">
-              <a:shade val="50000"/>
-            </a:schemeClr>
-          </a:lnRef>
-          <a:fillRef idx="1">
-            <a:schemeClr val="accent1"/>
-          </a:fillRef>
-          <a:effectRef idx="0">
-            <a:schemeClr val="accent1"/>
-          </a:effectRef>
-          <a:fontRef idx="minor">
-            <a:schemeClr val="lt1"/>
-          </a:fontRef>
-        </p:style>
-        <p:txBody>
-          <a:bodyPr rtlCol="0" anchor="ctr"/>
-          <a:lstStyle/>
-          <a:p>
-            <a:pPr algn="ctr"/>
-            <a:endParaRPr lang="ko-KR" altLang="en-US"/>
-          </a:p>
-        </p:txBody>
-      </p:sp>
-      <p:cxnSp>
-        <p:nvCxnSpPr>
-          <p:cNvPr id="11" name="직선 화살표 연결선 10">
-            <a:extLst>
-              <a:ext uri="{FF2B5EF4-FFF2-40B4-BE49-F238E27FC236}">
-                <a16:creationId xmlns:a16="http://schemas.microsoft.com/office/drawing/2014/main" id="{5C758F50-38F1-F05C-53EB-2C75B77852D6}"/>
-              </a:ext>
-            </a:extLst>
-          </p:cNvPr>
-          <p:cNvCxnSpPr>
-            <a:stCxn id="3" idx="1"/>
-          </p:cNvCxnSpPr>
-          <p:nvPr/>
-        </p:nvCxnSpPr>
-        <p:spPr>
-          <a:xfrm flipH="1">
-            <a:off x="2381250" y="2382734"/>
-            <a:ext cx="382313" cy="6855"/>
-          </a:xfrm>
-          <a:prstGeom prst="straightConnector1">
-            <a:avLst/>
-          </a:prstGeom>
-          <a:ln>
-            <a:tailEnd type="triangle"/>
-          </a:ln>
-        </p:spPr>
-        <p:style>
-          <a:lnRef idx="1">
-            <a:schemeClr val="dk1"/>
-          </a:lnRef>
-          <a:fillRef idx="0">
-            <a:schemeClr val="dk1"/>
-          </a:fillRef>
-          <a:effectRef idx="0">
-            <a:schemeClr val="dk1"/>
-          </a:effectRef>
-          <a:fontRef idx="minor">
-            <a:schemeClr val="tx1"/>
-          </a:fontRef>
-        </p:style>
-      </p:cxnSp>
-      <p:sp>
-        <p:nvSpPr>
-          <p:cNvPr id="12" name="TextBox 11">
-            <a:extLst>
-              <a:ext uri="{FF2B5EF4-FFF2-40B4-BE49-F238E27FC236}">
-                <a16:creationId xmlns:a16="http://schemas.microsoft.com/office/drawing/2014/main" id="{E55D1369-DC6A-2D4F-3E1B-291BDBA39E53}"/>
-              </a:ext>
-            </a:extLst>
-          </p:cNvPr>
-          <p:cNvSpPr txBox="1"/>
-          <p:nvPr/>
-        </p:nvSpPr>
-        <p:spPr>
-          <a:xfrm>
-            <a:off x="1148324" y="2230245"/>
-            <a:ext cx="1358064" cy="415498"/>
-          </a:xfrm>
-          <a:prstGeom prst="rect">
-            <a:avLst/>
-          </a:prstGeom>
-          <a:noFill/>
-        </p:spPr>
-        <p:txBody>
-          <a:bodyPr wrap="none" rtlCol="0">
-            <a:spAutoFit/>
-          </a:bodyPr>
-          <a:lstStyle/>
-          <a:p>
-            <a:pPr algn="ctr"/>
-            <a:r>
-              <a:rPr lang="ko-KR" altLang="en-US" sz="1050" dirty="0"/>
-              <a:t>패널에 몇 개 더 </a:t>
-            </a:r>
-            <a:endParaRPr lang="en-US" altLang="ko-KR" sz="1050" dirty="0"/>
-          </a:p>
-          <a:p>
-            <a:pPr algn="ctr"/>
-            <a:r>
-              <a:rPr lang="ko-KR" altLang="en-US" sz="1050" dirty="0"/>
-              <a:t>모아야 하는지 표시</a:t>
-            </a:r>
-          </a:p>
-        </p:txBody>
-      </p:sp>
-      <p:sp>
-        <p:nvSpPr>
-          <p:cNvPr id="16" name="TextBox 15">
-            <a:extLst>
-              <a:ext uri="{FF2B5EF4-FFF2-40B4-BE49-F238E27FC236}">
-                <a16:creationId xmlns:a16="http://schemas.microsoft.com/office/drawing/2014/main" id="{28825B61-6448-B3D0-E4D3-8BF3DC6F070C}"/>
-              </a:ext>
-            </a:extLst>
-          </p:cNvPr>
-          <p:cNvSpPr txBox="1"/>
-          <p:nvPr/>
-        </p:nvSpPr>
-        <p:spPr>
-          <a:xfrm>
-            <a:off x="646546" y="1297483"/>
-            <a:ext cx="3536546" cy="369332"/>
-          </a:xfrm>
-          <a:prstGeom prst="rect">
-            <a:avLst/>
-          </a:prstGeom>
-          <a:noFill/>
-        </p:spPr>
-        <p:txBody>
-          <a:bodyPr wrap="none" rtlCol="0">
-            <a:spAutoFit/>
-          </a:bodyPr>
-          <a:lstStyle/>
-          <a:p>
-            <a:r>
-              <a:rPr lang="ko-KR" altLang="en-US" b="1" dirty="0"/>
-              <a:t>재료 패널 예시 </a:t>
-            </a:r>
-            <a:r>
-              <a:rPr lang="en-US" altLang="ko-KR" b="1" dirty="0"/>
-              <a:t>– </a:t>
-            </a:r>
-            <a:r>
-              <a:rPr lang="ko-KR" altLang="en-US" b="1" dirty="0"/>
-              <a:t>유리 </a:t>
-            </a:r>
-            <a:r>
-              <a:rPr lang="en-US" altLang="ko-KR" b="1" dirty="0"/>
-              <a:t>, </a:t>
-            </a:r>
-            <a:r>
-              <a:rPr lang="ko-KR" altLang="en-US" b="1" dirty="0"/>
-              <a:t>철</a:t>
-            </a:r>
-            <a:r>
-              <a:rPr lang="en-US" altLang="ko-KR" b="1" dirty="0"/>
-              <a:t>, </a:t>
-            </a:r>
-            <a:r>
-              <a:rPr lang="ko-KR" altLang="en-US" b="1" dirty="0"/>
-              <a:t>구리</a:t>
-            </a:r>
-          </a:p>
-        </p:txBody>
-      </p:sp>
-      <p:sp>
-        <p:nvSpPr>
-          <p:cNvPr id="19" name="직사각형 18">
-            <a:extLst>
-              <a:ext uri="{FF2B5EF4-FFF2-40B4-BE49-F238E27FC236}">
-                <a16:creationId xmlns:a16="http://schemas.microsoft.com/office/drawing/2014/main" id="{5B93F921-8570-3788-A0A2-CCA1B483569D}"/>
-              </a:ext>
-            </a:extLst>
-          </p:cNvPr>
-          <p:cNvSpPr/>
-          <p:nvPr/>
-        </p:nvSpPr>
-        <p:spPr>
-          <a:xfrm>
-            <a:off x="3038475" y="2781300"/>
-            <a:ext cx="7038975" cy="3167502"/>
-          </a:xfrm>
-          <a:prstGeom prst="rect">
-            <a:avLst/>
-          </a:prstGeom>
-          <a:noFill/>
-          <a:ln w="38100">
-            <a:solidFill>
-              <a:schemeClr val="tx1"/>
-            </a:solidFill>
-          </a:ln>
-        </p:spPr>
-        <p:style>
-          <a:lnRef idx="2">
-            <a:schemeClr val="accent1">
-              <a:shade val="50000"/>
-            </a:schemeClr>
-          </a:lnRef>
-          <a:fillRef idx="1">
-            <a:schemeClr val="accent1"/>
-          </a:fillRef>
-          <a:effectRef idx="0">
-            <a:schemeClr val="accent1"/>
-          </a:effectRef>
-          <a:fontRef idx="minor">
-            <a:schemeClr val="lt1"/>
-          </a:fontRef>
-        </p:style>
-        <p:txBody>
-          <a:bodyPr rtlCol="0" anchor="ctr"/>
-          <a:lstStyle/>
-          <a:p>
-            <a:pPr algn="ctr"/>
-            <a:endParaRPr lang="ko-KR" altLang="en-US"/>
-          </a:p>
-        </p:txBody>
-      </p:sp>
-      <p:cxnSp>
-        <p:nvCxnSpPr>
-          <p:cNvPr id="27" name="직선 화살표 연결선 26">
-            <a:extLst>
-              <a:ext uri="{FF2B5EF4-FFF2-40B4-BE49-F238E27FC236}">
-                <a16:creationId xmlns:a16="http://schemas.microsoft.com/office/drawing/2014/main" id="{A1BAAFC8-A9CE-64BB-1B28-06E595FFB04F}"/>
-              </a:ext>
-            </a:extLst>
-          </p:cNvPr>
-          <p:cNvCxnSpPr>
-            <a:stCxn id="19" idx="3"/>
-          </p:cNvCxnSpPr>
-          <p:nvPr/>
-        </p:nvCxnSpPr>
-        <p:spPr>
-          <a:xfrm>
-            <a:off x="10077450" y="4365051"/>
-            <a:ext cx="752475" cy="118821"/>
-          </a:xfrm>
-          <a:prstGeom prst="straightConnector1">
-            <a:avLst/>
-          </a:prstGeom>
-          <a:ln>
-            <a:tailEnd type="triangle"/>
-          </a:ln>
-        </p:spPr>
-        <p:style>
-          <a:lnRef idx="1">
-            <a:schemeClr val="dk1"/>
-          </a:lnRef>
-          <a:fillRef idx="0">
-            <a:schemeClr val="dk1"/>
-          </a:fillRef>
-          <a:effectRef idx="0">
-            <a:schemeClr val="dk1"/>
-          </a:effectRef>
-          <a:fontRef idx="minor">
-            <a:schemeClr val="tx1"/>
-          </a:fontRef>
-        </p:style>
-      </p:cxnSp>
-      <p:sp>
-        <p:nvSpPr>
-          <p:cNvPr id="59" name="TextBox 58">
-            <a:extLst>
-              <a:ext uri="{FF2B5EF4-FFF2-40B4-BE49-F238E27FC236}">
-                <a16:creationId xmlns:a16="http://schemas.microsoft.com/office/drawing/2014/main" id="{4051D2DE-14CE-38E2-D847-AB0923896ED6}"/>
-              </a:ext>
-            </a:extLst>
-          </p:cNvPr>
-          <p:cNvSpPr txBox="1"/>
-          <p:nvPr/>
-        </p:nvSpPr>
-        <p:spPr>
-          <a:xfrm>
-            <a:off x="10323846" y="4593651"/>
-            <a:ext cx="1944763" cy="1061829"/>
-          </a:xfrm>
-          <a:prstGeom prst="rect">
-            <a:avLst/>
-          </a:prstGeom>
-          <a:noFill/>
-        </p:spPr>
-        <p:txBody>
-          <a:bodyPr wrap="none" rtlCol="0">
-            <a:spAutoFit/>
-          </a:bodyPr>
-          <a:lstStyle/>
-          <a:p>
-            <a:pPr algn="ctr"/>
-            <a:r>
-              <a:rPr lang="ko-KR" altLang="en-US" sz="1050" dirty="0"/>
-              <a:t>패널에 있는 아이템이</a:t>
-            </a:r>
-            <a:endParaRPr lang="en-US" altLang="ko-KR" sz="1050" dirty="0"/>
-          </a:p>
-          <a:p>
-            <a:pPr algn="ctr"/>
-            <a:r>
-              <a:rPr lang="ko-KR" altLang="en-US" sz="1050" dirty="0"/>
-              <a:t>모두 찰 때까지는 저장</a:t>
-            </a:r>
-            <a:endParaRPr lang="en-US" altLang="ko-KR" sz="1050" dirty="0"/>
-          </a:p>
-          <a:p>
-            <a:pPr algn="ctr"/>
-            <a:endParaRPr lang="en-US" altLang="ko-KR" sz="1050" dirty="0"/>
-          </a:p>
-          <a:p>
-            <a:pPr algn="ctr"/>
-            <a:r>
-              <a:rPr lang="ko-KR" altLang="en-US" sz="1050" dirty="0"/>
-              <a:t>패널이 모두 차면 주변에</a:t>
-            </a:r>
-            <a:endParaRPr lang="en-US" altLang="ko-KR" sz="1050" dirty="0"/>
-          </a:p>
-          <a:p>
-            <a:pPr algn="ctr"/>
-            <a:r>
-              <a:rPr lang="ko-KR" altLang="en-US" sz="1050" dirty="0"/>
-              <a:t>상자 오브젝트가 생기고</a:t>
-            </a:r>
-            <a:endParaRPr lang="en-US" altLang="ko-KR" sz="1050" dirty="0"/>
-          </a:p>
-          <a:p>
-            <a:pPr algn="ctr"/>
-            <a:r>
-              <a:rPr lang="ko-KR" altLang="en-US" sz="1050" dirty="0"/>
-              <a:t>패널에 있는 아이템은 초기화</a:t>
-            </a:r>
-          </a:p>
-        </p:txBody>
-      </p:sp>
-    </p:spTree>
-    <p:extLst>
-      <p:ext uri="{BB962C8B-B14F-4D97-AF65-F5344CB8AC3E}">
-        <p14:creationId xmlns:p14="http://schemas.microsoft.com/office/powerpoint/2010/main" val="2485589920"/>
-      </p:ext>
-    </p:extLst>
-  </p:cSld>
-  <p:clrMapOvr>
-    <a:masterClrMapping/>
-  </p:clrMapOvr>
-</p:sld>
-</file>
-
 <file path=ppt/theme/theme1.xml><?xml version="1.0" encoding="utf-8"?>
 <a:theme xmlns:a="http://schemas.openxmlformats.org/drawingml/2006/main" name="Office 테마">
   <a:themeElements>
